--- a/presentation/Motivation-Friendly-Competition.pptx
+++ b/presentation/Motivation-Friendly-Competition.pptx
@@ -14,23 +14,26 @@
     <p:sldId id="259" r:id="rId9"/>
     <p:sldId id="260" r:id="rId10"/>
     <p:sldId id="261" r:id="rId11"/>
+    <p:sldId id="262" r:id="rId12"/>
+    <p:sldId id="263" r:id="rId13"/>
+    <p:sldId id="264" r:id="rId14"/>
   </p:sldIdLst>
   <p:sldSz cy="5143500" cx="9144000"/>
   <p:notesSz cx="6858000" cy="9144000"/>
   <p:embeddedFontLst>
     <p:embeddedFont>
       <p:font typeface="Roboto"/>
-      <p:regular r:id="rId12"/>
-      <p:bold r:id="rId13"/>
-      <p:italic r:id="rId14"/>
-      <p:boldItalic r:id="rId15"/>
+      <p:regular r:id="rId15"/>
+      <p:bold r:id="rId16"/>
+      <p:italic r:id="rId17"/>
+      <p:boldItalic r:id="rId18"/>
     </p:embeddedFont>
     <p:embeddedFont>
       <p:font typeface="Nunito"/>
-      <p:regular r:id="rId16"/>
-      <p:bold r:id="rId17"/>
-      <p:italic r:id="rId18"/>
-      <p:boldItalic r:id="rId19"/>
+      <p:regular r:id="rId19"/>
+      <p:bold r:id="rId20"/>
+      <p:italic r:id="rId21"/>
+      <p:boldItalic r:id="rId22"/>
     </p:embeddedFont>
   </p:embeddedFontLst>
   <p:defaultTextStyle>
@@ -910,7 +913,7 @@
   <p:cSld>
     <p:spTree>
       <p:nvGrpSpPr>
-        <p:cNvPr id="138" name="Shape 138"/>
+        <p:cNvPr id="136" name="Shape 136"/>
         <p:cNvGrpSpPr/>
         <p:nvPr/>
       </p:nvGrpSpPr>
@@ -924,7 +927,7 @@
       </p:grpSpPr>
       <p:sp>
         <p:nvSpPr>
-          <p:cNvPr id="139" name="Google Shape;139;g789e426cf2_0_152:notes"/>
+          <p:cNvPr id="137" name="Google Shape;137;gb2d818dbdf_0_7:notes"/>
           <p:cNvSpPr/>
           <p:nvPr>
             <p:ph idx="2" type="sldImg"/>
@@ -959,7 +962,7 @@
       </p:sp>
       <p:sp>
         <p:nvSpPr>
-          <p:cNvPr id="140" name="Google Shape;140;g789e426cf2_0_152:notes"/>
+          <p:cNvPr id="138" name="Google Shape;138;gb2d818dbdf_0_7:notes"/>
           <p:cNvSpPr txBox="1"/>
           <p:nvPr>
             <p:ph idx="1" type="body"/>
@@ -1009,7 +1012,7 @@
   <p:cSld>
     <p:spTree>
       <p:nvGrpSpPr>
-        <p:cNvPr id="145" name="Shape 145"/>
+        <p:cNvPr id="143" name="Shape 143"/>
         <p:cNvGrpSpPr/>
         <p:nvPr/>
       </p:nvGrpSpPr>
@@ -1023,7 +1026,7 @@
       </p:grpSpPr>
       <p:sp>
         <p:nvSpPr>
-          <p:cNvPr id="146" name="Google Shape;146;gb2e2244c5c_0_3:notes"/>
+          <p:cNvPr id="144" name="Google Shape;144;g789e426cf2_0_152:notes"/>
           <p:cNvSpPr/>
           <p:nvPr>
             <p:ph idx="2" type="sldImg"/>
@@ -1058,7 +1061,7 @@
       </p:sp>
       <p:sp>
         <p:nvSpPr>
-          <p:cNvPr id="147" name="Google Shape;147;gb2e2244c5c_0_3:notes"/>
+          <p:cNvPr id="145" name="Google Shape;145;g789e426cf2_0_152:notes"/>
           <p:cNvSpPr txBox="1"/>
           <p:nvPr>
             <p:ph idx="1" type="body"/>
@@ -1108,7 +1111,7 @@
   <p:cSld>
     <p:spTree>
       <p:nvGrpSpPr>
-        <p:cNvPr id="152" name="Shape 152"/>
+        <p:cNvPr id="150" name="Shape 150"/>
         <p:cNvGrpSpPr/>
         <p:nvPr/>
       </p:nvGrpSpPr>
@@ -1122,7 +1125,7 @@
       </p:grpSpPr>
       <p:sp>
         <p:nvSpPr>
-          <p:cNvPr id="153" name="Google Shape;153;g789e426cf2_0_162:notes"/>
+          <p:cNvPr id="151" name="Google Shape;151;gb2e2244c5c_0_3:notes"/>
           <p:cNvSpPr/>
           <p:nvPr>
             <p:ph idx="2" type="sldImg"/>
@@ -1157,7 +1160,7 @@
       </p:sp>
       <p:sp>
         <p:nvSpPr>
-          <p:cNvPr id="154" name="Google Shape;154;g789e426cf2_0_162:notes"/>
+          <p:cNvPr id="152" name="Google Shape;152;gb2e2244c5c_0_3:notes"/>
           <p:cNvSpPr txBox="1"/>
           <p:nvPr>
             <p:ph idx="1" type="body"/>
@@ -1207,7 +1210,7 @@
   <p:cSld>
     <p:spTree>
       <p:nvGrpSpPr>
-        <p:cNvPr id="160" name="Shape 160"/>
+        <p:cNvPr id="157" name="Shape 157"/>
         <p:cNvGrpSpPr/>
         <p:nvPr/>
       </p:nvGrpSpPr>
@@ -1221,7 +1224,7 @@
       </p:grpSpPr>
       <p:sp>
         <p:nvSpPr>
-          <p:cNvPr id="161" name="Google Shape;161;g789e426cf2_0_172:notes"/>
+          <p:cNvPr id="158" name="Google Shape;158;gaa1226c9e9_0_12:notes"/>
           <p:cNvSpPr/>
           <p:nvPr>
             <p:ph idx="2" type="sldImg"/>
@@ -1256,7 +1259,304 @@
       </p:sp>
       <p:sp>
         <p:nvSpPr>
-          <p:cNvPr id="162" name="Google Shape;162;g789e426cf2_0_172:notes"/>
+          <p:cNvPr id="159" name="Google Shape;159;gaa1226c9e9_0_12:notes"/>
+          <p:cNvSpPr txBox="1"/>
+          <p:nvPr>
+            <p:ph idx="1" type="body"/>
+          </p:nvPr>
+        </p:nvSpPr>
+        <p:spPr>
+          <a:xfrm>
+            <a:off x="685800" y="4343400"/>
+            <a:ext cx="5486400" cy="4114800"/>
+          </a:xfrm>
+          <a:prstGeom prst="rect">
+            <a:avLst/>
+          </a:prstGeom>
+        </p:spPr>
+        <p:txBody>
+          <a:bodyPr anchorCtr="0" anchor="t" bIns="91425" lIns="91425" spcFirstLastPara="1" rIns="91425" wrap="square" tIns="91425">
+            <a:noAutofit/>
+          </a:bodyPr>
+          <a:lstStyle/>
+          <a:p>
+            <a:pPr indent="0" lvl="0" marL="0" rtl="0" algn="l">
+              <a:spcBef>
+                <a:spcPts val="0"/>
+              </a:spcBef>
+              <a:spcAft>
+                <a:spcPts val="0"/>
+              </a:spcAft>
+              <a:buNone/>
+            </a:pPr>
+            <a:r>
+              <a:t/>
+            </a:r>
+            <a:endParaRPr/>
+          </a:p>
+        </p:txBody>
+      </p:sp>
+    </p:spTree>
+  </p:cSld>
+  <p:clrMapOvr>
+    <a:masterClrMapping/>
+  </p:clrMapOvr>
+</p:notes>
+</file>
+
+<file path=ppt/notesSlides/notesSlide7.xml><?xml version="1.0" encoding="utf-8"?>
+<p:notes xmlns:a="http://schemas.openxmlformats.org/drawingml/2006/main" xmlns:r="http://schemas.openxmlformats.org/officeDocument/2006/relationships" xmlns:mc="http://schemas.openxmlformats.org/markup-compatibility/2006" xmlns:mv="urn:schemas-microsoft-com:mac:vml" xmlns:p="http://schemas.openxmlformats.org/presentationml/2006/main" xmlns:c="http://schemas.openxmlformats.org/drawingml/2006/chart" xmlns:dgm="http://schemas.openxmlformats.org/drawingml/2006/diagram" xmlns:o="urn:schemas-microsoft-com:office:office" xmlns:v="urn:schemas-microsoft-com:vml" xmlns:pvml="urn:schemas-microsoft-com:office:powerpoint" xmlns:com="http://schemas.openxmlformats.org/drawingml/2006/compatibility" xmlns:p14="http://schemas.microsoft.com/office/powerpoint/2010/main" xmlns:p15="http://schemas.microsoft.com/office/powerpoint/2012/main" xmlns:ahyp="http://schemas.microsoft.com/office/drawing/2018/hyperlinkcolor" showMasterPhAnim="0" showMasterSp="0">
+  <p:cSld>
+    <p:spTree>
+      <p:nvGrpSpPr>
+        <p:cNvPr id="164" name="Shape 164"/>
+        <p:cNvGrpSpPr/>
+        <p:nvPr/>
+      </p:nvGrpSpPr>
+      <p:grpSpPr>
+        <a:xfrm>
+          <a:off x="0" y="0"/>
+          <a:ext cx="0" cy="0"/>
+          <a:chOff x="0" y="0"/>
+          <a:chExt cx="0" cy="0"/>
+        </a:xfrm>
+      </p:grpSpPr>
+      <p:sp>
+        <p:nvSpPr>
+          <p:cNvPr id="165" name="Google Shape;165;g789e426cf2_0_172:notes"/>
+          <p:cNvSpPr/>
+          <p:nvPr>
+            <p:ph idx="2" type="sldImg"/>
+          </p:nvPr>
+        </p:nvSpPr>
+        <p:spPr>
+          <a:xfrm>
+            <a:off x="381300" y="685800"/>
+            <a:ext cx="6096000" cy="3429000"/>
+          </a:xfrm>
+          <a:custGeom>
+            <a:rect b="b" l="l" r="r" t="t"/>
+            <a:pathLst>
+              <a:path extrusionOk="0" h="120000" w="120000">
+                <a:moveTo>
+                  <a:pt x="0" y="0"/>
+                </a:moveTo>
+                <a:lnTo>
+                  <a:pt x="120000" y="0"/>
+                </a:lnTo>
+                <a:lnTo>
+                  <a:pt x="120000" y="120000"/>
+                </a:lnTo>
+                <a:lnTo>
+                  <a:pt x="0" y="120000"/>
+                </a:lnTo>
+                <a:close/>
+              </a:path>
+            </a:pathLst>
+          </a:custGeom>
+        </p:spPr>
+      </p:sp>
+      <p:sp>
+        <p:nvSpPr>
+          <p:cNvPr id="166" name="Google Shape;166;g789e426cf2_0_172:notes"/>
+          <p:cNvSpPr txBox="1"/>
+          <p:nvPr>
+            <p:ph idx="1" type="body"/>
+          </p:nvPr>
+        </p:nvSpPr>
+        <p:spPr>
+          <a:xfrm>
+            <a:off x="685800" y="4343400"/>
+            <a:ext cx="5486400" cy="4114800"/>
+          </a:xfrm>
+          <a:prstGeom prst="rect">
+            <a:avLst/>
+          </a:prstGeom>
+        </p:spPr>
+        <p:txBody>
+          <a:bodyPr anchorCtr="0" anchor="t" bIns="91425" lIns="91425" spcFirstLastPara="1" rIns="91425" wrap="square" tIns="91425">
+            <a:noAutofit/>
+          </a:bodyPr>
+          <a:lstStyle/>
+          <a:p>
+            <a:pPr indent="0" lvl="0" marL="0" rtl="0" algn="l">
+              <a:spcBef>
+                <a:spcPts val="0"/>
+              </a:spcBef>
+              <a:spcAft>
+                <a:spcPts val="0"/>
+              </a:spcAft>
+              <a:buNone/>
+            </a:pPr>
+            <a:r>
+              <a:t/>
+            </a:r>
+            <a:endParaRPr/>
+          </a:p>
+        </p:txBody>
+      </p:sp>
+    </p:spTree>
+  </p:cSld>
+  <p:clrMapOvr>
+    <a:masterClrMapping/>
+  </p:clrMapOvr>
+</p:notes>
+</file>
+
+<file path=ppt/notesSlides/notesSlide8.xml><?xml version="1.0" encoding="utf-8"?>
+<p:notes xmlns:a="http://schemas.openxmlformats.org/drawingml/2006/main" xmlns:r="http://schemas.openxmlformats.org/officeDocument/2006/relationships" xmlns:mc="http://schemas.openxmlformats.org/markup-compatibility/2006" xmlns:mv="urn:schemas-microsoft-com:mac:vml" xmlns:p="http://schemas.openxmlformats.org/presentationml/2006/main" xmlns:c="http://schemas.openxmlformats.org/drawingml/2006/chart" xmlns:dgm="http://schemas.openxmlformats.org/drawingml/2006/diagram" xmlns:o="urn:schemas-microsoft-com:office:office" xmlns:v="urn:schemas-microsoft-com:vml" xmlns:pvml="urn:schemas-microsoft-com:office:powerpoint" xmlns:com="http://schemas.openxmlformats.org/drawingml/2006/compatibility" xmlns:p14="http://schemas.microsoft.com/office/powerpoint/2010/main" xmlns:p15="http://schemas.microsoft.com/office/powerpoint/2012/main" xmlns:ahyp="http://schemas.microsoft.com/office/drawing/2018/hyperlinkcolor" showMasterPhAnim="0" showMasterSp="0">
+  <p:cSld>
+    <p:spTree>
+      <p:nvGrpSpPr>
+        <p:cNvPr id="171" name="Shape 171"/>
+        <p:cNvGrpSpPr/>
+        <p:nvPr/>
+      </p:nvGrpSpPr>
+      <p:grpSpPr>
+        <a:xfrm>
+          <a:off x="0" y="0"/>
+          <a:ext cx="0" cy="0"/>
+          <a:chOff x="0" y="0"/>
+          <a:chExt cx="0" cy="0"/>
+        </a:xfrm>
+      </p:grpSpPr>
+      <p:sp>
+        <p:nvSpPr>
+          <p:cNvPr id="172" name="Google Shape;172;g789e426cf2_0_162:notes"/>
+          <p:cNvSpPr/>
+          <p:nvPr>
+            <p:ph idx="2" type="sldImg"/>
+          </p:nvPr>
+        </p:nvSpPr>
+        <p:spPr>
+          <a:xfrm>
+            <a:off x="381300" y="685800"/>
+            <a:ext cx="6096000" cy="3429000"/>
+          </a:xfrm>
+          <a:custGeom>
+            <a:rect b="b" l="l" r="r" t="t"/>
+            <a:pathLst>
+              <a:path extrusionOk="0" h="120000" w="120000">
+                <a:moveTo>
+                  <a:pt x="0" y="0"/>
+                </a:moveTo>
+                <a:lnTo>
+                  <a:pt x="120000" y="0"/>
+                </a:lnTo>
+                <a:lnTo>
+                  <a:pt x="120000" y="120000"/>
+                </a:lnTo>
+                <a:lnTo>
+                  <a:pt x="0" y="120000"/>
+                </a:lnTo>
+                <a:close/>
+              </a:path>
+            </a:pathLst>
+          </a:custGeom>
+        </p:spPr>
+      </p:sp>
+      <p:sp>
+        <p:nvSpPr>
+          <p:cNvPr id="173" name="Google Shape;173;g789e426cf2_0_162:notes"/>
+          <p:cNvSpPr txBox="1"/>
+          <p:nvPr>
+            <p:ph idx="1" type="body"/>
+          </p:nvPr>
+        </p:nvSpPr>
+        <p:spPr>
+          <a:xfrm>
+            <a:off x="685800" y="4343400"/>
+            <a:ext cx="5486400" cy="4114800"/>
+          </a:xfrm>
+          <a:prstGeom prst="rect">
+            <a:avLst/>
+          </a:prstGeom>
+        </p:spPr>
+        <p:txBody>
+          <a:bodyPr anchorCtr="0" anchor="t" bIns="91425" lIns="91425" spcFirstLastPara="1" rIns="91425" wrap="square" tIns="91425">
+            <a:noAutofit/>
+          </a:bodyPr>
+          <a:lstStyle/>
+          <a:p>
+            <a:pPr indent="0" lvl="0" marL="0" rtl="0" algn="l">
+              <a:spcBef>
+                <a:spcPts val="0"/>
+              </a:spcBef>
+              <a:spcAft>
+                <a:spcPts val="0"/>
+              </a:spcAft>
+              <a:buNone/>
+            </a:pPr>
+            <a:r>
+              <a:t/>
+            </a:r>
+            <a:endParaRPr/>
+          </a:p>
+        </p:txBody>
+      </p:sp>
+    </p:spTree>
+  </p:cSld>
+  <p:clrMapOvr>
+    <a:masterClrMapping/>
+  </p:clrMapOvr>
+</p:notes>
+</file>
+
+<file path=ppt/notesSlides/notesSlide9.xml><?xml version="1.0" encoding="utf-8"?>
+<p:notes xmlns:a="http://schemas.openxmlformats.org/drawingml/2006/main" xmlns:r="http://schemas.openxmlformats.org/officeDocument/2006/relationships" xmlns:mc="http://schemas.openxmlformats.org/markup-compatibility/2006" xmlns:mv="urn:schemas-microsoft-com:mac:vml" xmlns:p="http://schemas.openxmlformats.org/presentationml/2006/main" xmlns:c="http://schemas.openxmlformats.org/drawingml/2006/chart" xmlns:dgm="http://schemas.openxmlformats.org/drawingml/2006/diagram" xmlns:o="urn:schemas-microsoft-com:office:office" xmlns:v="urn:schemas-microsoft-com:vml" xmlns:pvml="urn:schemas-microsoft-com:office:powerpoint" xmlns:com="http://schemas.openxmlformats.org/drawingml/2006/compatibility" xmlns:p14="http://schemas.microsoft.com/office/powerpoint/2010/main" xmlns:p15="http://schemas.microsoft.com/office/powerpoint/2012/main" xmlns:ahyp="http://schemas.microsoft.com/office/drawing/2018/hyperlinkcolor" showMasterPhAnim="0" showMasterSp="0">
+  <p:cSld>
+    <p:spTree>
+      <p:nvGrpSpPr>
+        <p:cNvPr id="179" name="Shape 179"/>
+        <p:cNvGrpSpPr/>
+        <p:nvPr/>
+      </p:nvGrpSpPr>
+      <p:grpSpPr>
+        <a:xfrm>
+          <a:off x="0" y="0"/>
+          <a:ext cx="0" cy="0"/>
+          <a:chOff x="0" y="0"/>
+          <a:chExt cx="0" cy="0"/>
+        </a:xfrm>
+      </p:grpSpPr>
+      <p:sp>
+        <p:nvSpPr>
+          <p:cNvPr id="180" name="Google Shape;180;gaa1226c9e9_0_7:notes"/>
+          <p:cNvSpPr/>
+          <p:nvPr>
+            <p:ph idx="2" type="sldImg"/>
+          </p:nvPr>
+        </p:nvSpPr>
+        <p:spPr>
+          <a:xfrm>
+            <a:off x="381300" y="685800"/>
+            <a:ext cx="6096000" cy="3429000"/>
+          </a:xfrm>
+          <a:custGeom>
+            <a:rect b="b" l="l" r="r" t="t"/>
+            <a:pathLst>
+              <a:path extrusionOk="0" h="120000" w="120000">
+                <a:moveTo>
+                  <a:pt x="0" y="0"/>
+                </a:moveTo>
+                <a:lnTo>
+                  <a:pt x="120000" y="0"/>
+                </a:lnTo>
+                <a:lnTo>
+                  <a:pt x="120000" y="120000"/>
+                </a:lnTo>
+                <a:lnTo>
+                  <a:pt x="0" y="120000"/>
+                </a:lnTo>
+                <a:close/>
+              </a:path>
+            </a:pathLst>
+          </a:custGeom>
+        </p:spPr>
+      </p:sp>
+      <p:sp>
+        <p:nvSpPr>
+          <p:cNvPr id="181" name="Google Shape;181;gaa1226c9e9_0_7:notes"/>
           <p:cNvSpPr txBox="1"/>
           <p:nvPr>
             <p:ph idx="1" type="body"/>
@@ -9471,7 +9771,7 @@
             </a:pPr>
             <a:r>
               <a:rPr lang="en"/>
-              <a:t>Karen Alarcon</a:t>
+              <a:t>Karen Alarcon - UXDI</a:t>
             </a:r>
             <a:endParaRPr/>
           </a:p>
@@ -9487,7 +9787,7 @@
             </a:pPr>
             <a:r>
               <a:rPr lang="en"/>
-              <a:t>Phoenix/Eric Ehmann</a:t>
+              <a:t>Phoenix/Eric Ehmann - UXDI</a:t>
             </a:r>
             <a:endParaRPr/>
           </a:p>
@@ -9503,7 +9803,7 @@
             </a:pPr>
             <a:r>
               <a:rPr lang="en"/>
-              <a:t>Daniel Michael</a:t>
+              <a:t>Daniel Michael - SEI</a:t>
             </a:r>
             <a:endParaRPr/>
           </a:p>
@@ -9519,7 +9819,7 @@
             </a:pPr>
             <a:r>
               <a:rPr lang="en"/>
-              <a:t>Cristina Sahoo</a:t>
+              <a:t>Cristina Sahoo - DSI</a:t>
             </a:r>
             <a:endParaRPr/>
           </a:p>
@@ -9535,7 +9835,7 @@
             </a:pPr>
             <a:r>
               <a:rPr lang="en"/>
-              <a:t>Kristina Timkova</a:t>
+              <a:t>Kristina Timkova - SEI</a:t>
             </a:r>
             <a:endParaRPr/>
           </a:p>
@@ -9654,16 +9954,115 @@
               <a:buNone/>
             </a:pPr>
             <a:r>
-              <a:rPr lang="en"/>
-              <a:t>The COVID-19 pandemic has affected many of us. With depression and social isolation on the rise, and with many businesses closing affecting employment negatively, we are looking for solutions to lift up the mood and bring in an element of fun and togetherness. We need an outlet to combat feelings of loneliness and lack of motivation due to COVID-19.  In this project, we aim at helping a specific group of people who have been affected negatively by the pandemic: bartenders.</a:t>
+              <a:rPr lang="en">
+                <a:solidFill>
+                  <a:srgbClr val="000000"/>
+                </a:solidFill>
+              </a:rPr>
+              <a:t>The COVID-19 pandemic has affected many of us. With depression and social isolation on the rise, and with many businesses closing affecting employment negatively, we are looking for solutions to lift up the mood and bring in an element of fun and togetherness. We need an outlet to combat feelings of loneliness and lack of motivation due to COVID-19.  In this project, we aim at helping a specific group of people who have been affected negatively by the pandemic: </a:t>
             </a:r>
             <a:r>
-              <a:rPr lang="en"/>
-              <a:t> Bars have been closing, leaving bartenders out of work.  They need a way to maintain socializing with people that share their trade, motivation, and continue to practice their skill. How do we maintain the fun of the bar scene, while bars are closed?</a:t>
+              <a:rPr b="1" lang="en">
+                <a:solidFill>
+                  <a:srgbClr val="000000"/>
+                </a:solidFill>
+              </a:rPr>
+              <a:t>B</a:t>
+            </a:r>
+            <a:r>
+              <a:rPr b="1" lang="en">
+                <a:solidFill>
+                  <a:srgbClr val="000000"/>
+                </a:solidFill>
+              </a:rPr>
+              <a:t>artenders.</a:t>
+            </a:r>
+            <a:r>
+              <a:rPr lang="en">
+                <a:solidFill>
+                  <a:srgbClr val="000000"/>
+                </a:solidFill>
+              </a:rPr>
+              <a:t> </a:t>
+            </a:r>
+            <a:endParaRPr>
+              <a:solidFill>
+                <a:srgbClr val="000000"/>
+              </a:solidFill>
+            </a:endParaRPr>
+          </a:p>
+          <a:p>
+            <a:pPr indent="0" lvl="0" marL="0" rtl="0" algn="l">
+              <a:spcBef>
+                <a:spcPts val="1600"/>
+              </a:spcBef>
+              <a:spcAft>
+                <a:spcPts val="0"/>
+              </a:spcAft>
+              <a:buNone/>
+            </a:pPr>
+            <a:r>
+              <a:rPr lang="en">
+                <a:solidFill>
+                  <a:srgbClr val="000000"/>
+                </a:solidFill>
+              </a:rPr>
+              <a:t>Bars have been closing, leaving bartenders out of work.  </a:t>
+            </a:r>
+            <a:r>
+              <a:rPr b="1" lang="en">
+                <a:solidFill>
+                  <a:srgbClr val="000000"/>
+                </a:solidFill>
+              </a:rPr>
+              <a:t>Bartenders need a way to maintain socializing with people that share their trade, motivation, and continue to practice their skill. </a:t>
+            </a:r>
+            <a:endParaRPr b="1">
+              <a:solidFill>
+                <a:srgbClr val="000000"/>
+              </a:solidFill>
+            </a:endParaRPr>
+          </a:p>
+          <a:p>
+            <a:pPr indent="0" lvl="0" marL="0" rtl="0" algn="l">
+              <a:spcBef>
+                <a:spcPts val="1600"/>
+              </a:spcBef>
+              <a:spcAft>
+                <a:spcPts val="0"/>
+              </a:spcAft>
+              <a:buNone/>
+            </a:pPr>
+            <a:r>
+              <a:t/>
+            </a:r>
+            <a:endParaRPr>
+              <a:solidFill>
+                <a:srgbClr val="000000"/>
+              </a:solidFill>
+            </a:endParaRPr>
+          </a:p>
+          <a:p>
+            <a:pPr indent="0" lvl="0" marL="0" rtl="0" algn="l">
+              <a:spcBef>
+                <a:spcPts val="1600"/>
+              </a:spcBef>
+              <a:spcAft>
+                <a:spcPts val="0"/>
+              </a:spcAft>
+              <a:buNone/>
+            </a:pPr>
+            <a:r>
+              <a:rPr lang="en">
+                <a:solidFill>
+                  <a:srgbClr val="000000"/>
+                </a:solidFill>
+              </a:rPr>
+              <a:t>How do we maintain the fun of the bar scene, while bars are closed?</a:t>
             </a:r>
             <a:endParaRPr sz="1000">
               <a:solidFill>
-                <a:srgbClr val="263238"/>
+                <a:srgbClr val="000000"/>
               </a:solidFill>
               <a:latin typeface="Roboto"/>
               <a:ea typeface="Roboto"/>
@@ -9684,103 +10083,11 @@
             <a:r>
               <a:t/>
             </a:r>
-            <a:endParaRPr/>
-          </a:p>
-        </p:txBody>
-      </p:sp>
-      <p:sp>
-        <p:nvSpPr>
-          <p:cNvPr id="136" name="Google Shape;136;p14"/>
-          <p:cNvSpPr txBox="1"/>
-          <p:nvPr/>
-        </p:nvSpPr>
-        <p:spPr>
-          <a:xfrm>
-            <a:off x="819150" y="3522850"/>
-            <a:ext cx="7505700" cy="478200"/>
-          </a:xfrm>
-          <a:prstGeom prst="rect">
-            <a:avLst/>
-          </a:prstGeom>
-          <a:noFill/>
-          <a:ln>
-            <a:noFill/>
-          </a:ln>
-        </p:spPr>
-        <p:txBody>
-          <a:bodyPr anchorCtr="0" anchor="t" bIns="91425" lIns="91425" spcFirstLastPara="1" rIns="91425" wrap="square" tIns="91425">
-            <a:noAutofit/>
-          </a:bodyPr>
-          <a:lstStyle/>
-          <a:p>
-            <a:pPr indent="0" lvl="0" marL="0" rtl="0" algn="l">
-              <a:spcBef>
-                <a:spcPts val="0"/>
-              </a:spcBef>
-              <a:spcAft>
-                <a:spcPts val="0"/>
-              </a:spcAft>
-              <a:buNone/>
-            </a:pPr>
-            <a:r>
-              <a:rPr lang="en" sz="1300">
-                <a:latin typeface="Calibri"/>
-                <a:ea typeface="Calibri"/>
-                <a:cs typeface="Calibri"/>
-                <a:sym typeface="Calibri"/>
-              </a:rPr>
-              <a:t>Challenge.ME connects users with challenges that allows users to practice or test their unique skills against others.</a:t>
-            </a:r>
-            <a:endParaRPr sz="1300">
-              <a:latin typeface="Calibri"/>
-              <a:ea typeface="Calibri"/>
-              <a:cs typeface="Calibri"/>
-              <a:sym typeface="Calibri"/>
+            <a:endParaRPr>
+              <a:solidFill>
+                <a:srgbClr val="000000"/>
+              </a:solidFill>
             </a:endParaRPr>
-          </a:p>
-        </p:txBody>
-      </p:sp>
-      <p:sp>
-        <p:nvSpPr>
-          <p:cNvPr id="137" name="Google Shape;137;p14"/>
-          <p:cNvSpPr txBox="1"/>
-          <p:nvPr>
-            <p:ph type="title"/>
-          </p:nvPr>
-        </p:nvSpPr>
-        <p:spPr>
-          <a:xfrm>
-            <a:off x="819150" y="2966650"/>
-            <a:ext cx="7505700" cy="556200"/>
-          </a:xfrm>
-          <a:prstGeom prst="rect">
-            <a:avLst/>
-          </a:prstGeom>
-        </p:spPr>
-        <p:txBody>
-          <a:bodyPr anchorCtr="0" anchor="t" bIns="91425" lIns="91425" spcFirstLastPara="1" rIns="91425" wrap="square" tIns="91425">
-            <a:noAutofit/>
-          </a:bodyPr>
-          <a:lstStyle/>
-          <a:p>
-            <a:pPr indent="0" lvl="0" marL="0" rtl="0" algn="l">
-              <a:spcBef>
-                <a:spcPts val="0"/>
-              </a:spcBef>
-              <a:spcAft>
-                <a:spcPts val="0"/>
-              </a:spcAft>
-              <a:buNone/>
-            </a:pPr>
-            <a:r>
-              <a:rPr lang="en" sz="2500"/>
-              <a:t>Solution</a:t>
-            </a:r>
-            <a:r>
-              <a:rPr lang="en" sz="2500"/>
-              <a:t> Statement</a:t>
-            </a:r>
-            <a:endParaRPr sz="2500"/>
           </a:p>
         </p:txBody>
       </p:sp>
@@ -9797,7 +10104,323 @@
   <p:cSld>
     <p:spTree>
       <p:nvGrpSpPr>
-        <p:cNvPr id="141" name="Shape 141"/>
+        <p:cNvPr id="139" name="Shape 139"/>
+        <p:cNvGrpSpPr/>
+        <p:nvPr/>
+      </p:nvGrpSpPr>
+      <p:grpSpPr>
+        <a:xfrm>
+          <a:off x="0" y="0"/>
+          <a:ext cx="0" cy="0"/>
+          <a:chOff x="0" y="0"/>
+          <a:chExt cx="0" cy="0"/>
+        </a:xfrm>
+      </p:grpSpPr>
+      <p:sp>
+        <p:nvSpPr>
+          <p:cNvPr id="140" name="Google Shape;140;p15"/>
+          <p:cNvSpPr txBox="1"/>
+          <p:nvPr>
+            <p:ph type="title"/>
+          </p:nvPr>
+        </p:nvSpPr>
+        <p:spPr>
+          <a:xfrm>
+            <a:off x="819150" y="638950"/>
+            <a:ext cx="7505700" cy="556200"/>
+          </a:xfrm>
+          <a:prstGeom prst="rect">
+            <a:avLst/>
+          </a:prstGeom>
+        </p:spPr>
+        <p:txBody>
+          <a:bodyPr anchorCtr="0" anchor="t" bIns="91425" lIns="91425" spcFirstLastPara="1" rIns="91425" wrap="square" tIns="91425">
+            <a:noAutofit/>
+          </a:bodyPr>
+          <a:lstStyle/>
+          <a:p>
+            <a:pPr indent="0" lvl="0" marL="0" rtl="0" algn="l">
+              <a:spcBef>
+                <a:spcPts val="0"/>
+              </a:spcBef>
+              <a:spcAft>
+                <a:spcPts val="0"/>
+              </a:spcAft>
+              <a:buNone/>
+            </a:pPr>
+            <a:r>
+              <a:rPr lang="en" sz="2500"/>
+              <a:t>Solution Statement</a:t>
+            </a:r>
+            <a:endParaRPr sz="2500"/>
+          </a:p>
+          <a:p>
+            <a:pPr indent="0" lvl="0" marL="0" rtl="0" algn="l">
+              <a:spcBef>
+                <a:spcPts val="0"/>
+              </a:spcBef>
+              <a:spcAft>
+                <a:spcPts val="0"/>
+              </a:spcAft>
+              <a:buNone/>
+            </a:pPr>
+            <a:r>
+              <a:t/>
+            </a:r>
+            <a:endParaRPr sz="2500"/>
+          </a:p>
+        </p:txBody>
+      </p:sp>
+      <p:sp>
+        <p:nvSpPr>
+          <p:cNvPr id="141" name="Google Shape;141;p15"/>
+          <p:cNvSpPr txBox="1"/>
+          <p:nvPr>
+            <p:ph idx="1" type="body"/>
+          </p:nvPr>
+        </p:nvSpPr>
+        <p:spPr>
+          <a:xfrm>
+            <a:off x="819150" y="1195150"/>
+            <a:ext cx="7505700" cy="786600"/>
+          </a:xfrm>
+          <a:prstGeom prst="rect">
+            <a:avLst/>
+          </a:prstGeom>
+        </p:spPr>
+        <p:txBody>
+          <a:bodyPr anchorCtr="0" anchor="t" bIns="91425" lIns="91425" spcFirstLastPara="1" rIns="91425" wrap="square" tIns="91425">
+            <a:noAutofit/>
+          </a:bodyPr>
+          <a:lstStyle/>
+          <a:p>
+            <a:pPr indent="0" lvl="0" marL="0" rtl="0" algn="l">
+              <a:lnSpc>
+                <a:spcPct val="100000"/>
+              </a:lnSpc>
+              <a:spcBef>
+                <a:spcPts val="0"/>
+              </a:spcBef>
+              <a:spcAft>
+                <a:spcPts val="0"/>
+              </a:spcAft>
+              <a:buNone/>
+            </a:pPr>
+            <a:r>
+              <a:rPr lang="en">
+                <a:solidFill>
+                  <a:srgbClr val="000000"/>
+                </a:solidFill>
+              </a:rPr>
+              <a:t>Challenge.ME connects bartenders with challenges that allow them to practice or test their unique skills against others.</a:t>
+            </a:r>
+            <a:endParaRPr>
+              <a:solidFill>
+                <a:srgbClr val="000000"/>
+              </a:solidFill>
+            </a:endParaRPr>
+          </a:p>
+          <a:p>
+            <a:pPr indent="0" lvl="0" marL="0" rtl="0" algn="l">
+              <a:spcBef>
+                <a:spcPts val="0"/>
+              </a:spcBef>
+              <a:spcAft>
+                <a:spcPts val="1600"/>
+              </a:spcAft>
+              <a:buNone/>
+            </a:pPr>
+            <a:r>
+              <a:t/>
+            </a:r>
+            <a:endParaRPr>
+              <a:solidFill>
+                <a:srgbClr val="000000"/>
+              </a:solidFill>
+            </a:endParaRPr>
+          </a:p>
+        </p:txBody>
+      </p:sp>
+      <p:sp>
+        <p:nvSpPr>
+          <p:cNvPr id="142" name="Google Shape;142;p15"/>
+          <p:cNvSpPr txBox="1"/>
+          <p:nvPr>
+            <p:ph idx="1" type="body"/>
+          </p:nvPr>
+        </p:nvSpPr>
+        <p:spPr>
+          <a:xfrm>
+            <a:off x="860925" y="2714400"/>
+            <a:ext cx="7505700" cy="1479600"/>
+          </a:xfrm>
+          <a:prstGeom prst="rect">
+            <a:avLst/>
+          </a:prstGeom>
+        </p:spPr>
+        <p:txBody>
+          <a:bodyPr anchorCtr="0" anchor="t" bIns="91425" lIns="91425" spcFirstLastPara="1" rIns="91425" wrap="square" tIns="91425">
+            <a:noAutofit/>
+          </a:bodyPr>
+          <a:lstStyle/>
+          <a:p>
+            <a:pPr indent="0" lvl="0" marL="0" rtl="0" algn="l">
+              <a:lnSpc>
+                <a:spcPct val="100000"/>
+              </a:lnSpc>
+              <a:spcBef>
+                <a:spcPts val="0"/>
+              </a:spcBef>
+              <a:spcAft>
+                <a:spcPts val="0"/>
+              </a:spcAft>
+              <a:buNone/>
+            </a:pPr>
+            <a:r>
+              <a:rPr lang="en">
+                <a:solidFill>
+                  <a:srgbClr val="000000"/>
+                </a:solidFill>
+              </a:rPr>
+              <a:t>Challenge.ME </a:t>
+            </a:r>
+            <a:endParaRPr>
+              <a:solidFill>
+                <a:srgbClr val="000000"/>
+              </a:solidFill>
+            </a:endParaRPr>
+          </a:p>
+          <a:p>
+            <a:pPr indent="0" lvl="0" marL="0" rtl="0" algn="l">
+              <a:lnSpc>
+                <a:spcPct val="100000"/>
+              </a:lnSpc>
+              <a:spcBef>
+                <a:spcPts val="0"/>
+              </a:spcBef>
+              <a:spcAft>
+                <a:spcPts val="0"/>
+              </a:spcAft>
+              <a:buNone/>
+            </a:pPr>
+            <a:r>
+              <a:t/>
+            </a:r>
+            <a:endParaRPr>
+              <a:solidFill>
+                <a:srgbClr val="000000"/>
+              </a:solidFill>
+            </a:endParaRPr>
+          </a:p>
+          <a:p>
+            <a:pPr indent="-311150" lvl="0" marL="457200" rtl="0" algn="l">
+              <a:lnSpc>
+                <a:spcPct val="100000"/>
+              </a:lnSpc>
+              <a:spcBef>
+                <a:spcPts val="0"/>
+              </a:spcBef>
+              <a:spcAft>
+                <a:spcPts val="0"/>
+              </a:spcAft>
+              <a:buClr>
+                <a:srgbClr val="000000"/>
+              </a:buClr>
+              <a:buSzPts val="1300"/>
+              <a:buChar char="-"/>
+            </a:pPr>
+            <a:r>
+              <a:rPr lang="en">
+                <a:solidFill>
+                  <a:srgbClr val="000000"/>
+                </a:solidFill>
+              </a:rPr>
+              <a:t>Promotes Remote Togetherness</a:t>
+            </a:r>
+            <a:endParaRPr>
+              <a:solidFill>
+                <a:srgbClr val="000000"/>
+              </a:solidFill>
+            </a:endParaRPr>
+          </a:p>
+          <a:p>
+            <a:pPr indent="-311150" lvl="0" marL="457200" rtl="0" algn="l">
+              <a:lnSpc>
+                <a:spcPct val="100000"/>
+              </a:lnSpc>
+              <a:spcBef>
+                <a:spcPts val="0"/>
+              </a:spcBef>
+              <a:spcAft>
+                <a:spcPts val="0"/>
+              </a:spcAft>
+              <a:buClr>
+                <a:srgbClr val="000000"/>
+              </a:buClr>
+              <a:buSzPts val="1300"/>
+              <a:buChar char="-"/>
+            </a:pPr>
+            <a:r>
+              <a:rPr lang="en">
+                <a:solidFill>
+                  <a:srgbClr val="000000"/>
+                </a:solidFill>
+              </a:rPr>
+              <a:t>Upskills your craft</a:t>
+            </a:r>
+            <a:endParaRPr>
+              <a:solidFill>
+                <a:srgbClr val="000000"/>
+              </a:solidFill>
+            </a:endParaRPr>
+          </a:p>
+          <a:p>
+            <a:pPr indent="-311150" lvl="0" marL="457200" rtl="0" algn="l">
+              <a:lnSpc>
+                <a:spcPct val="100000"/>
+              </a:lnSpc>
+              <a:spcBef>
+                <a:spcPts val="0"/>
+              </a:spcBef>
+              <a:spcAft>
+                <a:spcPts val="0"/>
+              </a:spcAft>
+              <a:buClr>
+                <a:srgbClr val="000000"/>
+              </a:buClr>
+              <a:buSzPts val="1300"/>
+              <a:buChar char="-"/>
+            </a:pPr>
+            <a:r>
+              <a:rPr lang="en">
+                <a:solidFill>
+                  <a:srgbClr val="000000"/>
+                </a:solidFill>
+              </a:rPr>
+              <a:t>Friendly Competition</a:t>
+            </a:r>
+            <a:endParaRPr>
+              <a:solidFill>
+                <a:srgbClr val="000000"/>
+              </a:solidFill>
+            </a:endParaRPr>
+          </a:p>
+        </p:txBody>
+      </p:sp>
+    </p:spTree>
+  </p:cSld>
+  <p:clrMapOvr>
+    <a:masterClrMapping/>
+  </p:clrMapOvr>
+</p:sld>
+</file>
+
+<file path=ppt/slides/slide4.xml><?xml version="1.0" encoding="utf-8"?>
+<p:sld xmlns:a="http://schemas.openxmlformats.org/drawingml/2006/main" xmlns:r="http://schemas.openxmlformats.org/officeDocument/2006/relationships" xmlns:mc="http://schemas.openxmlformats.org/markup-compatibility/2006" xmlns:mv="urn:schemas-microsoft-com:mac:vml" xmlns:p="http://schemas.openxmlformats.org/presentationml/2006/main" xmlns:c="http://schemas.openxmlformats.org/drawingml/2006/chart" xmlns:dgm="http://schemas.openxmlformats.org/drawingml/2006/diagram" xmlns:o="urn:schemas-microsoft-com:office:office" xmlns:v="urn:schemas-microsoft-com:vml" xmlns:pvml="urn:schemas-microsoft-com:office:powerpoint" xmlns:com="http://schemas.openxmlformats.org/drawingml/2006/compatibility" xmlns:p14="http://schemas.microsoft.com/office/powerpoint/2010/main" xmlns:p15="http://schemas.microsoft.com/office/powerpoint/2012/main" xmlns:ahyp="http://schemas.microsoft.com/office/drawing/2018/hyperlinkcolor">
+  <p:cSld>
+    <p:spTree>
+      <p:nvGrpSpPr>
+        <p:cNvPr id="146" name="Shape 146"/>
         <p:cNvGrpSpPr/>
         <p:nvPr/>
       </p:nvGrpSpPr>
@@ -9811,7 +10434,7 @@
       </p:grpSpPr>
       <p:pic>
         <p:nvPicPr>
-          <p:cNvPr id="142" name="Google Shape;142;p15"/>
+          <p:cNvPr id="147" name="Google Shape;147;p16"/>
           <p:cNvPicPr preferRelativeResize="0"/>
           <p:nvPr/>
         </p:nvPicPr>
@@ -9838,7 +10461,7 @@
       </p:pic>
       <p:sp>
         <p:nvSpPr>
-          <p:cNvPr id="143" name="Google Shape;143;p15"/>
+          <p:cNvPr id="148" name="Google Shape;148;p16"/>
           <p:cNvSpPr txBox="1"/>
           <p:nvPr/>
         </p:nvSpPr>
@@ -9890,7 +10513,7 @@
       </p:sp>
       <p:sp>
         <p:nvSpPr>
-          <p:cNvPr id="144" name="Google Shape;144;p15"/>
+          <p:cNvPr id="149" name="Google Shape;149;p16"/>
           <p:cNvSpPr txBox="1"/>
           <p:nvPr/>
         </p:nvSpPr>
@@ -9929,7 +10552,29 @@
                 <a:cs typeface="Calibri"/>
                 <a:sym typeface="Calibri"/>
               </a:rPr>
-              <a:t>In the most recent week compared to the beginning of the pandemic, all states, except Massachusetts and New York, record an increase in reports of depression symptoms among adults.</a:t>
+              <a:t>In the most recent week compared to the beginning of the pandemic, all states, except Massachusetts and New York, record an increase in reports of depression symptoms among adults. [</a:t>
+            </a:r>
+            <a:r>
+              <a:rPr i="1" lang="en" sz="1200" u="sng">
+                <a:solidFill>
+                  <a:schemeClr val="hlink"/>
+                </a:solidFill>
+                <a:latin typeface="Calibri"/>
+                <a:ea typeface="Calibri"/>
+                <a:cs typeface="Calibri"/>
+                <a:sym typeface="Calibri"/>
+                <a:hlinkClick r:id="rId4"/>
+              </a:rPr>
+              <a:t>data source</a:t>
+            </a:r>
+            <a:r>
+              <a:rPr i="1" lang="en" sz="1200">
+                <a:latin typeface="Calibri"/>
+                <a:ea typeface="Calibri"/>
+                <a:cs typeface="Calibri"/>
+                <a:sym typeface="Calibri"/>
+              </a:rPr>
+              <a:t>: CDC]</a:t>
             </a:r>
             <a:endParaRPr i="1" sz="1200">
               <a:latin typeface="Calibri"/>
@@ -9948,12 +10593,12 @@
 </p:sld>
 </file>
 
-<file path=ppt/slides/slide4.xml><?xml version="1.0" encoding="utf-8"?>
+<file path=ppt/slides/slide5.xml><?xml version="1.0" encoding="utf-8"?>
 <p:sld xmlns:a="http://schemas.openxmlformats.org/drawingml/2006/main" xmlns:r="http://schemas.openxmlformats.org/officeDocument/2006/relationships" xmlns:mc="http://schemas.openxmlformats.org/markup-compatibility/2006" xmlns:mv="urn:schemas-microsoft-com:mac:vml" xmlns:p="http://schemas.openxmlformats.org/presentationml/2006/main" xmlns:c="http://schemas.openxmlformats.org/drawingml/2006/chart" xmlns:dgm="http://schemas.openxmlformats.org/drawingml/2006/diagram" xmlns:o="urn:schemas-microsoft-com:office:office" xmlns:v="urn:schemas-microsoft-com:vml" xmlns:pvml="urn:schemas-microsoft-com:office:powerpoint" xmlns:com="http://schemas.openxmlformats.org/drawingml/2006/compatibility" xmlns:p14="http://schemas.microsoft.com/office/powerpoint/2010/main" xmlns:p15="http://schemas.microsoft.com/office/powerpoint/2012/main" xmlns:ahyp="http://schemas.microsoft.com/office/drawing/2018/hyperlinkcolor">
   <p:cSld>
     <p:spTree>
       <p:nvGrpSpPr>
-        <p:cNvPr id="148" name="Shape 148"/>
+        <p:cNvPr id="153" name="Shape 153"/>
         <p:cNvGrpSpPr/>
         <p:nvPr/>
       </p:nvGrpSpPr>
@@ -9967,13 +10612,13 @@
       </p:grpSpPr>
       <p:sp>
         <p:nvSpPr>
-          <p:cNvPr id="149" name="Google Shape;149;p16"/>
+          <p:cNvPr id="154" name="Google Shape;154;p17"/>
           <p:cNvSpPr txBox="1"/>
           <p:nvPr/>
         </p:nvSpPr>
         <p:spPr>
           <a:xfrm>
-            <a:off x="963000" y="375775"/>
+            <a:off x="963000" y="560750"/>
             <a:ext cx="7218000" cy="422700"/>
           </a:xfrm>
           <a:prstGeom prst="rect">
@@ -10019,13 +10664,13 @@
       </p:sp>
       <p:sp>
         <p:nvSpPr>
-          <p:cNvPr id="150" name="Google Shape;150;p16"/>
+          <p:cNvPr id="155" name="Google Shape;155;p17"/>
           <p:cNvSpPr txBox="1"/>
           <p:nvPr/>
         </p:nvSpPr>
         <p:spPr>
           <a:xfrm>
-            <a:off x="963000" y="4026625"/>
+            <a:off x="963000" y="3884325"/>
             <a:ext cx="7218000" cy="747000"/>
           </a:xfrm>
           <a:prstGeom prst="rect">
@@ -10084,6 +10729,60 @@
                 <a:cs typeface="Calibri"/>
                 <a:sym typeface="Calibri"/>
               </a:rPr>
+              <a:t>[</a:t>
+            </a:r>
+            <a:r>
+              <a:rPr i="1" lang="en" sz="1200" u="sng">
+                <a:solidFill>
+                  <a:schemeClr val="accent5"/>
+                </a:solidFill>
+                <a:latin typeface="Calibri"/>
+                <a:ea typeface="Calibri"/>
+                <a:cs typeface="Calibri"/>
+                <a:sym typeface="Calibri"/>
+                <a:hlinkClick r:id="rId3">
+                  <a:extLst>
+                    <a:ext uri="{A12FA001-AC4F-418D-AE19-62706E023703}">
+                      <ahyp:hlinkClr val="tx"/>
+                    </a:ext>
+                  </a:extLst>
+                </a:hlinkClick>
+              </a:rPr>
+              <a:t>data source</a:t>
+            </a:r>
+            <a:r>
+              <a:rPr i="1" lang="en" sz="1200">
+                <a:latin typeface="Calibri"/>
+                <a:ea typeface="Calibri"/>
+                <a:cs typeface="Calibri"/>
+                <a:sym typeface="Calibri"/>
+              </a:rPr>
+              <a:t>: CDC]</a:t>
+            </a:r>
+            <a:endParaRPr i="1" sz="1200">
+              <a:latin typeface="Calibri"/>
+              <a:ea typeface="Calibri"/>
+              <a:cs typeface="Calibri"/>
+              <a:sym typeface="Calibri"/>
+            </a:endParaRPr>
+          </a:p>
+          <a:p>
+            <a:pPr indent="0" lvl="0" marL="0" rtl="0" algn="l">
+              <a:spcBef>
+                <a:spcPts val="0"/>
+              </a:spcBef>
+              <a:spcAft>
+                <a:spcPts val="0"/>
+              </a:spcAft>
+              <a:buNone/>
+            </a:pPr>
+            <a:r>
+              <a:rPr i="1" lang="en" sz="1200">
+                <a:latin typeface="Calibri"/>
+                <a:ea typeface="Calibri"/>
+                <a:cs typeface="Calibri"/>
+                <a:sym typeface="Calibri"/>
+              </a:rPr>
               <a:t>Average age of bartenders is 35. </a:t>
             </a:r>
             <a:r>
@@ -10095,7 +10794,7 @@
                 <a:ea typeface="Calibri"/>
                 <a:cs typeface="Calibri"/>
                 <a:sym typeface="Calibri"/>
-                <a:hlinkClick r:id="rId3"/>
+                <a:hlinkClick r:id="rId4"/>
               </a:rPr>
               <a:t>Link</a:t>
             </a:r>
@@ -10143,7 +10842,7 @@
                 <a:ea typeface="Calibri"/>
                 <a:cs typeface="Calibri"/>
                 <a:sym typeface="Calibri"/>
-                <a:hlinkClick r:id="rId4"/>
+                <a:hlinkClick r:id="rId5"/>
               </a:rPr>
               <a:t>Link</a:t>
             </a:r>
@@ -10207,12 +10906,12 @@
       </p:sp>
       <p:pic>
         <p:nvPicPr>
-          <p:cNvPr id="151" name="Google Shape;151;p16"/>
+          <p:cNvPr id="156" name="Google Shape;156;p17"/>
           <p:cNvPicPr preferRelativeResize="0"/>
           <p:nvPr/>
         </p:nvPicPr>
         <p:blipFill>
-          <a:blip r:embed="rId5">
+          <a:blip r:embed="rId6">
             <a:alphaModFix/>
           </a:blip>
           <a:stretch>
@@ -10241,12 +10940,12 @@
 </p:sld>
 </file>
 
-<file path=ppt/slides/slide5.xml><?xml version="1.0" encoding="utf-8"?>
+<file path=ppt/slides/slide6.xml><?xml version="1.0" encoding="utf-8"?>
 <p:sld xmlns:a="http://schemas.openxmlformats.org/drawingml/2006/main" xmlns:r="http://schemas.openxmlformats.org/officeDocument/2006/relationships" xmlns:mc="http://schemas.openxmlformats.org/markup-compatibility/2006" xmlns:mv="urn:schemas-microsoft-com:mac:vml" xmlns:p="http://schemas.openxmlformats.org/presentationml/2006/main" xmlns:c="http://schemas.openxmlformats.org/drawingml/2006/chart" xmlns:dgm="http://schemas.openxmlformats.org/drawingml/2006/diagram" xmlns:o="urn:schemas-microsoft-com:office:office" xmlns:v="urn:schemas-microsoft-com:vml" xmlns:pvml="urn:schemas-microsoft-com:office:powerpoint" xmlns:com="http://schemas.openxmlformats.org/drawingml/2006/compatibility" xmlns:p14="http://schemas.microsoft.com/office/powerpoint/2010/main" xmlns:p15="http://schemas.microsoft.com/office/powerpoint/2012/main" xmlns:ahyp="http://schemas.microsoft.com/office/drawing/2018/hyperlinkcolor">
   <p:cSld>
     <p:spTree>
       <p:nvGrpSpPr>
-        <p:cNvPr id="155" name="Shape 155"/>
+        <p:cNvPr id="160" name="Shape 160"/>
         <p:cNvGrpSpPr/>
         <p:nvPr/>
       </p:nvGrpSpPr>
@@ -10260,7 +10959,416 @@
       </p:grpSpPr>
       <p:sp>
         <p:nvSpPr>
-          <p:cNvPr id="156" name="Google Shape;156;p17"/>
+          <p:cNvPr id="161" name="Google Shape;161;p18"/>
+          <p:cNvSpPr txBox="1"/>
+          <p:nvPr/>
+        </p:nvSpPr>
+        <p:spPr>
+          <a:xfrm>
+            <a:off x="963000" y="560750"/>
+            <a:ext cx="7218000" cy="422700"/>
+          </a:xfrm>
+          <a:prstGeom prst="rect">
+            <a:avLst/>
+          </a:prstGeom>
+          <a:noFill/>
+          <a:ln>
+            <a:noFill/>
+          </a:ln>
+        </p:spPr>
+        <p:txBody>
+          <a:bodyPr anchorCtr="0" anchor="t" bIns="91425" lIns="91425" spcFirstLastPara="1" rIns="91425" wrap="square" tIns="91425">
+            <a:noAutofit/>
+          </a:bodyPr>
+          <a:lstStyle/>
+          <a:p>
+            <a:pPr indent="0" lvl="0" marL="0" rtl="0" algn="ctr">
+              <a:spcBef>
+                <a:spcPts val="0"/>
+              </a:spcBef>
+              <a:spcAft>
+                <a:spcPts val="0"/>
+              </a:spcAft>
+              <a:buNone/>
+            </a:pPr>
+            <a:r>
+              <a:rPr lang="en">
+                <a:latin typeface="Calibri"/>
+                <a:ea typeface="Calibri"/>
+                <a:cs typeface="Calibri"/>
+                <a:sym typeface="Calibri"/>
+              </a:rPr>
+              <a:t>What does loss of income look like across the country during the pandemic?</a:t>
+            </a:r>
+            <a:endParaRPr>
+              <a:latin typeface="Calibri"/>
+              <a:ea typeface="Calibri"/>
+              <a:cs typeface="Calibri"/>
+              <a:sym typeface="Calibri"/>
+            </a:endParaRPr>
+          </a:p>
+        </p:txBody>
+      </p:sp>
+      <p:sp>
+        <p:nvSpPr>
+          <p:cNvPr id="162" name="Google Shape;162;p18"/>
+          <p:cNvSpPr txBox="1"/>
+          <p:nvPr/>
+        </p:nvSpPr>
+        <p:spPr>
+          <a:xfrm>
+            <a:off x="963000" y="3884325"/>
+            <a:ext cx="7218000" cy="422700"/>
+          </a:xfrm>
+          <a:prstGeom prst="rect">
+            <a:avLst/>
+          </a:prstGeom>
+          <a:noFill/>
+          <a:ln>
+            <a:noFill/>
+          </a:ln>
+        </p:spPr>
+        <p:txBody>
+          <a:bodyPr anchorCtr="0" anchor="t" bIns="91425" lIns="91425" spcFirstLastPara="1" rIns="91425" wrap="square" tIns="91425">
+            <a:noAutofit/>
+          </a:bodyPr>
+          <a:lstStyle/>
+          <a:p>
+            <a:pPr indent="0" lvl="0" marL="0" rtl="0" algn="l">
+              <a:spcBef>
+                <a:spcPts val="0"/>
+              </a:spcBef>
+              <a:spcAft>
+                <a:spcPts val="0"/>
+              </a:spcAft>
+              <a:buNone/>
+            </a:pPr>
+            <a:r>
+              <a:rPr i="1" lang="en" sz="1200">
+                <a:latin typeface="Calibri"/>
+                <a:ea typeface="Calibri"/>
+                <a:cs typeface="Calibri"/>
+                <a:sym typeface="Calibri"/>
+              </a:rPr>
+              <a:t>Income loss has been experienced across the country during the pandemic, with Nevada being affected the most.</a:t>
+            </a:r>
+            <a:endParaRPr i="1" sz="1200">
+              <a:latin typeface="Calibri"/>
+              <a:ea typeface="Calibri"/>
+              <a:cs typeface="Calibri"/>
+              <a:sym typeface="Calibri"/>
+            </a:endParaRPr>
+          </a:p>
+        </p:txBody>
+      </p:sp>
+      <p:pic>
+        <p:nvPicPr>
+          <p:cNvPr id="163" name="Google Shape;163;p18"/>
+          <p:cNvPicPr preferRelativeResize="0"/>
+          <p:nvPr/>
+        </p:nvPicPr>
+        <p:blipFill>
+          <a:blip r:embed="rId3">
+            <a:alphaModFix/>
+          </a:blip>
+          <a:stretch>
+            <a:fillRect/>
+          </a:stretch>
+        </p:blipFill>
+        <p:spPr>
+          <a:xfrm>
+            <a:off x="269463" y="1496113"/>
+            <a:ext cx="8605070" cy="2151275"/>
+          </a:xfrm>
+          <a:prstGeom prst="rect">
+            <a:avLst/>
+          </a:prstGeom>
+          <a:noFill/>
+          <a:ln>
+            <a:noFill/>
+          </a:ln>
+        </p:spPr>
+      </p:pic>
+    </p:spTree>
+  </p:cSld>
+  <p:clrMapOvr>
+    <a:masterClrMapping/>
+  </p:clrMapOvr>
+</p:sld>
+</file>
+
+<file path=ppt/slides/slide7.xml><?xml version="1.0" encoding="utf-8"?>
+<p:sld xmlns:a="http://schemas.openxmlformats.org/drawingml/2006/main" xmlns:r="http://schemas.openxmlformats.org/officeDocument/2006/relationships" xmlns:mc="http://schemas.openxmlformats.org/markup-compatibility/2006" xmlns:mv="urn:schemas-microsoft-com:mac:vml" xmlns:p="http://schemas.openxmlformats.org/presentationml/2006/main" xmlns:c="http://schemas.openxmlformats.org/drawingml/2006/chart" xmlns:dgm="http://schemas.openxmlformats.org/drawingml/2006/diagram" xmlns:o="urn:schemas-microsoft-com:office:office" xmlns:v="urn:schemas-microsoft-com:vml" xmlns:pvml="urn:schemas-microsoft-com:office:powerpoint" xmlns:com="http://schemas.openxmlformats.org/drawingml/2006/compatibility" xmlns:p14="http://schemas.microsoft.com/office/powerpoint/2010/main" xmlns:p15="http://schemas.microsoft.com/office/powerpoint/2012/main" xmlns:ahyp="http://schemas.microsoft.com/office/drawing/2018/hyperlinkcolor">
+  <p:cSld>
+    <p:spTree>
+      <p:nvGrpSpPr>
+        <p:cNvPr id="167" name="Shape 167"/>
+        <p:cNvGrpSpPr/>
+        <p:nvPr/>
+      </p:nvGrpSpPr>
+      <p:grpSpPr>
+        <a:xfrm>
+          <a:off x="0" y="0"/>
+          <a:ext cx="0" cy="0"/>
+          <a:chOff x="0" y="0"/>
+          <a:chExt cx="0" cy="0"/>
+        </a:xfrm>
+      </p:grpSpPr>
+      <p:sp>
+        <p:nvSpPr>
+          <p:cNvPr id="168" name="Google Shape;168;p19"/>
+          <p:cNvSpPr txBox="1"/>
+          <p:nvPr>
+            <p:ph type="title"/>
+          </p:nvPr>
+        </p:nvSpPr>
+        <p:spPr>
+          <a:xfrm>
+            <a:off x="819150" y="660625"/>
+            <a:ext cx="7505700" cy="954600"/>
+          </a:xfrm>
+          <a:prstGeom prst="rect">
+            <a:avLst/>
+          </a:prstGeom>
+        </p:spPr>
+        <p:txBody>
+          <a:bodyPr anchorCtr="0" anchor="t" bIns="91425" lIns="91425" spcFirstLastPara="1" rIns="91425" wrap="square" tIns="91425">
+            <a:noAutofit/>
+          </a:bodyPr>
+          <a:lstStyle/>
+          <a:p>
+            <a:pPr indent="0" lvl="0" marL="0" rtl="0" algn="l">
+              <a:spcBef>
+                <a:spcPts val="0"/>
+              </a:spcBef>
+              <a:spcAft>
+                <a:spcPts val="0"/>
+              </a:spcAft>
+              <a:buNone/>
+            </a:pPr>
+            <a:r>
+              <a:rPr lang="en" sz="1300">
+                <a:solidFill>
+                  <a:srgbClr val="000000"/>
+                </a:solidFill>
+                <a:highlight>
+                  <a:srgbClr val="FFFFFF"/>
+                </a:highlight>
+                <a:latin typeface="Calibri"/>
+                <a:ea typeface="Calibri"/>
+                <a:cs typeface="Calibri"/>
+                <a:sym typeface="Calibri"/>
+              </a:rPr>
+              <a:t>Perceived social isolation during the COVID-19 pandemic significantly has had an extraordinary global impact, with significant psychological consequences. Changes in our daily lives, feeling of loneliness, job losses, financial difficulty, and grief over the death of loved ones have the potential to affect the mental health of many. [</a:t>
+            </a:r>
+            <a:r>
+              <a:rPr lang="en" sz="1300" u="sng">
+                <a:solidFill>
+                  <a:schemeClr val="hlink"/>
+                </a:solidFill>
+                <a:highlight>
+                  <a:srgbClr val="FFFFFF"/>
+                </a:highlight>
+                <a:latin typeface="Calibri"/>
+                <a:ea typeface="Calibri"/>
+                <a:cs typeface="Calibri"/>
+                <a:sym typeface="Calibri"/>
+                <a:hlinkClick r:id="rId3"/>
+              </a:rPr>
+              <a:t>source</a:t>
+            </a:r>
+            <a:r>
+              <a:rPr lang="en" sz="1300">
+                <a:solidFill>
+                  <a:srgbClr val="000000"/>
+                </a:solidFill>
+                <a:highlight>
+                  <a:srgbClr val="FFFFFF"/>
+                </a:highlight>
+                <a:latin typeface="Calibri"/>
+                <a:ea typeface="Calibri"/>
+                <a:cs typeface="Calibri"/>
+                <a:sym typeface="Calibri"/>
+              </a:rPr>
+              <a:t>: National Institute of Health]</a:t>
+            </a:r>
+            <a:endParaRPr sz="1300">
+              <a:latin typeface="Calibri"/>
+              <a:ea typeface="Calibri"/>
+              <a:cs typeface="Calibri"/>
+              <a:sym typeface="Calibri"/>
+            </a:endParaRPr>
+          </a:p>
+        </p:txBody>
+      </p:sp>
+      <p:sp>
+        <p:nvSpPr>
+          <p:cNvPr id="169" name="Google Shape;169;p19"/>
+          <p:cNvSpPr txBox="1"/>
+          <p:nvPr>
+            <p:ph idx="1" type="body"/>
+          </p:nvPr>
+        </p:nvSpPr>
+        <p:spPr>
+          <a:xfrm>
+            <a:off x="819151" y="1657925"/>
+            <a:ext cx="7505700" cy="1572000"/>
+          </a:xfrm>
+          <a:prstGeom prst="rect">
+            <a:avLst/>
+          </a:prstGeom>
+        </p:spPr>
+        <p:txBody>
+          <a:bodyPr anchorCtr="0" anchor="t" bIns="91425" lIns="91425" spcFirstLastPara="1" rIns="91425" wrap="square" tIns="91425">
+            <a:noAutofit/>
+          </a:bodyPr>
+          <a:lstStyle/>
+          <a:p>
+            <a:pPr indent="0" lvl="0" marL="0" rtl="0" algn="l">
+              <a:lnSpc>
+                <a:spcPct val="100000"/>
+              </a:lnSpc>
+              <a:spcBef>
+                <a:spcPts val="0"/>
+              </a:spcBef>
+              <a:spcAft>
+                <a:spcPts val="1600"/>
+              </a:spcAft>
+              <a:buNone/>
+            </a:pPr>
+            <a:r>
+              <a:rPr lang="en">
+                <a:solidFill>
+                  <a:srgbClr val="000000"/>
+                </a:solidFill>
+              </a:rPr>
+              <a:t>Many individuals have been practicing social distancing by working from home in recent weeks. While this arrangement can be a great way to reduce one’s exposure to COVID-19, it’s a luxury that’s available to just </a:t>
+            </a:r>
+            <a:r>
+              <a:rPr lang="en" u="sng">
+                <a:solidFill>
+                  <a:srgbClr val="000000"/>
+                </a:solidFill>
+                <a:hlinkClick r:id="rId4">
+                  <a:extLst>
+                    <a:ext uri="{A12FA001-AC4F-418D-AE19-62706E023703}">
+                      <ahyp:hlinkClr val="tx"/>
+                    </a:ext>
+                  </a:extLst>
+                </a:hlinkClick>
+              </a:rPr>
+              <a:t>29%</a:t>
+            </a:r>
+            <a:r>
+              <a:rPr lang="en">
+                <a:solidFill>
+                  <a:srgbClr val="000000"/>
+                </a:solidFill>
+              </a:rPr>
+              <a:t> of Americans. [</a:t>
+            </a:r>
+            <a:r>
+              <a:rPr lang="en" u="sng">
+                <a:solidFill>
+                  <a:schemeClr val="hlink"/>
+                </a:solidFill>
+                <a:hlinkClick r:id="rId5"/>
+              </a:rPr>
+              <a:t>source</a:t>
+            </a:r>
+            <a:r>
+              <a:rPr lang="en">
+                <a:solidFill>
+                  <a:srgbClr val="000000"/>
+                </a:solidFill>
+              </a:rPr>
+              <a:t>: Visual Capitalist/Department of Labor]</a:t>
+            </a:r>
+            <a:br>
+              <a:rPr lang="en">
+                <a:solidFill>
+                  <a:srgbClr val="000000"/>
+                </a:solidFill>
+              </a:rPr>
+            </a:br>
+            <a:br>
+              <a:rPr lang="en">
+                <a:solidFill>
+                  <a:srgbClr val="000000"/>
+                </a:solidFill>
+              </a:rPr>
+            </a:br>
+            <a:r>
+              <a:rPr lang="en">
+                <a:solidFill>
+                  <a:srgbClr val="000000"/>
+                </a:solidFill>
+              </a:rPr>
+              <a:t>The situation for the remaining 71% is uncertain, to say the least. A significant portion of the population has lost their jobs due to business shutdowns and mandated lockdown orders. Others employed in “essential services” have continued working as usual, but may face a higher risk of potential exposure to the virus.</a:t>
+            </a:r>
+            <a:endParaRPr>
+              <a:solidFill>
+                <a:srgbClr val="000000"/>
+              </a:solidFill>
+            </a:endParaRPr>
+          </a:p>
+        </p:txBody>
+      </p:sp>
+      <p:pic>
+        <p:nvPicPr>
+          <p:cNvPr id="170" name="Google Shape;170;p19"/>
+          <p:cNvPicPr preferRelativeResize="0"/>
+          <p:nvPr/>
+        </p:nvPicPr>
+        <p:blipFill rotWithShape="1">
+          <a:blip r:embed="rId6">
+            <a:alphaModFix/>
+          </a:blip>
+          <a:srcRect b="0" l="0" r="0" t="-6326"/>
+          <a:stretch/>
+        </p:blipFill>
+        <p:spPr>
+          <a:xfrm>
+            <a:off x="667863" y="3229925"/>
+            <a:ext cx="7808274" cy="1313550"/>
+          </a:xfrm>
+          <a:prstGeom prst="rect">
+            <a:avLst/>
+          </a:prstGeom>
+          <a:noFill/>
+          <a:ln>
+            <a:noFill/>
+          </a:ln>
+        </p:spPr>
+      </p:pic>
+    </p:spTree>
+  </p:cSld>
+  <p:clrMapOvr>
+    <a:masterClrMapping/>
+  </p:clrMapOvr>
+</p:sld>
+</file>
+
+<file path=ppt/slides/slide8.xml><?xml version="1.0" encoding="utf-8"?>
+<p:sld xmlns:a="http://schemas.openxmlformats.org/drawingml/2006/main" xmlns:r="http://schemas.openxmlformats.org/officeDocument/2006/relationships" xmlns:mc="http://schemas.openxmlformats.org/markup-compatibility/2006" xmlns:mv="urn:schemas-microsoft-com:mac:vml" xmlns:p="http://schemas.openxmlformats.org/presentationml/2006/main" xmlns:c="http://schemas.openxmlformats.org/drawingml/2006/chart" xmlns:dgm="http://schemas.openxmlformats.org/drawingml/2006/diagram" xmlns:o="urn:schemas-microsoft-com:office:office" xmlns:v="urn:schemas-microsoft-com:vml" xmlns:pvml="urn:schemas-microsoft-com:office:powerpoint" xmlns:com="http://schemas.openxmlformats.org/drawingml/2006/compatibility" xmlns:p14="http://schemas.microsoft.com/office/powerpoint/2010/main" xmlns:p15="http://schemas.microsoft.com/office/powerpoint/2012/main" xmlns:ahyp="http://schemas.microsoft.com/office/drawing/2018/hyperlinkcolor">
+  <p:cSld>
+    <p:spTree>
+      <p:nvGrpSpPr>
+        <p:cNvPr id="174" name="Shape 174"/>
+        <p:cNvGrpSpPr/>
+        <p:nvPr/>
+      </p:nvGrpSpPr>
+      <p:grpSpPr>
+        <a:xfrm>
+          <a:off x="0" y="0"/>
+          <a:ext cx="0" cy="0"/>
+          <a:chOff x="0" y="0"/>
+          <a:chExt cx="0" cy="0"/>
+        </a:xfrm>
+      </p:grpSpPr>
+      <p:sp>
+        <p:nvSpPr>
+          <p:cNvPr id="175" name="Google Shape;175;p20"/>
           <p:cNvSpPr txBox="1"/>
           <p:nvPr>
             <p:ph idx="1" type="body"/>
@@ -10359,7 +11467,7 @@
       </p:sp>
       <p:sp>
         <p:nvSpPr>
-          <p:cNvPr id="157" name="Google Shape;157;p17"/>
+          <p:cNvPr id="176" name="Google Shape;176;p20"/>
           <p:cNvSpPr txBox="1"/>
           <p:nvPr>
             <p:ph idx="1" type="body"/>
@@ -10450,7 +11558,7 @@
       </p:sp>
       <p:pic>
         <p:nvPicPr>
-          <p:cNvPr id="158" name="Google Shape;158;p17"/>
+          <p:cNvPr id="177" name="Google Shape;177;p20"/>
           <p:cNvPicPr preferRelativeResize="0"/>
           <p:nvPr/>
         </p:nvPicPr>
@@ -10477,7 +11585,7 @@
       </p:pic>
       <p:sp>
         <p:nvSpPr>
-          <p:cNvPr id="159" name="Google Shape;159;p17"/>
+          <p:cNvPr id="178" name="Google Shape;178;p20"/>
           <p:cNvSpPr txBox="1"/>
           <p:nvPr>
             <p:ph type="title"/>
@@ -10526,12 +11634,12 @@
 </p:sld>
 </file>
 
-<file path=ppt/slides/slide6.xml><?xml version="1.0" encoding="utf-8"?>
+<file path=ppt/slides/slide9.xml><?xml version="1.0" encoding="utf-8"?>
 <p:sld xmlns:a="http://schemas.openxmlformats.org/drawingml/2006/main" xmlns:r="http://schemas.openxmlformats.org/officeDocument/2006/relationships" xmlns:mc="http://schemas.openxmlformats.org/markup-compatibility/2006" xmlns:mv="urn:schemas-microsoft-com:mac:vml" xmlns:p="http://schemas.openxmlformats.org/presentationml/2006/main" xmlns:c="http://schemas.openxmlformats.org/drawingml/2006/chart" xmlns:dgm="http://schemas.openxmlformats.org/drawingml/2006/diagram" xmlns:o="urn:schemas-microsoft-com:office:office" xmlns:v="urn:schemas-microsoft-com:vml" xmlns:pvml="urn:schemas-microsoft-com:office:powerpoint" xmlns:com="http://schemas.openxmlformats.org/drawingml/2006/compatibility" xmlns:p14="http://schemas.microsoft.com/office/powerpoint/2010/main" xmlns:p15="http://schemas.microsoft.com/office/powerpoint/2012/main" xmlns:ahyp="http://schemas.microsoft.com/office/drawing/2018/hyperlinkcolor">
   <p:cSld>
     <p:spTree>
       <p:nvGrpSpPr>
-        <p:cNvPr id="163" name="Shape 163"/>
+        <p:cNvPr id="182" name="Shape 182"/>
         <p:cNvGrpSpPr/>
         <p:nvPr/>
       </p:nvGrpSpPr>
@@ -10545,7 +11653,7 @@
       </p:grpSpPr>
       <p:sp>
         <p:nvSpPr>
-          <p:cNvPr id="164" name="Google Shape;164;p18"/>
+          <p:cNvPr id="183" name="Google Shape;183;p21"/>
           <p:cNvSpPr txBox="1"/>
           <p:nvPr>
             <p:ph type="title"/>
@@ -10576,7 +11684,8 @@
               <a:buNone/>
             </a:pPr>
             <a:r>
-              <a:t/>
+              <a:rPr lang="en"/>
+              <a:t>App Demo</a:t>
             </a:r>
             <a:endParaRPr/>
           </a:p>
@@ -10584,7 +11693,7 @@
       </p:sp>
       <p:sp>
         <p:nvSpPr>
-          <p:cNvPr id="165" name="Google Shape;165;p18"/>
+          <p:cNvPr id="184" name="Google Shape;184;p21"/>
           <p:cNvSpPr txBox="1"/>
           <p:nvPr>
             <p:ph idx="1" type="body"/>

--- a/presentation/Motivation-Friendly-Competition.pptx
+++ b/presentation/Motivation-Friendly-Competition.pptx
@@ -17,23 +17,26 @@
     <p:sldId id="262" r:id="rId12"/>
     <p:sldId id="263" r:id="rId13"/>
     <p:sldId id="264" r:id="rId14"/>
+    <p:sldId id="265" r:id="rId15"/>
+    <p:sldId id="266" r:id="rId16"/>
+    <p:sldId id="267" r:id="rId17"/>
   </p:sldIdLst>
   <p:sldSz cy="5143500" cx="9144000"/>
   <p:notesSz cx="6858000" cy="9144000"/>
   <p:embeddedFontLst>
     <p:embeddedFont>
       <p:font typeface="Roboto"/>
-      <p:regular r:id="rId15"/>
-      <p:bold r:id="rId16"/>
-      <p:italic r:id="rId17"/>
-      <p:boldItalic r:id="rId18"/>
+      <p:regular r:id="rId18"/>
+      <p:bold r:id="rId19"/>
+      <p:italic r:id="rId20"/>
+      <p:boldItalic r:id="rId21"/>
     </p:embeddedFont>
     <p:embeddedFont>
       <p:font typeface="Nunito"/>
-      <p:regular r:id="rId19"/>
-      <p:bold r:id="rId20"/>
-      <p:italic r:id="rId21"/>
-      <p:boldItalic r:id="rId22"/>
+      <p:regular r:id="rId22"/>
+      <p:bold r:id="rId23"/>
+      <p:italic r:id="rId24"/>
+      <p:boldItalic r:id="rId25"/>
     </p:embeddedFont>
   </p:embeddedFontLst>
   <p:defaultTextStyle>
@@ -809,6 +812,303 @@
 </p:notes>
 </file>
 
+<file path=ppt/notesSlides/notesSlide10.xml><?xml version="1.0" encoding="utf-8"?>
+<p:notes xmlns:a="http://schemas.openxmlformats.org/drawingml/2006/main" xmlns:r="http://schemas.openxmlformats.org/officeDocument/2006/relationships" xmlns:mc="http://schemas.openxmlformats.org/markup-compatibility/2006" xmlns:mv="urn:schemas-microsoft-com:mac:vml" xmlns:p="http://schemas.openxmlformats.org/presentationml/2006/main" xmlns:c="http://schemas.openxmlformats.org/drawingml/2006/chart" xmlns:dgm="http://schemas.openxmlformats.org/drawingml/2006/diagram" xmlns:o="urn:schemas-microsoft-com:office:office" xmlns:v="urn:schemas-microsoft-com:vml" xmlns:pvml="urn:schemas-microsoft-com:office:powerpoint" xmlns:com="http://schemas.openxmlformats.org/drawingml/2006/compatibility" xmlns:p14="http://schemas.microsoft.com/office/powerpoint/2010/main" xmlns:p15="http://schemas.microsoft.com/office/powerpoint/2012/main" xmlns:ahyp="http://schemas.microsoft.com/office/drawing/2018/hyperlinkcolor" showMasterPhAnim="0" showMasterSp="0">
+  <p:cSld>
+    <p:spTree>
+      <p:nvGrpSpPr>
+        <p:cNvPr id="186" name="Shape 186"/>
+        <p:cNvGrpSpPr/>
+        <p:nvPr/>
+      </p:nvGrpSpPr>
+      <p:grpSpPr>
+        <a:xfrm>
+          <a:off x="0" y="0"/>
+          <a:ext cx="0" cy="0"/>
+          <a:chOff x="0" y="0"/>
+          <a:chExt cx="0" cy="0"/>
+        </a:xfrm>
+      </p:grpSpPr>
+      <p:sp>
+        <p:nvSpPr>
+          <p:cNvPr id="187" name="Google Shape;187;gb2d818dbdf_0_19:notes"/>
+          <p:cNvSpPr/>
+          <p:nvPr>
+            <p:ph idx="2" type="sldImg"/>
+          </p:nvPr>
+        </p:nvSpPr>
+        <p:spPr>
+          <a:xfrm>
+            <a:off x="381300" y="685800"/>
+            <a:ext cx="6096000" cy="3429000"/>
+          </a:xfrm>
+          <a:custGeom>
+            <a:rect b="b" l="l" r="r" t="t"/>
+            <a:pathLst>
+              <a:path extrusionOk="0" h="120000" w="120000">
+                <a:moveTo>
+                  <a:pt x="0" y="0"/>
+                </a:moveTo>
+                <a:lnTo>
+                  <a:pt x="120000" y="0"/>
+                </a:lnTo>
+                <a:lnTo>
+                  <a:pt x="120000" y="120000"/>
+                </a:lnTo>
+                <a:lnTo>
+                  <a:pt x="0" y="120000"/>
+                </a:lnTo>
+                <a:close/>
+              </a:path>
+            </a:pathLst>
+          </a:custGeom>
+        </p:spPr>
+      </p:sp>
+      <p:sp>
+        <p:nvSpPr>
+          <p:cNvPr id="188" name="Google Shape;188;gb2d818dbdf_0_19:notes"/>
+          <p:cNvSpPr txBox="1"/>
+          <p:nvPr>
+            <p:ph idx="1" type="body"/>
+          </p:nvPr>
+        </p:nvSpPr>
+        <p:spPr>
+          <a:xfrm>
+            <a:off x="685800" y="4343400"/>
+            <a:ext cx="5486400" cy="4114800"/>
+          </a:xfrm>
+          <a:prstGeom prst="rect">
+            <a:avLst/>
+          </a:prstGeom>
+        </p:spPr>
+        <p:txBody>
+          <a:bodyPr anchorCtr="0" anchor="t" bIns="91425" lIns="91425" spcFirstLastPara="1" rIns="91425" wrap="square" tIns="91425">
+            <a:noAutofit/>
+          </a:bodyPr>
+          <a:lstStyle/>
+          <a:p>
+            <a:pPr indent="0" lvl="0" marL="0" rtl="0" algn="l">
+              <a:spcBef>
+                <a:spcPts val="0"/>
+              </a:spcBef>
+              <a:spcAft>
+                <a:spcPts val="0"/>
+              </a:spcAft>
+              <a:buNone/>
+            </a:pPr>
+            <a:r>
+              <a:t/>
+            </a:r>
+            <a:endParaRPr/>
+          </a:p>
+        </p:txBody>
+      </p:sp>
+    </p:spTree>
+  </p:cSld>
+  <p:clrMapOvr>
+    <a:masterClrMapping/>
+  </p:clrMapOvr>
+</p:notes>
+</file>
+
+<file path=ppt/notesSlides/notesSlide11.xml><?xml version="1.0" encoding="utf-8"?>
+<p:notes xmlns:a="http://schemas.openxmlformats.org/drawingml/2006/main" xmlns:r="http://schemas.openxmlformats.org/officeDocument/2006/relationships" xmlns:mc="http://schemas.openxmlformats.org/markup-compatibility/2006" xmlns:mv="urn:schemas-microsoft-com:mac:vml" xmlns:p="http://schemas.openxmlformats.org/presentationml/2006/main" xmlns:c="http://schemas.openxmlformats.org/drawingml/2006/chart" xmlns:dgm="http://schemas.openxmlformats.org/drawingml/2006/diagram" xmlns:o="urn:schemas-microsoft-com:office:office" xmlns:v="urn:schemas-microsoft-com:vml" xmlns:pvml="urn:schemas-microsoft-com:office:powerpoint" xmlns:com="http://schemas.openxmlformats.org/drawingml/2006/compatibility" xmlns:p14="http://schemas.microsoft.com/office/powerpoint/2010/main" xmlns:p15="http://schemas.microsoft.com/office/powerpoint/2012/main" xmlns:ahyp="http://schemas.microsoft.com/office/drawing/2018/hyperlinkcolor" showMasterPhAnim="0" showMasterSp="0">
+  <p:cSld>
+    <p:spTree>
+      <p:nvGrpSpPr>
+        <p:cNvPr id="192" name="Shape 192"/>
+        <p:cNvGrpSpPr/>
+        <p:nvPr/>
+      </p:nvGrpSpPr>
+      <p:grpSpPr>
+        <a:xfrm>
+          <a:off x="0" y="0"/>
+          <a:ext cx="0" cy="0"/>
+          <a:chOff x="0" y="0"/>
+          <a:chExt cx="0" cy="0"/>
+        </a:xfrm>
+      </p:grpSpPr>
+      <p:sp>
+        <p:nvSpPr>
+          <p:cNvPr id="193" name="Google Shape;193;gaa1226c9e9_0_7:notes"/>
+          <p:cNvSpPr/>
+          <p:nvPr>
+            <p:ph idx="2" type="sldImg"/>
+          </p:nvPr>
+        </p:nvSpPr>
+        <p:spPr>
+          <a:xfrm>
+            <a:off x="381300" y="685800"/>
+            <a:ext cx="6096000" cy="3429000"/>
+          </a:xfrm>
+          <a:custGeom>
+            <a:rect b="b" l="l" r="r" t="t"/>
+            <a:pathLst>
+              <a:path extrusionOk="0" h="120000" w="120000">
+                <a:moveTo>
+                  <a:pt x="0" y="0"/>
+                </a:moveTo>
+                <a:lnTo>
+                  <a:pt x="120000" y="0"/>
+                </a:lnTo>
+                <a:lnTo>
+                  <a:pt x="120000" y="120000"/>
+                </a:lnTo>
+                <a:lnTo>
+                  <a:pt x="0" y="120000"/>
+                </a:lnTo>
+                <a:close/>
+              </a:path>
+            </a:pathLst>
+          </a:custGeom>
+        </p:spPr>
+      </p:sp>
+      <p:sp>
+        <p:nvSpPr>
+          <p:cNvPr id="194" name="Google Shape;194;gaa1226c9e9_0_7:notes"/>
+          <p:cNvSpPr txBox="1"/>
+          <p:nvPr>
+            <p:ph idx="1" type="body"/>
+          </p:nvPr>
+        </p:nvSpPr>
+        <p:spPr>
+          <a:xfrm>
+            <a:off x="685800" y="4343400"/>
+            <a:ext cx="5486400" cy="4114800"/>
+          </a:xfrm>
+          <a:prstGeom prst="rect">
+            <a:avLst/>
+          </a:prstGeom>
+        </p:spPr>
+        <p:txBody>
+          <a:bodyPr anchorCtr="0" anchor="t" bIns="91425" lIns="91425" spcFirstLastPara="1" rIns="91425" wrap="square" tIns="91425">
+            <a:noAutofit/>
+          </a:bodyPr>
+          <a:lstStyle/>
+          <a:p>
+            <a:pPr indent="0" lvl="0" marL="0" rtl="0" algn="l">
+              <a:spcBef>
+                <a:spcPts val="0"/>
+              </a:spcBef>
+              <a:spcAft>
+                <a:spcPts val="0"/>
+              </a:spcAft>
+              <a:buNone/>
+            </a:pPr>
+            <a:r>
+              <a:t/>
+            </a:r>
+            <a:endParaRPr/>
+          </a:p>
+        </p:txBody>
+      </p:sp>
+    </p:spTree>
+  </p:cSld>
+  <p:clrMapOvr>
+    <a:masterClrMapping/>
+  </p:clrMapOvr>
+</p:notes>
+</file>
+
+<file path=ppt/notesSlides/notesSlide12.xml><?xml version="1.0" encoding="utf-8"?>
+<p:notes xmlns:a="http://schemas.openxmlformats.org/drawingml/2006/main" xmlns:r="http://schemas.openxmlformats.org/officeDocument/2006/relationships" xmlns:mc="http://schemas.openxmlformats.org/markup-compatibility/2006" xmlns:mv="urn:schemas-microsoft-com:mac:vml" xmlns:p="http://schemas.openxmlformats.org/presentationml/2006/main" xmlns:c="http://schemas.openxmlformats.org/drawingml/2006/chart" xmlns:dgm="http://schemas.openxmlformats.org/drawingml/2006/diagram" xmlns:o="urn:schemas-microsoft-com:office:office" xmlns:v="urn:schemas-microsoft-com:vml" xmlns:pvml="urn:schemas-microsoft-com:office:powerpoint" xmlns:com="http://schemas.openxmlformats.org/drawingml/2006/compatibility" xmlns:p14="http://schemas.microsoft.com/office/powerpoint/2010/main" xmlns:p15="http://schemas.microsoft.com/office/powerpoint/2012/main" xmlns:ahyp="http://schemas.microsoft.com/office/drawing/2018/hyperlinkcolor" showMasterPhAnim="0" showMasterSp="0">
+  <p:cSld>
+    <p:spTree>
+      <p:nvGrpSpPr>
+        <p:cNvPr id="198" name="Shape 198"/>
+        <p:cNvGrpSpPr/>
+        <p:nvPr/>
+      </p:nvGrpSpPr>
+      <p:grpSpPr>
+        <a:xfrm>
+          <a:off x="0" y="0"/>
+          <a:ext cx="0" cy="0"/>
+          <a:chOff x="0" y="0"/>
+          <a:chExt cx="0" cy="0"/>
+        </a:xfrm>
+      </p:grpSpPr>
+      <p:sp>
+        <p:nvSpPr>
+          <p:cNvPr id="199" name="Google Shape;199;gb2ea05c3b6_1_0:notes"/>
+          <p:cNvSpPr/>
+          <p:nvPr>
+            <p:ph idx="2" type="sldImg"/>
+          </p:nvPr>
+        </p:nvSpPr>
+        <p:spPr>
+          <a:xfrm>
+            <a:off x="381300" y="685800"/>
+            <a:ext cx="6096000" cy="3429000"/>
+          </a:xfrm>
+          <a:custGeom>
+            <a:rect b="b" l="l" r="r" t="t"/>
+            <a:pathLst>
+              <a:path extrusionOk="0" h="120000" w="120000">
+                <a:moveTo>
+                  <a:pt x="0" y="0"/>
+                </a:moveTo>
+                <a:lnTo>
+                  <a:pt x="120000" y="0"/>
+                </a:lnTo>
+                <a:lnTo>
+                  <a:pt x="120000" y="120000"/>
+                </a:lnTo>
+                <a:lnTo>
+                  <a:pt x="0" y="120000"/>
+                </a:lnTo>
+                <a:close/>
+              </a:path>
+            </a:pathLst>
+          </a:custGeom>
+        </p:spPr>
+      </p:sp>
+      <p:sp>
+        <p:nvSpPr>
+          <p:cNvPr id="200" name="Google Shape;200;gb2ea05c3b6_1_0:notes"/>
+          <p:cNvSpPr txBox="1"/>
+          <p:nvPr>
+            <p:ph idx="1" type="body"/>
+          </p:nvPr>
+        </p:nvSpPr>
+        <p:spPr>
+          <a:xfrm>
+            <a:off x="685800" y="4343400"/>
+            <a:ext cx="5486400" cy="4114800"/>
+          </a:xfrm>
+          <a:prstGeom prst="rect">
+            <a:avLst/>
+          </a:prstGeom>
+        </p:spPr>
+        <p:txBody>
+          <a:bodyPr anchorCtr="0" anchor="t" bIns="91425" lIns="91425" spcFirstLastPara="1" rIns="91425" wrap="square" tIns="91425">
+            <a:noAutofit/>
+          </a:bodyPr>
+          <a:lstStyle/>
+          <a:p>
+            <a:pPr indent="0" lvl="0" marL="0" rtl="0" algn="l">
+              <a:spcBef>
+                <a:spcPts val="0"/>
+              </a:spcBef>
+              <a:spcAft>
+                <a:spcPts val="0"/>
+              </a:spcAft>
+              <a:buNone/>
+            </a:pPr>
+            <a:r>
+              <a:t/>
+            </a:r>
+            <a:endParaRPr/>
+          </a:p>
+        </p:txBody>
+      </p:sp>
+    </p:spTree>
+  </p:cSld>
+  <p:clrMapOvr>
+    <a:masterClrMapping/>
+  </p:clrMapOvr>
+</p:notes>
+</file>
+
 <file path=ppt/notesSlides/notesSlide2.xml><?xml version="1.0" encoding="utf-8"?>
 <p:notes xmlns:a="http://schemas.openxmlformats.org/drawingml/2006/main" xmlns:r="http://schemas.openxmlformats.org/officeDocument/2006/relationships" xmlns:mc="http://schemas.openxmlformats.org/markup-compatibility/2006" xmlns:mv="urn:schemas-microsoft-com:mac:vml" xmlns:p="http://schemas.openxmlformats.org/presentationml/2006/main" xmlns:c="http://schemas.openxmlformats.org/drawingml/2006/chart" xmlns:dgm="http://schemas.openxmlformats.org/drawingml/2006/diagram" xmlns:o="urn:schemas-microsoft-com:office:office" xmlns:v="urn:schemas-microsoft-com:vml" xmlns:pvml="urn:schemas-microsoft-com:office:powerpoint" xmlns:com="http://schemas.openxmlformats.org/drawingml/2006/compatibility" xmlns:p14="http://schemas.microsoft.com/office/powerpoint/2010/main" xmlns:p15="http://schemas.microsoft.com/office/powerpoint/2012/main" xmlns:ahyp="http://schemas.microsoft.com/office/drawing/2018/hyperlinkcolor" showMasterPhAnim="0" showMasterSp="0">
   <p:cSld>
@@ -1026,7 +1326,7 @@
       </p:grpSpPr>
       <p:sp>
         <p:nvSpPr>
-          <p:cNvPr id="144" name="Google Shape;144;g789e426cf2_0_152:notes"/>
+          <p:cNvPr id="144" name="Google Shape;144;gb2ea05c3b6_0_2:notes"/>
           <p:cNvSpPr/>
           <p:nvPr>
             <p:ph idx="2" type="sldImg"/>
@@ -1061,7 +1361,7 @@
       </p:sp>
       <p:sp>
         <p:nvSpPr>
-          <p:cNvPr id="145" name="Google Shape;145;g789e426cf2_0_152:notes"/>
+          <p:cNvPr id="145" name="Google Shape;145;gb2ea05c3b6_0_2:notes"/>
           <p:cNvSpPr txBox="1"/>
           <p:nvPr>
             <p:ph idx="1" type="body"/>
@@ -1111,7 +1411,7 @@
   <p:cSld>
     <p:spTree>
       <p:nvGrpSpPr>
-        <p:cNvPr id="150" name="Shape 150"/>
+        <p:cNvPr id="149" name="Shape 149"/>
         <p:cNvGrpSpPr/>
         <p:nvPr/>
       </p:nvGrpSpPr>
@@ -1125,7 +1425,7 @@
       </p:grpSpPr>
       <p:sp>
         <p:nvSpPr>
-          <p:cNvPr id="151" name="Google Shape;151;gb2e2244c5c_0_3:notes"/>
+          <p:cNvPr id="150" name="Google Shape;150;g789e426cf2_0_152:notes"/>
           <p:cNvSpPr/>
           <p:nvPr>
             <p:ph idx="2" type="sldImg"/>
@@ -1160,7 +1460,7 @@
       </p:sp>
       <p:sp>
         <p:nvSpPr>
-          <p:cNvPr id="152" name="Google Shape;152;gb2e2244c5c_0_3:notes"/>
+          <p:cNvPr id="151" name="Google Shape;151;g789e426cf2_0_152:notes"/>
           <p:cNvSpPr txBox="1"/>
           <p:nvPr>
             <p:ph idx="1" type="body"/>
@@ -1210,7 +1510,7 @@
   <p:cSld>
     <p:spTree>
       <p:nvGrpSpPr>
-        <p:cNvPr id="157" name="Shape 157"/>
+        <p:cNvPr id="156" name="Shape 156"/>
         <p:cNvGrpSpPr/>
         <p:nvPr/>
       </p:nvGrpSpPr>
@@ -1224,7 +1524,7 @@
       </p:grpSpPr>
       <p:sp>
         <p:nvSpPr>
-          <p:cNvPr id="158" name="Google Shape;158;gaa1226c9e9_0_12:notes"/>
+          <p:cNvPr id="157" name="Google Shape;157;gb2e2244c5c_0_3:notes"/>
           <p:cNvSpPr/>
           <p:nvPr>
             <p:ph idx="2" type="sldImg"/>
@@ -1259,7 +1559,7 @@
       </p:sp>
       <p:sp>
         <p:nvSpPr>
-          <p:cNvPr id="159" name="Google Shape;159;gaa1226c9e9_0_12:notes"/>
+          <p:cNvPr id="158" name="Google Shape;158;gb2e2244c5c_0_3:notes"/>
           <p:cNvSpPr txBox="1"/>
           <p:nvPr>
             <p:ph idx="1" type="body"/>
@@ -1309,7 +1609,7 @@
   <p:cSld>
     <p:spTree>
       <p:nvGrpSpPr>
-        <p:cNvPr id="164" name="Shape 164"/>
+        <p:cNvPr id="163" name="Shape 163"/>
         <p:cNvGrpSpPr/>
         <p:nvPr/>
       </p:nvGrpSpPr>
@@ -1323,7 +1623,7 @@
       </p:grpSpPr>
       <p:sp>
         <p:nvSpPr>
-          <p:cNvPr id="165" name="Google Shape;165;g789e426cf2_0_172:notes"/>
+          <p:cNvPr id="164" name="Google Shape;164;g789e426cf2_0_172:notes"/>
           <p:cNvSpPr/>
           <p:nvPr>
             <p:ph idx="2" type="sldImg"/>
@@ -1358,7 +1658,7 @@
       </p:sp>
       <p:sp>
         <p:nvSpPr>
-          <p:cNvPr id="166" name="Google Shape;166;g789e426cf2_0_172:notes"/>
+          <p:cNvPr id="165" name="Google Shape;165;g789e426cf2_0_172:notes"/>
           <p:cNvSpPr txBox="1"/>
           <p:nvPr>
             <p:ph idx="1" type="body"/>
@@ -1382,6 +1682,139 @@
             <a:pPr indent="0" lvl="0" marL="0" rtl="0" algn="l">
               <a:spcBef>
                 <a:spcPts val="0"/>
+              </a:spcBef>
+              <a:spcAft>
+                <a:spcPts val="0"/>
+              </a:spcAft>
+              <a:buClr>
+                <a:schemeClr val="dk1"/>
+              </a:buClr>
+              <a:buSzPts val="1100"/>
+              <a:buFont typeface="Arial"/>
+              <a:buNone/>
+            </a:pPr>
+            <a:r>
+              <a:rPr lang="en" sz="1300">
+                <a:solidFill>
+                  <a:schemeClr val="dk1"/>
+                </a:solidFill>
+                <a:latin typeface="Calibri"/>
+                <a:ea typeface="Calibri"/>
+                <a:cs typeface="Calibri"/>
+                <a:sym typeface="Calibri"/>
+              </a:rPr>
+              <a:t>Many individuals have been practicing social distancing by working from home in recent weeks. While this arrangement can be a great way to reduce one’s exposure to COVID-19, it’s a luxury that’s available to just </a:t>
+            </a:r>
+            <a:r>
+              <a:rPr lang="en" sz="1300" u="sng">
+                <a:solidFill>
+                  <a:schemeClr val="dk1"/>
+                </a:solidFill>
+                <a:latin typeface="Calibri"/>
+                <a:ea typeface="Calibri"/>
+                <a:cs typeface="Calibri"/>
+                <a:sym typeface="Calibri"/>
+                <a:hlinkClick r:id="rId2">
+                  <a:extLst>
+                    <a:ext uri="{A12FA001-AC4F-418D-AE19-62706E023703}">
+                      <ahyp:hlinkClr val="tx"/>
+                    </a:ext>
+                  </a:extLst>
+                </a:hlinkClick>
+              </a:rPr>
+              <a:t>29%</a:t>
+            </a:r>
+            <a:r>
+              <a:rPr lang="en" sz="1300">
+                <a:solidFill>
+                  <a:schemeClr val="dk1"/>
+                </a:solidFill>
+                <a:latin typeface="Calibri"/>
+                <a:ea typeface="Calibri"/>
+                <a:cs typeface="Calibri"/>
+                <a:sym typeface="Calibri"/>
+              </a:rPr>
+              <a:t> of Americans. [</a:t>
+            </a:r>
+            <a:r>
+              <a:rPr lang="en" sz="1300" u="sng">
+                <a:solidFill>
+                  <a:srgbClr val="3D4594"/>
+                </a:solidFill>
+                <a:latin typeface="Calibri"/>
+                <a:ea typeface="Calibri"/>
+                <a:cs typeface="Calibri"/>
+                <a:sym typeface="Calibri"/>
+                <a:hlinkClick r:id="rId3">
+                  <a:extLst>
+                    <a:ext uri="{A12FA001-AC4F-418D-AE19-62706E023703}">
+                      <ahyp:hlinkClr val="tx"/>
+                    </a:ext>
+                  </a:extLst>
+                </a:hlinkClick>
+              </a:rPr>
+              <a:t>source</a:t>
+            </a:r>
+            <a:r>
+              <a:rPr lang="en" sz="1300">
+                <a:solidFill>
+                  <a:schemeClr val="dk1"/>
+                </a:solidFill>
+                <a:latin typeface="Calibri"/>
+                <a:ea typeface="Calibri"/>
+                <a:cs typeface="Calibri"/>
+                <a:sym typeface="Calibri"/>
+              </a:rPr>
+              <a:t>: Visual Capitalist/Department of Labor]</a:t>
+            </a:r>
+            <a:br>
+              <a:rPr lang="en" sz="1300">
+                <a:solidFill>
+                  <a:schemeClr val="dk1"/>
+                </a:solidFill>
+                <a:latin typeface="Calibri"/>
+                <a:ea typeface="Calibri"/>
+                <a:cs typeface="Calibri"/>
+                <a:sym typeface="Calibri"/>
+              </a:rPr>
+            </a:br>
+            <a:br>
+              <a:rPr lang="en" sz="1300">
+                <a:solidFill>
+                  <a:schemeClr val="dk1"/>
+                </a:solidFill>
+                <a:latin typeface="Calibri"/>
+                <a:ea typeface="Calibri"/>
+                <a:cs typeface="Calibri"/>
+                <a:sym typeface="Calibri"/>
+              </a:rPr>
+            </a:br>
+            <a:r>
+              <a:rPr lang="en" sz="1300">
+                <a:solidFill>
+                  <a:schemeClr val="dk1"/>
+                </a:solidFill>
+                <a:latin typeface="Calibri"/>
+                <a:ea typeface="Calibri"/>
+                <a:cs typeface="Calibri"/>
+                <a:sym typeface="Calibri"/>
+              </a:rPr>
+              <a:t>The situation for the remaining 71% is uncertain, to say the least. A significant portion of the population has lost their jobs due to business shutdowns and mandated lockdown orders. Others employed in “essential services” have continued working as usual, but may face a higher risk of potential exposure to the virus.</a:t>
+            </a:r>
+            <a:endParaRPr sz="1300">
+              <a:solidFill>
+                <a:schemeClr val="dk1"/>
+              </a:solidFill>
+              <a:latin typeface="Calibri"/>
+              <a:ea typeface="Calibri"/>
+              <a:cs typeface="Calibri"/>
+              <a:sym typeface="Calibri"/>
+            </a:endParaRPr>
+          </a:p>
+          <a:p>
+            <a:pPr indent="0" lvl="0" marL="0" rtl="0" algn="l">
+              <a:spcBef>
+                <a:spcPts val="1600"/>
               </a:spcBef>
               <a:spcAft>
                 <a:spcPts val="0"/>
@@ -1422,7 +1855,7 @@
       </p:grpSpPr>
       <p:sp>
         <p:nvSpPr>
-          <p:cNvPr id="172" name="Google Shape;172;g789e426cf2_0_162:notes"/>
+          <p:cNvPr id="172" name="Google Shape;172;gaa1226c9e9_0_12:notes"/>
           <p:cNvSpPr/>
           <p:nvPr>
             <p:ph idx="2" type="sldImg"/>
@@ -1457,7 +1890,7 @@
       </p:sp>
       <p:sp>
         <p:nvSpPr>
-          <p:cNvPr id="173" name="Google Shape;173;g789e426cf2_0_162:notes"/>
+          <p:cNvPr id="173" name="Google Shape;173;gaa1226c9e9_0_12:notes"/>
           <p:cNvSpPr txBox="1"/>
           <p:nvPr>
             <p:ph idx="1" type="body"/>
@@ -1507,7 +1940,7 @@
   <p:cSld>
     <p:spTree>
       <p:nvGrpSpPr>
-        <p:cNvPr id="179" name="Shape 179"/>
+        <p:cNvPr id="178" name="Shape 178"/>
         <p:cNvGrpSpPr/>
         <p:nvPr/>
       </p:nvGrpSpPr>
@@ -1521,7 +1954,7 @@
       </p:grpSpPr>
       <p:sp>
         <p:nvSpPr>
-          <p:cNvPr id="180" name="Google Shape;180;gaa1226c9e9_0_7:notes"/>
+          <p:cNvPr id="179" name="Google Shape;179;g789e426cf2_0_162:notes"/>
           <p:cNvSpPr/>
           <p:nvPr>
             <p:ph idx="2" type="sldImg"/>
@@ -1556,7 +1989,7 @@
       </p:sp>
       <p:sp>
         <p:nvSpPr>
-          <p:cNvPr id="181" name="Google Shape;181;gaa1226c9e9_0_7:notes"/>
+          <p:cNvPr id="180" name="Google Shape;180;g789e426cf2_0_162:notes"/>
           <p:cNvSpPr txBox="1"/>
           <p:nvPr>
             <p:ph idx="1" type="body"/>
@@ -9787,7 +10220,7 @@
             </a:pPr>
             <a:r>
               <a:rPr lang="en"/>
-              <a:t>Phoenix/Eric Ehmann - UXDI</a:t>
+              <a:t>Phoenix Ehmann - UXDI</a:t>
             </a:r>
             <a:endParaRPr/>
           </a:p>
@@ -9856,6 +10289,730 @@
           </a:p>
         </p:txBody>
       </p:sp>
+    </p:spTree>
+  </p:cSld>
+  <p:clrMapOvr>
+    <a:masterClrMapping/>
+  </p:clrMapOvr>
+</p:sld>
+</file>
+
+<file path=ppt/slides/slide10.xml><?xml version="1.0" encoding="utf-8"?>
+<p:sld xmlns:a="http://schemas.openxmlformats.org/drawingml/2006/main" xmlns:r="http://schemas.openxmlformats.org/officeDocument/2006/relationships" xmlns:mc="http://schemas.openxmlformats.org/markup-compatibility/2006" xmlns:mv="urn:schemas-microsoft-com:mac:vml" xmlns:p="http://schemas.openxmlformats.org/presentationml/2006/main" xmlns:c="http://schemas.openxmlformats.org/drawingml/2006/chart" xmlns:dgm="http://schemas.openxmlformats.org/drawingml/2006/diagram" xmlns:o="urn:schemas-microsoft-com:office:office" xmlns:v="urn:schemas-microsoft-com:vml" xmlns:pvml="urn:schemas-microsoft-com:office:powerpoint" xmlns:com="http://schemas.openxmlformats.org/drawingml/2006/compatibility" xmlns:p14="http://schemas.microsoft.com/office/powerpoint/2010/main" xmlns:p15="http://schemas.microsoft.com/office/powerpoint/2012/main" xmlns:ahyp="http://schemas.microsoft.com/office/drawing/2018/hyperlinkcolor">
+  <p:cSld>
+    <p:spTree>
+      <p:nvGrpSpPr>
+        <p:cNvPr id="189" name="Shape 189"/>
+        <p:cNvGrpSpPr/>
+        <p:nvPr/>
+      </p:nvGrpSpPr>
+      <p:grpSpPr>
+        <a:xfrm>
+          <a:off x="0" y="0"/>
+          <a:ext cx="0" cy="0"/>
+          <a:chOff x="0" y="0"/>
+          <a:chExt cx="0" cy="0"/>
+        </a:xfrm>
+      </p:grpSpPr>
+      <p:pic>
+        <p:nvPicPr>
+          <p:cNvPr id="190" name="Google Shape;190;p22"/>
+          <p:cNvPicPr preferRelativeResize="0"/>
+          <p:nvPr/>
+        </p:nvPicPr>
+        <p:blipFill rotWithShape="1">
+          <a:blip r:embed="rId3">
+            <a:alphaModFix/>
+          </a:blip>
+          <a:srcRect b="10900" l="1048" r="0" t="6767"/>
+          <a:stretch/>
+        </p:blipFill>
+        <p:spPr>
+          <a:xfrm>
+            <a:off x="315950" y="708625"/>
+            <a:ext cx="8512075" cy="3983850"/>
+          </a:xfrm>
+          <a:prstGeom prst="rect">
+            <a:avLst/>
+          </a:prstGeom>
+          <a:noFill/>
+          <a:ln>
+            <a:noFill/>
+          </a:ln>
+        </p:spPr>
+      </p:pic>
+      <p:sp>
+        <p:nvSpPr>
+          <p:cNvPr id="191" name="Google Shape;191;p22"/>
+          <p:cNvSpPr txBox="1"/>
+          <p:nvPr>
+            <p:ph type="title"/>
+          </p:nvPr>
+        </p:nvSpPr>
+        <p:spPr>
+          <a:xfrm>
+            <a:off x="550925" y="459050"/>
+            <a:ext cx="2941800" cy="954600"/>
+          </a:xfrm>
+          <a:prstGeom prst="rect">
+            <a:avLst/>
+          </a:prstGeom>
+        </p:spPr>
+        <p:txBody>
+          <a:bodyPr anchorCtr="0" anchor="t" bIns="91425" lIns="91425" spcFirstLastPara="1" rIns="91425" wrap="square" tIns="91425">
+            <a:noAutofit/>
+          </a:bodyPr>
+          <a:lstStyle/>
+          <a:p>
+            <a:pPr indent="0" lvl="0" marL="0" rtl="0" algn="l">
+              <a:spcBef>
+                <a:spcPts val="0"/>
+              </a:spcBef>
+              <a:spcAft>
+                <a:spcPts val="0"/>
+              </a:spcAft>
+              <a:buNone/>
+            </a:pPr>
+            <a:r>
+              <a:rPr lang="en"/>
+              <a:t>User Flow 1.0</a:t>
+            </a:r>
+            <a:endParaRPr/>
+          </a:p>
+        </p:txBody>
+      </p:sp>
+    </p:spTree>
+  </p:cSld>
+  <p:clrMapOvr>
+    <a:masterClrMapping/>
+  </p:clrMapOvr>
+</p:sld>
+</file>
+
+<file path=ppt/slides/slide11.xml><?xml version="1.0" encoding="utf-8"?>
+<p:sld xmlns:a="http://schemas.openxmlformats.org/drawingml/2006/main" xmlns:r="http://schemas.openxmlformats.org/officeDocument/2006/relationships" xmlns:mc="http://schemas.openxmlformats.org/markup-compatibility/2006" xmlns:mv="urn:schemas-microsoft-com:mac:vml" xmlns:p="http://schemas.openxmlformats.org/presentationml/2006/main" xmlns:c="http://schemas.openxmlformats.org/drawingml/2006/chart" xmlns:dgm="http://schemas.openxmlformats.org/drawingml/2006/diagram" xmlns:o="urn:schemas-microsoft-com:office:office" xmlns:v="urn:schemas-microsoft-com:vml" xmlns:pvml="urn:schemas-microsoft-com:office:powerpoint" xmlns:com="http://schemas.openxmlformats.org/drawingml/2006/compatibility" xmlns:p14="http://schemas.microsoft.com/office/powerpoint/2010/main" xmlns:p15="http://schemas.microsoft.com/office/powerpoint/2012/main" xmlns:ahyp="http://schemas.microsoft.com/office/drawing/2018/hyperlinkcolor">
+  <p:cSld>
+    <p:spTree>
+      <p:nvGrpSpPr>
+        <p:cNvPr id="195" name="Shape 195"/>
+        <p:cNvGrpSpPr/>
+        <p:nvPr/>
+      </p:nvGrpSpPr>
+      <p:grpSpPr>
+        <a:xfrm>
+          <a:off x="0" y="0"/>
+          <a:ext cx="0" cy="0"/>
+          <a:chOff x="0" y="0"/>
+          <a:chExt cx="0" cy="0"/>
+        </a:xfrm>
+      </p:grpSpPr>
+      <p:sp>
+        <p:nvSpPr>
+          <p:cNvPr id="196" name="Google Shape;196;p23"/>
+          <p:cNvSpPr txBox="1"/>
+          <p:nvPr>
+            <p:ph type="title"/>
+          </p:nvPr>
+        </p:nvSpPr>
+        <p:spPr>
+          <a:xfrm>
+            <a:off x="819150" y="845600"/>
+            <a:ext cx="7505700" cy="954600"/>
+          </a:xfrm>
+          <a:prstGeom prst="rect">
+            <a:avLst/>
+          </a:prstGeom>
+        </p:spPr>
+        <p:txBody>
+          <a:bodyPr anchorCtr="0" anchor="t" bIns="91425" lIns="91425" spcFirstLastPara="1" rIns="91425" wrap="square" tIns="91425">
+            <a:noAutofit/>
+          </a:bodyPr>
+          <a:lstStyle/>
+          <a:p>
+            <a:pPr indent="0" lvl="0" marL="0" rtl="0" algn="l">
+              <a:spcBef>
+                <a:spcPts val="0"/>
+              </a:spcBef>
+              <a:spcAft>
+                <a:spcPts val="0"/>
+              </a:spcAft>
+              <a:buNone/>
+            </a:pPr>
+            <a:r>
+              <a:rPr lang="en"/>
+              <a:t>App Demo</a:t>
+            </a:r>
+            <a:endParaRPr/>
+          </a:p>
+        </p:txBody>
+      </p:sp>
+      <p:sp>
+        <p:nvSpPr>
+          <p:cNvPr id="197" name="Google Shape;197;p23"/>
+          <p:cNvSpPr txBox="1"/>
+          <p:nvPr>
+            <p:ph idx="1" type="body"/>
+          </p:nvPr>
+        </p:nvSpPr>
+        <p:spPr>
+          <a:xfrm>
+            <a:off x="819150" y="1990725"/>
+            <a:ext cx="7505700" cy="2448000"/>
+          </a:xfrm>
+          <a:prstGeom prst="rect">
+            <a:avLst/>
+          </a:prstGeom>
+        </p:spPr>
+        <p:txBody>
+          <a:bodyPr anchorCtr="0" anchor="t" bIns="91425" lIns="91425" spcFirstLastPara="1" rIns="91425" wrap="square" tIns="91425">
+            <a:noAutofit/>
+          </a:bodyPr>
+          <a:lstStyle/>
+          <a:p>
+            <a:pPr indent="0" lvl="0" marL="0" rtl="0" algn="l">
+              <a:spcBef>
+                <a:spcPts val="0"/>
+              </a:spcBef>
+              <a:spcAft>
+                <a:spcPts val="1600"/>
+              </a:spcAft>
+              <a:buNone/>
+            </a:pPr>
+            <a:r>
+              <a:t/>
+            </a:r>
+            <a:endParaRPr/>
+          </a:p>
+        </p:txBody>
+      </p:sp>
+    </p:spTree>
+  </p:cSld>
+  <p:clrMapOvr>
+    <a:masterClrMapping/>
+  </p:clrMapOvr>
+</p:sld>
+</file>
+
+<file path=ppt/slides/slide12.xml><?xml version="1.0" encoding="utf-8"?>
+<p:sld xmlns:a="http://schemas.openxmlformats.org/drawingml/2006/main" xmlns:r="http://schemas.openxmlformats.org/officeDocument/2006/relationships" xmlns:mc="http://schemas.openxmlformats.org/markup-compatibility/2006" xmlns:mv="urn:schemas-microsoft-com:mac:vml" xmlns:p="http://schemas.openxmlformats.org/presentationml/2006/main" xmlns:c="http://schemas.openxmlformats.org/drawingml/2006/chart" xmlns:dgm="http://schemas.openxmlformats.org/drawingml/2006/diagram" xmlns:o="urn:schemas-microsoft-com:office:office" xmlns:v="urn:schemas-microsoft-com:vml" xmlns:pvml="urn:schemas-microsoft-com:office:powerpoint" xmlns:com="http://schemas.openxmlformats.org/drawingml/2006/compatibility" xmlns:p14="http://schemas.microsoft.com/office/powerpoint/2010/main" xmlns:p15="http://schemas.microsoft.com/office/powerpoint/2012/main" xmlns:ahyp="http://schemas.microsoft.com/office/drawing/2018/hyperlinkcolor">
+  <p:cSld>
+    <p:spTree>
+      <p:nvGrpSpPr>
+        <p:cNvPr id="201" name="Shape 201"/>
+        <p:cNvGrpSpPr/>
+        <p:nvPr/>
+      </p:nvGrpSpPr>
+      <p:grpSpPr>
+        <a:xfrm>
+          <a:off x="0" y="0"/>
+          <a:ext cx="0" cy="0"/>
+          <a:chOff x="0" y="0"/>
+          <a:chExt cx="0" cy="0"/>
+        </a:xfrm>
+      </p:grpSpPr>
+      <p:sp>
+        <p:nvSpPr>
+          <p:cNvPr id="202" name="Google Shape;202;p24"/>
+          <p:cNvSpPr txBox="1"/>
+          <p:nvPr>
+            <p:ph type="title"/>
+          </p:nvPr>
+        </p:nvSpPr>
+        <p:spPr>
+          <a:xfrm>
+            <a:off x="698150" y="513675"/>
+            <a:ext cx="7505700" cy="678000"/>
+          </a:xfrm>
+          <a:prstGeom prst="rect">
+            <a:avLst/>
+          </a:prstGeom>
+        </p:spPr>
+        <p:txBody>
+          <a:bodyPr anchorCtr="0" anchor="t" bIns="91425" lIns="91425" spcFirstLastPara="1" rIns="91425" wrap="square" tIns="91425">
+            <a:noAutofit/>
+          </a:bodyPr>
+          <a:lstStyle/>
+          <a:p>
+            <a:pPr indent="0" lvl="0" marL="0" rtl="0" algn="l">
+              <a:spcBef>
+                <a:spcPts val="0"/>
+              </a:spcBef>
+              <a:spcAft>
+                <a:spcPts val="0"/>
+              </a:spcAft>
+              <a:buNone/>
+            </a:pPr>
+            <a:r>
+              <a:rPr lang="en"/>
+              <a:t>Next Steps</a:t>
+            </a:r>
+            <a:endParaRPr/>
+          </a:p>
+        </p:txBody>
+      </p:sp>
+      <p:sp>
+        <p:nvSpPr>
+          <p:cNvPr id="203" name="Google Shape;203;p24"/>
+          <p:cNvSpPr txBox="1"/>
+          <p:nvPr>
+            <p:ph idx="1" type="body"/>
+          </p:nvPr>
+        </p:nvSpPr>
+        <p:spPr>
+          <a:xfrm>
+            <a:off x="447800" y="1885575"/>
+            <a:ext cx="2299800" cy="2725500"/>
+          </a:xfrm>
+          <a:prstGeom prst="rect">
+            <a:avLst/>
+          </a:prstGeom>
+        </p:spPr>
+        <p:txBody>
+          <a:bodyPr anchorCtr="0" anchor="t" bIns="91425" lIns="91425" spcFirstLastPara="1" rIns="91425" wrap="square" tIns="91425">
+            <a:noAutofit/>
+          </a:bodyPr>
+          <a:lstStyle/>
+          <a:p>
+            <a:pPr indent="-311150" lvl="0" marL="457200" rtl="0" algn="l">
+              <a:spcBef>
+                <a:spcPts val="0"/>
+              </a:spcBef>
+              <a:spcAft>
+                <a:spcPts val="0"/>
+              </a:spcAft>
+              <a:buSzPts val="1300"/>
+              <a:buChar char="●"/>
+            </a:pPr>
+            <a:r>
+              <a:rPr lang="en"/>
+              <a:t>Finish the mid fidelity prototype</a:t>
+            </a:r>
+            <a:endParaRPr/>
+          </a:p>
+          <a:p>
+            <a:pPr indent="-311150" lvl="0" marL="457200" rtl="0" algn="l">
+              <a:spcBef>
+                <a:spcPts val="0"/>
+              </a:spcBef>
+              <a:spcAft>
+                <a:spcPts val="0"/>
+              </a:spcAft>
+              <a:buSzPts val="1300"/>
+              <a:buChar char="●"/>
+            </a:pPr>
+            <a:r>
+              <a:rPr lang="en"/>
+              <a:t>Usability</a:t>
+            </a:r>
+            <a:r>
+              <a:rPr lang="en"/>
+              <a:t> tests with Bartenders</a:t>
+            </a:r>
+            <a:endParaRPr/>
+          </a:p>
+          <a:p>
+            <a:pPr indent="-311150" lvl="0" marL="457200" rtl="0" algn="l">
+              <a:spcBef>
+                <a:spcPts val="0"/>
+              </a:spcBef>
+              <a:spcAft>
+                <a:spcPts val="0"/>
+              </a:spcAft>
+              <a:buSzPts val="1300"/>
+              <a:buChar char="●"/>
+            </a:pPr>
+            <a:r>
+              <a:rPr lang="en"/>
+              <a:t>Iterations based on feedback</a:t>
+            </a:r>
+            <a:endParaRPr/>
+          </a:p>
+          <a:p>
+            <a:pPr indent="-311150" lvl="0" marL="457200" rtl="0" algn="l">
+              <a:spcBef>
+                <a:spcPts val="0"/>
+              </a:spcBef>
+              <a:spcAft>
+                <a:spcPts val="0"/>
+              </a:spcAft>
+              <a:buSzPts val="1300"/>
+              <a:buChar char="●"/>
+            </a:pPr>
+            <a:r>
+              <a:rPr lang="en"/>
+              <a:t>Research more design inspirations to create a more pleasing UI</a:t>
+            </a:r>
+            <a:endParaRPr/>
+          </a:p>
+        </p:txBody>
+      </p:sp>
+      <p:sp>
+        <p:nvSpPr>
+          <p:cNvPr id="204" name="Google Shape;204;p24"/>
+          <p:cNvSpPr txBox="1"/>
+          <p:nvPr>
+            <p:ph type="title"/>
+          </p:nvPr>
+        </p:nvSpPr>
+        <p:spPr>
+          <a:xfrm>
+            <a:off x="698150" y="1420575"/>
+            <a:ext cx="1894500" cy="465000"/>
+          </a:xfrm>
+          <a:prstGeom prst="rect">
+            <a:avLst/>
+          </a:prstGeom>
+        </p:spPr>
+        <p:txBody>
+          <a:bodyPr anchorCtr="0" anchor="t" bIns="91425" lIns="91425" spcFirstLastPara="1" rIns="91425" wrap="square" tIns="91425">
+            <a:noAutofit/>
+          </a:bodyPr>
+          <a:lstStyle/>
+          <a:p>
+            <a:pPr indent="0" lvl="0" marL="0" rtl="0" algn="l">
+              <a:spcBef>
+                <a:spcPts val="0"/>
+              </a:spcBef>
+              <a:spcAft>
+                <a:spcPts val="0"/>
+              </a:spcAft>
+              <a:buNone/>
+            </a:pPr>
+            <a:r>
+              <a:rPr b="1" lang="en" sz="2000">
+                <a:solidFill>
+                  <a:schemeClr val="dk2"/>
+                </a:solidFill>
+              </a:rPr>
+              <a:t>Must Do</a:t>
+            </a:r>
+            <a:endParaRPr b="1" sz="2000">
+              <a:solidFill>
+                <a:schemeClr val="dk2"/>
+              </a:solidFill>
+            </a:endParaRPr>
+          </a:p>
+        </p:txBody>
+      </p:sp>
+      <p:sp>
+        <p:nvSpPr>
+          <p:cNvPr id="205" name="Google Shape;205;p24"/>
+          <p:cNvSpPr txBox="1"/>
+          <p:nvPr>
+            <p:ph type="title"/>
+          </p:nvPr>
+        </p:nvSpPr>
+        <p:spPr>
+          <a:xfrm>
+            <a:off x="3505350" y="1420571"/>
+            <a:ext cx="2133300" cy="465000"/>
+          </a:xfrm>
+          <a:prstGeom prst="rect">
+            <a:avLst/>
+          </a:prstGeom>
+        </p:spPr>
+        <p:txBody>
+          <a:bodyPr anchorCtr="0" anchor="t" bIns="91425" lIns="91425" spcFirstLastPara="1" rIns="91425" wrap="square" tIns="91425">
+            <a:noAutofit/>
+          </a:bodyPr>
+          <a:lstStyle/>
+          <a:p>
+            <a:pPr indent="0" lvl="0" marL="0" rtl="0" algn="l">
+              <a:spcBef>
+                <a:spcPts val="0"/>
+              </a:spcBef>
+              <a:spcAft>
+                <a:spcPts val="0"/>
+              </a:spcAft>
+              <a:buNone/>
+            </a:pPr>
+            <a:r>
+              <a:rPr b="1" lang="en" sz="2000">
+                <a:solidFill>
+                  <a:schemeClr val="dk2"/>
+                </a:solidFill>
+              </a:rPr>
+              <a:t>Should</a:t>
+            </a:r>
+            <a:r>
+              <a:rPr b="1" lang="en" sz="2000">
+                <a:solidFill>
+                  <a:schemeClr val="dk2"/>
+                </a:solidFill>
+              </a:rPr>
+              <a:t> Do</a:t>
+            </a:r>
+            <a:endParaRPr b="1" sz="2000">
+              <a:solidFill>
+                <a:schemeClr val="dk2"/>
+              </a:solidFill>
+            </a:endParaRPr>
+          </a:p>
+        </p:txBody>
+      </p:sp>
+      <p:sp>
+        <p:nvSpPr>
+          <p:cNvPr id="206" name="Google Shape;206;p24"/>
+          <p:cNvSpPr txBox="1"/>
+          <p:nvPr>
+            <p:ph type="title"/>
+          </p:nvPr>
+        </p:nvSpPr>
+        <p:spPr>
+          <a:xfrm>
+            <a:off x="6328925" y="1345700"/>
+            <a:ext cx="2133300" cy="678000"/>
+          </a:xfrm>
+          <a:prstGeom prst="rect">
+            <a:avLst/>
+          </a:prstGeom>
+        </p:spPr>
+        <p:txBody>
+          <a:bodyPr anchorCtr="0" anchor="t" bIns="91425" lIns="91425" spcFirstLastPara="1" rIns="91425" wrap="square" tIns="91425">
+            <a:noAutofit/>
+          </a:bodyPr>
+          <a:lstStyle/>
+          <a:p>
+            <a:pPr indent="0" lvl="0" marL="0" rtl="0" algn="l">
+              <a:spcBef>
+                <a:spcPts val="0"/>
+              </a:spcBef>
+              <a:spcAft>
+                <a:spcPts val="0"/>
+              </a:spcAft>
+              <a:buNone/>
+            </a:pPr>
+            <a:r>
+              <a:rPr b="1" lang="en" sz="2400">
+                <a:solidFill>
+                  <a:schemeClr val="dk2"/>
+                </a:solidFill>
+              </a:rPr>
+              <a:t>Won’t</a:t>
+            </a:r>
+            <a:r>
+              <a:rPr b="1" lang="en" sz="2400">
+                <a:solidFill>
+                  <a:schemeClr val="dk2"/>
+                </a:solidFill>
+              </a:rPr>
+              <a:t> Do</a:t>
+            </a:r>
+            <a:endParaRPr b="1" sz="2400">
+              <a:solidFill>
+                <a:schemeClr val="dk2"/>
+              </a:solidFill>
+            </a:endParaRPr>
+          </a:p>
+        </p:txBody>
+      </p:sp>
+      <p:sp>
+        <p:nvSpPr>
+          <p:cNvPr id="207" name="Google Shape;207;p24"/>
+          <p:cNvSpPr txBox="1"/>
+          <p:nvPr>
+            <p:ph idx="1" type="body"/>
+          </p:nvPr>
+        </p:nvSpPr>
+        <p:spPr>
+          <a:xfrm>
+            <a:off x="3371075" y="1948825"/>
+            <a:ext cx="2299800" cy="2725500"/>
+          </a:xfrm>
+          <a:prstGeom prst="rect">
+            <a:avLst/>
+          </a:prstGeom>
+        </p:spPr>
+        <p:txBody>
+          <a:bodyPr anchorCtr="0" anchor="t" bIns="91425" lIns="91425" spcFirstLastPara="1" rIns="91425" wrap="square" tIns="91425">
+            <a:noAutofit/>
+          </a:bodyPr>
+          <a:lstStyle/>
+          <a:p>
+            <a:pPr indent="-311150" lvl="0" marL="457200" rtl="0" algn="l">
+              <a:spcBef>
+                <a:spcPts val="0"/>
+              </a:spcBef>
+              <a:spcAft>
+                <a:spcPts val="0"/>
+              </a:spcAft>
+              <a:buSzPts val="1300"/>
+              <a:buChar char="●"/>
+            </a:pPr>
+            <a:r>
+              <a:rPr lang="en"/>
+              <a:t>Implement an incentive for Bartenders to get paid on the website</a:t>
+            </a:r>
+            <a:endParaRPr/>
+          </a:p>
+          <a:p>
+            <a:pPr indent="-311150" lvl="0" marL="457200" rtl="0" algn="l">
+              <a:spcBef>
+                <a:spcPts val="0"/>
+              </a:spcBef>
+              <a:spcAft>
+                <a:spcPts val="0"/>
+              </a:spcAft>
+              <a:buSzPts val="1300"/>
+              <a:buChar char="●"/>
+            </a:pPr>
+            <a:r>
+              <a:rPr lang="en"/>
+              <a:t>Limit # of entries per personal contest</a:t>
+            </a:r>
+            <a:endParaRPr/>
+          </a:p>
+          <a:p>
+            <a:pPr indent="-311150" lvl="0" marL="457200" rtl="0" algn="l">
+              <a:spcBef>
+                <a:spcPts val="0"/>
+              </a:spcBef>
+              <a:spcAft>
+                <a:spcPts val="0"/>
+              </a:spcAft>
+              <a:buSzPts val="1300"/>
+              <a:buChar char="●"/>
+            </a:pPr>
+            <a:r>
+              <a:rPr lang="en"/>
+              <a:t>Consult UX copywriter</a:t>
+            </a:r>
+            <a:endParaRPr/>
+          </a:p>
+          <a:p>
+            <a:pPr indent="-311150" lvl="0" marL="457200" rtl="0" algn="l">
+              <a:spcBef>
+                <a:spcPts val="0"/>
+              </a:spcBef>
+              <a:spcAft>
+                <a:spcPts val="0"/>
+              </a:spcAft>
+              <a:buSzPts val="1300"/>
+              <a:buChar char="●"/>
+            </a:pPr>
+            <a:r>
+              <a:rPr lang="en"/>
+              <a:t>Open the app to not just Bartenders but anyone with a hobby and create categories ( Ex. Music, Art, Food..)</a:t>
+            </a:r>
+            <a:endParaRPr/>
+          </a:p>
+          <a:p>
+            <a:pPr indent="0" lvl="0" marL="0" rtl="0" algn="l">
+              <a:spcBef>
+                <a:spcPts val="1600"/>
+              </a:spcBef>
+              <a:spcAft>
+                <a:spcPts val="1600"/>
+              </a:spcAft>
+              <a:buNone/>
+            </a:pPr>
+            <a:r>
+              <a:t/>
+            </a:r>
+            <a:endParaRPr/>
+          </a:p>
+        </p:txBody>
+      </p:sp>
+      <p:sp>
+        <p:nvSpPr>
+          <p:cNvPr id="208" name="Google Shape;208;p24"/>
+          <p:cNvSpPr txBox="1"/>
+          <p:nvPr>
+            <p:ph idx="1" type="body"/>
+          </p:nvPr>
+        </p:nvSpPr>
+        <p:spPr>
+          <a:xfrm>
+            <a:off x="6162425" y="1948800"/>
+            <a:ext cx="2299800" cy="2725500"/>
+          </a:xfrm>
+          <a:prstGeom prst="rect">
+            <a:avLst/>
+          </a:prstGeom>
+        </p:spPr>
+        <p:txBody>
+          <a:bodyPr anchorCtr="0" anchor="t" bIns="91425" lIns="91425" spcFirstLastPara="1" rIns="91425" wrap="square" tIns="91425">
+            <a:noAutofit/>
+          </a:bodyPr>
+          <a:lstStyle/>
+          <a:p>
+            <a:pPr indent="-311150" lvl="0" marL="457200" rtl="0" algn="l">
+              <a:spcBef>
+                <a:spcPts val="0"/>
+              </a:spcBef>
+              <a:spcAft>
+                <a:spcPts val="0"/>
+              </a:spcAft>
+              <a:buSzPts val="1300"/>
+              <a:buChar char="●"/>
+            </a:pPr>
+            <a:r>
+              <a:rPr lang="en"/>
+              <a:t>Stay up till 3AM prototyping (this is a lie)</a:t>
+            </a:r>
+            <a:endParaRPr/>
+          </a:p>
+          <a:p>
+            <a:pPr indent="-311150" lvl="0" marL="457200" rtl="0" algn="l">
+              <a:spcBef>
+                <a:spcPts val="0"/>
+              </a:spcBef>
+              <a:spcAft>
+                <a:spcPts val="0"/>
+              </a:spcAft>
+              <a:buSzPts val="1300"/>
+              <a:buChar char="●"/>
+            </a:pPr>
+            <a:r>
+              <a:rPr lang="en"/>
+              <a:t>Beat up whoever already registered challenge.me (half lie)</a:t>
+            </a:r>
+            <a:endParaRPr/>
+          </a:p>
+          <a:p>
+            <a:pPr indent="0" lvl="0" marL="0" rtl="0" algn="l">
+              <a:spcBef>
+                <a:spcPts val="1600"/>
+              </a:spcBef>
+              <a:spcAft>
+                <a:spcPts val="1600"/>
+              </a:spcAft>
+              <a:buNone/>
+            </a:pPr>
+            <a:r>
+              <a:t/>
+            </a:r>
+            <a:endParaRPr/>
+          </a:p>
+        </p:txBody>
+      </p:sp>
+      <p:pic>
+        <p:nvPicPr>
+          <p:cNvPr id="209" name="Google Shape;209;p24"/>
+          <p:cNvPicPr preferRelativeResize="0"/>
+          <p:nvPr/>
+        </p:nvPicPr>
+        <p:blipFill rotWithShape="1">
+          <a:blip r:embed="rId3">
+            <a:alphaModFix/>
+          </a:blip>
+          <a:srcRect b="0" l="0" r="42452" t="0"/>
+          <a:stretch/>
+        </p:blipFill>
+        <p:spPr>
+          <a:xfrm>
+            <a:off x="5957620" y="3298900"/>
+            <a:ext cx="2844401" cy="1485850"/>
+          </a:xfrm>
+          <a:prstGeom prst="rect">
+            <a:avLst/>
+          </a:prstGeom>
+          <a:noFill/>
+          <a:ln>
+            <a:noFill/>
+          </a:ln>
+        </p:spPr>
+      </p:pic>
     </p:spTree>
   </p:cSld>
   <p:clrMapOvr>
@@ -9932,7 +11089,7 @@
         <p:spPr>
           <a:xfrm>
             <a:off x="819150" y="1195150"/>
-            <a:ext cx="7505700" cy="1771500"/>
+            <a:ext cx="7546200" cy="2256300"/>
           </a:xfrm>
           <a:prstGeom prst="rect">
             <a:avLst/>
@@ -10002,22 +11159,14 @@
               <a:buNone/>
             </a:pPr>
             <a:r>
-              <a:rPr lang="en">
-                <a:solidFill>
-                  <a:srgbClr val="000000"/>
-                </a:solidFill>
-              </a:rPr>
-              <a:t>Bars have been closing, leaving bartenders out of work.  </a:t>
-            </a:r>
-            <a:r>
-              <a:rPr b="1" lang="en">
+              <a:rPr b="1" lang="en" sz="1600">
                 <a:solidFill>
                   <a:srgbClr val="000000"/>
                 </a:solidFill>
               </a:rPr>
               <a:t>Bartenders need a way to maintain socializing with people that share their trade, motivation, and continue to practice their skill. </a:t>
             </a:r>
-            <a:endParaRPr b="1">
+            <a:endParaRPr b="1" sz="1600">
               <a:solidFill>
                 <a:srgbClr val="000000"/>
               </a:solidFill>
@@ -10053,12 +11202,20 @@
               <a:buNone/>
             </a:pPr>
             <a:r>
+              <a:rPr b="1" lang="en">
+                <a:solidFill>
+                  <a:srgbClr val="000000"/>
+                </a:solidFill>
+              </a:rPr>
+              <a:t>How might we</a:t>
+            </a:r>
+            <a:r>
               <a:rPr lang="en">
                 <a:solidFill>
                   <a:srgbClr val="000000"/>
                 </a:solidFill>
               </a:rPr>
-              <a:t>How do we maintain the fun of the bar scene, while bars are closed?</a:t>
+              <a:t> maintain the fun of the bar scene, while bars are closed?</a:t>
             </a:r>
             <a:endParaRPr sz="1000">
               <a:solidFill>
@@ -10212,7 +11369,7 @@
                   <a:srgbClr val="000000"/>
                 </a:solidFill>
               </a:rPr>
-              <a:t>Challenge.ME connects bartenders with challenges that allow them to practice or test their unique skills against others.</a:t>
+              <a:t>Challenge.ME connects bartenders with contests that allow them to practice or test their unique skills against others.</a:t>
             </a:r>
             <a:endParaRPr>
               <a:solidFill>
@@ -10251,7 +11408,7 @@
         </p:nvSpPr>
         <p:spPr>
           <a:xfrm>
-            <a:off x="860925" y="2714400"/>
+            <a:off x="853025" y="2050725"/>
             <a:ext cx="7505700" cy="1479600"/>
           </a:xfrm>
           <a:prstGeom prst="rect">
@@ -10282,7 +11439,7 @@
                   <a:srgbClr val="000000"/>
                 </a:solidFill>
               </a:rPr>
-              <a:t>Challenge.ME </a:t>
+              <a:t>Challenge.ME Features</a:t>
             </a:r>
             <a:endParaRPr>
               <a:solidFill>
@@ -10330,12 +11487,20 @@
               <a:buChar char="-"/>
             </a:pPr>
             <a:r>
+              <a:rPr b="1" lang="en">
+                <a:solidFill>
+                  <a:srgbClr val="000000"/>
+                </a:solidFill>
+              </a:rPr>
+              <a:t>Communicate: </a:t>
+            </a:r>
+            <a:r>
               <a:rPr lang="en">
                 <a:solidFill>
                   <a:srgbClr val="000000"/>
                 </a:solidFill>
               </a:rPr>
-              <a:t>Promotes Remote Togetherness</a:t>
+              <a:t>Promotes Remote Togetherness by allowing you to chat with other Bartenders in each contest page</a:t>
             </a:r>
             <a:endParaRPr>
               <a:solidFill>
@@ -10361,12 +11526,20 @@
               <a:buChar char="-"/>
             </a:pPr>
             <a:r>
+              <a:rPr b="1" lang="en">
+                <a:solidFill>
+                  <a:srgbClr val="000000"/>
+                </a:solidFill>
+              </a:rPr>
+              <a:t>Create: </a:t>
+            </a:r>
+            <a:r>
               <a:rPr lang="en">
                 <a:solidFill>
                   <a:srgbClr val="000000"/>
                 </a:solidFill>
               </a:rPr>
-              <a:t>Upskills your craft</a:t>
+              <a:t>Upskill your craft by competing in drink-related challenges</a:t>
             </a:r>
             <a:endParaRPr>
               <a:solidFill>
@@ -10392,12 +11565,36 @@
               <a:buChar char="-"/>
             </a:pPr>
             <a:r>
+              <a:rPr b="1" lang="en">
+                <a:solidFill>
+                  <a:srgbClr val="000000"/>
+                </a:solidFill>
+              </a:rPr>
+              <a:t>Compete:</a:t>
+            </a:r>
+            <a:r>
               <a:rPr lang="en">
                 <a:solidFill>
                   <a:srgbClr val="000000"/>
                 </a:solidFill>
               </a:rPr>
-              <a:t>Friendly Competition</a:t>
+              <a:t> A little </a:t>
+            </a:r>
+            <a:r>
+              <a:rPr lang="en">
+                <a:solidFill>
+                  <a:srgbClr val="000000"/>
+                </a:solidFill>
+              </a:rPr>
+              <a:t>competition</a:t>
+            </a:r>
+            <a:r>
+              <a:rPr lang="en">
+                <a:solidFill>
+                  <a:srgbClr val="000000"/>
+                </a:solidFill>
+              </a:rPr>
+              <a:t> to get the blood flowing! The more people you beat in a competition you move up in our Challenge.ME Leaderboard!  </a:t>
             </a:r>
             <a:endParaRPr>
               <a:solidFill>
@@ -10432,9 +11629,148 @@
           <a:chExt cx="0" cy="0"/>
         </a:xfrm>
       </p:grpSpPr>
+      <p:sp>
+        <p:nvSpPr>
+          <p:cNvPr id="147" name="Google Shape;147;p16"/>
+          <p:cNvSpPr txBox="1"/>
+          <p:nvPr>
+            <p:ph type="title"/>
+          </p:nvPr>
+        </p:nvSpPr>
+        <p:spPr>
+          <a:xfrm>
+            <a:off x="819150" y="845600"/>
+            <a:ext cx="7505700" cy="598800"/>
+          </a:xfrm>
+          <a:prstGeom prst="rect">
+            <a:avLst/>
+          </a:prstGeom>
+        </p:spPr>
+        <p:txBody>
+          <a:bodyPr anchorCtr="0" anchor="t" bIns="91425" lIns="91425" spcFirstLastPara="1" rIns="91425" wrap="square" tIns="91425">
+            <a:noAutofit/>
+          </a:bodyPr>
+          <a:lstStyle/>
+          <a:p>
+            <a:pPr indent="0" lvl="0" marL="0" rtl="0" algn="ctr">
+              <a:spcBef>
+                <a:spcPts val="0"/>
+              </a:spcBef>
+              <a:spcAft>
+                <a:spcPts val="0"/>
+              </a:spcAft>
+              <a:buNone/>
+            </a:pPr>
+            <a:r>
+              <a:rPr lang="en" sz="2500"/>
+              <a:t>Isolation has negative impacts on mental health</a:t>
+            </a:r>
+            <a:endParaRPr sz="2500"/>
+          </a:p>
+        </p:txBody>
+      </p:sp>
+      <p:sp>
+        <p:nvSpPr>
+          <p:cNvPr id="148" name="Google Shape;148;p16"/>
+          <p:cNvSpPr txBox="1"/>
+          <p:nvPr>
+            <p:ph idx="1" type="body"/>
+          </p:nvPr>
+        </p:nvSpPr>
+        <p:spPr>
+          <a:xfrm>
+            <a:off x="819150" y="1990725"/>
+            <a:ext cx="7505700" cy="1267200"/>
+          </a:xfrm>
+          <a:prstGeom prst="rect">
+            <a:avLst/>
+          </a:prstGeom>
+        </p:spPr>
+        <p:txBody>
+          <a:bodyPr anchorCtr="0" anchor="t" bIns="91425" lIns="91425" spcFirstLastPara="1" rIns="91425" wrap="square" tIns="91425">
+            <a:noAutofit/>
+          </a:bodyPr>
+          <a:lstStyle/>
+          <a:p>
+            <a:pPr indent="0" lvl="0" marL="0" rtl="0" algn="ctr">
+              <a:lnSpc>
+                <a:spcPct val="115000"/>
+              </a:lnSpc>
+              <a:spcBef>
+                <a:spcPts val="0"/>
+              </a:spcBef>
+              <a:spcAft>
+                <a:spcPts val="0"/>
+              </a:spcAft>
+              <a:buNone/>
+            </a:pPr>
+            <a:r>
+              <a:rPr lang="en" sz="1500">
+                <a:solidFill>
+                  <a:srgbClr val="000000"/>
+                </a:solidFill>
+              </a:rPr>
+              <a:t>Perceived social isolation during the COVID-19 pandemic significantly has had an extraordinary global impact, with significant psychological consequences. Changes in our daily lives, feeling of loneliness, job losses, financial difficulty, and grief over the death of loved ones have the potential to affect the mental health of many. [</a:t>
+            </a:r>
+            <a:r>
+              <a:rPr lang="en" sz="1500" u="sng">
+                <a:solidFill>
+                  <a:srgbClr val="000000"/>
+                </a:solidFill>
+                <a:hlinkClick r:id="rId3">
+                  <a:extLst>
+                    <a:ext uri="{A12FA001-AC4F-418D-AE19-62706E023703}">
+                      <ahyp:hlinkClr val="tx"/>
+                    </a:ext>
+                  </a:extLst>
+                </a:hlinkClick>
+              </a:rPr>
+              <a:t>source</a:t>
+            </a:r>
+            <a:r>
+              <a:rPr lang="en" sz="1500">
+                <a:solidFill>
+                  <a:srgbClr val="000000"/>
+                </a:solidFill>
+              </a:rPr>
+              <a:t>: National Institute of Health]</a:t>
+            </a:r>
+            <a:endParaRPr sz="1500">
+              <a:solidFill>
+                <a:srgbClr val="000000"/>
+              </a:solidFill>
+            </a:endParaRPr>
+          </a:p>
+        </p:txBody>
+      </p:sp>
+    </p:spTree>
+  </p:cSld>
+  <p:clrMapOvr>
+    <a:masterClrMapping/>
+  </p:clrMapOvr>
+</p:sld>
+</file>
+
+<file path=ppt/slides/slide5.xml><?xml version="1.0" encoding="utf-8"?>
+<p:sld xmlns:a="http://schemas.openxmlformats.org/drawingml/2006/main" xmlns:r="http://schemas.openxmlformats.org/officeDocument/2006/relationships" xmlns:mc="http://schemas.openxmlformats.org/markup-compatibility/2006" xmlns:mv="urn:schemas-microsoft-com:mac:vml" xmlns:p="http://schemas.openxmlformats.org/presentationml/2006/main" xmlns:c="http://schemas.openxmlformats.org/drawingml/2006/chart" xmlns:dgm="http://schemas.openxmlformats.org/drawingml/2006/diagram" xmlns:o="urn:schemas-microsoft-com:office:office" xmlns:v="urn:schemas-microsoft-com:vml" xmlns:pvml="urn:schemas-microsoft-com:office:powerpoint" xmlns:com="http://schemas.openxmlformats.org/drawingml/2006/compatibility" xmlns:p14="http://schemas.microsoft.com/office/powerpoint/2010/main" xmlns:p15="http://schemas.microsoft.com/office/powerpoint/2012/main" xmlns:ahyp="http://schemas.microsoft.com/office/drawing/2018/hyperlinkcolor">
+  <p:cSld>
+    <p:spTree>
+      <p:nvGrpSpPr>
+        <p:cNvPr id="152" name="Shape 152"/>
+        <p:cNvGrpSpPr/>
+        <p:nvPr/>
+      </p:nvGrpSpPr>
+      <p:grpSpPr>
+        <a:xfrm>
+          <a:off x="0" y="0"/>
+          <a:ext cx="0" cy="0"/>
+          <a:chOff x="0" y="0"/>
+          <a:chExt cx="0" cy="0"/>
+        </a:xfrm>
+      </p:grpSpPr>
       <p:pic>
         <p:nvPicPr>
-          <p:cNvPr id="147" name="Google Shape;147;p16"/>
+          <p:cNvPr id="153" name="Google Shape;153;p17"/>
           <p:cNvPicPr preferRelativeResize="0"/>
           <p:nvPr/>
         </p:nvPicPr>
@@ -10461,7 +11797,7 @@
       </p:pic>
       <p:sp>
         <p:nvSpPr>
-          <p:cNvPr id="148" name="Google Shape;148;p16"/>
+          <p:cNvPr id="154" name="Google Shape;154;p17"/>
           <p:cNvSpPr txBox="1"/>
           <p:nvPr/>
         </p:nvSpPr>
@@ -10513,7 +11849,7 @@
       </p:sp>
       <p:sp>
         <p:nvSpPr>
-          <p:cNvPr id="149" name="Google Shape;149;p16"/>
+          <p:cNvPr id="155" name="Google Shape;155;p17"/>
           <p:cNvSpPr txBox="1"/>
           <p:nvPr/>
         </p:nvSpPr>
@@ -10593,12 +11929,12 @@
 </p:sld>
 </file>
 
-<file path=ppt/slides/slide5.xml><?xml version="1.0" encoding="utf-8"?>
+<file path=ppt/slides/slide6.xml><?xml version="1.0" encoding="utf-8"?>
 <p:sld xmlns:a="http://schemas.openxmlformats.org/drawingml/2006/main" xmlns:r="http://schemas.openxmlformats.org/officeDocument/2006/relationships" xmlns:mc="http://schemas.openxmlformats.org/markup-compatibility/2006" xmlns:mv="urn:schemas-microsoft-com:mac:vml" xmlns:p="http://schemas.openxmlformats.org/presentationml/2006/main" xmlns:c="http://schemas.openxmlformats.org/drawingml/2006/chart" xmlns:dgm="http://schemas.openxmlformats.org/drawingml/2006/diagram" xmlns:o="urn:schemas-microsoft-com:office:office" xmlns:v="urn:schemas-microsoft-com:vml" xmlns:pvml="urn:schemas-microsoft-com:office:powerpoint" xmlns:com="http://schemas.openxmlformats.org/drawingml/2006/compatibility" xmlns:p14="http://schemas.microsoft.com/office/powerpoint/2010/main" xmlns:p15="http://schemas.microsoft.com/office/powerpoint/2012/main" xmlns:ahyp="http://schemas.microsoft.com/office/drawing/2018/hyperlinkcolor">
   <p:cSld>
     <p:spTree>
       <p:nvGrpSpPr>
-        <p:cNvPr id="153" name="Shape 153"/>
+        <p:cNvPr id="159" name="Shape 159"/>
         <p:cNvGrpSpPr/>
         <p:nvPr/>
       </p:nvGrpSpPr>
@@ -10612,7 +11948,7 @@
       </p:grpSpPr>
       <p:sp>
         <p:nvSpPr>
-          <p:cNvPr id="154" name="Google Shape;154;p17"/>
+          <p:cNvPr id="160" name="Google Shape;160;p18"/>
           <p:cNvSpPr txBox="1"/>
           <p:nvPr/>
         </p:nvSpPr>
@@ -10664,7 +12000,7 @@
       </p:sp>
       <p:sp>
         <p:nvSpPr>
-          <p:cNvPr id="155" name="Google Shape;155;p17"/>
+          <p:cNvPr id="161" name="Google Shape;161;p18"/>
           <p:cNvSpPr txBox="1"/>
           <p:nvPr/>
         </p:nvSpPr>
@@ -10906,7 +12242,7 @@
       </p:sp>
       <p:pic>
         <p:nvPicPr>
-          <p:cNvPr id="156" name="Google Shape;156;p17"/>
+          <p:cNvPr id="162" name="Google Shape;162;p18"/>
           <p:cNvPicPr preferRelativeResize="0"/>
           <p:nvPr/>
         </p:nvPicPr>
@@ -10940,12 +12276,265 @@
 </p:sld>
 </file>
 
-<file path=ppt/slides/slide6.xml><?xml version="1.0" encoding="utf-8"?>
+<file path=ppt/slides/slide7.xml><?xml version="1.0" encoding="utf-8"?>
 <p:sld xmlns:a="http://schemas.openxmlformats.org/drawingml/2006/main" xmlns:r="http://schemas.openxmlformats.org/officeDocument/2006/relationships" xmlns:mc="http://schemas.openxmlformats.org/markup-compatibility/2006" xmlns:mv="urn:schemas-microsoft-com:mac:vml" xmlns:p="http://schemas.openxmlformats.org/presentationml/2006/main" xmlns:c="http://schemas.openxmlformats.org/drawingml/2006/chart" xmlns:dgm="http://schemas.openxmlformats.org/drawingml/2006/diagram" xmlns:o="urn:schemas-microsoft-com:office:office" xmlns:v="urn:schemas-microsoft-com:vml" xmlns:pvml="urn:schemas-microsoft-com:office:powerpoint" xmlns:com="http://schemas.openxmlformats.org/drawingml/2006/compatibility" xmlns:p14="http://schemas.microsoft.com/office/powerpoint/2010/main" xmlns:p15="http://schemas.microsoft.com/office/powerpoint/2012/main" xmlns:ahyp="http://schemas.microsoft.com/office/drawing/2018/hyperlinkcolor">
   <p:cSld>
     <p:spTree>
       <p:nvGrpSpPr>
-        <p:cNvPr id="160" name="Shape 160"/>
+        <p:cNvPr id="166" name="Shape 166"/>
+        <p:cNvGrpSpPr/>
+        <p:nvPr/>
+      </p:nvGrpSpPr>
+      <p:grpSpPr>
+        <a:xfrm>
+          <a:off x="0" y="0"/>
+          <a:ext cx="0" cy="0"/>
+          <a:chOff x="0" y="0"/>
+          <a:chExt cx="0" cy="0"/>
+        </a:xfrm>
+      </p:grpSpPr>
+      <p:pic>
+        <p:nvPicPr>
+          <p:cNvPr id="167" name="Google Shape;167;p19"/>
+          <p:cNvPicPr preferRelativeResize="0"/>
+          <p:nvPr/>
+        </p:nvPicPr>
+        <p:blipFill rotWithShape="1">
+          <a:blip r:embed="rId3">
+            <a:alphaModFix/>
+          </a:blip>
+          <a:srcRect b="0" l="0" r="0" t="-6326"/>
+          <a:stretch/>
+        </p:blipFill>
+        <p:spPr>
+          <a:xfrm>
+            <a:off x="667863" y="3229925"/>
+            <a:ext cx="7808274" cy="1313550"/>
+          </a:xfrm>
+          <a:prstGeom prst="rect">
+            <a:avLst/>
+          </a:prstGeom>
+          <a:noFill/>
+          <a:ln>
+            <a:noFill/>
+          </a:ln>
+        </p:spPr>
+      </p:pic>
+      <p:pic>
+        <p:nvPicPr>
+          <p:cNvPr id="168" name="Google Shape;168;p19"/>
+          <p:cNvPicPr preferRelativeResize="0"/>
+          <p:nvPr/>
+        </p:nvPicPr>
+        <p:blipFill>
+          <a:blip r:embed="rId4">
+            <a:alphaModFix/>
+          </a:blip>
+          <a:stretch>
+            <a:fillRect/>
+          </a:stretch>
+        </p:blipFill>
+        <p:spPr>
+          <a:xfrm>
+            <a:off x="4560276" y="619350"/>
+            <a:ext cx="3915849" cy="2610576"/>
+          </a:xfrm>
+          <a:prstGeom prst="rect">
+            <a:avLst/>
+          </a:prstGeom>
+          <a:noFill/>
+          <a:ln>
+            <a:noFill/>
+          </a:ln>
+        </p:spPr>
+      </p:pic>
+      <p:sp>
+        <p:nvSpPr>
+          <p:cNvPr id="169" name="Google Shape;169;p19"/>
+          <p:cNvSpPr txBox="1"/>
+          <p:nvPr/>
+        </p:nvSpPr>
+        <p:spPr>
+          <a:xfrm>
+            <a:off x="904150" y="1548600"/>
+            <a:ext cx="3541200" cy="1681200"/>
+          </a:xfrm>
+          <a:prstGeom prst="rect">
+            <a:avLst/>
+          </a:prstGeom>
+          <a:noFill/>
+          <a:ln>
+            <a:noFill/>
+          </a:ln>
+        </p:spPr>
+        <p:txBody>
+          <a:bodyPr anchorCtr="0" anchor="t" bIns="91425" lIns="91425" spcFirstLastPara="1" rIns="91425" wrap="square" tIns="91425">
+            <a:noAutofit/>
+          </a:bodyPr>
+          <a:lstStyle/>
+          <a:p>
+            <a:pPr indent="0" lvl="0" marL="0" rtl="0" algn="l">
+              <a:spcBef>
+                <a:spcPts val="0"/>
+              </a:spcBef>
+              <a:spcAft>
+                <a:spcPts val="0"/>
+              </a:spcAft>
+              <a:buNone/>
+            </a:pPr>
+            <a:r>
+              <a:rPr lang="en">
+                <a:latin typeface="Calibri"/>
+                <a:ea typeface="Calibri"/>
+                <a:cs typeface="Calibri"/>
+                <a:sym typeface="Calibri"/>
+              </a:rPr>
+              <a:t>Even though 29% of the population was able to continue working safely from home, for the remaining 71% the situation remained uncertain, with some losing their jobs due to business shutdowns and mandated lockdown orders. </a:t>
+            </a:r>
+            <a:endParaRPr>
+              <a:latin typeface="Calibri"/>
+              <a:ea typeface="Calibri"/>
+              <a:cs typeface="Calibri"/>
+              <a:sym typeface="Calibri"/>
+            </a:endParaRPr>
+          </a:p>
+          <a:p>
+            <a:pPr indent="0" lvl="0" marL="0" rtl="0" algn="l">
+              <a:spcBef>
+                <a:spcPts val="0"/>
+              </a:spcBef>
+              <a:spcAft>
+                <a:spcPts val="0"/>
+              </a:spcAft>
+              <a:buNone/>
+            </a:pPr>
+            <a:r>
+              <a:rPr lang="en" sz="1300">
+                <a:latin typeface="Calibri"/>
+                <a:ea typeface="Calibri"/>
+                <a:cs typeface="Calibri"/>
+                <a:sym typeface="Calibri"/>
+              </a:rPr>
+              <a:t>[</a:t>
+            </a:r>
+            <a:r>
+              <a:rPr lang="en" sz="1300" u="sng">
+                <a:solidFill>
+                  <a:schemeClr val="accent5"/>
+                </a:solidFill>
+                <a:latin typeface="Calibri"/>
+                <a:ea typeface="Calibri"/>
+                <a:cs typeface="Calibri"/>
+                <a:sym typeface="Calibri"/>
+                <a:hlinkClick r:id="rId5">
+                  <a:extLst>
+                    <a:ext uri="{A12FA001-AC4F-418D-AE19-62706E023703}">
+                      <ahyp:hlinkClr val="tx"/>
+                    </a:ext>
+                  </a:extLst>
+                </a:hlinkClick>
+              </a:rPr>
+              <a:t>source</a:t>
+            </a:r>
+            <a:r>
+              <a:rPr lang="en" sz="1300">
+                <a:solidFill>
+                  <a:schemeClr val="dk1"/>
+                </a:solidFill>
+                <a:latin typeface="Calibri"/>
+                <a:ea typeface="Calibri"/>
+                <a:cs typeface="Calibri"/>
+                <a:sym typeface="Calibri"/>
+              </a:rPr>
+              <a:t>:</a:t>
+            </a:r>
+            <a:r>
+              <a:rPr lang="en" sz="1300">
+                <a:latin typeface="Calibri"/>
+                <a:ea typeface="Calibri"/>
+                <a:cs typeface="Calibri"/>
+                <a:sym typeface="Calibri"/>
+              </a:rPr>
+              <a:t> Visual Capitalist/Department of Labor]</a:t>
+            </a:r>
+            <a:endParaRPr>
+              <a:latin typeface="Calibri"/>
+              <a:ea typeface="Calibri"/>
+              <a:cs typeface="Calibri"/>
+              <a:sym typeface="Calibri"/>
+            </a:endParaRPr>
+          </a:p>
+        </p:txBody>
+      </p:sp>
+      <p:sp>
+        <p:nvSpPr>
+          <p:cNvPr id="170" name="Google Shape;170;p19"/>
+          <p:cNvSpPr txBox="1"/>
+          <p:nvPr/>
+        </p:nvSpPr>
+        <p:spPr>
+          <a:xfrm>
+            <a:off x="904150" y="619350"/>
+            <a:ext cx="3541200" cy="720600"/>
+          </a:xfrm>
+          <a:prstGeom prst="rect">
+            <a:avLst/>
+          </a:prstGeom>
+          <a:noFill/>
+          <a:ln>
+            <a:noFill/>
+          </a:ln>
+        </p:spPr>
+        <p:txBody>
+          <a:bodyPr anchorCtr="0" anchor="t" bIns="91425" lIns="91425" spcFirstLastPara="1" rIns="91425" wrap="square" tIns="91425">
+            <a:noAutofit/>
+          </a:bodyPr>
+          <a:lstStyle/>
+          <a:p>
+            <a:pPr indent="0" lvl="0" marL="0" rtl="0" algn="ctr">
+              <a:spcBef>
+                <a:spcPts val="0"/>
+              </a:spcBef>
+              <a:spcAft>
+                <a:spcPts val="0"/>
+              </a:spcAft>
+              <a:buNone/>
+            </a:pPr>
+            <a:r>
+              <a:rPr lang="en" sz="1900">
+                <a:solidFill>
+                  <a:schemeClr val="lt1"/>
+                </a:solidFill>
+                <a:latin typeface="Nunito"/>
+                <a:ea typeface="Nunito"/>
+                <a:cs typeface="Nunito"/>
+                <a:sym typeface="Nunito"/>
+              </a:rPr>
+              <a:t>The pandemic has affected employment negatively</a:t>
+            </a:r>
+            <a:endParaRPr sz="800">
+              <a:latin typeface="Nunito"/>
+              <a:ea typeface="Nunito"/>
+              <a:cs typeface="Nunito"/>
+              <a:sym typeface="Nunito"/>
+            </a:endParaRPr>
+          </a:p>
+        </p:txBody>
+      </p:sp>
+    </p:spTree>
+  </p:cSld>
+  <p:clrMapOvr>
+    <a:masterClrMapping/>
+  </p:clrMapOvr>
+</p:sld>
+</file>
+
+<file path=ppt/slides/slide8.xml><?xml version="1.0" encoding="utf-8"?>
+<p:sld xmlns:a="http://schemas.openxmlformats.org/drawingml/2006/main" xmlns:r="http://schemas.openxmlformats.org/officeDocument/2006/relationships" xmlns:mc="http://schemas.openxmlformats.org/markup-compatibility/2006" xmlns:mv="urn:schemas-microsoft-com:mac:vml" xmlns:p="http://schemas.openxmlformats.org/presentationml/2006/main" xmlns:c="http://schemas.openxmlformats.org/drawingml/2006/chart" xmlns:dgm="http://schemas.openxmlformats.org/drawingml/2006/diagram" xmlns:o="urn:schemas-microsoft-com:office:office" xmlns:v="urn:schemas-microsoft-com:vml" xmlns:pvml="urn:schemas-microsoft-com:office:powerpoint" xmlns:com="http://schemas.openxmlformats.org/drawingml/2006/compatibility" xmlns:p14="http://schemas.microsoft.com/office/powerpoint/2010/main" xmlns:p15="http://schemas.microsoft.com/office/powerpoint/2012/main" xmlns:ahyp="http://schemas.microsoft.com/office/drawing/2018/hyperlinkcolor">
+  <p:cSld>
+    <p:spTree>
+      <p:nvGrpSpPr>
+        <p:cNvPr id="174" name="Shape 174"/>
         <p:cNvGrpSpPr/>
         <p:nvPr/>
       </p:nvGrpSpPr>
@@ -10959,7 +12548,7 @@
       </p:grpSpPr>
       <p:sp>
         <p:nvSpPr>
-          <p:cNvPr id="161" name="Google Shape;161;p18"/>
+          <p:cNvPr id="175" name="Google Shape;175;p20"/>
           <p:cNvSpPr txBox="1"/>
           <p:nvPr/>
         </p:nvSpPr>
@@ -11011,7 +12600,7 @@
       </p:sp>
       <p:sp>
         <p:nvSpPr>
-          <p:cNvPr id="162" name="Google Shape;162;p18"/>
+          <p:cNvPr id="176" name="Google Shape;176;p20"/>
           <p:cNvSpPr txBox="1"/>
           <p:nvPr/>
         </p:nvSpPr>
@@ -11063,7 +12652,7 @@
       </p:sp>
       <p:pic>
         <p:nvPicPr>
-          <p:cNvPr id="163" name="Google Shape;163;p18"/>
+          <p:cNvPr id="177" name="Google Shape;177;p20"/>
           <p:cNvPicPr preferRelativeResize="0"/>
           <p:nvPr/>
         </p:nvPicPr>
@@ -11097,12 +12686,12 @@
 </p:sld>
 </file>
 
-<file path=ppt/slides/slide7.xml><?xml version="1.0" encoding="utf-8"?>
+<file path=ppt/slides/slide9.xml><?xml version="1.0" encoding="utf-8"?>
 <p:sld xmlns:a="http://schemas.openxmlformats.org/drawingml/2006/main" xmlns:r="http://schemas.openxmlformats.org/officeDocument/2006/relationships" xmlns:mc="http://schemas.openxmlformats.org/markup-compatibility/2006" xmlns:mv="urn:schemas-microsoft-com:mac:vml" xmlns:p="http://schemas.openxmlformats.org/presentationml/2006/main" xmlns:c="http://schemas.openxmlformats.org/drawingml/2006/chart" xmlns:dgm="http://schemas.openxmlformats.org/drawingml/2006/diagram" xmlns:o="urn:schemas-microsoft-com:office:office" xmlns:v="urn:schemas-microsoft-com:vml" xmlns:pvml="urn:schemas-microsoft-com:office:powerpoint" xmlns:com="http://schemas.openxmlformats.org/drawingml/2006/compatibility" xmlns:p14="http://schemas.microsoft.com/office/powerpoint/2010/main" xmlns:p15="http://schemas.microsoft.com/office/powerpoint/2012/main" xmlns:ahyp="http://schemas.microsoft.com/office/drawing/2018/hyperlinkcolor">
   <p:cSld>
     <p:spTree>
       <p:nvGrpSpPr>
-        <p:cNvPr id="167" name="Shape 167"/>
+        <p:cNvPr id="181" name="Shape 181"/>
         <p:cNvGrpSpPr/>
         <p:nvPr/>
       </p:nvGrpSpPr>
@@ -11116,94 +12705,7 @@
       </p:grpSpPr>
       <p:sp>
         <p:nvSpPr>
-          <p:cNvPr id="168" name="Google Shape;168;p19"/>
-          <p:cNvSpPr txBox="1"/>
-          <p:nvPr>
-            <p:ph type="title"/>
-          </p:nvPr>
-        </p:nvSpPr>
-        <p:spPr>
-          <a:xfrm>
-            <a:off x="819150" y="660625"/>
-            <a:ext cx="7505700" cy="954600"/>
-          </a:xfrm>
-          <a:prstGeom prst="rect">
-            <a:avLst/>
-          </a:prstGeom>
-        </p:spPr>
-        <p:txBody>
-          <a:bodyPr anchorCtr="0" anchor="t" bIns="91425" lIns="91425" spcFirstLastPara="1" rIns="91425" wrap="square" tIns="91425">
-            <a:noAutofit/>
-          </a:bodyPr>
-          <a:lstStyle/>
-          <a:p>
-            <a:pPr indent="0" lvl="0" marL="0" rtl="0" algn="l">
-              <a:spcBef>
-                <a:spcPts val="0"/>
-              </a:spcBef>
-              <a:spcAft>
-                <a:spcPts val="0"/>
-              </a:spcAft>
-              <a:buNone/>
-            </a:pPr>
-            <a:r>
-              <a:rPr lang="en" sz="1300">
-                <a:solidFill>
-                  <a:srgbClr val="000000"/>
-                </a:solidFill>
-                <a:highlight>
-                  <a:srgbClr val="FFFFFF"/>
-                </a:highlight>
-                <a:latin typeface="Calibri"/>
-                <a:ea typeface="Calibri"/>
-                <a:cs typeface="Calibri"/>
-                <a:sym typeface="Calibri"/>
-              </a:rPr>
-              <a:t>Perceived social isolation during the COVID-19 pandemic significantly has had an extraordinary global impact, with significant psychological consequences. Changes in our daily lives, feeling of loneliness, job losses, financial difficulty, and grief over the death of loved ones have the potential to affect the mental health of many. [</a:t>
-            </a:r>
-            <a:r>
-              <a:rPr lang="en" sz="1300" u="sng">
-                <a:solidFill>
-                  <a:schemeClr val="hlink"/>
-                </a:solidFill>
-                <a:highlight>
-                  <a:srgbClr val="FFFFFF"/>
-                </a:highlight>
-                <a:latin typeface="Calibri"/>
-                <a:ea typeface="Calibri"/>
-                <a:cs typeface="Calibri"/>
-                <a:sym typeface="Calibri"/>
-                <a:hlinkClick r:id="rId3"/>
-              </a:rPr>
-              <a:t>source</a:t>
-            </a:r>
-            <a:r>
-              <a:rPr lang="en" sz="1300">
-                <a:solidFill>
-                  <a:srgbClr val="000000"/>
-                </a:solidFill>
-                <a:highlight>
-                  <a:srgbClr val="FFFFFF"/>
-                </a:highlight>
-                <a:latin typeface="Calibri"/>
-                <a:ea typeface="Calibri"/>
-                <a:cs typeface="Calibri"/>
-                <a:sym typeface="Calibri"/>
-              </a:rPr>
-              <a:t>: National Institute of Health]</a:t>
-            </a:r>
-            <a:endParaRPr sz="1300">
-              <a:latin typeface="Calibri"/>
-              <a:ea typeface="Calibri"/>
-              <a:cs typeface="Calibri"/>
-              <a:sym typeface="Calibri"/>
-            </a:endParaRPr>
-          </a:p>
-        </p:txBody>
-      </p:sp>
-      <p:sp>
-        <p:nvSpPr>
-          <p:cNvPr id="169" name="Google Shape;169;p19"/>
+          <p:cNvPr id="182" name="Google Shape;182;p21"/>
           <p:cNvSpPr txBox="1"/>
           <p:nvPr>
             <p:ph idx="1" type="body"/>
@@ -11211,172 +12713,7 @@
         </p:nvSpPr>
         <p:spPr>
           <a:xfrm>
-            <a:off x="819151" y="1657925"/>
-            <a:ext cx="7505700" cy="1572000"/>
-          </a:xfrm>
-          <a:prstGeom prst="rect">
-            <a:avLst/>
-          </a:prstGeom>
-        </p:spPr>
-        <p:txBody>
-          <a:bodyPr anchorCtr="0" anchor="t" bIns="91425" lIns="91425" spcFirstLastPara="1" rIns="91425" wrap="square" tIns="91425">
-            <a:noAutofit/>
-          </a:bodyPr>
-          <a:lstStyle/>
-          <a:p>
-            <a:pPr indent="0" lvl="0" marL="0" rtl="0" algn="l">
-              <a:lnSpc>
-                <a:spcPct val="100000"/>
-              </a:lnSpc>
-              <a:spcBef>
-                <a:spcPts val="0"/>
-              </a:spcBef>
-              <a:spcAft>
-                <a:spcPts val="1600"/>
-              </a:spcAft>
-              <a:buNone/>
-            </a:pPr>
-            <a:r>
-              <a:rPr lang="en">
-                <a:solidFill>
-                  <a:srgbClr val="000000"/>
-                </a:solidFill>
-              </a:rPr>
-              <a:t>Many individuals have been practicing social distancing by working from home in recent weeks. While this arrangement can be a great way to reduce one’s exposure to COVID-19, it’s a luxury that’s available to just </a:t>
-            </a:r>
-            <a:r>
-              <a:rPr lang="en" u="sng">
-                <a:solidFill>
-                  <a:srgbClr val="000000"/>
-                </a:solidFill>
-                <a:hlinkClick r:id="rId4">
-                  <a:extLst>
-                    <a:ext uri="{A12FA001-AC4F-418D-AE19-62706E023703}">
-                      <ahyp:hlinkClr val="tx"/>
-                    </a:ext>
-                  </a:extLst>
-                </a:hlinkClick>
-              </a:rPr>
-              <a:t>29%</a:t>
-            </a:r>
-            <a:r>
-              <a:rPr lang="en">
-                <a:solidFill>
-                  <a:srgbClr val="000000"/>
-                </a:solidFill>
-              </a:rPr>
-              <a:t> of Americans. [</a:t>
-            </a:r>
-            <a:r>
-              <a:rPr lang="en" u="sng">
-                <a:solidFill>
-                  <a:schemeClr val="hlink"/>
-                </a:solidFill>
-                <a:hlinkClick r:id="rId5"/>
-              </a:rPr>
-              <a:t>source</a:t>
-            </a:r>
-            <a:r>
-              <a:rPr lang="en">
-                <a:solidFill>
-                  <a:srgbClr val="000000"/>
-                </a:solidFill>
-              </a:rPr>
-              <a:t>: Visual Capitalist/Department of Labor]</a:t>
-            </a:r>
-            <a:br>
-              <a:rPr lang="en">
-                <a:solidFill>
-                  <a:srgbClr val="000000"/>
-                </a:solidFill>
-              </a:rPr>
-            </a:br>
-            <a:br>
-              <a:rPr lang="en">
-                <a:solidFill>
-                  <a:srgbClr val="000000"/>
-                </a:solidFill>
-              </a:rPr>
-            </a:br>
-            <a:r>
-              <a:rPr lang="en">
-                <a:solidFill>
-                  <a:srgbClr val="000000"/>
-                </a:solidFill>
-              </a:rPr>
-              <a:t>The situation for the remaining 71% is uncertain, to say the least. A significant portion of the population has lost their jobs due to business shutdowns and mandated lockdown orders. Others employed in “essential services” have continued working as usual, but may face a higher risk of potential exposure to the virus.</a:t>
-            </a:r>
-            <a:endParaRPr>
-              <a:solidFill>
-                <a:srgbClr val="000000"/>
-              </a:solidFill>
-            </a:endParaRPr>
-          </a:p>
-        </p:txBody>
-      </p:sp>
-      <p:pic>
-        <p:nvPicPr>
-          <p:cNvPr id="170" name="Google Shape;170;p19"/>
-          <p:cNvPicPr preferRelativeResize="0"/>
-          <p:nvPr/>
-        </p:nvPicPr>
-        <p:blipFill rotWithShape="1">
-          <a:blip r:embed="rId6">
-            <a:alphaModFix/>
-          </a:blip>
-          <a:srcRect b="0" l="0" r="0" t="-6326"/>
-          <a:stretch/>
-        </p:blipFill>
-        <p:spPr>
-          <a:xfrm>
-            <a:off x="667863" y="3229925"/>
-            <a:ext cx="7808274" cy="1313550"/>
-          </a:xfrm>
-          <a:prstGeom prst="rect">
-            <a:avLst/>
-          </a:prstGeom>
-          <a:noFill/>
-          <a:ln>
-            <a:noFill/>
-          </a:ln>
-        </p:spPr>
-      </p:pic>
-    </p:spTree>
-  </p:cSld>
-  <p:clrMapOvr>
-    <a:masterClrMapping/>
-  </p:clrMapOvr>
-</p:sld>
-</file>
-
-<file path=ppt/slides/slide8.xml><?xml version="1.0" encoding="utf-8"?>
-<p:sld xmlns:a="http://schemas.openxmlformats.org/drawingml/2006/main" xmlns:r="http://schemas.openxmlformats.org/officeDocument/2006/relationships" xmlns:mc="http://schemas.openxmlformats.org/markup-compatibility/2006" xmlns:mv="urn:schemas-microsoft-com:mac:vml" xmlns:p="http://schemas.openxmlformats.org/presentationml/2006/main" xmlns:c="http://schemas.openxmlformats.org/drawingml/2006/chart" xmlns:dgm="http://schemas.openxmlformats.org/drawingml/2006/diagram" xmlns:o="urn:schemas-microsoft-com:office:office" xmlns:v="urn:schemas-microsoft-com:vml" xmlns:pvml="urn:schemas-microsoft-com:office:powerpoint" xmlns:com="http://schemas.openxmlformats.org/drawingml/2006/compatibility" xmlns:p14="http://schemas.microsoft.com/office/powerpoint/2010/main" xmlns:p15="http://schemas.microsoft.com/office/powerpoint/2012/main" xmlns:ahyp="http://schemas.microsoft.com/office/drawing/2018/hyperlinkcolor">
-  <p:cSld>
-    <p:spTree>
-      <p:nvGrpSpPr>
-        <p:cNvPr id="174" name="Shape 174"/>
-        <p:cNvGrpSpPr/>
-        <p:nvPr/>
-      </p:nvGrpSpPr>
-      <p:grpSpPr>
-        <a:xfrm>
-          <a:off x="0" y="0"/>
-          <a:ext cx="0" cy="0"/>
-          <a:chOff x="0" y="0"/>
-          <a:chExt cx="0" cy="0"/>
-        </a:xfrm>
-      </p:grpSpPr>
-      <p:sp>
-        <p:nvSpPr>
-          <p:cNvPr id="175" name="Google Shape;175;p20"/>
-          <p:cNvSpPr txBox="1"/>
-          <p:nvPr>
-            <p:ph idx="1" type="body"/>
-          </p:nvPr>
-        </p:nvSpPr>
-        <p:spPr>
-          <a:xfrm>
-            <a:off x="4572000" y="693600"/>
+            <a:off x="4572000" y="511875"/>
             <a:ext cx="4198800" cy="1770600"/>
           </a:xfrm>
           <a:prstGeom prst="rect">
@@ -11467,7 +12804,7 @@
       </p:sp>
       <p:sp>
         <p:nvSpPr>
-          <p:cNvPr id="176" name="Google Shape;176;p20"/>
+          <p:cNvPr id="183" name="Google Shape;183;p21"/>
           <p:cNvSpPr txBox="1"/>
           <p:nvPr>
             <p:ph idx="1" type="body"/>
@@ -11475,7 +12812,7 @@
         </p:nvSpPr>
         <p:spPr>
           <a:xfrm>
-            <a:off x="4572000" y="2571750"/>
+            <a:off x="4572000" y="2469050"/>
             <a:ext cx="3684900" cy="2039400"/>
           </a:xfrm>
           <a:prstGeom prst="rect">
@@ -11558,7 +12895,7 @@
       </p:sp>
       <p:pic>
         <p:nvPicPr>
-          <p:cNvPr id="177" name="Google Shape;177;p20"/>
+          <p:cNvPr id="184" name="Google Shape;184;p21"/>
           <p:cNvPicPr preferRelativeResize="0"/>
           <p:nvPr/>
         </p:nvPicPr>
@@ -11585,7 +12922,7 @@
       </p:pic>
       <p:sp>
         <p:nvSpPr>
-          <p:cNvPr id="178" name="Google Shape;178;p20"/>
+          <p:cNvPr id="185" name="Google Shape;185;p21"/>
           <p:cNvSpPr txBox="1"/>
           <p:nvPr>
             <p:ph type="title"/>
@@ -11621,110 +12958,6 @@
             <a:r>
               <a:rPr lang="en"/>
               <a:t>Competitor Charles</a:t>
-            </a:r>
-            <a:endParaRPr/>
-          </a:p>
-        </p:txBody>
-      </p:sp>
-    </p:spTree>
-  </p:cSld>
-  <p:clrMapOvr>
-    <a:masterClrMapping/>
-  </p:clrMapOvr>
-</p:sld>
-</file>
-
-<file path=ppt/slides/slide9.xml><?xml version="1.0" encoding="utf-8"?>
-<p:sld xmlns:a="http://schemas.openxmlformats.org/drawingml/2006/main" xmlns:r="http://schemas.openxmlformats.org/officeDocument/2006/relationships" xmlns:mc="http://schemas.openxmlformats.org/markup-compatibility/2006" xmlns:mv="urn:schemas-microsoft-com:mac:vml" xmlns:p="http://schemas.openxmlformats.org/presentationml/2006/main" xmlns:c="http://schemas.openxmlformats.org/drawingml/2006/chart" xmlns:dgm="http://schemas.openxmlformats.org/drawingml/2006/diagram" xmlns:o="urn:schemas-microsoft-com:office:office" xmlns:v="urn:schemas-microsoft-com:vml" xmlns:pvml="urn:schemas-microsoft-com:office:powerpoint" xmlns:com="http://schemas.openxmlformats.org/drawingml/2006/compatibility" xmlns:p14="http://schemas.microsoft.com/office/powerpoint/2010/main" xmlns:p15="http://schemas.microsoft.com/office/powerpoint/2012/main" xmlns:ahyp="http://schemas.microsoft.com/office/drawing/2018/hyperlinkcolor">
-  <p:cSld>
-    <p:spTree>
-      <p:nvGrpSpPr>
-        <p:cNvPr id="182" name="Shape 182"/>
-        <p:cNvGrpSpPr/>
-        <p:nvPr/>
-      </p:nvGrpSpPr>
-      <p:grpSpPr>
-        <a:xfrm>
-          <a:off x="0" y="0"/>
-          <a:ext cx="0" cy="0"/>
-          <a:chOff x="0" y="0"/>
-          <a:chExt cx="0" cy="0"/>
-        </a:xfrm>
-      </p:grpSpPr>
-      <p:sp>
-        <p:nvSpPr>
-          <p:cNvPr id="183" name="Google Shape;183;p21"/>
-          <p:cNvSpPr txBox="1"/>
-          <p:nvPr>
-            <p:ph type="title"/>
-          </p:nvPr>
-        </p:nvSpPr>
-        <p:spPr>
-          <a:xfrm>
-            <a:off x="819150" y="845600"/>
-            <a:ext cx="7505700" cy="954600"/>
-          </a:xfrm>
-          <a:prstGeom prst="rect">
-            <a:avLst/>
-          </a:prstGeom>
-        </p:spPr>
-        <p:txBody>
-          <a:bodyPr anchorCtr="0" anchor="t" bIns="91425" lIns="91425" spcFirstLastPara="1" rIns="91425" wrap="square" tIns="91425">
-            <a:noAutofit/>
-          </a:bodyPr>
-          <a:lstStyle/>
-          <a:p>
-            <a:pPr indent="0" lvl="0" marL="0" rtl="0" algn="l">
-              <a:spcBef>
-                <a:spcPts val="0"/>
-              </a:spcBef>
-              <a:spcAft>
-                <a:spcPts val="0"/>
-              </a:spcAft>
-              <a:buNone/>
-            </a:pPr>
-            <a:r>
-              <a:rPr lang="en"/>
-              <a:t>App Demo</a:t>
-            </a:r>
-            <a:endParaRPr/>
-          </a:p>
-        </p:txBody>
-      </p:sp>
-      <p:sp>
-        <p:nvSpPr>
-          <p:cNvPr id="184" name="Google Shape;184;p21"/>
-          <p:cNvSpPr txBox="1"/>
-          <p:nvPr>
-            <p:ph idx="1" type="body"/>
-          </p:nvPr>
-        </p:nvSpPr>
-        <p:spPr>
-          <a:xfrm>
-            <a:off x="819150" y="1990725"/>
-            <a:ext cx="7505700" cy="2448000"/>
-          </a:xfrm>
-          <a:prstGeom prst="rect">
-            <a:avLst/>
-          </a:prstGeom>
-        </p:spPr>
-        <p:txBody>
-          <a:bodyPr anchorCtr="0" anchor="t" bIns="91425" lIns="91425" spcFirstLastPara="1" rIns="91425" wrap="square" tIns="91425">
-            <a:noAutofit/>
-          </a:bodyPr>
-          <a:lstStyle/>
-          <a:p>
-            <a:pPr indent="0" lvl="0" marL="0" rtl="0" algn="l">
-              <a:spcBef>
-                <a:spcPts val="0"/>
-              </a:spcBef>
-              <a:spcAft>
-                <a:spcPts val="1600"/>
-              </a:spcAft>
-              <a:buNone/>
-            </a:pPr>
-            <a:r>
-              <a:t/>
             </a:r>
             <a:endParaRPr/>
           </a:p>

--- a/presentation/Motivation-Friendly-Competition.pptx
+++ b/presentation/Motivation-Friendly-Competition.pptx
@@ -20,23 +20,28 @@
     <p:sldId id="265" r:id="rId15"/>
     <p:sldId id="266" r:id="rId16"/>
     <p:sldId id="267" r:id="rId17"/>
+    <p:sldId id="268" r:id="rId18"/>
+    <p:sldId id="269" r:id="rId19"/>
+    <p:sldId id="270" r:id="rId20"/>
+    <p:sldId id="271" r:id="rId21"/>
+    <p:sldId id="272" r:id="rId22"/>
   </p:sldIdLst>
   <p:sldSz cy="5143500" cx="9144000"/>
   <p:notesSz cx="6858000" cy="9144000"/>
   <p:embeddedFontLst>
     <p:embeddedFont>
       <p:font typeface="Roboto"/>
-      <p:regular r:id="rId18"/>
-      <p:bold r:id="rId19"/>
-      <p:italic r:id="rId20"/>
-      <p:boldItalic r:id="rId21"/>
+      <p:regular r:id="rId23"/>
+      <p:bold r:id="rId24"/>
+      <p:italic r:id="rId25"/>
+      <p:boldItalic r:id="rId26"/>
     </p:embeddedFont>
     <p:embeddedFont>
       <p:font typeface="Nunito"/>
-      <p:regular r:id="rId22"/>
-      <p:bold r:id="rId23"/>
-      <p:italic r:id="rId24"/>
-      <p:boldItalic r:id="rId25"/>
+      <p:regular r:id="rId27"/>
+      <p:bold r:id="rId28"/>
+      <p:italic r:id="rId29"/>
+      <p:boldItalic r:id="rId30"/>
     </p:embeddedFont>
   </p:embeddedFontLst>
   <p:defaultTextStyle>
@@ -798,7 +803,8 @@
               <a:buNone/>
             </a:pPr>
             <a:r>
-              <a:t/>
+              <a:rPr lang="en"/>
+              <a:t>Hello everybody. I would like to introduce our team: Karen and Phoenix, our team’s designers. Daniel and Kristina, our team’s engineers. And myself, Cristina, our team’s data scientist. Together we will present and demo the Challenge.ME app and the research behind the app.</a:t>
             </a:r>
             <a:endParaRPr/>
           </a:p>
@@ -817,7 +823,7 @@
   <p:cSld>
     <p:spTree>
       <p:nvGrpSpPr>
-        <p:cNvPr id="186" name="Shape 186"/>
+        <p:cNvPr id="190" name="Shape 190"/>
         <p:cNvGrpSpPr/>
         <p:nvPr/>
       </p:nvGrpSpPr>
@@ -831,7 +837,7 @@
       </p:grpSpPr>
       <p:sp>
         <p:nvSpPr>
-          <p:cNvPr id="187" name="Google Shape;187;gb2d818dbdf_0_19:notes"/>
+          <p:cNvPr id="191" name="Google Shape;191;gb2d818dbdf_0_19:notes"/>
           <p:cNvSpPr/>
           <p:nvPr>
             <p:ph idx="2" type="sldImg"/>
@@ -866,7 +872,7 @@
       </p:sp>
       <p:sp>
         <p:nvSpPr>
-          <p:cNvPr id="188" name="Google Shape;188;gb2d818dbdf_0_19:notes"/>
+          <p:cNvPr id="192" name="Google Shape;192;gb2d818dbdf_0_19:notes"/>
           <p:cNvSpPr txBox="1"/>
           <p:nvPr>
             <p:ph idx="1" type="body"/>
@@ -897,7 +903,8 @@
               <a:buNone/>
             </a:pPr>
             <a:r>
-              <a:t/>
+              <a:rPr lang="en"/>
+              <a:t>The first thing we did as a team was map out the flow of the website - Here you can see the main tasks a user can complete which is sign/up - login Create, compete </a:t>
             </a:r>
             <a:endParaRPr/>
           </a:p>
@@ -916,7 +923,7 @@
   <p:cSld>
     <p:spTree>
       <p:nvGrpSpPr>
-        <p:cNvPr id="192" name="Shape 192"/>
+        <p:cNvPr id="196" name="Shape 196"/>
         <p:cNvGrpSpPr/>
         <p:nvPr/>
       </p:nvGrpSpPr>
@@ -930,7 +937,7 @@
       </p:grpSpPr>
       <p:sp>
         <p:nvSpPr>
-          <p:cNvPr id="193" name="Google Shape;193;gaa1226c9e9_0_7:notes"/>
+          <p:cNvPr id="197" name="Google Shape;197;gb2ee6ff45f_0_5:notes"/>
           <p:cNvSpPr/>
           <p:nvPr>
             <p:ph idx="2" type="sldImg"/>
@@ -965,7 +972,7 @@
       </p:sp>
       <p:sp>
         <p:nvSpPr>
-          <p:cNvPr id="194" name="Google Shape;194;gaa1226c9e9_0_7:notes"/>
+          <p:cNvPr id="198" name="Google Shape;198;gb2ee6ff45f_0_5:notes"/>
           <p:cNvSpPr txBox="1"/>
           <p:nvPr>
             <p:ph idx="1" type="body"/>
@@ -996,7 +1003,32 @@
               <a:buNone/>
             </a:pPr>
             <a:r>
-              <a:t/>
+              <a:rPr lang="en"/>
+              <a:t>In the </a:t>
+            </a:r>
+            <a:r>
+              <a:rPr lang="en"/>
+              <a:t>initial</a:t>
+            </a:r>
+            <a:r>
+              <a:rPr lang="en"/>
+              <a:t> design stage we thought about challenges and were inspired by the Olympic colors of blue, yellow, green, red...we ran the color palette through </a:t>
+            </a:r>
+            <a:r>
+              <a:rPr lang="en"/>
+              <a:t>adobe</a:t>
+            </a:r>
+            <a:r>
+              <a:rPr lang="en"/>
+              <a:t> </a:t>
+            </a:r>
+            <a:r>
+              <a:rPr lang="en"/>
+              <a:t>accessibility</a:t>
+            </a:r>
+            <a:r>
+              <a:rPr lang="en"/>
+              <a:t> checker and we fine-tuned the colors - When we ran our usability tests users did not like the bright pastel colors and felt it didn’t represent bartenders. </a:t>
             </a:r>
             <a:endParaRPr/>
           </a:p>
@@ -1015,7 +1047,7 @@
   <p:cSld>
     <p:spTree>
       <p:nvGrpSpPr>
-        <p:cNvPr id="198" name="Shape 198"/>
+        <p:cNvPr id="205" name="Shape 205"/>
         <p:cNvGrpSpPr/>
         <p:nvPr/>
       </p:nvGrpSpPr>
@@ -1029,7 +1061,7 @@
       </p:grpSpPr>
       <p:sp>
         <p:nvSpPr>
-          <p:cNvPr id="199" name="Google Shape;199;gb2ea05c3b6_1_0:notes"/>
+          <p:cNvPr id="206" name="Google Shape;206;gb2ee6ff45f_0_0:notes"/>
           <p:cNvSpPr/>
           <p:nvPr>
             <p:ph idx="2" type="sldImg"/>
@@ -1064,7 +1096,7 @@
       </p:sp>
       <p:sp>
         <p:nvSpPr>
-          <p:cNvPr id="200" name="Google Shape;200;gb2ea05c3b6_1_0:notes"/>
+          <p:cNvPr id="207" name="Google Shape;207;gb2ee6ff45f_0_0:notes"/>
           <p:cNvSpPr txBox="1"/>
           <p:nvPr>
             <p:ph idx="1" type="body"/>
@@ -1095,7 +1127,16 @@
               <a:buNone/>
             </a:pPr>
             <a:r>
-              <a:t/>
+              <a:rPr lang="en"/>
+              <a:t>From our initial </a:t>
+            </a:r>
+            <a:r>
+              <a:rPr lang="en"/>
+              <a:t>wireframe</a:t>
+            </a:r>
+            <a:r>
+              <a:rPr lang="en"/>
+              <a:t> we realized we would need 2 seperate homepages - one where is user is not logged in but still able to see the site and get a taste of what it’s about. A login/signup button to the top right - In our logged in vesion those buttons are replaced with the image of person logged in and a “sign out” button and they are promoted to create a contest with an option to view more information if they need it. </a:t>
             </a:r>
             <a:endParaRPr/>
           </a:p>
@@ -1109,12 +1150,12 @@
 </p:notes>
 </file>
 
-<file path=ppt/notesSlides/notesSlide2.xml><?xml version="1.0" encoding="utf-8"?>
+<file path=ppt/notesSlides/notesSlide13.xml><?xml version="1.0" encoding="utf-8"?>
 <p:notes xmlns:a="http://schemas.openxmlformats.org/drawingml/2006/main" xmlns:r="http://schemas.openxmlformats.org/officeDocument/2006/relationships" xmlns:mc="http://schemas.openxmlformats.org/markup-compatibility/2006" xmlns:mv="urn:schemas-microsoft-com:mac:vml" xmlns:p="http://schemas.openxmlformats.org/presentationml/2006/main" xmlns:c="http://schemas.openxmlformats.org/drawingml/2006/chart" xmlns:dgm="http://schemas.openxmlformats.org/drawingml/2006/diagram" xmlns:o="urn:schemas-microsoft-com:office:office" xmlns:v="urn:schemas-microsoft-com:vml" xmlns:pvml="urn:schemas-microsoft-com:office:powerpoint" xmlns:com="http://schemas.openxmlformats.org/drawingml/2006/compatibility" xmlns:p14="http://schemas.microsoft.com/office/powerpoint/2010/main" xmlns:p15="http://schemas.microsoft.com/office/powerpoint/2012/main" xmlns:ahyp="http://schemas.microsoft.com/office/drawing/2018/hyperlinkcolor" showMasterPhAnim="0" showMasterSp="0">
   <p:cSld>
     <p:spTree>
       <p:nvGrpSpPr>
-        <p:cNvPr id="130" name="Shape 130"/>
+        <p:cNvPr id="221" name="Shape 221"/>
         <p:cNvGrpSpPr/>
         <p:nvPr/>
       </p:nvGrpSpPr>
@@ -1128,7 +1169,7 @@
       </p:grpSpPr>
       <p:sp>
         <p:nvSpPr>
-          <p:cNvPr id="131" name="Google Shape;131;g789e426cf2_0_157:notes"/>
+          <p:cNvPr id="222" name="Google Shape;222;gaa1226c9e9_0_7:notes"/>
           <p:cNvSpPr/>
           <p:nvPr>
             <p:ph idx="2" type="sldImg"/>
@@ -1163,7 +1204,7 @@
       </p:sp>
       <p:sp>
         <p:nvSpPr>
-          <p:cNvPr id="132" name="Google Shape;132;g789e426cf2_0_157:notes"/>
+          <p:cNvPr id="223" name="Google Shape;223;gaa1226c9e9_0_7:notes"/>
           <p:cNvSpPr txBox="1"/>
           <p:nvPr>
             <p:ph idx="1" type="body"/>
@@ -1208,12 +1249,12 @@
 </p:notes>
 </file>
 
-<file path=ppt/notesSlides/notesSlide3.xml><?xml version="1.0" encoding="utf-8"?>
+<file path=ppt/notesSlides/notesSlide14.xml><?xml version="1.0" encoding="utf-8"?>
 <p:notes xmlns:a="http://schemas.openxmlformats.org/drawingml/2006/main" xmlns:r="http://schemas.openxmlformats.org/officeDocument/2006/relationships" xmlns:mc="http://schemas.openxmlformats.org/markup-compatibility/2006" xmlns:mv="urn:schemas-microsoft-com:mac:vml" xmlns:p="http://schemas.openxmlformats.org/presentationml/2006/main" xmlns:c="http://schemas.openxmlformats.org/drawingml/2006/chart" xmlns:dgm="http://schemas.openxmlformats.org/drawingml/2006/diagram" xmlns:o="urn:schemas-microsoft-com:office:office" xmlns:v="urn:schemas-microsoft-com:vml" xmlns:pvml="urn:schemas-microsoft-com:office:powerpoint" xmlns:com="http://schemas.openxmlformats.org/drawingml/2006/compatibility" xmlns:p14="http://schemas.microsoft.com/office/powerpoint/2010/main" xmlns:p15="http://schemas.microsoft.com/office/powerpoint/2012/main" xmlns:ahyp="http://schemas.microsoft.com/office/drawing/2018/hyperlinkcolor" showMasterPhAnim="0" showMasterSp="0">
   <p:cSld>
     <p:spTree>
       <p:nvGrpSpPr>
-        <p:cNvPr id="136" name="Shape 136"/>
+        <p:cNvPr id="231" name="Shape 231"/>
         <p:cNvGrpSpPr/>
         <p:nvPr/>
       </p:nvGrpSpPr>
@@ -1227,7 +1268,7 @@
       </p:grpSpPr>
       <p:sp>
         <p:nvSpPr>
-          <p:cNvPr id="137" name="Google Shape;137;gb2d818dbdf_0_7:notes"/>
+          <p:cNvPr id="232" name="Google Shape;232;gb2ea05c3b6_1_6:notes"/>
           <p:cNvSpPr/>
           <p:nvPr>
             <p:ph idx="2" type="sldImg"/>
@@ -1262,7 +1303,7 @@
       </p:sp>
       <p:sp>
         <p:nvSpPr>
-          <p:cNvPr id="138" name="Google Shape;138;gb2d818dbdf_0_7:notes"/>
+          <p:cNvPr id="233" name="Google Shape;233;gb2ea05c3b6_1_6:notes"/>
           <p:cNvSpPr txBox="1"/>
           <p:nvPr>
             <p:ph idx="1" type="body"/>
@@ -1307,12 +1348,12 @@
 </p:notes>
 </file>
 
-<file path=ppt/notesSlides/notesSlide4.xml><?xml version="1.0" encoding="utf-8"?>
+<file path=ppt/notesSlides/notesSlide15.xml><?xml version="1.0" encoding="utf-8"?>
 <p:notes xmlns:a="http://schemas.openxmlformats.org/drawingml/2006/main" xmlns:r="http://schemas.openxmlformats.org/officeDocument/2006/relationships" xmlns:mc="http://schemas.openxmlformats.org/markup-compatibility/2006" xmlns:mv="urn:schemas-microsoft-com:mac:vml" xmlns:p="http://schemas.openxmlformats.org/presentationml/2006/main" xmlns:c="http://schemas.openxmlformats.org/drawingml/2006/chart" xmlns:dgm="http://schemas.openxmlformats.org/drawingml/2006/diagram" xmlns:o="urn:schemas-microsoft-com:office:office" xmlns:v="urn:schemas-microsoft-com:vml" xmlns:pvml="urn:schemas-microsoft-com:office:powerpoint" xmlns:com="http://schemas.openxmlformats.org/drawingml/2006/compatibility" xmlns:p14="http://schemas.microsoft.com/office/powerpoint/2010/main" xmlns:p15="http://schemas.microsoft.com/office/powerpoint/2012/main" xmlns:ahyp="http://schemas.microsoft.com/office/drawing/2018/hyperlinkcolor" showMasterPhAnim="0" showMasterSp="0">
   <p:cSld>
     <p:spTree>
       <p:nvGrpSpPr>
-        <p:cNvPr id="143" name="Shape 143"/>
+        <p:cNvPr id="238" name="Shape 238"/>
         <p:cNvGrpSpPr/>
         <p:nvPr/>
       </p:nvGrpSpPr>
@@ -1326,7 +1367,7 @@
       </p:grpSpPr>
       <p:sp>
         <p:nvSpPr>
-          <p:cNvPr id="144" name="Google Shape;144;gb2ea05c3b6_0_2:notes"/>
+          <p:cNvPr id="239" name="Google Shape;239;gb2ea05c3b6_1_12:notes"/>
           <p:cNvSpPr/>
           <p:nvPr>
             <p:ph idx="2" type="sldImg"/>
@@ -1361,7 +1402,7 @@
       </p:sp>
       <p:sp>
         <p:nvSpPr>
-          <p:cNvPr id="145" name="Google Shape;145;gb2ea05c3b6_0_2:notes"/>
+          <p:cNvPr id="240" name="Google Shape;240;gb2ea05c3b6_1_12:notes"/>
           <p:cNvSpPr txBox="1"/>
           <p:nvPr>
             <p:ph idx="1" type="body"/>
@@ -1406,12 +1447,12 @@
 </p:notes>
 </file>
 
-<file path=ppt/notesSlides/notesSlide5.xml><?xml version="1.0" encoding="utf-8"?>
+<file path=ppt/notesSlides/notesSlide16.xml><?xml version="1.0" encoding="utf-8"?>
 <p:notes xmlns:a="http://schemas.openxmlformats.org/drawingml/2006/main" xmlns:r="http://schemas.openxmlformats.org/officeDocument/2006/relationships" xmlns:mc="http://schemas.openxmlformats.org/markup-compatibility/2006" xmlns:mv="urn:schemas-microsoft-com:mac:vml" xmlns:p="http://schemas.openxmlformats.org/presentationml/2006/main" xmlns:c="http://schemas.openxmlformats.org/drawingml/2006/chart" xmlns:dgm="http://schemas.openxmlformats.org/drawingml/2006/diagram" xmlns:o="urn:schemas-microsoft-com:office:office" xmlns:v="urn:schemas-microsoft-com:vml" xmlns:pvml="urn:schemas-microsoft-com:office:powerpoint" xmlns:com="http://schemas.openxmlformats.org/drawingml/2006/compatibility" xmlns:p14="http://schemas.microsoft.com/office/powerpoint/2010/main" xmlns:p15="http://schemas.microsoft.com/office/powerpoint/2012/main" xmlns:ahyp="http://schemas.microsoft.com/office/drawing/2018/hyperlinkcolor" showMasterPhAnim="0" showMasterSp="0">
   <p:cSld>
     <p:spTree>
       <p:nvGrpSpPr>
-        <p:cNvPr id="149" name="Shape 149"/>
+        <p:cNvPr id="244" name="Shape 244"/>
         <p:cNvGrpSpPr/>
         <p:nvPr/>
       </p:nvGrpSpPr>
@@ -1425,7 +1466,7 @@
       </p:grpSpPr>
       <p:sp>
         <p:nvSpPr>
-          <p:cNvPr id="150" name="Google Shape;150;g789e426cf2_0_152:notes"/>
+          <p:cNvPr id="245" name="Google Shape;245;gb2ee6ff45f_0_12:notes"/>
           <p:cNvSpPr/>
           <p:nvPr>
             <p:ph idx="2" type="sldImg"/>
@@ -1460,7 +1501,7 @@
       </p:sp>
       <p:sp>
         <p:nvSpPr>
-          <p:cNvPr id="151" name="Google Shape;151;g789e426cf2_0_152:notes"/>
+          <p:cNvPr id="246" name="Google Shape;246;gb2ee6ff45f_0_12:notes"/>
           <p:cNvSpPr txBox="1"/>
           <p:nvPr>
             <p:ph idx="1" type="body"/>
@@ -1505,12 +1546,12 @@
 </p:notes>
 </file>
 
-<file path=ppt/notesSlides/notesSlide6.xml><?xml version="1.0" encoding="utf-8"?>
+<file path=ppt/notesSlides/notesSlide17.xml><?xml version="1.0" encoding="utf-8"?>
 <p:notes xmlns:a="http://schemas.openxmlformats.org/drawingml/2006/main" xmlns:r="http://schemas.openxmlformats.org/officeDocument/2006/relationships" xmlns:mc="http://schemas.openxmlformats.org/markup-compatibility/2006" xmlns:mv="urn:schemas-microsoft-com:mac:vml" xmlns:p="http://schemas.openxmlformats.org/presentationml/2006/main" xmlns:c="http://schemas.openxmlformats.org/drawingml/2006/chart" xmlns:dgm="http://schemas.openxmlformats.org/drawingml/2006/diagram" xmlns:o="urn:schemas-microsoft-com:office:office" xmlns:v="urn:schemas-microsoft-com:vml" xmlns:pvml="urn:schemas-microsoft-com:office:powerpoint" xmlns:com="http://schemas.openxmlformats.org/drawingml/2006/compatibility" xmlns:p14="http://schemas.microsoft.com/office/powerpoint/2010/main" xmlns:p15="http://schemas.microsoft.com/office/powerpoint/2012/main" xmlns:ahyp="http://schemas.microsoft.com/office/drawing/2018/hyperlinkcolor" showMasterPhAnim="0" showMasterSp="0">
   <p:cSld>
     <p:spTree>
       <p:nvGrpSpPr>
-        <p:cNvPr id="156" name="Shape 156"/>
+        <p:cNvPr id="250" name="Shape 250"/>
         <p:cNvGrpSpPr/>
         <p:nvPr/>
       </p:nvGrpSpPr>
@@ -1524,7 +1565,7 @@
       </p:grpSpPr>
       <p:sp>
         <p:nvSpPr>
-          <p:cNvPr id="157" name="Google Shape;157;gb2e2244c5c_0_3:notes"/>
+          <p:cNvPr id="251" name="Google Shape;251;gb2ea05c3b6_1_0:notes"/>
           <p:cNvSpPr/>
           <p:nvPr>
             <p:ph idx="2" type="sldImg"/>
@@ -1559,7 +1600,7 @@
       </p:sp>
       <p:sp>
         <p:nvSpPr>
-          <p:cNvPr id="158" name="Google Shape;158;gb2e2244c5c_0_3:notes"/>
+          <p:cNvPr id="252" name="Google Shape;252;gb2ea05c3b6_1_0:notes"/>
           <p:cNvSpPr txBox="1"/>
           <p:nvPr>
             <p:ph idx="1" type="body"/>
@@ -1604,12 +1645,12 @@
 </p:notes>
 </file>
 
-<file path=ppt/notesSlides/notesSlide7.xml><?xml version="1.0" encoding="utf-8"?>
+<file path=ppt/notesSlides/notesSlide2.xml><?xml version="1.0" encoding="utf-8"?>
 <p:notes xmlns:a="http://schemas.openxmlformats.org/drawingml/2006/main" xmlns:r="http://schemas.openxmlformats.org/officeDocument/2006/relationships" xmlns:mc="http://schemas.openxmlformats.org/markup-compatibility/2006" xmlns:mv="urn:schemas-microsoft-com:mac:vml" xmlns:p="http://schemas.openxmlformats.org/presentationml/2006/main" xmlns:c="http://schemas.openxmlformats.org/drawingml/2006/chart" xmlns:dgm="http://schemas.openxmlformats.org/drawingml/2006/diagram" xmlns:o="urn:schemas-microsoft-com:office:office" xmlns:v="urn:schemas-microsoft-com:vml" xmlns:pvml="urn:schemas-microsoft-com:office:powerpoint" xmlns:com="http://schemas.openxmlformats.org/drawingml/2006/compatibility" xmlns:p14="http://schemas.microsoft.com/office/powerpoint/2010/main" xmlns:p15="http://schemas.microsoft.com/office/powerpoint/2012/main" xmlns:ahyp="http://schemas.microsoft.com/office/drawing/2018/hyperlinkcolor" showMasterPhAnim="0" showMasterSp="0">
   <p:cSld>
     <p:spTree>
       <p:nvGrpSpPr>
-        <p:cNvPr id="163" name="Shape 163"/>
+        <p:cNvPr id="131" name="Shape 131"/>
         <p:cNvGrpSpPr/>
         <p:nvPr/>
       </p:nvGrpSpPr>
@@ -1623,7 +1664,7 @@
       </p:grpSpPr>
       <p:sp>
         <p:nvSpPr>
-          <p:cNvPr id="164" name="Google Shape;164;g789e426cf2_0_172:notes"/>
+          <p:cNvPr id="132" name="Google Shape;132;g789e426cf2_0_172:notes"/>
           <p:cNvSpPr/>
           <p:nvPr>
             <p:ph idx="2" type="sldImg"/>
@@ -1658,7 +1699,7 @@
       </p:sp>
       <p:sp>
         <p:nvSpPr>
-          <p:cNvPr id="165" name="Google Shape;165;g789e426cf2_0_172:notes"/>
+          <p:cNvPr id="133" name="Google Shape;133;g789e426cf2_0_172:notes"/>
           <p:cNvSpPr txBox="1"/>
           <p:nvPr>
             <p:ph idx="1" type="body"/>
@@ -1686,11 +1727,6 @@
               <a:spcAft>
                 <a:spcPts val="0"/>
               </a:spcAft>
-              <a:buClr>
-                <a:schemeClr val="dk1"/>
-              </a:buClr>
-              <a:buSzPts val="1100"/>
-              <a:buFont typeface="Arial"/>
               <a:buNone/>
             </a:pPr>
             <a:r>
@@ -1703,126 +1739,7 @@
                 <a:cs typeface="Calibri"/>
                 <a:sym typeface="Calibri"/>
               </a:rPr>
-              <a:t>Many individuals have been practicing social distancing by working from home in recent weeks. While this arrangement can be a great way to reduce one’s exposure to COVID-19, it’s a luxury that’s available to just </a:t>
-            </a:r>
-            <a:r>
-              <a:rPr lang="en" sz="1300" u="sng">
-                <a:solidFill>
-                  <a:schemeClr val="dk1"/>
-                </a:solidFill>
-                <a:latin typeface="Calibri"/>
-                <a:ea typeface="Calibri"/>
-                <a:cs typeface="Calibri"/>
-                <a:sym typeface="Calibri"/>
-                <a:hlinkClick r:id="rId2">
-                  <a:extLst>
-                    <a:ext uri="{A12FA001-AC4F-418D-AE19-62706E023703}">
-                      <ahyp:hlinkClr val="tx"/>
-                    </a:ext>
-                  </a:extLst>
-                </a:hlinkClick>
-              </a:rPr>
-              <a:t>29%</a:t>
-            </a:r>
-            <a:r>
-              <a:rPr lang="en" sz="1300">
-                <a:solidFill>
-                  <a:schemeClr val="dk1"/>
-                </a:solidFill>
-                <a:latin typeface="Calibri"/>
-                <a:ea typeface="Calibri"/>
-                <a:cs typeface="Calibri"/>
-                <a:sym typeface="Calibri"/>
-              </a:rPr>
-              <a:t> of Americans. [</a:t>
-            </a:r>
-            <a:r>
-              <a:rPr lang="en" sz="1300" u="sng">
-                <a:solidFill>
-                  <a:srgbClr val="3D4594"/>
-                </a:solidFill>
-                <a:latin typeface="Calibri"/>
-                <a:ea typeface="Calibri"/>
-                <a:cs typeface="Calibri"/>
-                <a:sym typeface="Calibri"/>
-                <a:hlinkClick r:id="rId3">
-                  <a:extLst>
-                    <a:ext uri="{A12FA001-AC4F-418D-AE19-62706E023703}">
-                      <ahyp:hlinkClr val="tx"/>
-                    </a:ext>
-                  </a:extLst>
-                </a:hlinkClick>
-              </a:rPr>
-              <a:t>source</a:t>
-            </a:r>
-            <a:r>
-              <a:rPr lang="en" sz="1300">
-                <a:solidFill>
-                  <a:schemeClr val="dk1"/>
-                </a:solidFill>
-                <a:latin typeface="Calibri"/>
-                <a:ea typeface="Calibri"/>
-                <a:cs typeface="Calibri"/>
-                <a:sym typeface="Calibri"/>
-              </a:rPr>
-              <a:t>: Visual Capitalist/Department of Labor]</a:t>
-            </a:r>
-            <a:br>
-              <a:rPr lang="en" sz="1300">
-                <a:solidFill>
-                  <a:schemeClr val="dk1"/>
-                </a:solidFill>
-                <a:latin typeface="Calibri"/>
-                <a:ea typeface="Calibri"/>
-                <a:cs typeface="Calibri"/>
-                <a:sym typeface="Calibri"/>
-              </a:rPr>
-            </a:br>
-            <a:br>
-              <a:rPr lang="en" sz="1300">
-                <a:solidFill>
-                  <a:schemeClr val="dk1"/>
-                </a:solidFill>
-                <a:latin typeface="Calibri"/>
-                <a:ea typeface="Calibri"/>
-                <a:cs typeface="Calibri"/>
-                <a:sym typeface="Calibri"/>
-              </a:rPr>
-            </a:br>
-            <a:r>
-              <a:rPr lang="en" sz="1300">
-                <a:solidFill>
-                  <a:schemeClr val="dk1"/>
-                </a:solidFill>
-                <a:latin typeface="Calibri"/>
-                <a:ea typeface="Calibri"/>
-                <a:cs typeface="Calibri"/>
-                <a:sym typeface="Calibri"/>
-              </a:rPr>
-              <a:t>The situation for the remaining 71% is uncertain, to say the least. A significant portion of the population has lost their jobs due to business shutdowns and mandated lockdown orders. Others employed in “essential services” have continued working as usual, but may face a higher risk of potential exposure to the virus.</a:t>
-            </a:r>
-            <a:endParaRPr sz="1300">
-              <a:solidFill>
-                <a:schemeClr val="dk1"/>
-              </a:solidFill>
-              <a:latin typeface="Calibri"/>
-              <a:ea typeface="Calibri"/>
-              <a:cs typeface="Calibri"/>
-              <a:sym typeface="Calibri"/>
-            </a:endParaRPr>
-          </a:p>
-          <a:p>
-            <a:pPr indent="0" lvl="0" marL="0" rtl="0" algn="l">
-              <a:spcBef>
-                <a:spcPts val="1600"/>
-              </a:spcBef>
-              <a:spcAft>
-                <a:spcPts val="0"/>
-              </a:spcAft>
-              <a:buNone/>
-            </a:pPr>
-            <a:r>
-              <a:t/>
+              <a:t>The pandemic has affected employment negatively across the country, with 71% of the employed population unable to work from home. Bartenders are part of this demographic, as many have lost their jobs due to business shutdowns or mandated lockdown orders.</a:t>
             </a:r>
             <a:endParaRPr/>
           </a:p>
@@ -1836,12 +1753,12 @@
 </p:notes>
 </file>
 
-<file path=ppt/notesSlides/notesSlide8.xml><?xml version="1.0" encoding="utf-8"?>
+<file path=ppt/notesSlides/notesSlide3.xml><?xml version="1.0" encoding="utf-8"?>
 <p:notes xmlns:a="http://schemas.openxmlformats.org/drawingml/2006/main" xmlns:r="http://schemas.openxmlformats.org/officeDocument/2006/relationships" xmlns:mc="http://schemas.openxmlformats.org/markup-compatibility/2006" xmlns:mv="urn:schemas-microsoft-com:mac:vml" xmlns:p="http://schemas.openxmlformats.org/presentationml/2006/main" xmlns:c="http://schemas.openxmlformats.org/drawingml/2006/chart" xmlns:dgm="http://schemas.openxmlformats.org/drawingml/2006/diagram" xmlns:o="urn:schemas-microsoft-com:office:office" xmlns:v="urn:schemas-microsoft-com:vml" xmlns:pvml="urn:schemas-microsoft-com:office:powerpoint" xmlns:com="http://schemas.openxmlformats.org/drawingml/2006/compatibility" xmlns:p14="http://schemas.microsoft.com/office/powerpoint/2010/main" xmlns:p15="http://schemas.microsoft.com/office/powerpoint/2012/main" xmlns:ahyp="http://schemas.microsoft.com/office/drawing/2018/hyperlinkcolor" showMasterPhAnim="0" showMasterSp="0">
   <p:cSld>
     <p:spTree>
       <p:nvGrpSpPr>
-        <p:cNvPr id="171" name="Shape 171"/>
+        <p:cNvPr id="139" name="Shape 139"/>
         <p:cNvGrpSpPr/>
         <p:nvPr/>
       </p:nvGrpSpPr>
@@ -1855,7 +1772,7 @@
       </p:grpSpPr>
       <p:sp>
         <p:nvSpPr>
-          <p:cNvPr id="172" name="Google Shape;172;gaa1226c9e9_0_12:notes"/>
+          <p:cNvPr id="140" name="Google Shape;140;gaa1226c9e9_0_12:notes"/>
           <p:cNvSpPr/>
           <p:nvPr>
             <p:ph idx="2" type="sldImg"/>
@@ -1890,7 +1807,7 @@
       </p:sp>
       <p:sp>
         <p:nvSpPr>
-          <p:cNvPr id="173" name="Google Shape;173;gaa1226c9e9_0_12:notes"/>
+          <p:cNvPr id="141" name="Google Shape;141;gaa1226c9e9_0_12:notes"/>
           <p:cNvSpPr txBox="1"/>
           <p:nvPr>
             <p:ph idx="1" type="body"/>
@@ -1921,7 +1838,8 @@
               <a:buNone/>
             </a:pPr>
             <a:r>
-              <a:t/>
+              <a:rPr lang="en"/>
+              <a:t>Current data backs this up, and in this graph we can see income loss has been experienced across all states in the country during the pandemic.</a:t>
             </a:r>
             <a:endParaRPr/>
           </a:p>
@@ -1935,12 +1853,12 @@
 </p:notes>
 </file>
 
-<file path=ppt/notesSlides/notesSlide9.xml><?xml version="1.0" encoding="utf-8"?>
+<file path=ppt/notesSlides/notesSlide4.xml><?xml version="1.0" encoding="utf-8"?>
 <p:notes xmlns:a="http://schemas.openxmlformats.org/drawingml/2006/main" xmlns:r="http://schemas.openxmlformats.org/officeDocument/2006/relationships" xmlns:mc="http://schemas.openxmlformats.org/markup-compatibility/2006" xmlns:mv="urn:schemas-microsoft-com:mac:vml" xmlns:p="http://schemas.openxmlformats.org/presentationml/2006/main" xmlns:c="http://schemas.openxmlformats.org/drawingml/2006/chart" xmlns:dgm="http://schemas.openxmlformats.org/drawingml/2006/diagram" xmlns:o="urn:schemas-microsoft-com:office:office" xmlns:v="urn:schemas-microsoft-com:vml" xmlns:pvml="urn:schemas-microsoft-com:office:powerpoint" xmlns:com="http://schemas.openxmlformats.org/drawingml/2006/compatibility" xmlns:p14="http://schemas.microsoft.com/office/powerpoint/2010/main" xmlns:p15="http://schemas.microsoft.com/office/powerpoint/2012/main" xmlns:ahyp="http://schemas.microsoft.com/office/drawing/2018/hyperlinkcolor" showMasterPhAnim="0" showMasterSp="0">
   <p:cSld>
     <p:spTree>
       <p:nvGrpSpPr>
-        <p:cNvPr id="178" name="Shape 178"/>
+        <p:cNvPr id="146" name="Shape 146"/>
         <p:cNvGrpSpPr/>
         <p:nvPr/>
       </p:nvGrpSpPr>
@@ -1954,7 +1872,7 @@
       </p:grpSpPr>
       <p:sp>
         <p:nvSpPr>
-          <p:cNvPr id="179" name="Google Shape;179;g789e426cf2_0_162:notes"/>
+          <p:cNvPr id="147" name="Google Shape;147;gb2e2244c5c_0_3:notes"/>
           <p:cNvSpPr/>
           <p:nvPr>
             <p:ph idx="2" type="sldImg"/>
@@ -1989,7 +1907,513 @@
       </p:sp>
       <p:sp>
         <p:nvSpPr>
-          <p:cNvPr id="180" name="Google Shape;180;g789e426cf2_0_162:notes"/>
+          <p:cNvPr id="148" name="Google Shape;148;gb2e2244c5c_0_3:notes"/>
+          <p:cNvSpPr txBox="1"/>
+          <p:nvPr>
+            <p:ph idx="1" type="body"/>
+          </p:nvPr>
+        </p:nvSpPr>
+        <p:spPr>
+          <a:xfrm>
+            <a:off x="685800" y="4343400"/>
+            <a:ext cx="5486400" cy="4114800"/>
+          </a:xfrm>
+          <a:prstGeom prst="rect">
+            <a:avLst/>
+          </a:prstGeom>
+        </p:spPr>
+        <p:txBody>
+          <a:bodyPr anchorCtr="0" anchor="t" bIns="91425" lIns="91425" spcFirstLastPara="1" rIns="91425" wrap="square" tIns="91425">
+            <a:noAutofit/>
+          </a:bodyPr>
+          <a:lstStyle/>
+          <a:p>
+            <a:pPr indent="0" lvl="0" marL="0" rtl="0" algn="l">
+              <a:spcBef>
+                <a:spcPts val="0"/>
+              </a:spcBef>
+              <a:spcAft>
+                <a:spcPts val="0"/>
+              </a:spcAft>
+              <a:buNone/>
+            </a:pPr>
+            <a:r>
+              <a:rPr lang="en"/>
+              <a:t>In addition to employment and income loss, data shows an increase in reports of depression in adults, since the start of the pandemic. Adults between 18-29 years old who have a high school diploma or GED have been affected the most.</a:t>
+            </a:r>
+            <a:endParaRPr/>
+          </a:p>
+        </p:txBody>
+      </p:sp>
+    </p:spTree>
+  </p:cSld>
+  <p:clrMapOvr>
+    <a:masterClrMapping/>
+  </p:clrMapOvr>
+</p:notes>
+</file>
+
+<file path=ppt/notesSlides/notesSlide5.xml><?xml version="1.0" encoding="utf-8"?>
+<p:notes xmlns:a="http://schemas.openxmlformats.org/drawingml/2006/main" xmlns:r="http://schemas.openxmlformats.org/officeDocument/2006/relationships" xmlns:mc="http://schemas.openxmlformats.org/markup-compatibility/2006" xmlns:mv="urn:schemas-microsoft-com:mac:vml" xmlns:p="http://schemas.openxmlformats.org/presentationml/2006/main" xmlns:c="http://schemas.openxmlformats.org/drawingml/2006/chart" xmlns:dgm="http://schemas.openxmlformats.org/drawingml/2006/diagram" xmlns:o="urn:schemas-microsoft-com:office:office" xmlns:v="urn:schemas-microsoft-com:vml" xmlns:pvml="urn:schemas-microsoft-com:office:powerpoint" xmlns:com="http://schemas.openxmlformats.org/drawingml/2006/compatibility" xmlns:p14="http://schemas.microsoft.com/office/powerpoint/2010/main" xmlns:p15="http://schemas.microsoft.com/office/powerpoint/2012/main" xmlns:ahyp="http://schemas.microsoft.com/office/drawing/2018/hyperlinkcolor" showMasterPhAnim="0" showMasterSp="0">
+  <p:cSld>
+    <p:spTree>
+      <p:nvGrpSpPr>
+        <p:cNvPr id="153" name="Shape 153"/>
+        <p:cNvGrpSpPr/>
+        <p:nvPr/>
+      </p:nvGrpSpPr>
+      <p:grpSpPr>
+        <a:xfrm>
+          <a:off x="0" y="0"/>
+          <a:ext cx="0" cy="0"/>
+          <a:chOff x="0" y="0"/>
+          <a:chExt cx="0" cy="0"/>
+        </a:xfrm>
+      </p:grpSpPr>
+      <p:sp>
+        <p:nvSpPr>
+          <p:cNvPr id="154" name="Google Shape;154;g789e426cf2_0_152:notes"/>
+          <p:cNvSpPr/>
+          <p:nvPr>
+            <p:ph idx="2" type="sldImg"/>
+          </p:nvPr>
+        </p:nvSpPr>
+        <p:spPr>
+          <a:xfrm>
+            <a:off x="381300" y="685800"/>
+            <a:ext cx="6096000" cy="3429000"/>
+          </a:xfrm>
+          <a:custGeom>
+            <a:rect b="b" l="l" r="r" t="t"/>
+            <a:pathLst>
+              <a:path extrusionOk="0" h="120000" w="120000">
+                <a:moveTo>
+                  <a:pt x="0" y="0"/>
+                </a:moveTo>
+                <a:lnTo>
+                  <a:pt x="120000" y="0"/>
+                </a:lnTo>
+                <a:lnTo>
+                  <a:pt x="120000" y="120000"/>
+                </a:lnTo>
+                <a:lnTo>
+                  <a:pt x="0" y="120000"/>
+                </a:lnTo>
+                <a:close/>
+              </a:path>
+            </a:pathLst>
+          </a:custGeom>
+        </p:spPr>
+      </p:sp>
+      <p:sp>
+        <p:nvSpPr>
+          <p:cNvPr id="155" name="Google Shape;155;g789e426cf2_0_152:notes"/>
+          <p:cNvSpPr txBox="1"/>
+          <p:nvPr>
+            <p:ph idx="1" type="body"/>
+          </p:nvPr>
+        </p:nvSpPr>
+        <p:spPr>
+          <a:xfrm>
+            <a:off x="685800" y="4343400"/>
+            <a:ext cx="5486400" cy="4114800"/>
+          </a:xfrm>
+          <a:prstGeom prst="rect">
+            <a:avLst/>
+          </a:prstGeom>
+        </p:spPr>
+        <p:txBody>
+          <a:bodyPr anchorCtr="0" anchor="t" bIns="91425" lIns="91425" spcFirstLastPara="1" rIns="91425" wrap="square" tIns="91425">
+            <a:noAutofit/>
+          </a:bodyPr>
+          <a:lstStyle/>
+          <a:p>
+            <a:pPr indent="0" lvl="0" marL="0" rtl="0" algn="l">
+              <a:spcBef>
+                <a:spcPts val="0"/>
+              </a:spcBef>
+              <a:spcAft>
+                <a:spcPts val="0"/>
+              </a:spcAft>
+              <a:buNone/>
+            </a:pPr>
+            <a:r>
+              <a:rPr lang="en"/>
+              <a:t>We also observe an increase in reports of depression symptoms among adults in the most recent weeks compared to the beginning of the pandemic.</a:t>
+            </a:r>
+            <a:endParaRPr/>
+          </a:p>
+        </p:txBody>
+      </p:sp>
+    </p:spTree>
+  </p:cSld>
+  <p:clrMapOvr>
+    <a:masterClrMapping/>
+  </p:clrMapOvr>
+</p:notes>
+</file>
+
+<file path=ppt/notesSlides/notesSlide6.xml><?xml version="1.0" encoding="utf-8"?>
+<p:notes xmlns:a="http://schemas.openxmlformats.org/drawingml/2006/main" xmlns:r="http://schemas.openxmlformats.org/officeDocument/2006/relationships" xmlns:mc="http://schemas.openxmlformats.org/markup-compatibility/2006" xmlns:mv="urn:schemas-microsoft-com:mac:vml" xmlns:p="http://schemas.openxmlformats.org/presentationml/2006/main" xmlns:c="http://schemas.openxmlformats.org/drawingml/2006/chart" xmlns:dgm="http://schemas.openxmlformats.org/drawingml/2006/diagram" xmlns:o="urn:schemas-microsoft-com:office:office" xmlns:v="urn:schemas-microsoft-com:vml" xmlns:pvml="urn:schemas-microsoft-com:office:powerpoint" xmlns:com="http://schemas.openxmlformats.org/drawingml/2006/compatibility" xmlns:p14="http://schemas.microsoft.com/office/powerpoint/2010/main" xmlns:p15="http://schemas.microsoft.com/office/powerpoint/2012/main" xmlns:ahyp="http://schemas.microsoft.com/office/drawing/2018/hyperlinkcolor" showMasterPhAnim="0" showMasterSp="0">
+  <p:cSld>
+    <p:spTree>
+      <p:nvGrpSpPr>
+        <p:cNvPr id="160" name="Shape 160"/>
+        <p:cNvGrpSpPr/>
+        <p:nvPr/>
+      </p:nvGrpSpPr>
+      <p:grpSpPr>
+        <a:xfrm>
+          <a:off x="0" y="0"/>
+          <a:ext cx="0" cy="0"/>
+          <a:chOff x="0" y="0"/>
+          <a:chExt cx="0" cy="0"/>
+        </a:xfrm>
+      </p:grpSpPr>
+      <p:sp>
+        <p:nvSpPr>
+          <p:cNvPr id="161" name="Google Shape;161;gb2ea05c3b6_0_2:notes"/>
+          <p:cNvSpPr/>
+          <p:nvPr>
+            <p:ph idx="2" type="sldImg"/>
+          </p:nvPr>
+        </p:nvSpPr>
+        <p:spPr>
+          <a:xfrm>
+            <a:off x="381300" y="685800"/>
+            <a:ext cx="6096000" cy="3429000"/>
+          </a:xfrm>
+          <a:custGeom>
+            <a:rect b="b" l="l" r="r" t="t"/>
+            <a:pathLst>
+              <a:path extrusionOk="0" h="120000" w="120000">
+                <a:moveTo>
+                  <a:pt x="0" y="0"/>
+                </a:moveTo>
+                <a:lnTo>
+                  <a:pt x="120000" y="0"/>
+                </a:lnTo>
+                <a:lnTo>
+                  <a:pt x="120000" y="120000"/>
+                </a:lnTo>
+                <a:lnTo>
+                  <a:pt x="0" y="120000"/>
+                </a:lnTo>
+                <a:close/>
+              </a:path>
+            </a:pathLst>
+          </a:custGeom>
+        </p:spPr>
+      </p:sp>
+      <p:sp>
+        <p:nvSpPr>
+          <p:cNvPr id="162" name="Google Shape;162;gb2ea05c3b6_0_2:notes"/>
+          <p:cNvSpPr txBox="1"/>
+          <p:nvPr>
+            <p:ph idx="1" type="body"/>
+          </p:nvPr>
+        </p:nvSpPr>
+        <p:spPr>
+          <a:xfrm>
+            <a:off x="685800" y="4343400"/>
+            <a:ext cx="5486400" cy="4114800"/>
+          </a:xfrm>
+          <a:prstGeom prst="rect">
+            <a:avLst/>
+          </a:prstGeom>
+        </p:spPr>
+        <p:txBody>
+          <a:bodyPr anchorCtr="0" anchor="t" bIns="91425" lIns="91425" spcFirstLastPara="1" rIns="91425" wrap="square" tIns="91425">
+            <a:noAutofit/>
+          </a:bodyPr>
+          <a:lstStyle/>
+          <a:p>
+            <a:pPr indent="0" lvl="0" marL="0" rtl="0" algn="l">
+              <a:spcBef>
+                <a:spcPts val="0"/>
+              </a:spcBef>
+              <a:spcAft>
+                <a:spcPts val="0"/>
+              </a:spcAft>
+              <a:buNone/>
+            </a:pPr>
+            <a:r>
+              <a:rPr lang="en"/>
+              <a:t>According to the National Institute of Health, social isolation during the COVID-19 pandemic has had a negative impact on mental health.</a:t>
+            </a:r>
+            <a:br>
+              <a:rPr lang="en"/>
+            </a:br>
+            <a:r>
+              <a:rPr lang="en"/>
+              <a:t>Unemployment, isolation, and depression are real current issues, and they affect bartenders who have experienced hardship during the pandemic. With our app, we are trying to combat isolation and help them connect through friendly competition. Furthermore, with donations and sponsorships, we can help with the unemployment problem as well.</a:t>
+            </a:r>
+            <a:endParaRPr/>
+          </a:p>
+        </p:txBody>
+      </p:sp>
+    </p:spTree>
+  </p:cSld>
+  <p:clrMapOvr>
+    <a:masterClrMapping/>
+  </p:clrMapOvr>
+</p:notes>
+</file>
+
+<file path=ppt/notesSlides/notesSlide7.xml><?xml version="1.0" encoding="utf-8"?>
+<p:notes xmlns:a="http://schemas.openxmlformats.org/drawingml/2006/main" xmlns:r="http://schemas.openxmlformats.org/officeDocument/2006/relationships" xmlns:mc="http://schemas.openxmlformats.org/markup-compatibility/2006" xmlns:mv="urn:schemas-microsoft-com:mac:vml" xmlns:p="http://schemas.openxmlformats.org/presentationml/2006/main" xmlns:c="http://schemas.openxmlformats.org/drawingml/2006/chart" xmlns:dgm="http://schemas.openxmlformats.org/drawingml/2006/diagram" xmlns:o="urn:schemas-microsoft-com:office:office" xmlns:v="urn:schemas-microsoft-com:vml" xmlns:pvml="urn:schemas-microsoft-com:office:powerpoint" xmlns:com="http://schemas.openxmlformats.org/drawingml/2006/compatibility" xmlns:p14="http://schemas.microsoft.com/office/powerpoint/2010/main" xmlns:p15="http://schemas.microsoft.com/office/powerpoint/2012/main" xmlns:ahyp="http://schemas.microsoft.com/office/drawing/2018/hyperlinkcolor" showMasterPhAnim="0" showMasterSp="0">
+  <p:cSld>
+    <p:spTree>
+      <p:nvGrpSpPr>
+        <p:cNvPr id="166" name="Shape 166"/>
+        <p:cNvGrpSpPr/>
+        <p:nvPr/>
+      </p:nvGrpSpPr>
+      <p:grpSpPr>
+        <a:xfrm>
+          <a:off x="0" y="0"/>
+          <a:ext cx="0" cy="0"/>
+          <a:chOff x="0" y="0"/>
+          <a:chExt cx="0" cy="0"/>
+        </a:xfrm>
+      </p:grpSpPr>
+      <p:sp>
+        <p:nvSpPr>
+          <p:cNvPr id="167" name="Google Shape;167;g789e426cf2_0_162:notes"/>
+          <p:cNvSpPr/>
+          <p:nvPr>
+            <p:ph idx="2" type="sldImg"/>
+          </p:nvPr>
+        </p:nvSpPr>
+        <p:spPr>
+          <a:xfrm>
+            <a:off x="381300" y="685800"/>
+            <a:ext cx="6096000" cy="3429000"/>
+          </a:xfrm>
+          <a:custGeom>
+            <a:rect b="b" l="l" r="r" t="t"/>
+            <a:pathLst>
+              <a:path extrusionOk="0" h="120000" w="120000">
+                <a:moveTo>
+                  <a:pt x="0" y="0"/>
+                </a:moveTo>
+                <a:lnTo>
+                  <a:pt x="120000" y="0"/>
+                </a:lnTo>
+                <a:lnTo>
+                  <a:pt x="120000" y="120000"/>
+                </a:lnTo>
+                <a:lnTo>
+                  <a:pt x="0" y="120000"/>
+                </a:lnTo>
+                <a:close/>
+              </a:path>
+            </a:pathLst>
+          </a:custGeom>
+        </p:spPr>
+      </p:sp>
+      <p:sp>
+        <p:nvSpPr>
+          <p:cNvPr id="168" name="Google Shape;168;g789e426cf2_0_162:notes"/>
+          <p:cNvSpPr txBox="1"/>
+          <p:nvPr>
+            <p:ph idx="1" type="body"/>
+          </p:nvPr>
+        </p:nvSpPr>
+        <p:spPr>
+          <a:xfrm>
+            <a:off x="685800" y="4343400"/>
+            <a:ext cx="5486400" cy="4114800"/>
+          </a:xfrm>
+          <a:prstGeom prst="rect">
+            <a:avLst/>
+          </a:prstGeom>
+        </p:spPr>
+        <p:txBody>
+          <a:bodyPr anchorCtr="0" anchor="t" bIns="91425" lIns="91425" spcFirstLastPara="1" rIns="91425" wrap="square" tIns="91425">
+            <a:noAutofit/>
+          </a:bodyPr>
+          <a:lstStyle/>
+          <a:p>
+            <a:pPr indent="0" lvl="0" marL="0" rtl="0" algn="l">
+              <a:spcBef>
+                <a:spcPts val="0"/>
+              </a:spcBef>
+              <a:spcAft>
+                <a:spcPts val="0"/>
+              </a:spcAft>
+              <a:buNone/>
+            </a:pPr>
+            <a:r>
+              <a:rPr lang="en"/>
+              <a:t>From our research our persona Charles was created. He is a bartender who was laid off due to Covid-19. He enjoyed his job and his interactions with his co-workers and customers. He is not able to work from home and is feeling anxious to return to the work force. He feels uninspired to and seeks to do something productive with his time. </a:t>
+            </a:r>
+            <a:endParaRPr/>
+          </a:p>
+        </p:txBody>
+      </p:sp>
+    </p:spTree>
+  </p:cSld>
+  <p:clrMapOvr>
+    <a:masterClrMapping/>
+  </p:clrMapOvr>
+</p:notes>
+</file>
+
+<file path=ppt/notesSlides/notesSlide8.xml><?xml version="1.0" encoding="utf-8"?>
+<p:notes xmlns:a="http://schemas.openxmlformats.org/drawingml/2006/main" xmlns:r="http://schemas.openxmlformats.org/officeDocument/2006/relationships" xmlns:mc="http://schemas.openxmlformats.org/markup-compatibility/2006" xmlns:mv="urn:schemas-microsoft-com:mac:vml" xmlns:p="http://schemas.openxmlformats.org/presentationml/2006/main" xmlns:c="http://schemas.openxmlformats.org/drawingml/2006/chart" xmlns:dgm="http://schemas.openxmlformats.org/drawingml/2006/diagram" xmlns:o="urn:schemas-microsoft-com:office:office" xmlns:v="urn:schemas-microsoft-com:vml" xmlns:pvml="urn:schemas-microsoft-com:office:powerpoint" xmlns:com="http://schemas.openxmlformats.org/drawingml/2006/compatibility" xmlns:p14="http://schemas.microsoft.com/office/powerpoint/2010/main" xmlns:p15="http://schemas.microsoft.com/office/powerpoint/2012/main" xmlns:ahyp="http://schemas.microsoft.com/office/drawing/2018/hyperlinkcolor" showMasterPhAnim="0" showMasterSp="0">
+  <p:cSld>
+    <p:spTree>
+      <p:nvGrpSpPr>
+        <p:cNvPr id="174" name="Shape 174"/>
+        <p:cNvGrpSpPr/>
+        <p:nvPr/>
+      </p:nvGrpSpPr>
+      <p:grpSpPr>
+        <a:xfrm>
+          <a:off x="0" y="0"/>
+          <a:ext cx="0" cy="0"/>
+          <a:chOff x="0" y="0"/>
+          <a:chExt cx="0" cy="0"/>
+        </a:xfrm>
+      </p:grpSpPr>
+      <p:sp>
+        <p:nvSpPr>
+          <p:cNvPr id="175" name="Google Shape;175;g789e426cf2_0_157:notes"/>
+          <p:cNvSpPr/>
+          <p:nvPr>
+            <p:ph idx="2" type="sldImg"/>
+          </p:nvPr>
+        </p:nvSpPr>
+        <p:spPr>
+          <a:xfrm>
+            <a:off x="381300" y="685800"/>
+            <a:ext cx="6096000" cy="3429000"/>
+          </a:xfrm>
+          <a:custGeom>
+            <a:rect b="b" l="l" r="r" t="t"/>
+            <a:pathLst>
+              <a:path extrusionOk="0" h="120000" w="120000">
+                <a:moveTo>
+                  <a:pt x="0" y="0"/>
+                </a:moveTo>
+                <a:lnTo>
+                  <a:pt x="120000" y="0"/>
+                </a:lnTo>
+                <a:lnTo>
+                  <a:pt x="120000" y="120000"/>
+                </a:lnTo>
+                <a:lnTo>
+                  <a:pt x="0" y="120000"/>
+                </a:lnTo>
+                <a:close/>
+              </a:path>
+            </a:pathLst>
+          </a:custGeom>
+        </p:spPr>
+      </p:sp>
+      <p:sp>
+        <p:nvSpPr>
+          <p:cNvPr id="176" name="Google Shape;176;g789e426cf2_0_157:notes"/>
+          <p:cNvSpPr txBox="1"/>
+          <p:nvPr>
+            <p:ph idx="1" type="body"/>
+          </p:nvPr>
+        </p:nvSpPr>
+        <p:spPr>
+          <a:xfrm>
+            <a:off x="685800" y="4343400"/>
+            <a:ext cx="5486400" cy="4114800"/>
+          </a:xfrm>
+          <a:prstGeom prst="rect">
+            <a:avLst/>
+          </a:prstGeom>
+        </p:spPr>
+        <p:txBody>
+          <a:bodyPr anchorCtr="0" anchor="t" bIns="91425" lIns="91425" spcFirstLastPara="1" rIns="91425" wrap="square" tIns="91425">
+            <a:noAutofit/>
+          </a:bodyPr>
+          <a:lstStyle/>
+          <a:p>
+            <a:pPr indent="0" lvl="0" marL="0" rtl="0" algn="l">
+              <a:spcBef>
+                <a:spcPts val="0"/>
+              </a:spcBef>
+              <a:spcAft>
+                <a:spcPts val="0"/>
+              </a:spcAft>
+              <a:buNone/>
+            </a:pPr>
+            <a:r>
+              <a:t/>
+            </a:r>
+            <a:endParaRPr/>
+          </a:p>
+        </p:txBody>
+      </p:sp>
+    </p:spTree>
+  </p:cSld>
+  <p:clrMapOvr>
+    <a:masterClrMapping/>
+  </p:clrMapOvr>
+</p:notes>
+</file>
+
+<file path=ppt/notesSlides/notesSlide9.xml><?xml version="1.0" encoding="utf-8"?>
+<p:notes xmlns:a="http://schemas.openxmlformats.org/drawingml/2006/main" xmlns:r="http://schemas.openxmlformats.org/officeDocument/2006/relationships" xmlns:mc="http://schemas.openxmlformats.org/markup-compatibility/2006" xmlns:mv="urn:schemas-microsoft-com:mac:vml" xmlns:p="http://schemas.openxmlformats.org/presentationml/2006/main" xmlns:c="http://schemas.openxmlformats.org/drawingml/2006/chart" xmlns:dgm="http://schemas.openxmlformats.org/drawingml/2006/diagram" xmlns:o="urn:schemas-microsoft-com:office:office" xmlns:v="urn:schemas-microsoft-com:vml" xmlns:pvml="urn:schemas-microsoft-com:office:powerpoint" xmlns:com="http://schemas.openxmlformats.org/drawingml/2006/compatibility" xmlns:p14="http://schemas.microsoft.com/office/powerpoint/2010/main" xmlns:p15="http://schemas.microsoft.com/office/powerpoint/2012/main" xmlns:ahyp="http://schemas.microsoft.com/office/drawing/2018/hyperlinkcolor" showMasterPhAnim="0" showMasterSp="0">
+  <p:cSld>
+    <p:spTree>
+      <p:nvGrpSpPr>
+        <p:cNvPr id="180" name="Shape 180"/>
+        <p:cNvGrpSpPr/>
+        <p:nvPr/>
+      </p:nvGrpSpPr>
+      <p:grpSpPr>
+        <a:xfrm>
+          <a:off x="0" y="0"/>
+          <a:ext cx="0" cy="0"/>
+          <a:chOff x="0" y="0"/>
+          <a:chExt cx="0" cy="0"/>
+        </a:xfrm>
+      </p:grpSpPr>
+      <p:sp>
+        <p:nvSpPr>
+          <p:cNvPr id="181" name="Google Shape;181;gb2d818dbdf_0_7:notes"/>
+          <p:cNvSpPr/>
+          <p:nvPr>
+            <p:ph idx="2" type="sldImg"/>
+          </p:nvPr>
+        </p:nvSpPr>
+        <p:spPr>
+          <a:xfrm>
+            <a:off x="381300" y="685800"/>
+            <a:ext cx="6096000" cy="3429000"/>
+          </a:xfrm>
+          <a:custGeom>
+            <a:rect b="b" l="l" r="r" t="t"/>
+            <a:pathLst>
+              <a:path extrusionOk="0" h="120000" w="120000">
+                <a:moveTo>
+                  <a:pt x="0" y="0"/>
+                </a:moveTo>
+                <a:lnTo>
+                  <a:pt x="120000" y="0"/>
+                </a:lnTo>
+                <a:lnTo>
+                  <a:pt x="120000" y="120000"/>
+                </a:lnTo>
+                <a:lnTo>
+                  <a:pt x="0" y="120000"/>
+                </a:lnTo>
+                <a:close/>
+              </a:path>
+            </a:pathLst>
+          </a:custGeom>
+        </p:spPr>
+      </p:sp>
+      <p:sp>
+        <p:nvSpPr>
+          <p:cNvPr id="182" name="Google Shape;182;gb2d818dbdf_0_7:notes"/>
           <p:cNvSpPr txBox="1"/>
           <p:nvPr>
             <p:ph idx="1" type="body"/>
@@ -10132,8 +10556,8 @@
         </p:nvSpPr>
         <p:spPr>
           <a:xfrm>
-            <a:off x="1891353" y="1212183"/>
-            <a:ext cx="5361300" cy="1448100"/>
+            <a:off x="1891350" y="1099325"/>
+            <a:ext cx="5361300" cy="903300"/>
           </a:xfrm>
           <a:prstGeom prst="rect">
             <a:avLst/>
@@ -10180,7 +10604,7 @@
         </p:nvSpPr>
         <p:spPr>
           <a:xfrm>
-            <a:off x="1835225" y="2660286"/>
+            <a:off x="1891350" y="2708411"/>
             <a:ext cx="5361300" cy="1386000"/>
           </a:xfrm>
           <a:prstGeom prst="rect">
@@ -10286,6 +10710,84 @@
               <a:t/>
             </a:r>
             <a:endParaRPr/>
+          </a:p>
+        </p:txBody>
+      </p:sp>
+      <p:sp>
+        <p:nvSpPr>
+          <p:cNvPr id="130" name="Google Shape;130;p13"/>
+          <p:cNvSpPr txBox="1"/>
+          <p:nvPr/>
+        </p:nvSpPr>
+        <p:spPr>
+          <a:xfrm>
+            <a:off x="2035500" y="2048988"/>
+            <a:ext cx="5073000" cy="613200"/>
+          </a:xfrm>
+          <a:prstGeom prst="rect">
+            <a:avLst/>
+          </a:prstGeom>
+          <a:noFill/>
+          <a:ln>
+            <a:noFill/>
+          </a:ln>
+        </p:spPr>
+        <p:txBody>
+          <a:bodyPr anchorCtr="0" anchor="t" bIns="91425" lIns="91425" spcFirstLastPara="1" rIns="91425" wrap="square" tIns="91425">
+            <a:noAutofit/>
+          </a:bodyPr>
+          <a:lstStyle/>
+          <a:p>
+            <a:pPr indent="0" lvl="0" marL="0" rtl="0" algn="ctr">
+              <a:spcBef>
+                <a:spcPts val="0"/>
+              </a:spcBef>
+              <a:spcAft>
+                <a:spcPts val="0"/>
+              </a:spcAft>
+              <a:buNone/>
+            </a:pPr>
+            <a:r>
+              <a:rPr b="1" lang="en" sz="1600">
+                <a:latin typeface="Calibri"/>
+                <a:ea typeface="Calibri"/>
+                <a:cs typeface="Calibri"/>
+                <a:sym typeface="Calibri"/>
+              </a:rPr>
+              <a:t>Created and Presented by:</a:t>
+            </a:r>
+            <a:endParaRPr b="1" sz="1600">
+              <a:latin typeface="Calibri"/>
+              <a:ea typeface="Calibri"/>
+              <a:cs typeface="Calibri"/>
+              <a:sym typeface="Calibri"/>
+            </a:endParaRPr>
+          </a:p>
+          <a:p>
+            <a:pPr indent="0" lvl="0" marL="0" rtl="0" algn="ctr">
+              <a:spcBef>
+                <a:spcPts val="0"/>
+              </a:spcBef>
+              <a:spcAft>
+                <a:spcPts val="0"/>
+              </a:spcAft>
+              <a:buNone/>
+            </a:pPr>
+            <a:r>
+              <a:rPr b="1" lang="en" sz="1600">
+                <a:latin typeface="Calibri"/>
+                <a:ea typeface="Calibri"/>
+                <a:cs typeface="Calibri"/>
+                <a:sym typeface="Calibri"/>
+              </a:rPr>
+              <a:t>PCKKD (Team Pecked)</a:t>
+            </a:r>
+            <a:endParaRPr b="1" sz="1600">
+              <a:latin typeface="Calibri"/>
+              <a:ea typeface="Calibri"/>
+              <a:cs typeface="Calibri"/>
+              <a:sym typeface="Calibri"/>
+            </a:endParaRPr>
           </a:p>
         </p:txBody>
       </p:sp>
@@ -10302,7 +10804,7 @@
   <p:cSld>
     <p:spTree>
       <p:nvGrpSpPr>
-        <p:cNvPr id="189" name="Shape 189"/>
+        <p:cNvPr id="193" name="Shape 193"/>
         <p:cNvGrpSpPr/>
         <p:nvPr/>
       </p:nvGrpSpPr>
@@ -10316,7 +10818,7 @@
       </p:grpSpPr>
       <p:pic>
         <p:nvPicPr>
-          <p:cNvPr id="190" name="Google Shape;190;p22"/>
+          <p:cNvPr id="194" name="Google Shape;194;p22"/>
           <p:cNvPicPr preferRelativeResize="0"/>
           <p:nvPr/>
         </p:nvPicPr>
@@ -10343,7 +10845,7 @@
       </p:pic>
       <p:sp>
         <p:nvSpPr>
-          <p:cNvPr id="191" name="Google Shape;191;p22"/>
+          <p:cNvPr id="195" name="Google Shape;195;p22"/>
           <p:cNvSpPr txBox="1"/>
           <p:nvPr>
             <p:ph type="title"/>
@@ -10394,7 +10896,7 @@
   <p:cSld>
     <p:spTree>
       <p:nvGrpSpPr>
-        <p:cNvPr id="195" name="Shape 195"/>
+        <p:cNvPr id="199" name="Shape 199"/>
         <p:cNvGrpSpPr/>
         <p:nvPr/>
       </p:nvGrpSpPr>
@@ -10408,7 +10910,7 @@
       </p:grpSpPr>
       <p:sp>
         <p:nvSpPr>
-          <p:cNvPr id="196" name="Google Shape;196;p23"/>
+          <p:cNvPr id="200" name="Google Shape;200;p23"/>
           <p:cNvSpPr txBox="1"/>
           <p:nvPr>
             <p:ph type="title"/>
@@ -10440,7 +10942,7 @@
             </a:pPr>
             <a:r>
               <a:rPr lang="en"/>
-              <a:t>App Demo</a:t>
+              <a:t>Original Color Scheme</a:t>
             </a:r>
             <a:endParaRPr/>
           </a:p>
@@ -10448,7 +10950,7 @@
       </p:sp>
       <p:sp>
         <p:nvSpPr>
-          <p:cNvPr id="197" name="Google Shape;197;p23"/>
+          <p:cNvPr id="201" name="Google Shape;201;p23"/>
           <p:cNvSpPr txBox="1"/>
           <p:nvPr>
             <p:ph idx="1" type="body"/>
@@ -10485,6 +10987,88 @@
           </a:p>
         </p:txBody>
       </p:sp>
+      <p:pic>
+        <p:nvPicPr>
+          <p:cNvPr id="202" name="Google Shape;202;p23"/>
+          <p:cNvPicPr preferRelativeResize="0"/>
+          <p:nvPr/>
+        </p:nvPicPr>
+        <p:blipFill rotWithShape="1">
+          <a:blip r:embed="rId3">
+            <a:alphaModFix/>
+          </a:blip>
+          <a:srcRect b="0" l="0" r="0" t="6568"/>
+          <a:stretch/>
+        </p:blipFill>
+        <p:spPr>
+          <a:xfrm>
+            <a:off x="5206225" y="749875"/>
+            <a:ext cx="1325050" cy="3688850"/>
+          </a:xfrm>
+          <a:prstGeom prst="rect">
+            <a:avLst/>
+          </a:prstGeom>
+          <a:noFill/>
+          <a:ln>
+            <a:noFill/>
+          </a:ln>
+        </p:spPr>
+      </p:pic>
+      <p:pic>
+        <p:nvPicPr>
+          <p:cNvPr id="203" name="Google Shape;203;p23"/>
+          <p:cNvPicPr preferRelativeResize="0"/>
+          <p:nvPr/>
+        </p:nvPicPr>
+        <p:blipFill>
+          <a:blip r:embed="rId4">
+            <a:alphaModFix/>
+          </a:blip>
+          <a:stretch>
+            <a:fillRect/>
+          </a:stretch>
+        </p:blipFill>
+        <p:spPr>
+          <a:xfrm>
+            <a:off x="884900" y="2346982"/>
+            <a:ext cx="4028350" cy="1590993"/>
+          </a:xfrm>
+          <a:prstGeom prst="rect">
+            <a:avLst/>
+          </a:prstGeom>
+          <a:noFill/>
+          <a:ln>
+            <a:noFill/>
+          </a:ln>
+        </p:spPr>
+      </p:pic>
+      <p:pic>
+        <p:nvPicPr>
+          <p:cNvPr id="204" name="Google Shape;204;p23"/>
+          <p:cNvPicPr preferRelativeResize="0"/>
+          <p:nvPr/>
+        </p:nvPicPr>
+        <p:blipFill rotWithShape="1">
+          <a:blip r:embed="rId5">
+            <a:alphaModFix/>
+          </a:blip>
+          <a:srcRect b="0" l="0" r="67917" t="0"/>
+          <a:stretch/>
+        </p:blipFill>
+        <p:spPr>
+          <a:xfrm>
+            <a:off x="6824250" y="1848026"/>
+            <a:ext cx="1986300" cy="2588875"/>
+          </a:xfrm>
+          <a:prstGeom prst="rect">
+            <a:avLst/>
+          </a:prstGeom>
+          <a:noFill/>
+          <a:ln>
+            <a:noFill/>
+          </a:ln>
+        </p:spPr>
+      </p:pic>
     </p:spTree>
   </p:cSld>
   <p:clrMapOvr>
@@ -10498,7 +11082,7 @@
   <p:cSld>
     <p:spTree>
       <p:nvGrpSpPr>
-        <p:cNvPr id="201" name="Shape 201"/>
+        <p:cNvPr id="208" name="Shape 208"/>
         <p:cNvGrpSpPr/>
         <p:nvPr/>
       </p:nvGrpSpPr>
@@ -10512,7 +11096,7 @@
       </p:grpSpPr>
       <p:sp>
         <p:nvSpPr>
-          <p:cNvPr id="202" name="Google Shape;202;p24"/>
+          <p:cNvPr id="209" name="Google Shape;209;p24"/>
           <p:cNvSpPr txBox="1"/>
           <p:nvPr>
             <p:ph type="title"/>
@@ -10520,8 +11104,8 @@
         </p:nvSpPr>
         <p:spPr>
           <a:xfrm>
-            <a:off x="698150" y="513675"/>
-            <a:ext cx="7505700" cy="678000"/>
+            <a:off x="400375" y="545125"/>
+            <a:ext cx="2397600" cy="433800"/>
           </a:xfrm>
           <a:prstGeom prst="rect">
             <a:avLst/>
@@ -10543,16 +11127,497 @@
               <a:buNone/>
             </a:pPr>
             <a:r>
-              <a:rPr lang="en"/>
-              <a:t>Next Steps</a:t>
-            </a:r>
-            <a:endParaRPr/>
+              <a:rPr b="1" lang="en" sz="1500"/>
+              <a:t>Homepage </a:t>
+            </a:r>
+            <a:r>
+              <a:rPr b="1" lang="en" sz="1500"/>
+              <a:t>Wireframe </a:t>
+            </a:r>
+            <a:endParaRPr b="1" sz="1500"/>
+          </a:p>
+        </p:txBody>
+      </p:sp>
+      <p:pic>
+        <p:nvPicPr>
+          <p:cNvPr id="210" name="Google Shape;210;p24"/>
+          <p:cNvPicPr preferRelativeResize="0"/>
+          <p:nvPr/>
+        </p:nvPicPr>
+        <p:blipFill>
+          <a:blip r:embed="rId3">
+            <a:alphaModFix/>
+          </a:blip>
+          <a:stretch>
+            <a:fillRect/>
+          </a:stretch>
+        </p:blipFill>
+        <p:spPr>
+          <a:xfrm>
+            <a:off x="676825" y="1010000"/>
+            <a:ext cx="1667900" cy="2786850"/>
+          </a:xfrm>
+          <a:prstGeom prst="rect">
+            <a:avLst/>
+          </a:prstGeom>
+          <a:noFill/>
+          <a:ln>
+            <a:noFill/>
+          </a:ln>
+        </p:spPr>
+      </p:pic>
+      <p:pic>
+        <p:nvPicPr>
+          <p:cNvPr id="211" name="Google Shape;211;p24"/>
+          <p:cNvPicPr preferRelativeResize="0"/>
+          <p:nvPr/>
+        </p:nvPicPr>
+        <p:blipFill>
+          <a:blip r:embed="rId4">
+            <a:alphaModFix/>
+          </a:blip>
+          <a:stretch>
+            <a:fillRect/>
+          </a:stretch>
+        </p:blipFill>
+        <p:spPr>
+          <a:xfrm>
+            <a:off x="6220800" y="978928"/>
+            <a:ext cx="1667900" cy="2791446"/>
+          </a:xfrm>
+          <a:prstGeom prst="rect">
+            <a:avLst/>
+          </a:prstGeom>
+          <a:noFill/>
+          <a:ln>
+            <a:noFill/>
+          </a:ln>
+        </p:spPr>
+      </p:pic>
+      <p:pic>
+        <p:nvPicPr>
+          <p:cNvPr id="212" name="Google Shape;212;p24"/>
+          <p:cNvPicPr preferRelativeResize="0"/>
+          <p:nvPr/>
+        </p:nvPicPr>
+        <p:blipFill>
+          <a:blip r:embed="rId5">
+            <a:alphaModFix/>
+          </a:blip>
+          <a:stretch>
+            <a:fillRect/>
+          </a:stretch>
+        </p:blipFill>
+        <p:spPr>
+          <a:xfrm>
+            <a:off x="3320800" y="1010000"/>
+            <a:ext cx="1696804" cy="2786849"/>
+          </a:xfrm>
+          <a:prstGeom prst="rect">
+            <a:avLst/>
+          </a:prstGeom>
+          <a:noFill/>
+          <a:ln>
+            <a:noFill/>
+          </a:ln>
+        </p:spPr>
+      </p:pic>
+      <p:sp>
+        <p:nvSpPr>
+          <p:cNvPr id="213" name="Google Shape;213;p24"/>
+          <p:cNvSpPr txBox="1"/>
+          <p:nvPr>
+            <p:ph type="title"/>
+          </p:nvPr>
+        </p:nvSpPr>
+        <p:spPr>
+          <a:xfrm>
+            <a:off x="3057650" y="545125"/>
+            <a:ext cx="2573700" cy="433800"/>
+          </a:xfrm>
+          <a:prstGeom prst="rect">
+            <a:avLst/>
+          </a:prstGeom>
+        </p:spPr>
+        <p:txBody>
+          <a:bodyPr anchorCtr="0" anchor="t" bIns="91425" lIns="91425" spcFirstLastPara="1" rIns="91425" wrap="square" tIns="91425">
+            <a:noAutofit/>
+          </a:bodyPr>
+          <a:lstStyle/>
+          <a:p>
+            <a:pPr indent="0" lvl="0" marL="0" rtl="0" algn="l">
+              <a:spcBef>
+                <a:spcPts val="0"/>
+              </a:spcBef>
+              <a:spcAft>
+                <a:spcPts val="0"/>
+              </a:spcAft>
+              <a:buNone/>
+            </a:pPr>
+            <a:r>
+              <a:rPr b="1" lang="en" sz="1500"/>
+              <a:t>Homepage Logged Out</a:t>
+            </a:r>
+            <a:endParaRPr b="1" sz="1500"/>
           </a:p>
         </p:txBody>
       </p:sp>
       <p:sp>
         <p:nvSpPr>
-          <p:cNvPr id="203" name="Google Shape;203;p24"/>
+          <p:cNvPr id="214" name="Google Shape;214;p24"/>
+          <p:cNvSpPr txBox="1"/>
+          <p:nvPr>
+            <p:ph type="title"/>
+          </p:nvPr>
+        </p:nvSpPr>
+        <p:spPr>
+          <a:xfrm>
+            <a:off x="5976875" y="597375"/>
+            <a:ext cx="2397600" cy="381600"/>
+          </a:xfrm>
+          <a:prstGeom prst="rect">
+            <a:avLst/>
+          </a:prstGeom>
+        </p:spPr>
+        <p:txBody>
+          <a:bodyPr anchorCtr="0" anchor="t" bIns="91425" lIns="91425" spcFirstLastPara="1" rIns="91425" wrap="square" tIns="91425">
+            <a:noAutofit/>
+          </a:bodyPr>
+          <a:lstStyle/>
+          <a:p>
+            <a:pPr indent="0" lvl="0" marL="0" rtl="0" algn="l">
+              <a:spcBef>
+                <a:spcPts val="0"/>
+              </a:spcBef>
+              <a:spcAft>
+                <a:spcPts val="0"/>
+              </a:spcAft>
+              <a:buNone/>
+            </a:pPr>
+            <a:r>
+              <a:rPr b="1" lang="en" sz="1500"/>
+              <a:t>Homepage Logged In</a:t>
+            </a:r>
+            <a:endParaRPr b="1" sz="1500"/>
+          </a:p>
+        </p:txBody>
+      </p:sp>
+      <p:sp>
+        <p:nvSpPr>
+          <p:cNvPr id="215" name="Google Shape;215;p24"/>
+          <p:cNvSpPr/>
+          <p:nvPr/>
+        </p:nvSpPr>
+        <p:spPr>
+          <a:xfrm>
+            <a:off x="4428275" y="937000"/>
+            <a:ext cx="664500" cy="339300"/>
+          </a:xfrm>
+          <a:prstGeom prst="ellipse">
+            <a:avLst/>
+          </a:prstGeom>
+          <a:noFill/>
+          <a:ln cap="flat" cmpd="sng" w="9525">
+            <a:solidFill>
+              <a:srgbClr val="FF0000"/>
+            </a:solidFill>
+            <a:prstDash val="solid"/>
+            <a:round/>
+            <a:headEnd len="sm" w="sm" type="none"/>
+            <a:tailEnd len="sm" w="sm" type="none"/>
+          </a:ln>
+        </p:spPr>
+        <p:txBody>
+          <a:bodyPr anchorCtr="0" anchor="ctr" bIns="91425" lIns="91425" spcFirstLastPara="1" rIns="91425" wrap="square" tIns="91425">
+            <a:noAutofit/>
+          </a:bodyPr>
+          <a:lstStyle/>
+          <a:p>
+            <a:pPr indent="0" lvl="0" marL="0" rtl="0" algn="l">
+              <a:spcBef>
+                <a:spcPts val="0"/>
+              </a:spcBef>
+              <a:spcAft>
+                <a:spcPts val="0"/>
+              </a:spcAft>
+              <a:buNone/>
+            </a:pPr>
+            <a:r>
+              <a:t/>
+            </a:r>
+            <a:endParaRPr/>
+          </a:p>
+        </p:txBody>
+      </p:sp>
+      <p:sp>
+        <p:nvSpPr>
+          <p:cNvPr id="216" name="Google Shape;216;p24"/>
+          <p:cNvSpPr/>
+          <p:nvPr/>
+        </p:nvSpPr>
+        <p:spPr>
+          <a:xfrm>
+            <a:off x="6060625" y="1357575"/>
+            <a:ext cx="1052700" cy="567900"/>
+          </a:xfrm>
+          <a:prstGeom prst="ellipse">
+            <a:avLst/>
+          </a:prstGeom>
+          <a:noFill/>
+          <a:ln cap="flat" cmpd="sng" w="9525">
+            <a:solidFill>
+              <a:srgbClr val="FF0000"/>
+            </a:solidFill>
+            <a:prstDash val="solid"/>
+            <a:round/>
+            <a:headEnd len="sm" w="sm" type="none"/>
+            <a:tailEnd len="sm" w="sm" type="none"/>
+          </a:ln>
+        </p:spPr>
+        <p:txBody>
+          <a:bodyPr anchorCtr="0" anchor="ctr" bIns="91425" lIns="91425" spcFirstLastPara="1" rIns="91425" wrap="square" tIns="91425">
+            <a:noAutofit/>
+          </a:bodyPr>
+          <a:lstStyle/>
+          <a:p>
+            <a:pPr indent="0" lvl="0" marL="0" rtl="0" algn="l">
+              <a:spcBef>
+                <a:spcPts val="0"/>
+              </a:spcBef>
+              <a:spcAft>
+                <a:spcPts val="0"/>
+              </a:spcAft>
+              <a:buNone/>
+            </a:pPr>
+            <a:r>
+              <a:rPr lang="en"/>
+              <a:t> </a:t>
+            </a:r>
+            <a:endParaRPr/>
+          </a:p>
+        </p:txBody>
+      </p:sp>
+      <p:sp>
+        <p:nvSpPr>
+          <p:cNvPr id="217" name="Google Shape;217;p24"/>
+          <p:cNvSpPr/>
+          <p:nvPr/>
+        </p:nvSpPr>
+        <p:spPr>
+          <a:xfrm>
+            <a:off x="7309600" y="910800"/>
+            <a:ext cx="664500" cy="339300"/>
+          </a:xfrm>
+          <a:prstGeom prst="ellipse">
+            <a:avLst/>
+          </a:prstGeom>
+          <a:noFill/>
+          <a:ln cap="flat" cmpd="sng" w="9525">
+            <a:solidFill>
+              <a:srgbClr val="FF0000"/>
+            </a:solidFill>
+            <a:prstDash val="solid"/>
+            <a:round/>
+            <a:headEnd len="sm" w="sm" type="none"/>
+            <a:tailEnd len="sm" w="sm" type="none"/>
+          </a:ln>
+        </p:spPr>
+        <p:txBody>
+          <a:bodyPr anchorCtr="0" anchor="ctr" bIns="91425" lIns="91425" spcFirstLastPara="1" rIns="91425" wrap="square" tIns="91425">
+            <a:noAutofit/>
+          </a:bodyPr>
+          <a:lstStyle/>
+          <a:p>
+            <a:pPr indent="0" lvl="0" marL="0" rtl="0" algn="l">
+              <a:spcBef>
+                <a:spcPts val="0"/>
+              </a:spcBef>
+              <a:spcAft>
+                <a:spcPts val="0"/>
+              </a:spcAft>
+              <a:buNone/>
+            </a:pPr>
+            <a:r>
+              <a:t/>
+            </a:r>
+            <a:endParaRPr/>
+          </a:p>
+        </p:txBody>
+      </p:sp>
+      <p:sp>
+        <p:nvSpPr>
+          <p:cNvPr id="218" name="Google Shape;218;p24"/>
+          <p:cNvSpPr/>
+          <p:nvPr/>
+        </p:nvSpPr>
+        <p:spPr>
+          <a:xfrm>
+            <a:off x="3194775" y="1452825"/>
+            <a:ext cx="1052700" cy="711000"/>
+          </a:xfrm>
+          <a:prstGeom prst="ellipse">
+            <a:avLst/>
+          </a:prstGeom>
+          <a:noFill/>
+          <a:ln cap="flat" cmpd="sng" w="9525">
+            <a:solidFill>
+              <a:srgbClr val="FF0000"/>
+            </a:solidFill>
+            <a:prstDash val="solid"/>
+            <a:round/>
+            <a:headEnd len="sm" w="sm" type="none"/>
+            <a:tailEnd len="sm" w="sm" type="none"/>
+          </a:ln>
+        </p:spPr>
+        <p:txBody>
+          <a:bodyPr anchorCtr="0" anchor="ctr" bIns="91425" lIns="91425" spcFirstLastPara="1" rIns="91425" wrap="square" tIns="91425">
+            <a:noAutofit/>
+          </a:bodyPr>
+          <a:lstStyle/>
+          <a:p>
+            <a:pPr indent="0" lvl="0" marL="0" rtl="0" algn="l">
+              <a:spcBef>
+                <a:spcPts val="0"/>
+              </a:spcBef>
+              <a:spcAft>
+                <a:spcPts val="0"/>
+              </a:spcAft>
+              <a:buNone/>
+            </a:pPr>
+            <a:r>
+              <a:rPr lang="en"/>
+              <a:t> </a:t>
+            </a:r>
+            <a:endParaRPr/>
+          </a:p>
+        </p:txBody>
+      </p:sp>
+      <p:cxnSp>
+        <p:nvCxnSpPr>
+          <p:cNvPr id="219" name="Google Shape;219;p24"/>
+          <p:cNvCxnSpPr>
+            <a:stCxn id="215" idx="6"/>
+            <a:endCxn id="217" idx="2"/>
+          </p:cNvCxnSpPr>
+          <p:nvPr/>
+        </p:nvCxnSpPr>
+        <p:spPr>
+          <a:xfrm flipH="1" rot="10800000">
+            <a:off x="5092775" y="1080550"/>
+            <a:ext cx="2216700" cy="26100"/>
+          </a:xfrm>
+          <a:prstGeom prst="straightConnector1">
+            <a:avLst/>
+          </a:prstGeom>
+          <a:noFill/>
+          <a:ln cap="flat" cmpd="sng" w="9525">
+            <a:solidFill>
+              <a:srgbClr val="FF0000"/>
+            </a:solidFill>
+            <a:prstDash val="solid"/>
+            <a:round/>
+            <a:headEnd len="med" w="med" type="none"/>
+            <a:tailEnd len="med" w="med" type="none"/>
+          </a:ln>
+        </p:spPr>
+      </p:cxnSp>
+      <p:cxnSp>
+        <p:nvCxnSpPr>
+          <p:cNvPr id="220" name="Google Shape;220;p24"/>
+          <p:cNvCxnSpPr>
+            <a:stCxn id="218" idx="6"/>
+            <a:endCxn id="216" idx="2"/>
+          </p:cNvCxnSpPr>
+          <p:nvPr/>
+        </p:nvCxnSpPr>
+        <p:spPr>
+          <a:xfrm flipH="1" rot="10800000">
+            <a:off x="4247475" y="1641525"/>
+            <a:ext cx="1813200" cy="166800"/>
+          </a:xfrm>
+          <a:prstGeom prst="straightConnector1">
+            <a:avLst/>
+          </a:prstGeom>
+          <a:noFill/>
+          <a:ln cap="flat" cmpd="sng" w="9525">
+            <a:solidFill>
+              <a:srgbClr val="FF0000"/>
+            </a:solidFill>
+            <a:prstDash val="solid"/>
+            <a:round/>
+            <a:headEnd len="med" w="med" type="none"/>
+            <a:tailEnd len="med" w="med" type="none"/>
+          </a:ln>
+        </p:spPr>
+      </p:cxnSp>
+    </p:spTree>
+  </p:cSld>
+  <p:clrMapOvr>
+    <a:masterClrMapping/>
+  </p:clrMapOvr>
+</p:sld>
+</file>
+
+<file path=ppt/slides/slide13.xml><?xml version="1.0" encoding="utf-8"?>
+<p:sld xmlns:a="http://schemas.openxmlformats.org/drawingml/2006/main" xmlns:r="http://schemas.openxmlformats.org/officeDocument/2006/relationships" xmlns:mc="http://schemas.openxmlformats.org/markup-compatibility/2006" xmlns:mv="urn:schemas-microsoft-com:mac:vml" xmlns:p="http://schemas.openxmlformats.org/presentationml/2006/main" xmlns:c="http://schemas.openxmlformats.org/drawingml/2006/chart" xmlns:dgm="http://schemas.openxmlformats.org/drawingml/2006/diagram" xmlns:o="urn:schemas-microsoft-com:office:office" xmlns:v="urn:schemas-microsoft-com:vml" xmlns:pvml="urn:schemas-microsoft-com:office:powerpoint" xmlns:com="http://schemas.openxmlformats.org/drawingml/2006/compatibility" xmlns:p14="http://schemas.microsoft.com/office/powerpoint/2010/main" xmlns:p15="http://schemas.microsoft.com/office/powerpoint/2012/main" xmlns:ahyp="http://schemas.microsoft.com/office/drawing/2018/hyperlinkcolor">
+  <p:cSld>
+    <p:spTree>
+      <p:nvGrpSpPr>
+        <p:cNvPr id="224" name="Shape 224"/>
+        <p:cNvGrpSpPr/>
+        <p:nvPr/>
+      </p:nvGrpSpPr>
+      <p:grpSpPr>
+        <a:xfrm>
+          <a:off x="0" y="0"/>
+          <a:ext cx="0" cy="0"/>
+          <a:chOff x="0" y="0"/>
+          <a:chExt cx="0" cy="0"/>
+        </a:xfrm>
+      </p:grpSpPr>
+      <p:sp>
+        <p:nvSpPr>
+          <p:cNvPr id="225" name="Google Shape;225;p25"/>
+          <p:cNvSpPr txBox="1"/>
+          <p:nvPr>
+            <p:ph type="title"/>
+          </p:nvPr>
+        </p:nvSpPr>
+        <p:spPr>
+          <a:xfrm>
+            <a:off x="770900" y="623650"/>
+            <a:ext cx="4266600" cy="954600"/>
+          </a:xfrm>
+          <a:prstGeom prst="rect">
+            <a:avLst/>
+          </a:prstGeom>
+        </p:spPr>
+        <p:txBody>
+          <a:bodyPr anchorCtr="0" anchor="t" bIns="91425" lIns="91425" spcFirstLastPara="1" rIns="91425" wrap="square" tIns="91425">
+            <a:noAutofit/>
+          </a:bodyPr>
+          <a:lstStyle/>
+          <a:p>
+            <a:pPr indent="0" lvl="0" marL="0" rtl="0" algn="l">
+              <a:spcBef>
+                <a:spcPts val="0"/>
+              </a:spcBef>
+              <a:spcAft>
+                <a:spcPts val="0"/>
+              </a:spcAft>
+              <a:buNone/>
+            </a:pPr>
+            <a:r>
+              <a:rPr lang="en"/>
+              <a:t>Usability Test Results</a:t>
+            </a:r>
+            <a:endParaRPr/>
+          </a:p>
+        </p:txBody>
+      </p:sp>
+      <p:sp>
+        <p:nvSpPr>
+          <p:cNvPr id="226" name="Google Shape;226;p25"/>
           <p:cNvSpPr txBox="1"/>
           <p:nvPr>
             <p:ph idx="1" type="body"/>
@@ -10560,8 +11625,8 @@
         </p:nvSpPr>
         <p:spPr>
           <a:xfrm>
-            <a:off x="447800" y="1885575"/>
-            <a:ext cx="2299800" cy="2725500"/>
+            <a:off x="770900" y="2357425"/>
+            <a:ext cx="1949700" cy="2448000"/>
           </a:xfrm>
           <a:prstGeom prst="rect">
             <a:avLst/>
@@ -10573,74 +11638,50 @@
           </a:bodyPr>
           <a:lstStyle/>
           <a:p>
-            <a:pPr indent="-311150" lvl="0" marL="457200" rtl="0" algn="l">
-              <a:spcBef>
-                <a:spcPts val="0"/>
-              </a:spcBef>
-              <a:spcAft>
-                <a:spcPts val="0"/>
-              </a:spcAft>
-              <a:buSzPts val="1300"/>
-              <a:buChar char="●"/>
+            <a:pPr indent="0" lvl="0" marL="0" rtl="0" algn="l">
+              <a:spcBef>
+                <a:spcPts val="0"/>
+              </a:spcBef>
+              <a:spcAft>
+                <a:spcPts val="0"/>
+              </a:spcAft>
+              <a:buNone/>
+            </a:pPr>
+            <a:r>
+              <a:rPr b="1" lang="en"/>
+              <a:t>Good</a:t>
+            </a:r>
+            <a:endParaRPr b="1"/>
+          </a:p>
+          <a:p>
+            <a:pPr indent="0" lvl="0" marL="0" rtl="0" algn="l">
+              <a:spcBef>
+                <a:spcPts val="1600"/>
+              </a:spcBef>
+              <a:spcAft>
+                <a:spcPts val="0"/>
+              </a:spcAft>
+              <a:buNone/>
             </a:pPr>
             <a:r>
               <a:rPr lang="en"/>
-              <a:t>Finish the mid fidelity prototype</a:t>
+              <a:t>- Users were able to complete the tasks set before them</a:t>
             </a:r>
             <a:endParaRPr/>
           </a:p>
           <a:p>
-            <a:pPr indent="-311150" lvl="0" marL="457200" rtl="0" algn="l">
-              <a:spcBef>
-                <a:spcPts val="0"/>
-              </a:spcBef>
-              <a:spcAft>
-                <a:spcPts val="0"/>
-              </a:spcAft>
-              <a:buSzPts val="1300"/>
-              <a:buChar char="●"/>
+            <a:pPr indent="0" lvl="0" marL="0" rtl="0" algn="l">
+              <a:spcBef>
+                <a:spcPts val="1600"/>
+              </a:spcBef>
+              <a:spcAft>
+                <a:spcPts val="1600"/>
+              </a:spcAft>
+              <a:buNone/>
             </a:pPr>
             <a:r>
               <a:rPr lang="en"/>
-              <a:t>Usability</a:t>
-            </a:r>
-            <a:r>
-              <a:rPr lang="en"/>
-              <a:t> tests with Bartenders</a:t>
-            </a:r>
-            <a:endParaRPr/>
-          </a:p>
-          <a:p>
-            <a:pPr indent="-311150" lvl="0" marL="457200" rtl="0" algn="l">
-              <a:spcBef>
-                <a:spcPts val="0"/>
-              </a:spcBef>
-              <a:spcAft>
-                <a:spcPts val="0"/>
-              </a:spcAft>
-              <a:buSzPts val="1300"/>
-              <a:buChar char="●"/>
-            </a:pPr>
-            <a:r>
-              <a:rPr lang="en"/>
-              <a:t>Iterations based on feedback</a:t>
-            </a:r>
-            <a:endParaRPr/>
-          </a:p>
-          <a:p>
-            <a:pPr indent="-311150" lvl="0" marL="457200" rtl="0" algn="l">
-              <a:spcBef>
-                <a:spcPts val="0"/>
-              </a:spcBef>
-              <a:spcAft>
-                <a:spcPts val="0"/>
-              </a:spcAft>
-              <a:buSzPts val="1300"/>
-              <a:buChar char="●"/>
-            </a:pPr>
-            <a:r>
-              <a:rPr lang="en"/>
-              <a:t>Research more design inspirations to create a more pleasing UI</a:t>
+              <a:t>- Labeled the site intuitive with minimal frustrations</a:t>
             </a:r>
             <a:endParaRPr/>
           </a:p>
@@ -10648,7 +11689,1348 @@
       </p:sp>
       <p:sp>
         <p:nvSpPr>
-          <p:cNvPr id="204" name="Google Shape;204;p24"/>
+          <p:cNvPr id="227" name="Google Shape;227;p25"/>
+          <p:cNvSpPr txBox="1"/>
+          <p:nvPr>
+            <p:ph idx="1" type="body"/>
+          </p:nvPr>
+        </p:nvSpPr>
+        <p:spPr>
+          <a:xfrm>
+            <a:off x="3270825" y="2306250"/>
+            <a:ext cx="2499900" cy="2448000"/>
+          </a:xfrm>
+          <a:prstGeom prst="rect">
+            <a:avLst/>
+          </a:prstGeom>
+        </p:spPr>
+        <p:txBody>
+          <a:bodyPr anchorCtr="0" anchor="t" bIns="91425" lIns="91425" spcFirstLastPara="1" rIns="91425" wrap="square" tIns="91425">
+            <a:noAutofit/>
+          </a:bodyPr>
+          <a:lstStyle/>
+          <a:p>
+            <a:pPr indent="0" lvl="0" marL="0" rtl="0" algn="l">
+              <a:spcBef>
+                <a:spcPts val="0"/>
+              </a:spcBef>
+              <a:spcAft>
+                <a:spcPts val="0"/>
+              </a:spcAft>
+              <a:buNone/>
+            </a:pPr>
+            <a:r>
+              <a:rPr b="1" lang="en"/>
+              <a:t>Bad</a:t>
+            </a:r>
+            <a:endParaRPr b="1"/>
+          </a:p>
+          <a:p>
+            <a:pPr indent="-311150" lvl="0" marL="457200" rtl="0" algn="l">
+              <a:spcBef>
+                <a:spcPts val="1600"/>
+              </a:spcBef>
+              <a:spcAft>
+                <a:spcPts val="0"/>
+              </a:spcAft>
+              <a:buSzPts val="1300"/>
+              <a:buChar char="-"/>
+            </a:pPr>
+            <a:r>
+              <a:rPr lang="en"/>
+              <a:t>Leaderboard was initially confusing</a:t>
+            </a:r>
+            <a:endParaRPr/>
+          </a:p>
+          <a:p>
+            <a:pPr indent="0" lvl="0" marL="457200" rtl="0" algn="l">
+              <a:spcBef>
+                <a:spcPts val="1600"/>
+              </a:spcBef>
+              <a:spcAft>
+                <a:spcPts val="0"/>
+              </a:spcAft>
+              <a:buNone/>
+            </a:pPr>
+            <a:r>
+              <a:t/>
+            </a:r>
+            <a:endParaRPr sz="100"/>
+          </a:p>
+          <a:p>
+            <a:pPr indent="-311150" lvl="0" marL="457200" rtl="0" algn="l">
+              <a:spcBef>
+                <a:spcPts val="1600"/>
+              </a:spcBef>
+              <a:spcAft>
+                <a:spcPts val="0"/>
+              </a:spcAft>
+              <a:buSzPts val="1300"/>
+              <a:buChar char="-"/>
+            </a:pPr>
+            <a:r>
+              <a:rPr lang="en"/>
+              <a:t>Breadcrumbs that lead you back to the main page were </a:t>
+            </a:r>
+            <a:endParaRPr/>
+          </a:p>
+        </p:txBody>
+      </p:sp>
+      <p:sp>
+        <p:nvSpPr>
+          <p:cNvPr id="228" name="Google Shape;228;p25"/>
+          <p:cNvSpPr txBox="1"/>
+          <p:nvPr>
+            <p:ph idx="1" type="body"/>
+          </p:nvPr>
+        </p:nvSpPr>
+        <p:spPr>
+          <a:xfrm>
+            <a:off x="6310750" y="2258000"/>
+            <a:ext cx="2200800" cy="2448000"/>
+          </a:xfrm>
+          <a:prstGeom prst="rect">
+            <a:avLst/>
+          </a:prstGeom>
+        </p:spPr>
+        <p:txBody>
+          <a:bodyPr anchorCtr="0" anchor="t" bIns="91425" lIns="91425" spcFirstLastPara="1" rIns="91425" wrap="square" tIns="91425">
+            <a:noAutofit/>
+          </a:bodyPr>
+          <a:lstStyle/>
+          <a:p>
+            <a:pPr indent="0" lvl="0" marL="0" rtl="0" algn="l">
+              <a:spcBef>
+                <a:spcPts val="0"/>
+              </a:spcBef>
+              <a:spcAft>
+                <a:spcPts val="0"/>
+              </a:spcAft>
+              <a:buNone/>
+            </a:pPr>
+            <a:r>
+              <a:rPr b="1" lang="en"/>
+              <a:t>Ugly</a:t>
+            </a:r>
+            <a:endParaRPr b="1"/>
+          </a:p>
+          <a:p>
+            <a:pPr indent="-311150" lvl="0" marL="457200" rtl="0" algn="l">
+              <a:spcBef>
+                <a:spcPts val="1600"/>
+              </a:spcBef>
+              <a:spcAft>
+                <a:spcPts val="0"/>
+              </a:spcAft>
+              <a:buSzPts val="1300"/>
+              <a:buChar char="-"/>
+            </a:pPr>
+            <a:r>
+              <a:rPr lang="en"/>
+              <a:t>Olympic color scheme was not received well</a:t>
+            </a:r>
+            <a:endParaRPr/>
+          </a:p>
+          <a:p>
+            <a:pPr indent="0" lvl="0" marL="0" rtl="0" algn="l">
+              <a:spcBef>
+                <a:spcPts val="1600"/>
+              </a:spcBef>
+              <a:spcAft>
+                <a:spcPts val="1600"/>
+              </a:spcAft>
+              <a:buNone/>
+            </a:pPr>
+            <a:r>
+              <a:t/>
+            </a:r>
+            <a:endParaRPr/>
+          </a:p>
+        </p:txBody>
+      </p:sp>
+      <p:sp>
+        <p:nvSpPr>
+          <p:cNvPr id="229" name="Google Shape;229;p25"/>
+          <p:cNvSpPr/>
+          <p:nvPr/>
+        </p:nvSpPr>
+        <p:spPr>
+          <a:xfrm>
+            <a:off x="5770750" y="193000"/>
+            <a:ext cx="2740800" cy="1949400"/>
+          </a:xfrm>
+          <a:prstGeom prst="rect">
+            <a:avLst/>
+          </a:prstGeom>
+          <a:solidFill>
+            <a:srgbClr val="FFFFFF"/>
+          </a:solidFill>
+          <a:ln cap="flat" cmpd="sng" w="9525">
+            <a:solidFill>
+              <a:schemeClr val="dk2"/>
+            </a:solidFill>
+            <a:prstDash val="solid"/>
+            <a:round/>
+            <a:headEnd len="sm" w="sm" type="none"/>
+            <a:tailEnd len="sm" w="sm" type="none"/>
+          </a:ln>
+          <a:effectLst>
+            <a:outerShdw blurRad="57150" rotWithShape="0" algn="bl" dir="5400000" dist="19050">
+              <a:srgbClr val="000000">
+                <a:alpha val="50000"/>
+              </a:srgbClr>
+            </a:outerShdw>
+          </a:effectLst>
+        </p:spPr>
+        <p:txBody>
+          <a:bodyPr anchorCtr="0" anchor="ctr" bIns="91425" lIns="91425" spcFirstLastPara="1" rIns="91425" wrap="square" tIns="91425">
+            <a:noAutofit/>
+          </a:bodyPr>
+          <a:lstStyle/>
+          <a:p>
+            <a:pPr indent="0" lvl="0" marL="0" rtl="0" algn="l">
+              <a:spcBef>
+                <a:spcPts val="0"/>
+              </a:spcBef>
+              <a:spcAft>
+                <a:spcPts val="0"/>
+              </a:spcAft>
+              <a:buNone/>
+            </a:pPr>
+            <a:r>
+              <a:t/>
+            </a:r>
+            <a:endParaRPr/>
+          </a:p>
+        </p:txBody>
+      </p:sp>
+      <p:sp>
+        <p:nvSpPr>
+          <p:cNvPr id="230" name="Google Shape;230;p25"/>
+          <p:cNvSpPr txBox="1"/>
+          <p:nvPr/>
+        </p:nvSpPr>
+        <p:spPr>
+          <a:xfrm>
+            <a:off x="5457250" y="319300"/>
+            <a:ext cx="3252000" cy="1687800"/>
+          </a:xfrm>
+          <a:prstGeom prst="rect">
+            <a:avLst/>
+          </a:prstGeom>
+          <a:noFill/>
+          <a:ln>
+            <a:noFill/>
+          </a:ln>
+        </p:spPr>
+        <p:txBody>
+          <a:bodyPr anchorCtr="0" anchor="t" bIns="91425" lIns="91425" spcFirstLastPara="1" rIns="91425" wrap="square" tIns="91425">
+            <a:noAutofit/>
+          </a:bodyPr>
+          <a:lstStyle/>
+          <a:p>
+            <a:pPr indent="-276225" lvl="0" marL="723900" rtl="0" algn="l">
+              <a:lnSpc>
+                <a:spcPct val="115000"/>
+              </a:lnSpc>
+              <a:spcBef>
+                <a:spcPts val="0"/>
+              </a:spcBef>
+              <a:spcAft>
+                <a:spcPts val="0"/>
+              </a:spcAft>
+              <a:buClr>
+                <a:srgbClr val="1D1C1D"/>
+              </a:buClr>
+              <a:buSzPts val="750"/>
+              <a:buAutoNum type="arabicPeriod"/>
+            </a:pPr>
+            <a:r>
+              <a:rPr lang="en" sz="750">
+                <a:solidFill>
+                  <a:srgbClr val="1D1C1D"/>
+                </a:solidFill>
+                <a:highlight>
+                  <a:srgbClr val="F8F8F8"/>
+                </a:highlight>
+              </a:rPr>
+              <a:t>Open Prototype</a:t>
+            </a:r>
+            <a:endParaRPr sz="750">
+              <a:solidFill>
+                <a:srgbClr val="1D1C1D"/>
+              </a:solidFill>
+              <a:highlight>
+                <a:srgbClr val="F8F8F8"/>
+              </a:highlight>
+            </a:endParaRPr>
+          </a:p>
+          <a:p>
+            <a:pPr indent="-276225" lvl="0" marL="723900" rtl="0" algn="l">
+              <a:lnSpc>
+                <a:spcPct val="115000"/>
+              </a:lnSpc>
+              <a:spcBef>
+                <a:spcPts val="0"/>
+              </a:spcBef>
+              <a:spcAft>
+                <a:spcPts val="0"/>
+              </a:spcAft>
+              <a:buClr>
+                <a:srgbClr val="1D1C1D"/>
+              </a:buClr>
+              <a:buSzPts val="750"/>
+              <a:buAutoNum type="arabicPeriod"/>
+            </a:pPr>
+            <a:r>
+              <a:rPr lang="en" sz="750">
+                <a:solidFill>
+                  <a:srgbClr val="1D1C1D"/>
+                </a:solidFill>
+                <a:highlight>
+                  <a:srgbClr val="F8F8F8"/>
+                </a:highlight>
+              </a:rPr>
+              <a:t>Learn what Challenge.ME is</a:t>
+            </a:r>
+            <a:endParaRPr sz="750">
+              <a:solidFill>
+                <a:srgbClr val="1D1C1D"/>
+              </a:solidFill>
+              <a:highlight>
+                <a:srgbClr val="F8F8F8"/>
+              </a:highlight>
+            </a:endParaRPr>
+          </a:p>
+          <a:p>
+            <a:pPr indent="-276225" lvl="0" marL="723900" rtl="0" algn="l">
+              <a:lnSpc>
+                <a:spcPct val="115000"/>
+              </a:lnSpc>
+              <a:spcBef>
+                <a:spcPts val="0"/>
+              </a:spcBef>
+              <a:spcAft>
+                <a:spcPts val="0"/>
+              </a:spcAft>
+              <a:buClr>
+                <a:srgbClr val="1D1C1D"/>
+              </a:buClr>
+              <a:buSzPts val="750"/>
+              <a:buAutoNum type="arabicPeriod"/>
+            </a:pPr>
+            <a:r>
+              <a:rPr lang="en" sz="750">
+                <a:solidFill>
+                  <a:srgbClr val="1D1C1D"/>
+                </a:solidFill>
+                <a:highlight>
+                  <a:srgbClr val="F8F8F8"/>
+                </a:highlight>
+              </a:rPr>
+              <a:t>Sign up for an account</a:t>
+            </a:r>
+            <a:endParaRPr sz="750">
+              <a:solidFill>
+                <a:srgbClr val="1D1C1D"/>
+              </a:solidFill>
+              <a:highlight>
+                <a:srgbClr val="F8F8F8"/>
+              </a:highlight>
+            </a:endParaRPr>
+          </a:p>
+          <a:p>
+            <a:pPr indent="-276225" lvl="0" marL="723900" rtl="0" algn="l">
+              <a:lnSpc>
+                <a:spcPct val="115000"/>
+              </a:lnSpc>
+              <a:spcBef>
+                <a:spcPts val="0"/>
+              </a:spcBef>
+              <a:spcAft>
+                <a:spcPts val="0"/>
+              </a:spcAft>
+              <a:buClr>
+                <a:srgbClr val="1D1C1D"/>
+              </a:buClr>
+              <a:buSzPts val="750"/>
+              <a:buAutoNum type="arabicPeriod"/>
+            </a:pPr>
+            <a:r>
+              <a:rPr lang="en" sz="750">
+                <a:solidFill>
+                  <a:srgbClr val="1D1C1D"/>
+                </a:solidFill>
+                <a:highlight>
+                  <a:srgbClr val="F8F8F8"/>
+                </a:highlight>
+              </a:rPr>
+              <a:t>Create a challenge</a:t>
+            </a:r>
+            <a:endParaRPr sz="750">
+              <a:solidFill>
+                <a:srgbClr val="1D1C1D"/>
+              </a:solidFill>
+              <a:highlight>
+                <a:srgbClr val="F8F8F8"/>
+              </a:highlight>
+            </a:endParaRPr>
+          </a:p>
+          <a:p>
+            <a:pPr indent="-276225" lvl="0" marL="723900" rtl="0" algn="l">
+              <a:lnSpc>
+                <a:spcPct val="115000"/>
+              </a:lnSpc>
+              <a:spcBef>
+                <a:spcPts val="0"/>
+              </a:spcBef>
+              <a:spcAft>
+                <a:spcPts val="0"/>
+              </a:spcAft>
+              <a:buClr>
+                <a:srgbClr val="1D1C1D"/>
+              </a:buClr>
+              <a:buSzPts val="750"/>
+              <a:buAutoNum type="arabicPeriod"/>
+            </a:pPr>
+            <a:r>
+              <a:rPr lang="en" sz="750">
+                <a:solidFill>
+                  <a:srgbClr val="1D1C1D"/>
+                </a:solidFill>
+                <a:highlight>
+                  <a:srgbClr val="F8F8F8"/>
+                </a:highlight>
+              </a:rPr>
+              <a:t>Once challenge is created submit your entry</a:t>
+            </a:r>
+            <a:endParaRPr sz="750">
+              <a:solidFill>
+                <a:srgbClr val="1D1C1D"/>
+              </a:solidFill>
+              <a:highlight>
+                <a:srgbClr val="F8F8F8"/>
+              </a:highlight>
+            </a:endParaRPr>
+          </a:p>
+          <a:p>
+            <a:pPr indent="-276225" lvl="0" marL="723900" rtl="0" algn="l">
+              <a:lnSpc>
+                <a:spcPct val="115000"/>
+              </a:lnSpc>
+              <a:spcBef>
+                <a:spcPts val="0"/>
+              </a:spcBef>
+              <a:spcAft>
+                <a:spcPts val="0"/>
+              </a:spcAft>
+              <a:buClr>
+                <a:srgbClr val="1D1C1D"/>
+              </a:buClr>
+              <a:buSzPts val="750"/>
+              <a:buAutoNum type="arabicPeriod"/>
+            </a:pPr>
+            <a:r>
+              <a:rPr lang="en" sz="750">
+                <a:solidFill>
+                  <a:srgbClr val="1D1C1D"/>
+                </a:solidFill>
+                <a:highlight>
+                  <a:srgbClr val="F8F8F8"/>
+                </a:highlight>
+              </a:rPr>
+              <a:t>Add a comment in the “Join a Discussion” section</a:t>
+            </a:r>
+            <a:endParaRPr sz="750">
+              <a:solidFill>
+                <a:srgbClr val="1D1C1D"/>
+              </a:solidFill>
+              <a:highlight>
+                <a:srgbClr val="F8F8F8"/>
+              </a:highlight>
+            </a:endParaRPr>
+          </a:p>
+          <a:p>
+            <a:pPr indent="-276225" lvl="0" marL="723900" rtl="0" algn="l">
+              <a:lnSpc>
+                <a:spcPct val="115000"/>
+              </a:lnSpc>
+              <a:spcBef>
+                <a:spcPts val="0"/>
+              </a:spcBef>
+              <a:spcAft>
+                <a:spcPts val="0"/>
+              </a:spcAft>
+              <a:buClr>
+                <a:srgbClr val="1D1C1D"/>
+              </a:buClr>
+              <a:buSzPts val="750"/>
+              <a:buAutoNum type="arabicPeriod"/>
+            </a:pPr>
+            <a:r>
+              <a:rPr lang="en" sz="750">
+                <a:solidFill>
+                  <a:srgbClr val="1D1C1D"/>
+                </a:solidFill>
+                <a:highlight>
+                  <a:srgbClr val="F8F8F8"/>
+                </a:highlight>
+              </a:rPr>
+              <a:t>View all Contest Entries</a:t>
+            </a:r>
+            <a:endParaRPr sz="750">
+              <a:solidFill>
+                <a:srgbClr val="1D1C1D"/>
+              </a:solidFill>
+              <a:highlight>
+                <a:srgbClr val="F8F8F8"/>
+              </a:highlight>
+            </a:endParaRPr>
+          </a:p>
+          <a:p>
+            <a:pPr indent="-276225" lvl="0" marL="723900" rtl="0" algn="l">
+              <a:lnSpc>
+                <a:spcPct val="115000"/>
+              </a:lnSpc>
+              <a:spcBef>
+                <a:spcPts val="0"/>
+              </a:spcBef>
+              <a:spcAft>
+                <a:spcPts val="0"/>
+              </a:spcAft>
+              <a:buClr>
+                <a:srgbClr val="1D1C1D"/>
+              </a:buClr>
+              <a:buSzPts val="750"/>
+              <a:buAutoNum type="arabicPeriod"/>
+            </a:pPr>
+            <a:r>
+              <a:rPr lang="en" sz="750">
+                <a:solidFill>
+                  <a:srgbClr val="1D1C1D"/>
+                </a:solidFill>
+                <a:highlight>
+                  <a:srgbClr val="F8F8F8"/>
+                </a:highlight>
+              </a:rPr>
+              <a:t>Look at the recipe for the drink “ La Piniña Maria”</a:t>
+            </a:r>
+            <a:endParaRPr sz="750">
+              <a:solidFill>
+                <a:srgbClr val="1D1C1D"/>
+              </a:solidFill>
+              <a:highlight>
+                <a:srgbClr val="F8F8F8"/>
+              </a:highlight>
+            </a:endParaRPr>
+          </a:p>
+          <a:p>
+            <a:pPr indent="-276225" lvl="0" marL="723900" rtl="0" algn="l">
+              <a:lnSpc>
+                <a:spcPct val="115000"/>
+              </a:lnSpc>
+              <a:spcBef>
+                <a:spcPts val="0"/>
+              </a:spcBef>
+              <a:spcAft>
+                <a:spcPts val="0"/>
+              </a:spcAft>
+              <a:buClr>
+                <a:srgbClr val="1D1C1D"/>
+              </a:buClr>
+              <a:buSzPts val="750"/>
+              <a:buAutoNum type="arabicPeriod"/>
+            </a:pPr>
+            <a:r>
+              <a:rPr lang="en" sz="750">
+                <a:solidFill>
+                  <a:srgbClr val="1D1C1D"/>
+                </a:solidFill>
+                <a:highlight>
+                  <a:srgbClr val="F8F8F8"/>
+                </a:highlight>
+              </a:rPr>
+              <a:t>Vote for this drink</a:t>
+            </a:r>
+            <a:endParaRPr sz="750">
+              <a:solidFill>
+                <a:srgbClr val="1D1C1D"/>
+              </a:solidFill>
+              <a:highlight>
+                <a:srgbClr val="F8F8F8"/>
+              </a:highlight>
+            </a:endParaRPr>
+          </a:p>
+          <a:p>
+            <a:pPr indent="-276225" lvl="0" marL="723900" rtl="0" algn="l">
+              <a:lnSpc>
+                <a:spcPct val="115000"/>
+              </a:lnSpc>
+              <a:spcBef>
+                <a:spcPts val="0"/>
+              </a:spcBef>
+              <a:spcAft>
+                <a:spcPts val="0"/>
+              </a:spcAft>
+              <a:buClr>
+                <a:srgbClr val="1D1C1D"/>
+              </a:buClr>
+              <a:buSzPts val="750"/>
+              <a:buAutoNum type="arabicPeriod"/>
+            </a:pPr>
+            <a:r>
+              <a:rPr lang="en" sz="750">
+                <a:solidFill>
+                  <a:srgbClr val="1D1C1D"/>
+                </a:solidFill>
+                <a:highlight>
+                  <a:srgbClr val="F8F8F8"/>
+                </a:highlight>
+              </a:rPr>
+              <a:t>Go to main contest page </a:t>
+            </a:r>
+            <a:endParaRPr sz="750">
+              <a:solidFill>
+                <a:srgbClr val="1D1C1D"/>
+              </a:solidFill>
+              <a:highlight>
+                <a:srgbClr val="F8F8F8"/>
+              </a:highlight>
+            </a:endParaRPr>
+          </a:p>
+          <a:p>
+            <a:pPr indent="-276225" lvl="0" marL="723900" rtl="0" algn="l">
+              <a:lnSpc>
+                <a:spcPct val="115000"/>
+              </a:lnSpc>
+              <a:spcBef>
+                <a:spcPts val="0"/>
+              </a:spcBef>
+              <a:spcAft>
+                <a:spcPts val="0"/>
+              </a:spcAft>
+              <a:buClr>
+                <a:srgbClr val="1D1C1D"/>
+              </a:buClr>
+              <a:buSzPts val="750"/>
+              <a:buAutoNum type="arabicPeriod"/>
+            </a:pPr>
+            <a:r>
+              <a:rPr lang="en" sz="750">
+                <a:solidFill>
+                  <a:srgbClr val="1D1C1D"/>
+                </a:solidFill>
+                <a:highlight>
+                  <a:srgbClr val="F8F8F8"/>
+                </a:highlight>
+              </a:rPr>
+              <a:t>See the winner of the contest</a:t>
+            </a:r>
+            <a:endParaRPr sz="750">
+              <a:solidFill>
+                <a:srgbClr val="1D1C1D"/>
+              </a:solidFill>
+              <a:highlight>
+                <a:srgbClr val="F8F8F8"/>
+              </a:highlight>
+            </a:endParaRPr>
+          </a:p>
+          <a:p>
+            <a:pPr indent="0" lvl="0" marL="0" rtl="0" algn="l">
+              <a:spcBef>
+                <a:spcPts val="0"/>
+              </a:spcBef>
+              <a:spcAft>
+                <a:spcPts val="0"/>
+              </a:spcAft>
+              <a:buNone/>
+            </a:pPr>
+            <a:r>
+              <a:t/>
+            </a:r>
+            <a:endParaRPr sz="1000">
+              <a:latin typeface="Calibri"/>
+              <a:ea typeface="Calibri"/>
+              <a:cs typeface="Calibri"/>
+              <a:sym typeface="Calibri"/>
+            </a:endParaRPr>
+          </a:p>
+        </p:txBody>
+      </p:sp>
+    </p:spTree>
+  </p:cSld>
+  <p:clrMapOvr>
+    <a:masterClrMapping/>
+  </p:clrMapOvr>
+</p:sld>
+</file>
+
+<file path=ppt/slides/slide14.xml><?xml version="1.0" encoding="utf-8"?>
+<p:sld xmlns:a="http://schemas.openxmlformats.org/drawingml/2006/main" xmlns:r="http://schemas.openxmlformats.org/officeDocument/2006/relationships" xmlns:mc="http://schemas.openxmlformats.org/markup-compatibility/2006" xmlns:mv="urn:schemas-microsoft-com:mac:vml" xmlns:p="http://schemas.openxmlformats.org/presentationml/2006/main" xmlns:c="http://schemas.openxmlformats.org/drawingml/2006/chart" xmlns:dgm="http://schemas.openxmlformats.org/drawingml/2006/diagram" xmlns:o="urn:schemas-microsoft-com:office:office" xmlns:v="urn:schemas-microsoft-com:vml" xmlns:pvml="urn:schemas-microsoft-com:office:powerpoint" xmlns:com="http://schemas.openxmlformats.org/drawingml/2006/compatibility" xmlns:p14="http://schemas.microsoft.com/office/powerpoint/2010/main" xmlns:p15="http://schemas.microsoft.com/office/powerpoint/2012/main" xmlns:ahyp="http://schemas.microsoft.com/office/drawing/2018/hyperlinkcolor">
+  <p:cSld>
+    <p:spTree>
+      <p:nvGrpSpPr>
+        <p:cNvPr id="234" name="Shape 234"/>
+        <p:cNvGrpSpPr/>
+        <p:nvPr/>
+      </p:nvGrpSpPr>
+      <p:grpSpPr>
+        <a:xfrm>
+          <a:off x="0" y="0"/>
+          <a:ext cx="0" cy="0"/>
+          <a:chOff x="0" y="0"/>
+          <a:chExt cx="0" cy="0"/>
+        </a:xfrm>
+      </p:grpSpPr>
+      <p:sp>
+        <p:nvSpPr>
+          <p:cNvPr id="235" name="Google Shape;235;p26"/>
+          <p:cNvSpPr txBox="1"/>
+          <p:nvPr>
+            <p:ph type="title"/>
+          </p:nvPr>
+        </p:nvSpPr>
+        <p:spPr>
+          <a:xfrm>
+            <a:off x="819150" y="845600"/>
+            <a:ext cx="3254100" cy="954600"/>
+          </a:xfrm>
+          <a:prstGeom prst="rect">
+            <a:avLst/>
+          </a:prstGeom>
+        </p:spPr>
+        <p:txBody>
+          <a:bodyPr anchorCtr="0" anchor="t" bIns="91425" lIns="91425" spcFirstLastPara="1" rIns="91425" wrap="square" tIns="91425">
+            <a:noAutofit/>
+          </a:bodyPr>
+          <a:lstStyle/>
+          <a:p>
+            <a:pPr indent="0" lvl="0" marL="0" rtl="0" algn="l">
+              <a:spcBef>
+                <a:spcPts val="0"/>
+              </a:spcBef>
+              <a:spcAft>
+                <a:spcPts val="0"/>
+              </a:spcAft>
+              <a:buNone/>
+            </a:pPr>
+            <a:r>
+              <a:rPr lang="en"/>
+              <a:t>UX Demo</a:t>
+            </a:r>
+            <a:endParaRPr/>
+          </a:p>
+          <a:p>
+            <a:pPr indent="0" lvl="0" marL="0" rtl="0" algn="l">
+              <a:spcBef>
+                <a:spcPts val="0"/>
+              </a:spcBef>
+              <a:spcAft>
+                <a:spcPts val="0"/>
+              </a:spcAft>
+              <a:buNone/>
+            </a:pPr>
+            <a:r>
+              <a:t/>
+            </a:r>
+            <a:endParaRPr/>
+          </a:p>
+        </p:txBody>
+      </p:sp>
+      <p:sp>
+        <p:nvSpPr>
+          <p:cNvPr id="236" name="Google Shape;236;p26"/>
+          <p:cNvSpPr txBox="1"/>
+          <p:nvPr>
+            <p:ph idx="1" type="body"/>
+          </p:nvPr>
+        </p:nvSpPr>
+        <p:spPr>
+          <a:xfrm>
+            <a:off x="819150" y="1435750"/>
+            <a:ext cx="2015100" cy="2448000"/>
+          </a:xfrm>
+          <a:prstGeom prst="rect">
+            <a:avLst/>
+          </a:prstGeom>
+        </p:spPr>
+        <p:txBody>
+          <a:bodyPr anchorCtr="0" anchor="t" bIns="91425" lIns="91425" spcFirstLastPara="1" rIns="91425" wrap="square" tIns="91425">
+            <a:noAutofit/>
+          </a:bodyPr>
+          <a:lstStyle/>
+          <a:p>
+            <a:pPr indent="0" lvl="0" marL="0" rtl="0" algn="l">
+              <a:spcBef>
+                <a:spcPts val="0"/>
+              </a:spcBef>
+              <a:spcAft>
+                <a:spcPts val="0"/>
+              </a:spcAft>
+              <a:buNone/>
+            </a:pPr>
+            <a:r>
+              <a:rPr lang="en" u="sng">
+                <a:solidFill>
+                  <a:schemeClr val="hlink"/>
+                </a:solidFill>
+                <a:hlinkClick r:id="rId3"/>
+              </a:rPr>
+              <a:t>https://www.figma.com/proto/XiisazSWg3pD4KoFVjdkLC/Untitled?node-id=362%3A1359&amp;scaling=min-zoom</a:t>
+            </a:r>
+            <a:endParaRPr/>
+          </a:p>
+          <a:p>
+            <a:pPr indent="0" lvl="0" marL="0" rtl="0" algn="l">
+              <a:spcBef>
+                <a:spcPts val="1600"/>
+              </a:spcBef>
+              <a:spcAft>
+                <a:spcPts val="1600"/>
+              </a:spcAft>
+              <a:buNone/>
+            </a:pPr>
+            <a:r>
+              <a:t/>
+            </a:r>
+            <a:endParaRPr/>
+          </a:p>
+        </p:txBody>
+      </p:sp>
+      <p:pic>
+        <p:nvPicPr>
+          <p:cNvPr id="237" name="Google Shape;237;p26" title="zoom_0.mp4">
+            <a:hlinkClick r:id="rId4"/>
+          </p:cNvPr>
+          <p:cNvPicPr preferRelativeResize="0"/>
+          <p:nvPr/>
+        </p:nvPicPr>
+        <p:blipFill>
+          <a:blip r:embed="rId5">
+            <a:alphaModFix/>
+          </a:blip>
+          <a:stretch>
+            <a:fillRect/>
+          </a:stretch>
+        </p:blipFill>
+        <p:spPr>
+          <a:xfrm>
+            <a:off x="3379250" y="711625"/>
+            <a:ext cx="4572000" cy="3429000"/>
+          </a:xfrm>
+          <a:prstGeom prst="rect">
+            <a:avLst/>
+          </a:prstGeom>
+          <a:noFill/>
+          <a:ln>
+            <a:noFill/>
+          </a:ln>
+        </p:spPr>
+      </p:pic>
+    </p:spTree>
+  </p:cSld>
+  <p:clrMapOvr>
+    <a:masterClrMapping/>
+  </p:clrMapOvr>
+  <p:timing>
+    <p:tnLst>
+      <p:par>
+        <p:cTn dur="indefinite" nodeType="tmRoot" restart="never">
+          <p:childTnLst>
+            <p:seq concurrent="1" nextAc="seek">
+              <p:cTn dur="indefinite" id="2" nodeType="mainSeq">
+                <p:childTnLst>
+                  <p:par>
+                    <p:cTn fill="hold">
+                      <p:stCondLst>
+                        <p:cond delay="indefinite"/>
+                        <p:cond evt="onBegin" delay="0">
+                          <p:tn val="2"/>
+                        </p:cond>
+                      </p:stCondLst>
+                      <p:childTnLst>
+                        <p:par>
+                          <p:cTn fill="hold">
+                            <p:stCondLst>
+                              <p:cond delay="0"/>
+                            </p:stCondLst>
+                            <p:childTnLst>
+                              <p:par>
+                                <p:cTn fill="hold" nodeType="withEffect" presetClass="entr" presetID="10" presetSubtype="0">
+                                  <p:stCondLst>
+                                    <p:cond delay="0"/>
+                                  </p:stCondLst>
+                                  <p:childTnLst>
+                                    <p:set>
+                                      <p:cBhvr>
+                                        <p:cTn dur="1" fill="hold">
+                                          <p:stCondLst>
+                                            <p:cond delay="0"/>
+                                          </p:stCondLst>
+                                        </p:cTn>
+                                        <p:tgtEl>
+                                          <p:spTgt spid="237"/>
+                                        </p:tgtEl>
+                                        <p:attrNameLst>
+                                          <p:attrName>style.visibility</p:attrName>
+                                        </p:attrNameLst>
+                                      </p:cBhvr>
+                                      <p:to>
+                                        <p:strVal val="visible"/>
+                                      </p:to>
+                                    </p:set>
+                                    <p:animEffect filter="fade" transition="in">
+                                      <p:cBhvr>
+                                        <p:cTn dur="1000"/>
+                                        <p:tgtEl>
+                                          <p:spTgt spid="237"/>
+                                        </p:tgtEl>
+                                      </p:cBhvr>
+                                    </p:animEffect>
+                                  </p:childTnLst>
+                                </p:cTn>
+                              </p:par>
+                            </p:childTnLst>
+                          </p:cTn>
+                        </p:par>
+                      </p:childTnLst>
+                    </p:cTn>
+                  </p:par>
+                </p:childTnLst>
+              </p:cTn>
+              <p:prevCondLst>
+                <p:cond evt="onPrev">
+                  <p:tgtEl>
+                    <p:sldTgt/>
+                  </p:tgtEl>
+                </p:cond>
+              </p:prevCondLst>
+              <p:nextCondLst>
+                <p:cond evt="onNext">
+                  <p:tgtEl>
+                    <p:sldTgt/>
+                  </p:tgtEl>
+                </p:cond>
+              </p:nextCondLst>
+            </p:seq>
+          </p:childTnLst>
+        </p:cTn>
+      </p:par>
+    </p:tnLst>
+  </p:timing>
+</p:sld>
+</file>
+
+<file path=ppt/slides/slide15.xml><?xml version="1.0" encoding="utf-8"?>
+<p:sld xmlns:a="http://schemas.openxmlformats.org/drawingml/2006/main" xmlns:r="http://schemas.openxmlformats.org/officeDocument/2006/relationships" xmlns:mc="http://schemas.openxmlformats.org/markup-compatibility/2006" xmlns:mv="urn:schemas-microsoft-com:mac:vml" xmlns:p="http://schemas.openxmlformats.org/presentationml/2006/main" xmlns:c="http://schemas.openxmlformats.org/drawingml/2006/chart" xmlns:dgm="http://schemas.openxmlformats.org/drawingml/2006/diagram" xmlns:o="urn:schemas-microsoft-com:office:office" xmlns:v="urn:schemas-microsoft-com:vml" xmlns:pvml="urn:schemas-microsoft-com:office:powerpoint" xmlns:com="http://schemas.openxmlformats.org/drawingml/2006/compatibility" xmlns:p14="http://schemas.microsoft.com/office/powerpoint/2010/main" xmlns:p15="http://schemas.microsoft.com/office/powerpoint/2012/main" xmlns:ahyp="http://schemas.microsoft.com/office/drawing/2018/hyperlinkcolor">
+  <p:cSld>
+    <p:spTree>
+      <p:nvGrpSpPr>
+        <p:cNvPr id="241" name="Shape 241"/>
+        <p:cNvGrpSpPr/>
+        <p:nvPr/>
+      </p:nvGrpSpPr>
+      <p:grpSpPr>
+        <a:xfrm>
+          <a:off x="0" y="0"/>
+          <a:ext cx="0" cy="0"/>
+          <a:chOff x="0" y="0"/>
+          <a:chExt cx="0" cy="0"/>
+        </a:xfrm>
+      </p:grpSpPr>
+      <p:sp>
+        <p:nvSpPr>
+          <p:cNvPr id="242" name="Google Shape;242;p27"/>
+          <p:cNvSpPr txBox="1"/>
+          <p:nvPr>
+            <p:ph type="title"/>
+          </p:nvPr>
+        </p:nvSpPr>
+        <p:spPr>
+          <a:xfrm>
+            <a:off x="819150" y="845600"/>
+            <a:ext cx="7505700" cy="954600"/>
+          </a:xfrm>
+          <a:prstGeom prst="rect">
+            <a:avLst/>
+          </a:prstGeom>
+        </p:spPr>
+        <p:txBody>
+          <a:bodyPr anchorCtr="0" anchor="t" bIns="91425" lIns="91425" spcFirstLastPara="1" rIns="91425" wrap="square" tIns="91425">
+            <a:noAutofit/>
+          </a:bodyPr>
+          <a:lstStyle/>
+          <a:p>
+            <a:pPr indent="0" lvl="0" marL="0" rtl="0" algn="l">
+              <a:spcBef>
+                <a:spcPts val="0"/>
+              </a:spcBef>
+              <a:spcAft>
+                <a:spcPts val="0"/>
+              </a:spcAft>
+              <a:buNone/>
+            </a:pPr>
+            <a:r>
+              <a:rPr lang="en"/>
+              <a:t>Software Demo</a:t>
+            </a:r>
+            <a:endParaRPr/>
+          </a:p>
+        </p:txBody>
+      </p:sp>
+      <p:sp>
+        <p:nvSpPr>
+          <p:cNvPr id="243" name="Google Shape;243;p27"/>
+          <p:cNvSpPr txBox="1"/>
+          <p:nvPr>
+            <p:ph idx="1" type="body"/>
+          </p:nvPr>
+        </p:nvSpPr>
+        <p:spPr>
+          <a:xfrm>
+            <a:off x="819150" y="1990725"/>
+            <a:ext cx="7505700" cy="2448000"/>
+          </a:xfrm>
+          <a:prstGeom prst="rect">
+            <a:avLst/>
+          </a:prstGeom>
+        </p:spPr>
+        <p:txBody>
+          <a:bodyPr anchorCtr="0" anchor="t" bIns="91425" lIns="91425" spcFirstLastPara="1" rIns="91425" wrap="square" tIns="91425">
+            <a:noAutofit/>
+          </a:bodyPr>
+          <a:lstStyle/>
+          <a:p>
+            <a:pPr indent="0" lvl="0" marL="0" rtl="0" algn="l">
+              <a:spcBef>
+                <a:spcPts val="0"/>
+              </a:spcBef>
+              <a:spcAft>
+                <a:spcPts val="1600"/>
+              </a:spcAft>
+              <a:buNone/>
+            </a:pPr>
+            <a:r>
+              <a:rPr b="1" lang="en" u="sng">
+                <a:solidFill>
+                  <a:schemeClr val="hlink"/>
+                </a:solidFill>
+                <a:hlinkClick r:id="rId3"/>
+              </a:rPr>
+              <a:t>https://5fece52cff27ad1322bc46cd--challenge-me.netlify.app/</a:t>
+            </a:r>
+            <a:endParaRPr b="1" u="sng"/>
+          </a:p>
+        </p:txBody>
+      </p:sp>
+    </p:spTree>
+  </p:cSld>
+  <p:clrMapOvr>
+    <a:masterClrMapping/>
+  </p:clrMapOvr>
+</p:sld>
+</file>
+
+<file path=ppt/slides/slide16.xml><?xml version="1.0" encoding="utf-8"?>
+<p:sld xmlns:a="http://schemas.openxmlformats.org/drawingml/2006/main" xmlns:r="http://schemas.openxmlformats.org/officeDocument/2006/relationships" xmlns:mc="http://schemas.openxmlformats.org/markup-compatibility/2006" xmlns:mv="urn:schemas-microsoft-com:mac:vml" xmlns:p="http://schemas.openxmlformats.org/presentationml/2006/main" xmlns:c="http://schemas.openxmlformats.org/drawingml/2006/chart" xmlns:dgm="http://schemas.openxmlformats.org/drawingml/2006/diagram" xmlns:o="urn:schemas-microsoft-com:office:office" xmlns:v="urn:schemas-microsoft-com:vml" xmlns:pvml="urn:schemas-microsoft-com:office:powerpoint" xmlns:com="http://schemas.openxmlformats.org/drawingml/2006/compatibility" xmlns:p14="http://schemas.microsoft.com/office/powerpoint/2010/main" xmlns:p15="http://schemas.microsoft.com/office/powerpoint/2012/main" xmlns:ahyp="http://schemas.microsoft.com/office/drawing/2018/hyperlinkcolor">
+  <p:cSld>
+    <p:spTree>
+      <p:nvGrpSpPr>
+        <p:cNvPr id="247" name="Shape 247"/>
+        <p:cNvGrpSpPr/>
+        <p:nvPr/>
+      </p:nvGrpSpPr>
+      <p:grpSpPr>
+        <a:xfrm>
+          <a:off x="0" y="0"/>
+          <a:ext cx="0" cy="0"/>
+          <a:chOff x="0" y="0"/>
+          <a:chExt cx="0" cy="0"/>
+        </a:xfrm>
+      </p:grpSpPr>
+      <p:sp>
+        <p:nvSpPr>
+          <p:cNvPr id="248" name="Google Shape;248;p28"/>
+          <p:cNvSpPr txBox="1"/>
+          <p:nvPr>
+            <p:ph type="title"/>
+          </p:nvPr>
+        </p:nvSpPr>
+        <p:spPr>
+          <a:xfrm>
+            <a:off x="819150" y="845600"/>
+            <a:ext cx="7505700" cy="954600"/>
+          </a:xfrm>
+          <a:prstGeom prst="rect">
+            <a:avLst/>
+          </a:prstGeom>
+        </p:spPr>
+        <p:txBody>
+          <a:bodyPr anchorCtr="0" anchor="t" bIns="91425" lIns="91425" spcFirstLastPara="1" rIns="91425" wrap="square" tIns="91425">
+            <a:noAutofit/>
+          </a:bodyPr>
+          <a:lstStyle/>
+          <a:p>
+            <a:pPr indent="0" lvl="0" marL="0" rtl="0" algn="l">
+              <a:spcBef>
+                <a:spcPts val="0"/>
+              </a:spcBef>
+              <a:spcAft>
+                <a:spcPts val="0"/>
+              </a:spcAft>
+              <a:buNone/>
+            </a:pPr>
+            <a:r>
+              <a:rPr lang="en"/>
+              <a:t>Summation</a:t>
+            </a:r>
+            <a:endParaRPr/>
+          </a:p>
+        </p:txBody>
+      </p:sp>
+      <p:sp>
+        <p:nvSpPr>
+          <p:cNvPr id="249" name="Google Shape;249;p28"/>
+          <p:cNvSpPr txBox="1"/>
+          <p:nvPr>
+            <p:ph idx="1" type="body"/>
+          </p:nvPr>
+        </p:nvSpPr>
+        <p:spPr>
+          <a:xfrm>
+            <a:off x="819150" y="1990725"/>
+            <a:ext cx="7505700" cy="2448000"/>
+          </a:xfrm>
+          <a:prstGeom prst="rect">
+            <a:avLst/>
+          </a:prstGeom>
+        </p:spPr>
+        <p:txBody>
+          <a:bodyPr anchorCtr="0" anchor="t" bIns="91425" lIns="91425" spcFirstLastPara="1" rIns="91425" wrap="square" tIns="91425">
+            <a:noAutofit/>
+          </a:bodyPr>
+          <a:lstStyle/>
+          <a:p>
+            <a:pPr indent="0" lvl="0" marL="0" rtl="0" algn="l">
+              <a:spcBef>
+                <a:spcPts val="0"/>
+              </a:spcBef>
+              <a:spcAft>
+                <a:spcPts val="0"/>
+              </a:spcAft>
+              <a:buNone/>
+            </a:pPr>
+            <a:r>
+              <a:rPr lang="en"/>
+              <a:t>Problem:  Bartenders becoming unemployed and going into isolation</a:t>
+            </a:r>
+            <a:endParaRPr/>
+          </a:p>
+          <a:p>
+            <a:pPr indent="0" lvl="0" marL="0" rtl="0" algn="l">
+              <a:spcBef>
+                <a:spcPts val="1600"/>
+              </a:spcBef>
+              <a:spcAft>
+                <a:spcPts val="0"/>
+              </a:spcAft>
+              <a:buNone/>
+            </a:pPr>
+            <a:r>
+              <a:rPr lang="en"/>
+              <a:t>Possible Solution:  A trade tool to test and discuss their artform, while having another form to build credibility.  (We are more loyal to bartenders than to </a:t>
+            </a:r>
+            <a:r>
+              <a:rPr lang="en"/>
+              <a:t>restaurants</a:t>
+            </a:r>
+            <a:r>
+              <a:rPr lang="en"/>
+              <a:t> after all)</a:t>
+            </a:r>
+            <a:endParaRPr/>
+          </a:p>
+          <a:p>
+            <a:pPr indent="0" lvl="0" marL="0" rtl="0" algn="l">
+              <a:spcBef>
+                <a:spcPts val="1600"/>
+              </a:spcBef>
+              <a:spcAft>
+                <a:spcPts val="1600"/>
+              </a:spcAft>
+              <a:buNone/>
+            </a:pPr>
+            <a:r>
+              <a:t/>
+            </a:r>
+            <a:endParaRPr/>
+          </a:p>
+        </p:txBody>
+      </p:sp>
+    </p:spTree>
+  </p:cSld>
+  <p:clrMapOvr>
+    <a:masterClrMapping/>
+  </p:clrMapOvr>
+</p:sld>
+</file>
+
+<file path=ppt/slides/slide17.xml><?xml version="1.0" encoding="utf-8"?>
+<p:sld xmlns:a="http://schemas.openxmlformats.org/drawingml/2006/main" xmlns:r="http://schemas.openxmlformats.org/officeDocument/2006/relationships" xmlns:mc="http://schemas.openxmlformats.org/markup-compatibility/2006" xmlns:mv="urn:schemas-microsoft-com:mac:vml" xmlns:p="http://schemas.openxmlformats.org/presentationml/2006/main" xmlns:c="http://schemas.openxmlformats.org/drawingml/2006/chart" xmlns:dgm="http://schemas.openxmlformats.org/drawingml/2006/diagram" xmlns:o="urn:schemas-microsoft-com:office:office" xmlns:v="urn:schemas-microsoft-com:vml" xmlns:pvml="urn:schemas-microsoft-com:office:powerpoint" xmlns:com="http://schemas.openxmlformats.org/drawingml/2006/compatibility" xmlns:p14="http://schemas.microsoft.com/office/powerpoint/2010/main" xmlns:p15="http://schemas.microsoft.com/office/powerpoint/2012/main" xmlns:ahyp="http://schemas.microsoft.com/office/drawing/2018/hyperlinkcolor">
+  <p:cSld>
+    <p:spTree>
+      <p:nvGrpSpPr>
+        <p:cNvPr id="253" name="Shape 253"/>
+        <p:cNvGrpSpPr/>
+        <p:nvPr/>
+      </p:nvGrpSpPr>
+      <p:grpSpPr>
+        <a:xfrm>
+          <a:off x="0" y="0"/>
+          <a:ext cx="0" cy="0"/>
+          <a:chOff x="0" y="0"/>
+          <a:chExt cx="0" cy="0"/>
+        </a:xfrm>
+      </p:grpSpPr>
+      <p:sp>
+        <p:nvSpPr>
+          <p:cNvPr id="254" name="Google Shape;254;p29"/>
+          <p:cNvSpPr txBox="1"/>
+          <p:nvPr>
+            <p:ph type="title"/>
+          </p:nvPr>
+        </p:nvSpPr>
+        <p:spPr>
+          <a:xfrm>
+            <a:off x="698150" y="513675"/>
+            <a:ext cx="7505700" cy="678000"/>
+          </a:xfrm>
+          <a:prstGeom prst="rect">
+            <a:avLst/>
+          </a:prstGeom>
+        </p:spPr>
+        <p:txBody>
+          <a:bodyPr anchorCtr="0" anchor="t" bIns="91425" lIns="91425" spcFirstLastPara="1" rIns="91425" wrap="square" tIns="91425">
+            <a:noAutofit/>
+          </a:bodyPr>
+          <a:lstStyle/>
+          <a:p>
+            <a:pPr indent="0" lvl="0" marL="0" rtl="0" algn="l">
+              <a:spcBef>
+                <a:spcPts val="0"/>
+              </a:spcBef>
+              <a:spcAft>
+                <a:spcPts val="0"/>
+              </a:spcAft>
+              <a:buNone/>
+            </a:pPr>
+            <a:r>
+              <a:rPr lang="en"/>
+              <a:t>Next Steps</a:t>
+            </a:r>
+            <a:endParaRPr/>
+          </a:p>
+        </p:txBody>
+      </p:sp>
+      <p:sp>
+        <p:nvSpPr>
+          <p:cNvPr id="255" name="Google Shape;255;p29"/>
+          <p:cNvSpPr txBox="1"/>
+          <p:nvPr>
+            <p:ph idx="1" type="body"/>
+          </p:nvPr>
+        </p:nvSpPr>
+        <p:spPr>
+          <a:xfrm>
+            <a:off x="447800" y="1885575"/>
+            <a:ext cx="2299800" cy="2725500"/>
+          </a:xfrm>
+          <a:prstGeom prst="rect">
+            <a:avLst/>
+          </a:prstGeom>
+        </p:spPr>
+        <p:txBody>
+          <a:bodyPr anchorCtr="0" anchor="t" bIns="91425" lIns="91425" spcFirstLastPara="1" rIns="91425" wrap="square" tIns="91425">
+            <a:noAutofit/>
+          </a:bodyPr>
+          <a:lstStyle/>
+          <a:p>
+            <a:pPr indent="-311150" lvl="0" marL="457200" rtl="0" algn="l">
+              <a:spcBef>
+                <a:spcPts val="0"/>
+              </a:spcBef>
+              <a:spcAft>
+                <a:spcPts val="0"/>
+              </a:spcAft>
+              <a:buSzPts val="1300"/>
+              <a:buChar char="●"/>
+            </a:pPr>
+            <a:r>
+              <a:rPr lang="en"/>
+              <a:t>Finish the mid fidelity prototype</a:t>
+            </a:r>
+            <a:endParaRPr/>
+          </a:p>
+          <a:p>
+            <a:pPr indent="-311150" lvl="0" marL="457200" rtl="0" algn="l">
+              <a:spcBef>
+                <a:spcPts val="0"/>
+              </a:spcBef>
+              <a:spcAft>
+                <a:spcPts val="0"/>
+              </a:spcAft>
+              <a:buSzPts val="1300"/>
+              <a:buChar char="●"/>
+            </a:pPr>
+            <a:r>
+              <a:rPr lang="en"/>
+              <a:t>Usability</a:t>
+            </a:r>
+            <a:r>
+              <a:rPr lang="en"/>
+              <a:t> tests with Bartenders</a:t>
+            </a:r>
+            <a:endParaRPr/>
+          </a:p>
+          <a:p>
+            <a:pPr indent="-311150" lvl="0" marL="457200" rtl="0" algn="l">
+              <a:spcBef>
+                <a:spcPts val="0"/>
+              </a:spcBef>
+              <a:spcAft>
+                <a:spcPts val="0"/>
+              </a:spcAft>
+              <a:buSzPts val="1300"/>
+              <a:buChar char="●"/>
+            </a:pPr>
+            <a:r>
+              <a:rPr lang="en"/>
+              <a:t>Iterations based on feedback</a:t>
+            </a:r>
+            <a:endParaRPr/>
+          </a:p>
+          <a:p>
+            <a:pPr indent="-311150" lvl="0" marL="457200" rtl="0" algn="l">
+              <a:spcBef>
+                <a:spcPts val="0"/>
+              </a:spcBef>
+              <a:spcAft>
+                <a:spcPts val="0"/>
+              </a:spcAft>
+              <a:buSzPts val="1300"/>
+              <a:buChar char="●"/>
+            </a:pPr>
+            <a:r>
+              <a:rPr lang="en"/>
+              <a:t>Research more design inspirations to create a more pleasing UI</a:t>
+            </a:r>
+            <a:endParaRPr/>
+          </a:p>
+        </p:txBody>
+      </p:sp>
+      <p:sp>
+        <p:nvSpPr>
+          <p:cNvPr id="256" name="Google Shape;256;p29"/>
           <p:cNvSpPr txBox="1"/>
           <p:nvPr>
             <p:ph type="title"/>
@@ -10696,7 +13078,7 @@
       </p:sp>
       <p:sp>
         <p:nvSpPr>
-          <p:cNvPr id="205" name="Google Shape;205;p24"/>
+          <p:cNvPr id="257" name="Google Shape;257;p29"/>
           <p:cNvSpPr txBox="1"/>
           <p:nvPr>
             <p:ph type="title"/>
@@ -10752,7 +13134,7 @@
       </p:sp>
       <p:sp>
         <p:nvSpPr>
-          <p:cNvPr id="206" name="Google Shape;206;p24"/>
+          <p:cNvPr id="258" name="Google Shape;258;p29"/>
           <p:cNvSpPr txBox="1"/>
           <p:nvPr>
             <p:ph type="title"/>
@@ -10808,7 +13190,7 @@
       </p:sp>
       <p:sp>
         <p:nvSpPr>
-          <p:cNvPr id="207" name="Google Shape;207;p24"/>
+          <p:cNvPr id="259" name="Google Shape;259;p29"/>
           <p:cNvSpPr txBox="1"/>
           <p:nvPr>
             <p:ph idx="1" type="body"/>
@@ -10892,7 +13274,28 @@
             </a:pPr>
             <a:r>
               <a:rPr lang="en"/>
-              <a:t>Open the app to not just Bartenders but anyone with a hobby and create categories ( Ex. Music, Art, Food..)</a:t>
+              <a:t>Scale</a:t>
+            </a:r>
+            <a:r>
+              <a:rPr lang="en"/>
+              <a:t> the app to anyone with a hobby and create categories ( Ex. Music, Art, Food..)</a:t>
+            </a:r>
+            <a:endParaRPr/>
+          </a:p>
+          <a:p>
+            <a:pPr indent="-311150" lvl="0" marL="457200" rtl="0" algn="l">
+              <a:spcBef>
+                <a:spcPts val="0"/>
+              </a:spcBef>
+              <a:spcAft>
+                <a:spcPts val="0"/>
+              </a:spcAft>
+              <a:buSzPts val="1300"/>
+              <a:buChar char="●"/>
+            </a:pPr>
+            <a:r>
+              <a:rPr lang="en"/>
+              <a:t>Include after contest socializing aspect</a:t>
             </a:r>
             <a:endParaRPr/>
           </a:p>
@@ -10915,7 +13318,7 @@
       </p:sp>
       <p:sp>
         <p:nvSpPr>
-          <p:cNvPr id="208" name="Google Shape;208;p24"/>
+          <p:cNvPr id="260" name="Google Shape;260;p29"/>
           <p:cNvSpPr txBox="1"/>
           <p:nvPr>
             <p:ph idx="1" type="body"/>
@@ -10988,7 +13391,7 @@
       </p:sp>
       <p:pic>
         <p:nvPicPr>
-          <p:cNvPr id="209" name="Google Shape;209;p24"/>
+          <p:cNvPr id="261" name="Google Shape;261;p29"/>
           <p:cNvPicPr preferRelativeResize="0"/>
           <p:nvPr/>
         </p:nvPicPr>
@@ -11026,7 +13429,7 @@
   <p:cSld>
     <p:spTree>
       <p:nvGrpSpPr>
-        <p:cNvPr id="133" name="Shape 133"/>
+        <p:cNvPr id="134" name="Shape 134"/>
         <p:cNvGrpSpPr/>
         <p:nvPr/>
       </p:nvGrpSpPr>
@@ -11038,22 +13441,78 @@
           <a:chExt cx="0" cy="0"/>
         </a:xfrm>
       </p:grpSpPr>
-      <p:sp>
-        <p:nvSpPr>
-          <p:cNvPr id="134" name="Google Shape;134;p14"/>
-          <p:cNvSpPr txBox="1"/>
-          <p:nvPr>
-            <p:ph type="title"/>
-          </p:nvPr>
-        </p:nvSpPr>
-        <p:spPr>
-          <a:xfrm>
-            <a:off x="819150" y="638950"/>
-            <a:ext cx="7505700" cy="556200"/>
+      <p:pic>
+        <p:nvPicPr>
+          <p:cNvPr id="135" name="Google Shape;135;p14"/>
+          <p:cNvPicPr preferRelativeResize="0"/>
+          <p:nvPr/>
+        </p:nvPicPr>
+        <p:blipFill rotWithShape="1">
+          <a:blip r:embed="rId3">
+            <a:alphaModFix/>
+          </a:blip>
+          <a:srcRect b="0" l="0" r="0" t="-6326"/>
+          <a:stretch/>
+        </p:blipFill>
+        <p:spPr>
+          <a:xfrm>
+            <a:off x="667863" y="3229925"/>
+            <a:ext cx="7808274" cy="1313550"/>
           </a:xfrm>
           <a:prstGeom prst="rect">
             <a:avLst/>
           </a:prstGeom>
+          <a:noFill/>
+          <a:ln>
+            <a:noFill/>
+          </a:ln>
+        </p:spPr>
+      </p:pic>
+      <p:pic>
+        <p:nvPicPr>
+          <p:cNvPr id="136" name="Google Shape;136;p14"/>
+          <p:cNvPicPr preferRelativeResize="0"/>
+          <p:nvPr/>
+        </p:nvPicPr>
+        <p:blipFill rotWithShape="1">
+          <a:blip r:embed="rId4">
+            <a:alphaModFix/>
+          </a:blip>
+          <a:srcRect b="0" l="0" r="0" t="0"/>
+          <a:stretch/>
+        </p:blipFill>
+        <p:spPr>
+          <a:xfrm>
+            <a:off x="4560276" y="619350"/>
+            <a:ext cx="3915849" cy="2610576"/>
+          </a:xfrm>
+          <a:prstGeom prst="rect">
+            <a:avLst/>
+          </a:prstGeom>
+          <a:noFill/>
+          <a:ln>
+            <a:noFill/>
+          </a:ln>
+        </p:spPr>
+      </p:pic>
+      <p:sp>
+        <p:nvSpPr>
+          <p:cNvPr id="137" name="Google Shape;137;p14"/>
+          <p:cNvSpPr txBox="1"/>
+          <p:nvPr/>
+        </p:nvSpPr>
+        <p:spPr>
+          <a:xfrm>
+            <a:off x="904150" y="1548600"/>
+            <a:ext cx="3541200" cy="1681200"/>
+          </a:xfrm>
+          <a:prstGeom prst="rect">
+            <a:avLst/>
+          </a:prstGeom>
+          <a:noFill/>
+          <a:ln>
+            <a:noFill/>
+          </a:ln>
         </p:spPr>
         <p:txBody>
           <a:bodyPr anchorCtr="0" anchor="t" bIns="91425" lIns="91425" spcFirstLastPara="1" rIns="91425" wrap="square" tIns="91425">
@@ -11071,29 +13530,107 @@
               <a:buNone/>
             </a:pPr>
             <a:r>
-              <a:rPr lang="en" sz="2500"/>
-              <a:t>Problem Statement</a:t>
-            </a:r>
-            <a:endParaRPr sz="2500"/>
+              <a:rPr lang="en">
+                <a:latin typeface="Calibri"/>
+                <a:ea typeface="Calibri"/>
+                <a:cs typeface="Calibri"/>
+                <a:sym typeface="Calibri"/>
+              </a:rPr>
+              <a:t>Even though 29% of the population was able to continue working safely from home, for the remaining 71% the situation remained uncertain, with some losing their jobs due to business shutdowns and mandated lockdown orders. </a:t>
+            </a:r>
+            <a:endParaRPr>
+              <a:latin typeface="Calibri"/>
+              <a:ea typeface="Calibri"/>
+              <a:cs typeface="Calibri"/>
+              <a:sym typeface="Calibri"/>
+            </a:endParaRPr>
+          </a:p>
+          <a:p>
+            <a:pPr indent="0" lvl="0" marL="0" rtl="0" algn="l">
+              <a:spcBef>
+                <a:spcPts val="0"/>
+              </a:spcBef>
+              <a:spcAft>
+                <a:spcPts val="0"/>
+              </a:spcAft>
+              <a:buNone/>
+            </a:pPr>
+            <a:r>
+              <a:rPr lang="en" sz="1300">
+                <a:latin typeface="Calibri"/>
+                <a:ea typeface="Calibri"/>
+                <a:cs typeface="Calibri"/>
+                <a:sym typeface="Calibri"/>
+              </a:rPr>
+              <a:t>[</a:t>
+            </a:r>
+            <a:r>
+              <a:rPr lang="en" sz="1300" u="sng">
+                <a:solidFill>
+                  <a:schemeClr val="accent5"/>
+                </a:solidFill>
+                <a:latin typeface="Calibri"/>
+                <a:ea typeface="Calibri"/>
+                <a:cs typeface="Calibri"/>
+                <a:sym typeface="Calibri"/>
+                <a:hlinkClick r:id="rId5">
+                  <a:extLst>
+                    <a:ext uri="{A12FA001-AC4F-418D-AE19-62706E023703}">
+                      <ahyp:hlinkClr val="tx"/>
+                    </a:ext>
+                  </a:extLst>
+                </a:hlinkClick>
+              </a:rPr>
+              <a:t>source</a:t>
+            </a:r>
+            <a:r>
+              <a:rPr lang="en" sz="1300">
+                <a:solidFill>
+                  <a:schemeClr val="dk1"/>
+                </a:solidFill>
+                <a:latin typeface="Calibri"/>
+                <a:ea typeface="Calibri"/>
+                <a:cs typeface="Calibri"/>
+                <a:sym typeface="Calibri"/>
+              </a:rPr>
+              <a:t>:</a:t>
+            </a:r>
+            <a:r>
+              <a:rPr lang="en" sz="1300">
+                <a:latin typeface="Calibri"/>
+                <a:ea typeface="Calibri"/>
+                <a:cs typeface="Calibri"/>
+                <a:sym typeface="Calibri"/>
+              </a:rPr>
+              <a:t> Visual Capitalist/Department of Labor]</a:t>
+            </a:r>
+            <a:endParaRPr>
+              <a:latin typeface="Calibri"/>
+              <a:ea typeface="Calibri"/>
+              <a:cs typeface="Calibri"/>
+              <a:sym typeface="Calibri"/>
+            </a:endParaRPr>
           </a:p>
         </p:txBody>
       </p:sp>
       <p:sp>
         <p:nvSpPr>
-          <p:cNvPr id="135" name="Google Shape;135;p14"/>
+          <p:cNvPr id="138" name="Google Shape;138;p14"/>
           <p:cNvSpPr txBox="1"/>
-          <p:nvPr>
-            <p:ph idx="1" type="body"/>
-          </p:nvPr>
+          <p:nvPr/>
         </p:nvSpPr>
         <p:spPr>
           <a:xfrm>
-            <a:off x="819150" y="1195150"/>
-            <a:ext cx="7546200" cy="2256300"/>
+            <a:off x="904150" y="619350"/>
+            <a:ext cx="3541200" cy="720600"/>
           </a:xfrm>
           <a:prstGeom prst="rect">
             <a:avLst/>
           </a:prstGeom>
+          <a:noFill/>
+          <a:ln>
+            <a:noFill/>
+          </a:ln>
         </p:spPr>
         <p:txBody>
           <a:bodyPr anchorCtr="0" anchor="t" bIns="91425" lIns="91425" spcFirstLastPara="1" rIns="91425" wrap="square" tIns="91425">
@@ -11101,149 +13638,32 @@
           </a:bodyPr>
           <a:lstStyle/>
           <a:p>
-            <a:pPr indent="0" lvl="0" marL="0" rtl="0" algn="l">
-              <a:spcBef>
-                <a:spcPts val="0"/>
-              </a:spcBef>
-              <a:spcAft>
-                <a:spcPts val="0"/>
-              </a:spcAft>
-              <a:buNone/>
-            </a:pPr>
-            <a:r>
-              <a:rPr lang="en">
+            <a:pPr indent="0" lvl="0" marL="0" rtl="0" algn="ctr">
+              <a:spcBef>
+                <a:spcPts val="0"/>
+              </a:spcBef>
+              <a:spcAft>
+                <a:spcPts val="0"/>
+              </a:spcAft>
+              <a:buNone/>
+            </a:pPr>
+            <a:r>
+              <a:rPr lang="en" sz="1900">
                 <a:solidFill>
-                  <a:srgbClr val="000000"/>
+                  <a:schemeClr val="lt1"/>
                 </a:solidFill>
+                <a:latin typeface="Nunito"/>
+                <a:ea typeface="Nunito"/>
+                <a:cs typeface="Nunito"/>
+                <a:sym typeface="Nunito"/>
               </a:rPr>
-              <a:t>The COVID-19 pandemic has affected many of us. With depression and social isolation on the rise, and with many businesses closing affecting employment negatively, we are looking for solutions to lift up the mood and bring in an element of fun and togetherness. We need an outlet to combat feelings of loneliness and lack of motivation due to COVID-19.  In this project, we aim at helping a specific group of people who have been affected negatively by the pandemic: </a:t>
-            </a:r>
-            <a:r>
-              <a:rPr b="1" lang="en">
-                <a:solidFill>
-                  <a:srgbClr val="000000"/>
-                </a:solidFill>
-              </a:rPr>
-              <a:t>B</a:t>
-            </a:r>
-            <a:r>
-              <a:rPr b="1" lang="en">
-                <a:solidFill>
-                  <a:srgbClr val="000000"/>
-                </a:solidFill>
-              </a:rPr>
-              <a:t>artenders.</a:t>
-            </a:r>
-            <a:r>
-              <a:rPr lang="en">
-                <a:solidFill>
-                  <a:srgbClr val="000000"/>
-                </a:solidFill>
-              </a:rPr>
-              <a:t> </a:t>
-            </a:r>
-            <a:endParaRPr>
-              <a:solidFill>
-                <a:srgbClr val="000000"/>
-              </a:solidFill>
-            </a:endParaRPr>
-          </a:p>
-          <a:p>
-            <a:pPr indent="0" lvl="0" marL="0" rtl="0" algn="l">
-              <a:spcBef>
-                <a:spcPts val="1600"/>
-              </a:spcBef>
-              <a:spcAft>
-                <a:spcPts val="0"/>
-              </a:spcAft>
-              <a:buNone/>
-            </a:pPr>
-            <a:r>
-              <a:rPr b="1" lang="en" sz="1600">
-                <a:solidFill>
-                  <a:srgbClr val="000000"/>
-                </a:solidFill>
-              </a:rPr>
-              <a:t>Bartenders need a way to maintain socializing with people that share their trade, motivation, and continue to practice their skill. </a:t>
-            </a:r>
-            <a:endParaRPr b="1" sz="1600">
-              <a:solidFill>
-                <a:srgbClr val="000000"/>
-              </a:solidFill>
-            </a:endParaRPr>
-          </a:p>
-          <a:p>
-            <a:pPr indent="0" lvl="0" marL="0" rtl="0" algn="l">
-              <a:spcBef>
-                <a:spcPts val="1600"/>
-              </a:spcBef>
-              <a:spcAft>
-                <a:spcPts val="0"/>
-              </a:spcAft>
-              <a:buNone/>
-            </a:pPr>
-            <a:r>
-              <a:t/>
-            </a:r>
-            <a:endParaRPr>
-              <a:solidFill>
-                <a:srgbClr val="000000"/>
-              </a:solidFill>
-            </a:endParaRPr>
-          </a:p>
-          <a:p>
-            <a:pPr indent="0" lvl="0" marL="0" rtl="0" algn="l">
-              <a:spcBef>
-                <a:spcPts val="1600"/>
-              </a:spcBef>
-              <a:spcAft>
-                <a:spcPts val="0"/>
-              </a:spcAft>
-              <a:buNone/>
-            </a:pPr>
-            <a:r>
-              <a:rPr b="1" lang="en">
-                <a:solidFill>
-                  <a:srgbClr val="000000"/>
-                </a:solidFill>
-              </a:rPr>
-              <a:t>How might we</a:t>
-            </a:r>
-            <a:r>
-              <a:rPr lang="en">
-                <a:solidFill>
-                  <a:srgbClr val="000000"/>
-                </a:solidFill>
-              </a:rPr>
-              <a:t> maintain the fun of the bar scene, while bars are closed?</a:t>
-            </a:r>
-            <a:endParaRPr sz="1000">
-              <a:solidFill>
-                <a:srgbClr val="000000"/>
-              </a:solidFill>
-              <a:latin typeface="Roboto"/>
-              <a:ea typeface="Roboto"/>
-              <a:cs typeface="Roboto"/>
-              <a:sym typeface="Roboto"/>
-            </a:endParaRPr>
-          </a:p>
-          <a:p>
-            <a:pPr indent="0" lvl="0" marL="0" rtl="0" algn="l">
-              <a:spcBef>
-                <a:spcPts val="1600"/>
-              </a:spcBef>
-              <a:spcAft>
-                <a:spcPts val="1600"/>
-              </a:spcAft>
-              <a:buNone/>
-            </a:pPr>
-            <a:r>
-              <a:t/>
-            </a:r>
-            <a:endParaRPr>
-              <a:solidFill>
-                <a:srgbClr val="000000"/>
-              </a:solidFill>
+              <a:t>The pandemic has affected employment negatively</a:t>
+            </a:r>
+            <a:endParaRPr sz="800">
+              <a:latin typeface="Nunito"/>
+              <a:ea typeface="Nunito"/>
+              <a:cs typeface="Nunito"/>
+              <a:sym typeface="Nunito"/>
             </a:endParaRPr>
           </a:p>
         </p:txBody>
@@ -11261,7 +13681,7 @@
   <p:cSld>
     <p:spTree>
       <p:nvGrpSpPr>
-        <p:cNvPr id="139" name="Shape 139"/>
+        <p:cNvPr id="142" name="Shape 142"/>
         <p:cNvGrpSpPr/>
         <p:nvPr/>
       </p:nvGrpSpPr>
@@ -11275,20 +13695,22 @@
       </p:grpSpPr>
       <p:sp>
         <p:nvSpPr>
-          <p:cNvPr id="140" name="Google Shape;140;p15"/>
+          <p:cNvPr id="143" name="Google Shape;143;p15"/>
           <p:cNvSpPr txBox="1"/>
-          <p:nvPr>
-            <p:ph type="title"/>
-          </p:nvPr>
+          <p:nvPr/>
         </p:nvSpPr>
         <p:spPr>
           <a:xfrm>
-            <a:off x="819150" y="638950"/>
-            <a:ext cx="7505700" cy="556200"/>
+            <a:off x="963000" y="560750"/>
+            <a:ext cx="7218000" cy="422700"/>
           </a:xfrm>
           <a:prstGeom prst="rect">
             <a:avLst/>
           </a:prstGeom>
+          <a:noFill/>
+          <a:ln>
+            <a:noFill/>
+          </a:ln>
         </p:spPr>
         <p:txBody>
           <a:bodyPr anchorCtr="0" anchor="t" bIns="91425" lIns="91425" spcFirstLastPara="1" rIns="91425" wrap="square" tIns="91425">
@@ -11296,54 +13718,51 @@
           </a:bodyPr>
           <a:lstStyle/>
           <a:p>
-            <a:pPr indent="0" lvl="0" marL="0" rtl="0" algn="l">
-              <a:spcBef>
-                <a:spcPts val="0"/>
-              </a:spcBef>
-              <a:spcAft>
-                <a:spcPts val="0"/>
-              </a:spcAft>
-              <a:buNone/>
-            </a:pPr>
-            <a:r>
-              <a:rPr lang="en" sz="2500"/>
-              <a:t>Solution Statement</a:t>
-            </a:r>
-            <a:endParaRPr sz="2500"/>
-          </a:p>
-          <a:p>
-            <a:pPr indent="0" lvl="0" marL="0" rtl="0" algn="l">
-              <a:spcBef>
-                <a:spcPts val="0"/>
-              </a:spcBef>
-              <a:spcAft>
-                <a:spcPts val="0"/>
-              </a:spcAft>
-              <a:buNone/>
-            </a:pPr>
-            <a:r>
-              <a:t/>
-            </a:r>
-            <a:endParaRPr sz="2500"/>
+            <a:pPr indent="0" lvl="0" marL="0" rtl="0" algn="ctr">
+              <a:spcBef>
+                <a:spcPts val="0"/>
+              </a:spcBef>
+              <a:spcAft>
+                <a:spcPts val="0"/>
+              </a:spcAft>
+              <a:buNone/>
+            </a:pPr>
+            <a:r>
+              <a:rPr lang="en">
+                <a:latin typeface="Calibri"/>
+                <a:ea typeface="Calibri"/>
+                <a:cs typeface="Calibri"/>
+                <a:sym typeface="Calibri"/>
+              </a:rPr>
+              <a:t>What does loss of income look like across the country during the pandemic?</a:t>
+            </a:r>
+            <a:endParaRPr>
+              <a:latin typeface="Calibri"/>
+              <a:ea typeface="Calibri"/>
+              <a:cs typeface="Calibri"/>
+              <a:sym typeface="Calibri"/>
+            </a:endParaRPr>
           </a:p>
         </p:txBody>
       </p:sp>
       <p:sp>
         <p:nvSpPr>
-          <p:cNvPr id="141" name="Google Shape;141;p15"/>
+          <p:cNvPr id="144" name="Google Shape;144;p15"/>
           <p:cNvSpPr txBox="1"/>
-          <p:nvPr>
-            <p:ph idx="1" type="body"/>
-          </p:nvPr>
+          <p:nvPr/>
         </p:nvSpPr>
         <p:spPr>
           <a:xfrm>
-            <a:off x="819150" y="1195150"/>
-            <a:ext cx="7505700" cy="786600"/>
+            <a:off x="963000" y="3884325"/>
+            <a:ext cx="7218000" cy="422700"/>
           </a:xfrm>
           <a:prstGeom prst="rect">
             <a:avLst/>
           </a:prstGeom>
+          <a:noFill/>
+          <a:ln>
+            <a:noFill/>
+          </a:ln>
         </p:spPr>
         <p:txBody>
           <a:bodyPr anchorCtr="0" anchor="t" bIns="91425" lIns="91425" spcFirstLastPara="1" rIns="91425" wrap="square" tIns="91425">
@@ -11352,258 +13771,60 @@
           <a:lstStyle/>
           <a:p>
             <a:pPr indent="0" lvl="0" marL="0" rtl="0" algn="l">
-              <a:lnSpc>
-                <a:spcPct val="100000"/>
-              </a:lnSpc>
-              <a:spcBef>
-                <a:spcPts val="0"/>
-              </a:spcBef>
-              <a:spcAft>
-                <a:spcPts val="0"/>
-              </a:spcAft>
-              <a:buNone/>
-            </a:pPr>
-            <a:r>
-              <a:rPr lang="en">
-                <a:solidFill>
-                  <a:srgbClr val="000000"/>
-                </a:solidFill>
+              <a:spcBef>
+                <a:spcPts val="0"/>
+              </a:spcBef>
+              <a:spcAft>
+                <a:spcPts val="0"/>
+              </a:spcAft>
+              <a:buNone/>
+            </a:pPr>
+            <a:r>
+              <a:rPr i="1" lang="en" sz="1200">
+                <a:latin typeface="Calibri"/>
+                <a:ea typeface="Calibri"/>
+                <a:cs typeface="Calibri"/>
+                <a:sym typeface="Calibri"/>
               </a:rPr>
-              <a:t>Challenge.ME connects bartenders with contests that allow them to practice or test their unique skills against others.</a:t>
-            </a:r>
-            <a:endParaRPr>
-              <a:solidFill>
-                <a:srgbClr val="000000"/>
-              </a:solidFill>
-            </a:endParaRPr>
-          </a:p>
-          <a:p>
-            <a:pPr indent="0" lvl="0" marL="0" rtl="0" algn="l">
-              <a:spcBef>
-                <a:spcPts val="0"/>
-              </a:spcBef>
-              <a:spcAft>
-                <a:spcPts val="1600"/>
-              </a:spcAft>
-              <a:buNone/>
-            </a:pPr>
-            <a:r>
-              <a:t/>
-            </a:r>
-            <a:endParaRPr>
-              <a:solidFill>
-                <a:srgbClr val="000000"/>
-              </a:solidFill>
+              <a:t>Income loss has been experienced across the country during the pandemic, with Nevada being affected the most.</a:t>
+            </a:r>
+            <a:endParaRPr i="1" sz="1200">
+              <a:latin typeface="Calibri"/>
+              <a:ea typeface="Calibri"/>
+              <a:cs typeface="Calibri"/>
+              <a:sym typeface="Calibri"/>
             </a:endParaRPr>
           </a:p>
         </p:txBody>
       </p:sp>
-      <p:sp>
-        <p:nvSpPr>
-          <p:cNvPr id="142" name="Google Shape;142;p15"/>
-          <p:cNvSpPr txBox="1"/>
-          <p:nvPr>
-            <p:ph idx="1" type="body"/>
-          </p:nvPr>
-        </p:nvSpPr>
-        <p:spPr>
-          <a:xfrm>
-            <a:off x="853025" y="2050725"/>
-            <a:ext cx="7505700" cy="1479600"/>
+      <p:pic>
+        <p:nvPicPr>
+          <p:cNvPr id="145" name="Google Shape;145;p15"/>
+          <p:cNvPicPr preferRelativeResize="0"/>
+          <p:nvPr/>
+        </p:nvPicPr>
+        <p:blipFill>
+          <a:blip r:embed="rId3">
+            <a:alphaModFix/>
+          </a:blip>
+          <a:stretch>
+            <a:fillRect/>
+          </a:stretch>
+        </p:blipFill>
+        <p:spPr>
+          <a:xfrm>
+            <a:off x="269463" y="1496113"/>
+            <a:ext cx="8605070" cy="2151275"/>
           </a:xfrm>
           <a:prstGeom prst="rect">
             <a:avLst/>
           </a:prstGeom>
-        </p:spPr>
-        <p:txBody>
-          <a:bodyPr anchorCtr="0" anchor="t" bIns="91425" lIns="91425" spcFirstLastPara="1" rIns="91425" wrap="square" tIns="91425">
-            <a:noAutofit/>
-          </a:bodyPr>
-          <a:lstStyle/>
-          <a:p>
-            <a:pPr indent="0" lvl="0" marL="0" rtl="0" algn="l">
-              <a:lnSpc>
-                <a:spcPct val="100000"/>
-              </a:lnSpc>
-              <a:spcBef>
-                <a:spcPts val="0"/>
-              </a:spcBef>
-              <a:spcAft>
-                <a:spcPts val="0"/>
-              </a:spcAft>
-              <a:buNone/>
-            </a:pPr>
-            <a:r>
-              <a:rPr lang="en">
-                <a:solidFill>
-                  <a:srgbClr val="000000"/>
-                </a:solidFill>
-              </a:rPr>
-              <a:t>Challenge.ME Features</a:t>
-            </a:r>
-            <a:endParaRPr>
-              <a:solidFill>
-                <a:srgbClr val="000000"/>
-              </a:solidFill>
-            </a:endParaRPr>
-          </a:p>
-          <a:p>
-            <a:pPr indent="0" lvl="0" marL="0" rtl="0" algn="l">
-              <a:lnSpc>
-                <a:spcPct val="100000"/>
-              </a:lnSpc>
-              <a:spcBef>
-                <a:spcPts val="0"/>
-              </a:spcBef>
-              <a:spcAft>
-                <a:spcPts val="0"/>
-              </a:spcAft>
-              <a:buNone/>
-            </a:pPr>
-            <a:r>
-              <a:t/>
-            </a:r>
-            <a:endParaRPr>
-              <a:solidFill>
-                <a:srgbClr val="000000"/>
-              </a:solidFill>
-            </a:endParaRPr>
-          </a:p>
-          <a:p>
-            <a:pPr indent="-311150" lvl="0" marL="457200" rtl="0" algn="l">
-              <a:lnSpc>
-                <a:spcPct val="100000"/>
-              </a:lnSpc>
-              <a:spcBef>
-                <a:spcPts val="0"/>
-              </a:spcBef>
-              <a:spcAft>
-                <a:spcPts val="0"/>
-              </a:spcAft>
-              <a:buClr>
-                <a:srgbClr val="000000"/>
-              </a:buClr>
-              <a:buSzPts val="1300"/>
-              <a:buChar char="-"/>
-            </a:pPr>
-            <a:r>
-              <a:rPr b="1" lang="en">
-                <a:solidFill>
-                  <a:srgbClr val="000000"/>
-                </a:solidFill>
-              </a:rPr>
-              <a:t>Communicate: </a:t>
-            </a:r>
-            <a:r>
-              <a:rPr lang="en">
-                <a:solidFill>
-                  <a:srgbClr val="000000"/>
-                </a:solidFill>
-              </a:rPr>
-              <a:t>Promotes Remote Togetherness by allowing you to chat with other Bartenders in each contest page</a:t>
-            </a:r>
-            <a:endParaRPr>
-              <a:solidFill>
-                <a:srgbClr val="000000"/>
-              </a:solidFill>
-            </a:endParaRPr>
-          </a:p>
-          <a:p>
-            <a:pPr indent="-311150" lvl="0" marL="457200" rtl="0" algn="l">
-              <a:lnSpc>
-                <a:spcPct val="100000"/>
-              </a:lnSpc>
-              <a:spcBef>
-                <a:spcPts val="0"/>
-              </a:spcBef>
-              <a:spcAft>
-                <a:spcPts val="0"/>
-              </a:spcAft>
-              <a:buClr>
-                <a:srgbClr val="000000"/>
-              </a:buClr>
-              <a:buSzPts val="1300"/>
-              <a:buChar char="-"/>
-            </a:pPr>
-            <a:r>
-              <a:rPr b="1" lang="en">
-                <a:solidFill>
-                  <a:srgbClr val="000000"/>
-                </a:solidFill>
-              </a:rPr>
-              <a:t>Create: </a:t>
-            </a:r>
-            <a:r>
-              <a:rPr lang="en">
-                <a:solidFill>
-                  <a:srgbClr val="000000"/>
-                </a:solidFill>
-              </a:rPr>
-              <a:t>Upskill your craft by competing in drink-related challenges</a:t>
-            </a:r>
-            <a:endParaRPr>
-              <a:solidFill>
-                <a:srgbClr val="000000"/>
-              </a:solidFill>
-            </a:endParaRPr>
-          </a:p>
-          <a:p>
-            <a:pPr indent="-311150" lvl="0" marL="457200" rtl="0" algn="l">
-              <a:lnSpc>
-                <a:spcPct val="100000"/>
-              </a:lnSpc>
-              <a:spcBef>
-                <a:spcPts val="0"/>
-              </a:spcBef>
-              <a:spcAft>
-                <a:spcPts val="0"/>
-              </a:spcAft>
-              <a:buClr>
-                <a:srgbClr val="000000"/>
-              </a:buClr>
-              <a:buSzPts val="1300"/>
-              <a:buChar char="-"/>
-            </a:pPr>
-            <a:r>
-              <a:rPr b="1" lang="en">
-                <a:solidFill>
-                  <a:srgbClr val="000000"/>
-                </a:solidFill>
-              </a:rPr>
-              <a:t>Compete:</a:t>
-            </a:r>
-            <a:r>
-              <a:rPr lang="en">
-                <a:solidFill>
-                  <a:srgbClr val="000000"/>
-                </a:solidFill>
-              </a:rPr>
-              <a:t> A little </a:t>
-            </a:r>
-            <a:r>
-              <a:rPr lang="en">
-                <a:solidFill>
-                  <a:srgbClr val="000000"/>
-                </a:solidFill>
-              </a:rPr>
-              <a:t>competition</a:t>
-            </a:r>
-            <a:r>
-              <a:rPr lang="en">
-                <a:solidFill>
-                  <a:srgbClr val="000000"/>
-                </a:solidFill>
-              </a:rPr>
-              <a:t> to get the blood flowing! The more people you beat in a competition you move up in our Challenge.ME Leaderboard!  </a:t>
-            </a:r>
-            <a:endParaRPr>
-              <a:solidFill>
-                <a:srgbClr val="000000"/>
-              </a:solidFill>
-            </a:endParaRPr>
-          </a:p>
-        </p:txBody>
-      </p:sp>
+          <a:noFill/>
+          <a:ln>
+            <a:noFill/>
+          </a:ln>
+        </p:spPr>
+      </p:pic>
     </p:spTree>
   </p:cSld>
   <p:clrMapOvr>
@@ -11617,7 +13838,7 @@
   <p:cSld>
     <p:spTree>
       <p:nvGrpSpPr>
-        <p:cNvPr id="146" name="Shape 146"/>
+        <p:cNvPr id="149" name="Shape 149"/>
         <p:cNvGrpSpPr/>
         <p:nvPr/>
       </p:nvGrpSpPr>
@@ -11631,160 +13852,14 @@
       </p:grpSpPr>
       <p:sp>
         <p:nvSpPr>
-          <p:cNvPr id="147" name="Google Shape;147;p16"/>
+          <p:cNvPr id="150" name="Google Shape;150;p16"/>
           <p:cNvSpPr txBox="1"/>
-          <p:nvPr>
-            <p:ph type="title"/>
-          </p:nvPr>
+          <p:nvPr/>
         </p:nvSpPr>
         <p:spPr>
           <a:xfrm>
-            <a:off x="819150" y="845600"/>
-            <a:ext cx="7505700" cy="598800"/>
-          </a:xfrm>
-          <a:prstGeom prst="rect">
-            <a:avLst/>
-          </a:prstGeom>
-        </p:spPr>
-        <p:txBody>
-          <a:bodyPr anchorCtr="0" anchor="t" bIns="91425" lIns="91425" spcFirstLastPara="1" rIns="91425" wrap="square" tIns="91425">
-            <a:noAutofit/>
-          </a:bodyPr>
-          <a:lstStyle/>
-          <a:p>
-            <a:pPr indent="0" lvl="0" marL="0" rtl="0" algn="ctr">
-              <a:spcBef>
-                <a:spcPts val="0"/>
-              </a:spcBef>
-              <a:spcAft>
-                <a:spcPts val="0"/>
-              </a:spcAft>
-              <a:buNone/>
-            </a:pPr>
-            <a:r>
-              <a:rPr lang="en" sz="2500"/>
-              <a:t>Isolation has negative impacts on mental health</a:t>
-            </a:r>
-            <a:endParaRPr sz="2500"/>
-          </a:p>
-        </p:txBody>
-      </p:sp>
-      <p:sp>
-        <p:nvSpPr>
-          <p:cNvPr id="148" name="Google Shape;148;p16"/>
-          <p:cNvSpPr txBox="1"/>
-          <p:nvPr>
-            <p:ph idx="1" type="body"/>
-          </p:nvPr>
-        </p:nvSpPr>
-        <p:spPr>
-          <a:xfrm>
-            <a:off x="819150" y="1990725"/>
-            <a:ext cx="7505700" cy="1267200"/>
-          </a:xfrm>
-          <a:prstGeom prst="rect">
-            <a:avLst/>
-          </a:prstGeom>
-        </p:spPr>
-        <p:txBody>
-          <a:bodyPr anchorCtr="0" anchor="t" bIns="91425" lIns="91425" spcFirstLastPara="1" rIns="91425" wrap="square" tIns="91425">
-            <a:noAutofit/>
-          </a:bodyPr>
-          <a:lstStyle/>
-          <a:p>
-            <a:pPr indent="0" lvl="0" marL="0" rtl="0" algn="ctr">
-              <a:lnSpc>
-                <a:spcPct val="115000"/>
-              </a:lnSpc>
-              <a:spcBef>
-                <a:spcPts val="0"/>
-              </a:spcBef>
-              <a:spcAft>
-                <a:spcPts val="0"/>
-              </a:spcAft>
-              <a:buNone/>
-            </a:pPr>
-            <a:r>
-              <a:rPr lang="en" sz="1500">
-                <a:solidFill>
-                  <a:srgbClr val="000000"/>
-                </a:solidFill>
-              </a:rPr>
-              <a:t>Perceived social isolation during the COVID-19 pandemic significantly has had an extraordinary global impact, with significant psychological consequences. Changes in our daily lives, feeling of loneliness, job losses, financial difficulty, and grief over the death of loved ones have the potential to affect the mental health of many. [</a:t>
-            </a:r>
-            <a:r>
-              <a:rPr lang="en" sz="1500" u="sng">
-                <a:solidFill>
-                  <a:srgbClr val="000000"/>
-                </a:solidFill>
-                <a:hlinkClick r:id="rId3">
-                  <a:extLst>
-                    <a:ext uri="{A12FA001-AC4F-418D-AE19-62706E023703}">
-                      <ahyp:hlinkClr val="tx"/>
-                    </a:ext>
-                  </a:extLst>
-                </a:hlinkClick>
-              </a:rPr>
-              <a:t>source</a:t>
-            </a:r>
-            <a:r>
-              <a:rPr lang="en" sz="1500">
-                <a:solidFill>
-                  <a:srgbClr val="000000"/>
-                </a:solidFill>
-              </a:rPr>
-              <a:t>: National Institute of Health]</a:t>
-            </a:r>
-            <a:endParaRPr sz="1500">
-              <a:solidFill>
-                <a:srgbClr val="000000"/>
-              </a:solidFill>
-            </a:endParaRPr>
-          </a:p>
-        </p:txBody>
-      </p:sp>
-    </p:spTree>
-  </p:cSld>
-  <p:clrMapOvr>
-    <a:masterClrMapping/>
-  </p:clrMapOvr>
-</p:sld>
-</file>
-
-<file path=ppt/slides/slide5.xml><?xml version="1.0" encoding="utf-8"?>
-<p:sld xmlns:a="http://schemas.openxmlformats.org/drawingml/2006/main" xmlns:r="http://schemas.openxmlformats.org/officeDocument/2006/relationships" xmlns:mc="http://schemas.openxmlformats.org/markup-compatibility/2006" xmlns:mv="urn:schemas-microsoft-com:mac:vml" xmlns:p="http://schemas.openxmlformats.org/presentationml/2006/main" xmlns:c="http://schemas.openxmlformats.org/drawingml/2006/chart" xmlns:dgm="http://schemas.openxmlformats.org/drawingml/2006/diagram" xmlns:o="urn:schemas-microsoft-com:office:office" xmlns:v="urn:schemas-microsoft-com:vml" xmlns:pvml="urn:schemas-microsoft-com:office:powerpoint" xmlns:com="http://schemas.openxmlformats.org/drawingml/2006/compatibility" xmlns:p14="http://schemas.microsoft.com/office/powerpoint/2010/main" xmlns:p15="http://schemas.microsoft.com/office/powerpoint/2012/main" xmlns:ahyp="http://schemas.microsoft.com/office/drawing/2018/hyperlinkcolor">
-  <p:cSld>
-    <p:spTree>
-      <p:nvGrpSpPr>
-        <p:cNvPr id="152" name="Shape 152"/>
-        <p:cNvGrpSpPr/>
-        <p:nvPr/>
-      </p:nvGrpSpPr>
-      <p:grpSpPr>
-        <a:xfrm>
-          <a:off x="0" y="0"/>
-          <a:ext cx="0" cy="0"/>
-          <a:chOff x="0" y="0"/>
-          <a:chExt cx="0" cy="0"/>
-        </a:xfrm>
-      </p:grpSpPr>
-      <p:pic>
-        <p:nvPicPr>
-          <p:cNvPr id="153" name="Google Shape;153;p17"/>
-          <p:cNvPicPr preferRelativeResize="0"/>
-          <p:nvPr/>
-        </p:nvPicPr>
-        <p:blipFill rotWithShape="1">
-          <a:blip r:embed="rId3">
-            <a:alphaModFix/>
-          </a:blip>
-          <a:srcRect b="0" l="9662" r="8937" t="0"/>
-          <a:stretch/>
-        </p:blipFill>
-        <p:spPr>
-          <a:xfrm>
-            <a:off x="211750" y="1041225"/>
-            <a:ext cx="8720500" cy="3061050"/>
+            <a:off x="963000" y="560750"/>
+            <a:ext cx="7218000" cy="422700"/>
           </a:xfrm>
           <a:prstGeom prst="rect">
             <a:avLst/>
@@ -11794,177 +13869,6 @@
             <a:noFill/>
           </a:ln>
         </p:spPr>
-      </p:pic>
-      <p:sp>
-        <p:nvSpPr>
-          <p:cNvPr id="154" name="Google Shape;154;p17"/>
-          <p:cNvSpPr txBox="1"/>
-          <p:nvPr/>
-        </p:nvSpPr>
-        <p:spPr>
-          <a:xfrm>
-            <a:off x="963000" y="375775"/>
-            <a:ext cx="7218000" cy="422700"/>
-          </a:xfrm>
-          <a:prstGeom prst="rect">
-            <a:avLst/>
-          </a:prstGeom>
-          <a:noFill/>
-          <a:ln>
-            <a:noFill/>
-          </a:ln>
-        </p:spPr>
-        <p:txBody>
-          <a:bodyPr anchorCtr="0" anchor="t" bIns="91425" lIns="91425" spcFirstLastPara="1" rIns="91425" wrap="square" tIns="91425">
-            <a:noAutofit/>
-          </a:bodyPr>
-          <a:lstStyle/>
-          <a:p>
-            <a:pPr indent="0" lvl="0" marL="0" rtl="0" algn="ctr">
-              <a:spcBef>
-                <a:spcPts val="0"/>
-              </a:spcBef>
-              <a:spcAft>
-                <a:spcPts val="0"/>
-              </a:spcAft>
-              <a:buNone/>
-            </a:pPr>
-            <a:r>
-              <a:rPr lang="en">
-                <a:latin typeface="Calibri"/>
-                <a:ea typeface="Calibri"/>
-                <a:cs typeface="Calibri"/>
-                <a:sym typeface="Calibri"/>
-              </a:rPr>
-              <a:t>Are we observing an increase in depression among adults since the pandemic?</a:t>
-            </a:r>
-            <a:endParaRPr>
-              <a:latin typeface="Calibri"/>
-              <a:ea typeface="Calibri"/>
-              <a:cs typeface="Calibri"/>
-              <a:sym typeface="Calibri"/>
-            </a:endParaRPr>
-          </a:p>
-        </p:txBody>
-      </p:sp>
-      <p:sp>
-        <p:nvSpPr>
-          <p:cNvPr id="155" name="Google Shape;155;p17"/>
-          <p:cNvSpPr txBox="1"/>
-          <p:nvPr/>
-        </p:nvSpPr>
-        <p:spPr>
-          <a:xfrm>
-            <a:off x="963000" y="4147575"/>
-            <a:ext cx="7218000" cy="526200"/>
-          </a:xfrm>
-          <a:prstGeom prst="rect">
-            <a:avLst/>
-          </a:prstGeom>
-          <a:noFill/>
-          <a:ln>
-            <a:noFill/>
-          </a:ln>
-        </p:spPr>
-        <p:txBody>
-          <a:bodyPr anchorCtr="0" anchor="t" bIns="91425" lIns="91425" spcFirstLastPara="1" rIns="91425" wrap="square" tIns="91425">
-            <a:noAutofit/>
-          </a:bodyPr>
-          <a:lstStyle/>
-          <a:p>
-            <a:pPr indent="0" lvl="0" marL="0" rtl="0" algn="l">
-              <a:spcBef>
-                <a:spcPts val="0"/>
-              </a:spcBef>
-              <a:spcAft>
-                <a:spcPts val="0"/>
-              </a:spcAft>
-              <a:buNone/>
-            </a:pPr>
-            <a:r>
-              <a:rPr i="1" lang="en" sz="1200">
-                <a:latin typeface="Calibri"/>
-                <a:ea typeface="Calibri"/>
-                <a:cs typeface="Calibri"/>
-                <a:sym typeface="Calibri"/>
-              </a:rPr>
-              <a:t>In the most recent week compared to the beginning of the pandemic, all states, except Massachusetts and New York, record an increase in reports of depression symptoms among adults. [</a:t>
-            </a:r>
-            <a:r>
-              <a:rPr i="1" lang="en" sz="1200" u="sng">
-                <a:solidFill>
-                  <a:schemeClr val="hlink"/>
-                </a:solidFill>
-                <a:latin typeface="Calibri"/>
-                <a:ea typeface="Calibri"/>
-                <a:cs typeface="Calibri"/>
-                <a:sym typeface="Calibri"/>
-                <a:hlinkClick r:id="rId4"/>
-              </a:rPr>
-              <a:t>data source</a:t>
-            </a:r>
-            <a:r>
-              <a:rPr i="1" lang="en" sz="1200">
-                <a:latin typeface="Calibri"/>
-                <a:ea typeface="Calibri"/>
-                <a:cs typeface="Calibri"/>
-                <a:sym typeface="Calibri"/>
-              </a:rPr>
-              <a:t>: CDC]</a:t>
-            </a:r>
-            <a:endParaRPr i="1" sz="1200">
-              <a:latin typeface="Calibri"/>
-              <a:ea typeface="Calibri"/>
-              <a:cs typeface="Calibri"/>
-              <a:sym typeface="Calibri"/>
-            </a:endParaRPr>
-          </a:p>
-        </p:txBody>
-      </p:sp>
-    </p:spTree>
-  </p:cSld>
-  <p:clrMapOvr>
-    <a:masterClrMapping/>
-  </p:clrMapOvr>
-</p:sld>
-</file>
-
-<file path=ppt/slides/slide6.xml><?xml version="1.0" encoding="utf-8"?>
-<p:sld xmlns:a="http://schemas.openxmlformats.org/drawingml/2006/main" xmlns:r="http://schemas.openxmlformats.org/officeDocument/2006/relationships" xmlns:mc="http://schemas.openxmlformats.org/markup-compatibility/2006" xmlns:mv="urn:schemas-microsoft-com:mac:vml" xmlns:p="http://schemas.openxmlformats.org/presentationml/2006/main" xmlns:c="http://schemas.openxmlformats.org/drawingml/2006/chart" xmlns:dgm="http://schemas.openxmlformats.org/drawingml/2006/diagram" xmlns:o="urn:schemas-microsoft-com:office:office" xmlns:v="urn:schemas-microsoft-com:vml" xmlns:pvml="urn:schemas-microsoft-com:office:powerpoint" xmlns:com="http://schemas.openxmlformats.org/drawingml/2006/compatibility" xmlns:p14="http://schemas.microsoft.com/office/powerpoint/2010/main" xmlns:p15="http://schemas.microsoft.com/office/powerpoint/2012/main" xmlns:ahyp="http://schemas.microsoft.com/office/drawing/2018/hyperlinkcolor">
-  <p:cSld>
-    <p:spTree>
-      <p:nvGrpSpPr>
-        <p:cNvPr id="159" name="Shape 159"/>
-        <p:cNvGrpSpPr/>
-        <p:nvPr/>
-      </p:nvGrpSpPr>
-      <p:grpSpPr>
-        <a:xfrm>
-          <a:off x="0" y="0"/>
-          <a:ext cx="0" cy="0"/>
-          <a:chOff x="0" y="0"/>
-          <a:chExt cx="0" cy="0"/>
-        </a:xfrm>
-      </p:grpSpPr>
-      <p:sp>
-        <p:nvSpPr>
-          <p:cNvPr id="160" name="Google Shape;160;p18"/>
-          <p:cNvSpPr txBox="1"/>
-          <p:nvPr/>
-        </p:nvSpPr>
-        <p:spPr>
-          <a:xfrm>
-            <a:off x="963000" y="560750"/>
-            <a:ext cx="7218000" cy="422700"/>
-          </a:xfrm>
-          <a:prstGeom prst="rect">
-            <a:avLst/>
-          </a:prstGeom>
-          <a:noFill/>
-          <a:ln>
-            <a:noFill/>
-          </a:ln>
-        </p:spPr>
         <p:txBody>
           <a:bodyPr anchorCtr="0" anchor="t" bIns="91425" lIns="91425" spcFirstLastPara="1" rIns="91425" wrap="square" tIns="91425">
             <a:noAutofit/>
@@ -12000,7 +13904,7 @@
       </p:sp>
       <p:sp>
         <p:nvSpPr>
-          <p:cNvPr id="161" name="Google Shape;161;p18"/>
+          <p:cNvPr id="151" name="Google Shape;151;p16"/>
           <p:cNvSpPr txBox="1"/>
           <p:nvPr/>
         </p:nvSpPr>
@@ -12242,7 +14146,7 @@
       </p:sp>
       <p:pic>
         <p:nvPicPr>
-          <p:cNvPr id="162" name="Google Shape;162;p18"/>
+          <p:cNvPr id="152" name="Google Shape;152;p16"/>
           <p:cNvPicPr preferRelativeResize="0"/>
           <p:nvPr/>
         </p:nvPicPr>
@@ -12268,6 +14172,323 @@
           </a:ln>
         </p:spPr>
       </p:pic>
+    </p:spTree>
+  </p:cSld>
+  <p:clrMapOvr>
+    <a:masterClrMapping/>
+  </p:clrMapOvr>
+</p:sld>
+</file>
+
+<file path=ppt/slides/slide5.xml><?xml version="1.0" encoding="utf-8"?>
+<p:sld xmlns:a="http://schemas.openxmlformats.org/drawingml/2006/main" xmlns:r="http://schemas.openxmlformats.org/officeDocument/2006/relationships" xmlns:mc="http://schemas.openxmlformats.org/markup-compatibility/2006" xmlns:mv="urn:schemas-microsoft-com:mac:vml" xmlns:p="http://schemas.openxmlformats.org/presentationml/2006/main" xmlns:c="http://schemas.openxmlformats.org/drawingml/2006/chart" xmlns:dgm="http://schemas.openxmlformats.org/drawingml/2006/diagram" xmlns:o="urn:schemas-microsoft-com:office:office" xmlns:v="urn:schemas-microsoft-com:vml" xmlns:pvml="urn:schemas-microsoft-com:office:powerpoint" xmlns:com="http://schemas.openxmlformats.org/drawingml/2006/compatibility" xmlns:p14="http://schemas.microsoft.com/office/powerpoint/2010/main" xmlns:p15="http://schemas.microsoft.com/office/powerpoint/2012/main" xmlns:ahyp="http://schemas.microsoft.com/office/drawing/2018/hyperlinkcolor">
+  <p:cSld>
+    <p:spTree>
+      <p:nvGrpSpPr>
+        <p:cNvPr id="156" name="Shape 156"/>
+        <p:cNvGrpSpPr/>
+        <p:nvPr/>
+      </p:nvGrpSpPr>
+      <p:grpSpPr>
+        <a:xfrm>
+          <a:off x="0" y="0"/>
+          <a:ext cx="0" cy="0"/>
+          <a:chOff x="0" y="0"/>
+          <a:chExt cx="0" cy="0"/>
+        </a:xfrm>
+      </p:grpSpPr>
+      <p:pic>
+        <p:nvPicPr>
+          <p:cNvPr id="157" name="Google Shape;157;p17"/>
+          <p:cNvPicPr preferRelativeResize="0"/>
+          <p:nvPr/>
+        </p:nvPicPr>
+        <p:blipFill rotWithShape="1">
+          <a:blip r:embed="rId3">
+            <a:alphaModFix/>
+          </a:blip>
+          <a:srcRect b="0" l="9662" r="8937" t="0"/>
+          <a:stretch/>
+        </p:blipFill>
+        <p:spPr>
+          <a:xfrm>
+            <a:off x="211750" y="1041225"/>
+            <a:ext cx="8720500" cy="3061050"/>
+          </a:xfrm>
+          <a:prstGeom prst="rect">
+            <a:avLst/>
+          </a:prstGeom>
+          <a:noFill/>
+          <a:ln>
+            <a:noFill/>
+          </a:ln>
+        </p:spPr>
+      </p:pic>
+      <p:sp>
+        <p:nvSpPr>
+          <p:cNvPr id="158" name="Google Shape;158;p17"/>
+          <p:cNvSpPr txBox="1"/>
+          <p:nvPr/>
+        </p:nvSpPr>
+        <p:spPr>
+          <a:xfrm>
+            <a:off x="963000" y="375775"/>
+            <a:ext cx="7218000" cy="422700"/>
+          </a:xfrm>
+          <a:prstGeom prst="rect">
+            <a:avLst/>
+          </a:prstGeom>
+          <a:noFill/>
+          <a:ln>
+            <a:noFill/>
+          </a:ln>
+        </p:spPr>
+        <p:txBody>
+          <a:bodyPr anchorCtr="0" anchor="t" bIns="91425" lIns="91425" spcFirstLastPara="1" rIns="91425" wrap="square" tIns="91425">
+            <a:noAutofit/>
+          </a:bodyPr>
+          <a:lstStyle/>
+          <a:p>
+            <a:pPr indent="0" lvl="0" marL="0" rtl="0" algn="ctr">
+              <a:spcBef>
+                <a:spcPts val="0"/>
+              </a:spcBef>
+              <a:spcAft>
+                <a:spcPts val="0"/>
+              </a:spcAft>
+              <a:buNone/>
+            </a:pPr>
+            <a:r>
+              <a:rPr lang="en">
+                <a:latin typeface="Calibri"/>
+                <a:ea typeface="Calibri"/>
+                <a:cs typeface="Calibri"/>
+                <a:sym typeface="Calibri"/>
+              </a:rPr>
+              <a:t>Are we observing an increase in depression among adults since the pandemic?</a:t>
+            </a:r>
+            <a:endParaRPr>
+              <a:latin typeface="Calibri"/>
+              <a:ea typeface="Calibri"/>
+              <a:cs typeface="Calibri"/>
+              <a:sym typeface="Calibri"/>
+            </a:endParaRPr>
+          </a:p>
+        </p:txBody>
+      </p:sp>
+      <p:sp>
+        <p:nvSpPr>
+          <p:cNvPr id="159" name="Google Shape;159;p17"/>
+          <p:cNvSpPr txBox="1"/>
+          <p:nvPr/>
+        </p:nvSpPr>
+        <p:spPr>
+          <a:xfrm>
+            <a:off x="963000" y="4147575"/>
+            <a:ext cx="7218000" cy="526200"/>
+          </a:xfrm>
+          <a:prstGeom prst="rect">
+            <a:avLst/>
+          </a:prstGeom>
+          <a:noFill/>
+          <a:ln>
+            <a:noFill/>
+          </a:ln>
+        </p:spPr>
+        <p:txBody>
+          <a:bodyPr anchorCtr="0" anchor="t" bIns="91425" lIns="91425" spcFirstLastPara="1" rIns="91425" wrap="square" tIns="91425">
+            <a:noAutofit/>
+          </a:bodyPr>
+          <a:lstStyle/>
+          <a:p>
+            <a:pPr indent="0" lvl="0" marL="0" rtl="0" algn="l">
+              <a:spcBef>
+                <a:spcPts val="0"/>
+              </a:spcBef>
+              <a:spcAft>
+                <a:spcPts val="0"/>
+              </a:spcAft>
+              <a:buNone/>
+            </a:pPr>
+            <a:r>
+              <a:rPr i="1" lang="en" sz="1200">
+                <a:latin typeface="Calibri"/>
+                <a:ea typeface="Calibri"/>
+                <a:cs typeface="Calibri"/>
+                <a:sym typeface="Calibri"/>
+              </a:rPr>
+              <a:t>In the most recent week compared to the beginning of the pandemic, all states, except Massachusetts and New York, record an increase in reports of depression symptoms among adults. [</a:t>
+            </a:r>
+            <a:r>
+              <a:rPr i="1" lang="en" sz="1200" u="sng">
+                <a:solidFill>
+                  <a:schemeClr val="hlink"/>
+                </a:solidFill>
+                <a:latin typeface="Calibri"/>
+                <a:ea typeface="Calibri"/>
+                <a:cs typeface="Calibri"/>
+                <a:sym typeface="Calibri"/>
+                <a:hlinkClick r:id="rId4"/>
+              </a:rPr>
+              <a:t>data source</a:t>
+            </a:r>
+            <a:r>
+              <a:rPr i="1" lang="en" sz="1200">
+                <a:latin typeface="Calibri"/>
+                <a:ea typeface="Calibri"/>
+                <a:cs typeface="Calibri"/>
+                <a:sym typeface="Calibri"/>
+              </a:rPr>
+              <a:t>: CDC]</a:t>
+            </a:r>
+            <a:endParaRPr i="1" sz="1200">
+              <a:latin typeface="Calibri"/>
+              <a:ea typeface="Calibri"/>
+              <a:cs typeface="Calibri"/>
+              <a:sym typeface="Calibri"/>
+            </a:endParaRPr>
+          </a:p>
+        </p:txBody>
+      </p:sp>
+    </p:spTree>
+  </p:cSld>
+  <p:clrMapOvr>
+    <a:masterClrMapping/>
+  </p:clrMapOvr>
+</p:sld>
+</file>
+
+<file path=ppt/slides/slide6.xml><?xml version="1.0" encoding="utf-8"?>
+<p:sld xmlns:a="http://schemas.openxmlformats.org/drawingml/2006/main" xmlns:r="http://schemas.openxmlformats.org/officeDocument/2006/relationships" xmlns:mc="http://schemas.openxmlformats.org/markup-compatibility/2006" xmlns:mv="urn:schemas-microsoft-com:mac:vml" xmlns:p="http://schemas.openxmlformats.org/presentationml/2006/main" xmlns:c="http://schemas.openxmlformats.org/drawingml/2006/chart" xmlns:dgm="http://schemas.openxmlformats.org/drawingml/2006/diagram" xmlns:o="urn:schemas-microsoft-com:office:office" xmlns:v="urn:schemas-microsoft-com:vml" xmlns:pvml="urn:schemas-microsoft-com:office:powerpoint" xmlns:com="http://schemas.openxmlformats.org/drawingml/2006/compatibility" xmlns:p14="http://schemas.microsoft.com/office/powerpoint/2010/main" xmlns:p15="http://schemas.microsoft.com/office/powerpoint/2012/main" xmlns:ahyp="http://schemas.microsoft.com/office/drawing/2018/hyperlinkcolor">
+  <p:cSld>
+    <p:spTree>
+      <p:nvGrpSpPr>
+        <p:cNvPr id="163" name="Shape 163"/>
+        <p:cNvGrpSpPr/>
+        <p:nvPr/>
+      </p:nvGrpSpPr>
+      <p:grpSpPr>
+        <a:xfrm>
+          <a:off x="0" y="0"/>
+          <a:ext cx="0" cy="0"/>
+          <a:chOff x="0" y="0"/>
+          <a:chExt cx="0" cy="0"/>
+        </a:xfrm>
+      </p:grpSpPr>
+      <p:sp>
+        <p:nvSpPr>
+          <p:cNvPr id="164" name="Google Shape;164;p18"/>
+          <p:cNvSpPr txBox="1"/>
+          <p:nvPr>
+            <p:ph type="title"/>
+          </p:nvPr>
+        </p:nvSpPr>
+        <p:spPr>
+          <a:xfrm>
+            <a:off x="819150" y="845600"/>
+            <a:ext cx="7505700" cy="598800"/>
+          </a:xfrm>
+          <a:prstGeom prst="rect">
+            <a:avLst/>
+          </a:prstGeom>
+        </p:spPr>
+        <p:txBody>
+          <a:bodyPr anchorCtr="0" anchor="t" bIns="91425" lIns="91425" spcFirstLastPara="1" rIns="91425" wrap="square" tIns="91425">
+            <a:noAutofit/>
+          </a:bodyPr>
+          <a:lstStyle/>
+          <a:p>
+            <a:pPr indent="0" lvl="0" marL="0" rtl="0" algn="ctr">
+              <a:spcBef>
+                <a:spcPts val="0"/>
+              </a:spcBef>
+              <a:spcAft>
+                <a:spcPts val="0"/>
+              </a:spcAft>
+              <a:buNone/>
+            </a:pPr>
+            <a:r>
+              <a:rPr lang="en" sz="2500"/>
+              <a:t>Isolation has negative impacts on mental health</a:t>
+            </a:r>
+            <a:endParaRPr sz="2500"/>
+          </a:p>
+        </p:txBody>
+      </p:sp>
+      <p:sp>
+        <p:nvSpPr>
+          <p:cNvPr id="165" name="Google Shape;165;p18"/>
+          <p:cNvSpPr txBox="1"/>
+          <p:nvPr>
+            <p:ph idx="1" type="body"/>
+          </p:nvPr>
+        </p:nvSpPr>
+        <p:spPr>
+          <a:xfrm>
+            <a:off x="819150" y="1990725"/>
+            <a:ext cx="7505700" cy="1267200"/>
+          </a:xfrm>
+          <a:prstGeom prst="rect">
+            <a:avLst/>
+          </a:prstGeom>
+        </p:spPr>
+        <p:txBody>
+          <a:bodyPr anchorCtr="0" anchor="t" bIns="91425" lIns="91425" spcFirstLastPara="1" rIns="91425" wrap="square" tIns="91425">
+            <a:noAutofit/>
+          </a:bodyPr>
+          <a:lstStyle/>
+          <a:p>
+            <a:pPr indent="0" lvl="0" marL="0" rtl="0" algn="ctr">
+              <a:lnSpc>
+                <a:spcPct val="115000"/>
+              </a:lnSpc>
+              <a:spcBef>
+                <a:spcPts val="0"/>
+              </a:spcBef>
+              <a:spcAft>
+                <a:spcPts val="0"/>
+              </a:spcAft>
+              <a:buNone/>
+            </a:pPr>
+            <a:r>
+              <a:rPr lang="en" sz="1500">
+                <a:solidFill>
+                  <a:srgbClr val="000000"/>
+                </a:solidFill>
+              </a:rPr>
+              <a:t>Perceived social isolation during the COVID-19 pandemic significantly has had an extraordinary global impact, with significant psychological consequences. Changes in our daily lives, feeling of loneliness, job losses, financial difficulty, and grief over the death of loved ones have the potential to affect the mental health of many. [</a:t>
+            </a:r>
+            <a:r>
+              <a:rPr lang="en" sz="1500" u="sng">
+                <a:solidFill>
+                  <a:srgbClr val="000000"/>
+                </a:solidFill>
+                <a:hlinkClick r:id="rId3">
+                  <a:extLst>
+                    <a:ext uri="{A12FA001-AC4F-418D-AE19-62706E023703}">
+                      <ahyp:hlinkClr val="tx"/>
+                    </a:ext>
+                  </a:extLst>
+                </a:hlinkClick>
+              </a:rPr>
+              <a:t>source</a:t>
+            </a:r>
+            <a:r>
+              <a:rPr lang="en" sz="1500">
+                <a:solidFill>
+                  <a:srgbClr val="000000"/>
+                </a:solidFill>
+              </a:rPr>
+              <a:t>: National Institute of Health]</a:t>
+            </a:r>
+            <a:endParaRPr sz="1500">
+              <a:solidFill>
+                <a:srgbClr val="000000"/>
+              </a:solidFill>
+            </a:endParaRPr>
+          </a:p>
+        </p:txBody>
+      </p:sp>
     </p:spTree>
   </p:cSld>
   <p:clrMapOvr>
@@ -12281,7 +14502,7 @@
   <p:cSld>
     <p:spTree>
       <p:nvGrpSpPr>
-        <p:cNvPr id="166" name="Shape 166"/>
+        <p:cNvPr id="169" name="Shape 169"/>
         <p:cNvGrpSpPr/>
         <p:nvPr/>
       </p:nvGrpSpPr>
@@ -12293,9 +14514,199 @@
           <a:chExt cx="0" cy="0"/>
         </a:xfrm>
       </p:grpSpPr>
+      <p:sp>
+        <p:nvSpPr>
+          <p:cNvPr id="170" name="Google Shape;170;p19"/>
+          <p:cNvSpPr txBox="1"/>
+          <p:nvPr>
+            <p:ph idx="1" type="body"/>
+          </p:nvPr>
+        </p:nvSpPr>
+        <p:spPr>
+          <a:xfrm>
+            <a:off x="4572000" y="511875"/>
+            <a:ext cx="4198800" cy="1770600"/>
+          </a:xfrm>
+          <a:prstGeom prst="rect">
+            <a:avLst/>
+          </a:prstGeom>
+        </p:spPr>
+        <p:txBody>
+          <a:bodyPr anchorCtr="0" anchor="t" bIns="91425" lIns="91425" spcFirstLastPara="1" rIns="91425" wrap="square" tIns="91425">
+            <a:noAutofit/>
+          </a:bodyPr>
+          <a:lstStyle/>
+          <a:p>
+            <a:pPr indent="0" lvl="0" marL="0" rtl="0" algn="l">
+              <a:spcBef>
+                <a:spcPts val="0"/>
+              </a:spcBef>
+              <a:spcAft>
+                <a:spcPts val="0"/>
+              </a:spcAft>
+              <a:buNone/>
+            </a:pPr>
+            <a:r>
+              <a:rPr lang="en"/>
+              <a:t>Frustrations</a:t>
+            </a:r>
+            <a:endParaRPr/>
+          </a:p>
+          <a:p>
+            <a:pPr indent="-311150" lvl="0" marL="457200" rtl="0" algn="l">
+              <a:spcBef>
+                <a:spcPts val="1600"/>
+              </a:spcBef>
+              <a:spcAft>
+                <a:spcPts val="0"/>
+              </a:spcAft>
+              <a:buSzPts val="1300"/>
+              <a:buChar char="●"/>
+            </a:pPr>
+            <a:r>
+              <a:rPr lang="en"/>
+              <a:t>Bar he worked at is closed due to Covid-19 and he has been </a:t>
+            </a:r>
+            <a:r>
+              <a:rPr lang="en"/>
+              <a:t>laid</a:t>
+            </a:r>
+            <a:r>
+              <a:rPr lang="en"/>
+              <a:t> off</a:t>
+            </a:r>
+            <a:endParaRPr/>
+          </a:p>
+          <a:p>
+            <a:pPr indent="-311150" lvl="0" marL="457200" rtl="0" algn="l">
+              <a:spcBef>
+                <a:spcPts val="0"/>
+              </a:spcBef>
+              <a:spcAft>
+                <a:spcPts val="0"/>
+              </a:spcAft>
+              <a:buSzPts val="1300"/>
+              <a:buChar char="●"/>
+            </a:pPr>
+            <a:r>
+              <a:rPr lang="en"/>
+              <a:t>Feels depressed because he doesn’t see his customers everyday</a:t>
+            </a:r>
+            <a:endParaRPr/>
+          </a:p>
+          <a:p>
+            <a:pPr indent="-311150" lvl="0" marL="457200" rtl="0" algn="l">
+              <a:spcBef>
+                <a:spcPts val="0"/>
+              </a:spcBef>
+              <a:spcAft>
+                <a:spcPts val="0"/>
+              </a:spcAft>
+              <a:buSzPts val="1300"/>
+              <a:buChar char="●"/>
+            </a:pPr>
+            <a:r>
+              <a:rPr lang="en"/>
+              <a:t>Feels anxious and uninspired to do anything because he is unsure of the future</a:t>
+            </a:r>
+            <a:endParaRPr/>
+          </a:p>
+        </p:txBody>
+      </p:sp>
+      <p:sp>
+        <p:nvSpPr>
+          <p:cNvPr id="171" name="Google Shape;171;p19"/>
+          <p:cNvSpPr txBox="1"/>
+          <p:nvPr>
+            <p:ph idx="1" type="body"/>
+          </p:nvPr>
+        </p:nvSpPr>
+        <p:spPr>
+          <a:xfrm>
+            <a:off x="4572000" y="2469050"/>
+            <a:ext cx="3684900" cy="2039400"/>
+          </a:xfrm>
+          <a:prstGeom prst="rect">
+            <a:avLst/>
+          </a:prstGeom>
+        </p:spPr>
+        <p:txBody>
+          <a:bodyPr anchorCtr="0" anchor="t" bIns="91425" lIns="91425" spcFirstLastPara="1" rIns="91425" wrap="square" tIns="91425">
+            <a:noAutofit/>
+          </a:bodyPr>
+          <a:lstStyle/>
+          <a:p>
+            <a:pPr indent="0" lvl="0" marL="0" rtl="0" algn="l">
+              <a:spcBef>
+                <a:spcPts val="0"/>
+              </a:spcBef>
+              <a:spcAft>
+                <a:spcPts val="0"/>
+              </a:spcAft>
+              <a:buNone/>
+            </a:pPr>
+            <a:r>
+              <a:rPr lang="en"/>
+              <a:t>Goals</a:t>
+            </a:r>
+            <a:endParaRPr/>
+          </a:p>
+          <a:p>
+            <a:pPr indent="-311150" lvl="0" marL="457200" rtl="0" algn="l">
+              <a:spcBef>
+                <a:spcPts val="1600"/>
+              </a:spcBef>
+              <a:spcAft>
+                <a:spcPts val="0"/>
+              </a:spcAft>
+              <a:buSzPts val="1300"/>
+              <a:buChar char="●"/>
+            </a:pPr>
+            <a:r>
+              <a:rPr lang="en"/>
+              <a:t> He wants to connect with people again and share his love for cocktails with others</a:t>
+            </a:r>
+            <a:endParaRPr/>
+          </a:p>
+          <a:p>
+            <a:pPr indent="-311150" lvl="0" marL="457200" rtl="0" algn="l">
+              <a:spcBef>
+                <a:spcPts val="0"/>
+              </a:spcBef>
+              <a:spcAft>
+                <a:spcPts val="0"/>
+              </a:spcAft>
+              <a:buSzPts val="1300"/>
+              <a:buChar char="●"/>
+            </a:pPr>
+            <a:r>
+              <a:rPr lang="en"/>
+              <a:t>Wants to keep his bartending skills sharp for when he can return to work</a:t>
+            </a:r>
+            <a:endParaRPr/>
+          </a:p>
+          <a:p>
+            <a:pPr indent="-311150" lvl="0" marL="457200" rtl="0" algn="l">
+              <a:spcBef>
+                <a:spcPts val="0"/>
+              </a:spcBef>
+              <a:spcAft>
+                <a:spcPts val="0"/>
+              </a:spcAft>
+              <a:buSzPts val="1300"/>
+              <a:buChar char="●"/>
+            </a:pPr>
+            <a:r>
+              <a:rPr lang="en"/>
+              <a:t> Wants to do something productive with his time instead of binge watching shows</a:t>
+            </a:r>
+            <a:endParaRPr/>
+          </a:p>
+        </p:txBody>
+      </p:sp>
       <p:pic>
         <p:nvPicPr>
-          <p:cNvPr id="167" name="Google Shape;167;p19"/>
+          <p:cNvPr id="172" name="Google Shape;172;p19"/>
           <p:cNvPicPr preferRelativeResize="0"/>
           <p:nvPr/>
         </p:nvPicPr>
@@ -12303,13 +14714,13 @@
           <a:blip r:embed="rId3">
             <a:alphaModFix/>
           </a:blip>
-          <a:srcRect b="0" l="0" r="0" t="-6326"/>
+          <a:srcRect b="0" l="32580" r="-6" t="0"/>
           <a:stretch/>
         </p:blipFill>
         <p:spPr>
           <a:xfrm>
-            <a:off x="667863" y="3229925"/>
-            <a:ext cx="7808274" cy="1313550"/>
+            <a:off x="283550" y="363025"/>
+            <a:ext cx="4140279" cy="4094650"/>
           </a:xfrm>
           <a:prstGeom prst="rect">
             <a:avLst/>
@@ -12320,52 +14731,25 @@
           </a:ln>
         </p:spPr>
       </p:pic>
-      <p:pic>
-        <p:nvPicPr>
-          <p:cNvPr id="168" name="Google Shape;168;p19"/>
-          <p:cNvPicPr preferRelativeResize="0"/>
-          <p:nvPr/>
-        </p:nvPicPr>
-        <p:blipFill>
-          <a:blip r:embed="rId4">
-            <a:alphaModFix/>
-          </a:blip>
-          <a:stretch>
-            <a:fillRect/>
-          </a:stretch>
-        </p:blipFill>
-        <p:spPr>
-          <a:xfrm>
-            <a:off x="4560276" y="619350"/>
-            <a:ext cx="3915849" cy="2610576"/>
+      <p:sp>
+        <p:nvSpPr>
+          <p:cNvPr id="173" name="Google Shape;173;p19"/>
+          <p:cNvSpPr txBox="1"/>
+          <p:nvPr>
+            <p:ph type="title"/>
+          </p:nvPr>
+        </p:nvSpPr>
+        <p:spPr>
+          <a:xfrm>
+            <a:off x="511225" y="4009600"/>
+            <a:ext cx="3684900" cy="630900"/>
           </a:xfrm>
           <a:prstGeom prst="rect">
             <a:avLst/>
           </a:prstGeom>
-          <a:noFill/>
-          <a:ln>
-            <a:noFill/>
-          </a:ln>
-        </p:spPr>
-      </p:pic>
-      <p:sp>
-        <p:nvSpPr>
-          <p:cNvPr id="169" name="Google Shape;169;p19"/>
-          <p:cNvSpPr txBox="1"/>
-          <p:nvPr/>
-        </p:nvSpPr>
-        <p:spPr>
-          <a:xfrm>
-            <a:off x="904150" y="1548600"/>
-            <a:ext cx="3541200" cy="1681200"/>
-          </a:xfrm>
-          <a:prstGeom prst="rect">
-            <a:avLst/>
-          </a:prstGeom>
-          <a:noFill/>
-          <a:ln>
-            <a:noFill/>
-          </a:ln>
+          <a:solidFill>
+            <a:srgbClr val="FFFFFF"/>
+          </a:solidFill>
         </p:spPr>
         <p:txBody>
           <a:bodyPr anchorCtr="0" anchor="t" bIns="91425" lIns="91425" spcFirstLastPara="1" rIns="91425" wrap="square" tIns="91425">
@@ -12383,141 +14767,10 @@
               <a:buNone/>
             </a:pPr>
             <a:r>
-              <a:rPr lang="en">
-                <a:latin typeface="Calibri"/>
-                <a:ea typeface="Calibri"/>
-                <a:cs typeface="Calibri"/>
-                <a:sym typeface="Calibri"/>
-              </a:rPr>
-              <a:t>Even though 29% of the population was able to continue working safely from home, for the remaining 71% the situation remained uncertain, with some losing their jobs due to business shutdowns and mandated lockdown orders. </a:t>
-            </a:r>
-            <a:endParaRPr>
-              <a:latin typeface="Calibri"/>
-              <a:ea typeface="Calibri"/>
-              <a:cs typeface="Calibri"/>
-              <a:sym typeface="Calibri"/>
-            </a:endParaRPr>
-          </a:p>
-          <a:p>
-            <a:pPr indent="0" lvl="0" marL="0" rtl="0" algn="l">
-              <a:spcBef>
-                <a:spcPts val="0"/>
-              </a:spcBef>
-              <a:spcAft>
-                <a:spcPts val="0"/>
-              </a:spcAft>
-              <a:buNone/>
-            </a:pPr>
-            <a:r>
-              <a:rPr lang="en" sz="1300">
-                <a:latin typeface="Calibri"/>
-                <a:ea typeface="Calibri"/>
-                <a:cs typeface="Calibri"/>
-                <a:sym typeface="Calibri"/>
-              </a:rPr>
-              <a:t>[</a:t>
-            </a:r>
-            <a:r>
-              <a:rPr lang="en" sz="1300" u="sng">
-                <a:solidFill>
-                  <a:schemeClr val="accent5"/>
-                </a:solidFill>
-                <a:latin typeface="Calibri"/>
-                <a:ea typeface="Calibri"/>
-                <a:cs typeface="Calibri"/>
-                <a:sym typeface="Calibri"/>
-                <a:hlinkClick r:id="rId5">
-                  <a:extLst>
-                    <a:ext uri="{A12FA001-AC4F-418D-AE19-62706E023703}">
-                      <ahyp:hlinkClr val="tx"/>
-                    </a:ext>
-                  </a:extLst>
-                </a:hlinkClick>
-              </a:rPr>
-              <a:t>source</a:t>
-            </a:r>
-            <a:r>
-              <a:rPr lang="en" sz="1300">
-                <a:solidFill>
-                  <a:schemeClr val="dk1"/>
-                </a:solidFill>
-                <a:latin typeface="Calibri"/>
-                <a:ea typeface="Calibri"/>
-                <a:cs typeface="Calibri"/>
-                <a:sym typeface="Calibri"/>
-              </a:rPr>
-              <a:t>:</a:t>
-            </a:r>
-            <a:r>
-              <a:rPr lang="en" sz="1300">
-                <a:latin typeface="Calibri"/>
-                <a:ea typeface="Calibri"/>
-                <a:cs typeface="Calibri"/>
-                <a:sym typeface="Calibri"/>
-              </a:rPr>
-              <a:t> Visual Capitalist/Department of Labor]</a:t>
-            </a:r>
-            <a:endParaRPr>
-              <a:latin typeface="Calibri"/>
-              <a:ea typeface="Calibri"/>
-              <a:cs typeface="Calibri"/>
-              <a:sym typeface="Calibri"/>
-            </a:endParaRPr>
-          </a:p>
-        </p:txBody>
-      </p:sp>
-      <p:sp>
-        <p:nvSpPr>
-          <p:cNvPr id="170" name="Google Shape;170;p19"/>
-          <p:cNvSpPr txBox="1"/>
-          <p:nvPr/>
-        </p:nvSpPr>
-        <p:spPr>
-          <a:xfrm>
-            <a:off x="904150" y="619350"/>
-            <a:ext cx="3541200" cy="720600"/>
-          </a:xfrm>
-          <a:prstGeom prst="rect">
-            <a:avLst/>
-          </a:prstGeom>
-          <a:noFill/>
-          <a:ln>
-            <a:noFill/>
-          </a:ln>
-        </p:spPr>
-        <p:txBody>
-          <a:bodyPr anchorCtr="0" anchor="t" bIns="91425" lIns="91425" spcFirstLastPara="1" rIns="91425" wrap="square" tIns="91425">
-            <a:noAutofit/>
-          </a:bodyPr>
-          <a:lstStyle/>
-          <a:p>
-            <a:pPr indent="0" lvl="0" marL="0" rtl="0" algn="ctr">
-              <a:spcBef>
-                <a:spcPts val="0"/>
-              </a:spcBef>
-              <a:spcAft>
-                <a:spcPts val="0"/>
-              </a:spcAft>
-              <a:buNone/>
-            </a:pPr>
-            <a:r>
-              <a:rPr lang="en" sz="1900">
-                <a:solidFill>
-                  <a:schemeClr val="lt1"/>
-                </a:solidFill>
-                <a:latin typeface="Nunito"/>
-                <a:ea typeface="Nunito"/>
-                <a:cs typeface="Nunito"/>
-                <a:sym typeface="Nunito"/>
-              </a:rPr>
-              <a:t>The pandemic has affected employment negatively</a:t>
-            </a:r>
-            <a:endParaRPr sz="800">
-              <a:latin typeface="Nunito"/>
-              <a:ea typeface="Nunito"/>
-              <a:cs typeface="Nunito"/>
-              <a:sym typeface="Nunito"/>
-            </a:endParaRPr>
+              <a:rPr lang="en"/>
+              <a:t>Competitor Charles</a:t>
+            </a:r>
+            <a:endParaRPr/>
           </a:p>
         </p:txBody>
       </p:sp>
@@ -12534,7 +14787,7 @@
   <p:cSld>
     <p:spTree>
       <p:nvGrpSpPr>
-        <p:cNvPr id="174" name="Shape 174"/>
+        <p:cNvPr id="177" name="Shape 177"/>
         <p:cNvGrpSpPr/>
         <p:nvPr/>
       </p:nvGrpSpPr>
@@ -12548,22 +14801,20 @@
       </p:grpSpPr>
       <p:sp>
         <p:nvSpPr>
-          <p:cNvPr id="175" name="Google Shape;175;p20"/>
+          <p:cNvPr id="178" name="Google Shape;178;p20"/>
           <p:cNvSpPr txBox="1"/>
-          <p:nvPr/>
+          <p:nvPr>
+            <p:ph type="title"/>
+          </p:nvPr>
         </p:nvSpPr>
         <p:spPr>
           <a:xfrm>
-            <a:off x="963000" y="560750"/>
-            <a:ext cx="7218000" cy="422700"/>
+            <a:off x="819150" y="638950"/>
+            <a:ext cx="7505700" cy="556200"/>
           </a:xfrm>
           <a:prstGeom prst="rect">
             <a:avLst/>
           </a:prstGeom>
-          <a:noFill/>
-          <a:ln>
-            <a:noFill/>
-          </a:ln>
         </p:spPr>
         <p:txBody>
           <a:bodyPr anchorCtr="0" anchor="t" bIns="91425" lIns="91425" spcFirstLastPara="1" rIns="91425" wrap="square" tIns="91425">
@@ -12571,51 +14822,39 @@
           </a:bodyPr>
           <a:lstStyle/>
           <a:p>
-            <a:pPr indent="0" lvl="0" marL="0" rtl="0" algn="ctr">
-              <a:spcBef>
-                <a:spcPts val="0"/>
-              </a:spcBef>
-              <a:spcAft>
-                <a:spcPts val="0"/>
-              </a:spcAft>
-              <a:buNone/>
-            </a:pPr>
-            <a:r>
-              <a:rPr lang="en">
-                <a:latin typeface="Calibri"/>
-                <a:ea typeface="Calibri"/>
-                <a:cs typeface="Calibri"/>
-                <a:sym typeface="Calibri"/>
-              </a:rPr>
-              <a:t>What does loss of income look like across the country during the pandemic?</a:t>
-            </a:r>
-            <a:endParaRPr>
-              <a:latin typeface="Calibri"/>
-              <a:ea typeface="Calibri"/>
-              <a:cs typeface="Calibri"/>
-              <a:sym typeface="Calibri"/>
-            </a:endParaRPr>
+            <a:pPr indent="0" lvl="0" marL="0" rtl="0" algn="l">
+              <a:spcBef>
+                <a:spcPts val="0"/>
+              </a:spcBef>
+              <a:spcAft>
+                <a:spcPts val="0"/>
+              </a:spcAft>
+              <a:buNone/>
+            </a:pPr>
+            <a:r>
+              <a:rPr lang="en" sz="2500"/>
+              <a:t>Problem Statement</a:t>
+            </a:r>
+            <a:endParaRPr sz="2500"/>
           </a:p>
         </p:txBody>
       </p:sp>
       <p:sp>
         <p:nvSpPr>
-          <p:cNvPr id="176" name="Google Shape;176;p20"/>
+          <p:cNvPr id="179" name="Google Shape;179;p20"/>
           <p:cNvSpPr txBox="1"/>
-          <p:nvPr/>
+          <p:nvPr>
+            <p:ph idx="1" type="body"/>
+          </p:nvPr>
         </p:nvSpPr>
         <p:spPr>
           <a:xfrm>
-            <a:off x="963000" y="3884325"/>
-            <a:ext cx="7218000" cy="422700"/>
+            <a:off x="819150" y="1195150"/>
+            <a:ext cx="7546200" cy="2256300"/>
           </a:xfrm>
           <a:prstGeom prst="rect">
             <a:avLst/>
           </a:prstGeom>
-          <a:noFill/>
-          <a:ln>
-            <a:noFill/>
-          </a:ln>
         </p:spPr>
         <p:txBody>
           <a:bodyPr anchorCtr="0" anchor="t" bIns="91425" lIns="91425" spcFirstLastPara="1" rIns="91425" wrap="square" tIns="91425">
@@ -12633,51 +14872,143 @@
               <a:buNone/>
             </a:pPr>
             <a:r>
-              <a:rPr i="1" lang="en" sz="1200">
-                <a:latin typeface="Calibri"/>
-                <a:ea typeface="Calibri"/>
-                <a:cs typeface="Calibri"/>
-                <a:sym typeface="Calibri"/>
+              <a:rPr lang="en">
+                <a:solidFill>
+                  <a:srgbClr val="000000"/>
+                </a:solidFill>
               </a:rPr>
-              <a:t>Income loss has been experienced across the country during the pandemic, with Nevada being affected the most.</a:t>
-            </a:r>
-            <a:endParaRPr i="1" sz="1200">
-              <a:latin typeface="Calibri"/>
-              <a:ea typeface="Calibri"/>
-              <a:cs typeface="Calibri"/>
-              <a:sym typeface="Calibri"/>
+              <a:t>The COVID-19 pandemic has affected many of us. With depression and social isolation on the rise, and with many businesses closing affecting employment negatively, we are looking for solutions to lift up the mood and bring in an element of fun and togetherness. We need an outlet to combat feelings of loneliness and lack of motivation due to COVID-19.  In this project, we aim at helping a specific group of people who have been affected negatively by the pandemic: </a:t>
+            </a:r>
+            <a:r>
+              <a:rPr b="1" lang="en">
+                <a:solidFill>
+                  <a:srgbClr val="000000"/>
+                </a:solidFill>
+              </a:rPr>
+              <a:t>B</a:t>
+            </a:r>
+            <a:r>
+              <a:rPr b="1" lang="en">
+                <a:solidFill>
+                  <a:srgbClr val="000000"/>
+                </a:solidFill>
+              </a:rPr>
+              <a:t>artenders.</a:t>
+            </a:r>
+            <a:r>
+              <a:rPr lang="en">
+                <a:solidFill>
+                  <a:srgbClr val="000000"/>
+                </a:solidFill>
+              </a:rPr>
+              <a:t> </a:t>
+            </a:r>
+            <a:endParaRPr>
+              <a:solidFill>
+                <a:srgbClr val="000000"/>
+              </a:solidFill>
+            </a:endParaRPr>
+          </a:p>
+          <a:p>
+            <a:pPr indent="0" lvl="0" marL="0" rtl="0" algn="l">
+              <a:spcBef>
+                <a:spcPts val="1600"/>
+              </a:spcBef>
+              <a:spcAft>
+                <a:spcPts val="0"/>
+              </a:spcAft>
+              <a:buNone/>
+            </a:pPr>
+            <a:r>
+              <a:rPr b="1" lang="en" sz="1600">
+                <a:solidFill>
+                  <a:srgbClr val="000000"/>
+                </a:solidFill>
+              </a:rPr>
+              <a:t>Bartenders need a way to maintain socializing with people that share their trade, motivation, and continue to practice their skill. </a:t>
+            </a:r>
+            <a:endParaRPr b="1" sz="1600">
+              <a:solidFill>
+                <a:srgbClr val="000000"/>
+              </a:solidFill>
+            </a:endParaRPr>
+          </a:p>
+          <a:p>
+            <a:pPr indent="0" lvl="0" marL="0" rtl="0" algn="l">
+              <a:spcBef>
+                <a:spcPts val="1600"/>
+              </a:spcBef>
+              <a:spcAft>
+                <a:spcPts val="0"/>
+              </a:spcAft>
+              <a:buNone/>
+            </a:pPr>
+            <a:r>
+              <a:t/>
+            </a:r>
+            <a:endParaRPr>
+              <a:solidFill>
+                <a:srgbClr val="000000"/>
+              </a:solidFill>
+            </a:endParaRPr>
+          </a:p>
+          <a:p>
+            <a:pPr indent="0" lvl="0" marL="0" rtl="0" algn="l">
+              <a:spcBef>
+                <a:spcPts val="1600"/>
+              </a:spcBef>
+              <a:spcAft>
+                <a:spcPts val="0"/>
+              </a:spcAft>
+              <a:buNone/>
+            </a:pPr>
+            <a:r>
+              <a:rPr b="1" lang="en">
+                <a:solidFill>
+                  <a:srgbClr val="000000"/>
+                </a:solidFill>
+              </a:rPr>
+              <a:t>How might we</a:t>
+            </a:r>
+            <a:r>
+              <a:rPr lang="en">
+                <a:solidFill>
+                  <a:srgbClr val="000000"/>
+                </a:solidFill>
+              </a:rPr>
+              <a:t> maintain the fun of the bar scene, while bars are closed?</a:t>
+            </a:r>
+            <a:endParaRPr sz="1000">
+              <a:solidFill>
+                <a:srgbClr val="000000"/>
+              </a:solidFill>
+              <a:latin typeface="Roboto"/>
+              <a:ea typeface="Roboto"/>
+              <a:cs typeface="Roboto"/>
+              <a:sym typeface="Roboto"/>
+            </a:endParaRPr>
+          </a:p>
+          <a:p>
+            <a:pPr indent="0" lvl="0" marL="0" rtl="0" algn="l">
+              <a:spcBef>
+                <a:spcPts val="1600"/>
+              </a:spcBef>
+              <a:spcAft>
+                <a:spcPts val="1600"/>
+              </a:spcAft>
+              <a:buNone/>
+            </a:pPr>
+            <a:r>
+              <a:t/>
+            </a:r>
+            <a:endParaRPr>
+              <a:solidFill>
+                <a:srgbClr val="000000"/>
+              </a:solidFill>
             </a:endParaRPr>
           </a:p>
         </p:txBody>
       </p:sp>
-      <p:pic>
-        <p:nvPicPr>
-          <p:cNvPr id="177" name="Google Shape;177;p20"/>
-          <p:cNvPicPr preferRelativeResize="0"/>
-          <p:nvPr/>
-        </p:nvPicPr>
-        <p:blipFill>
-          <a:blip r:embed="rId3">
-            <a:alphaModFix/>
-          </a:blip>
-          <a:stretch>
-            <a:fillRect/>
-          </a:stretch>
-        </p:blipFill>
-        <p:spPr>
-          <a:xfrm>
-            <a:off x="269463" y="1496113"/>
-            <a:ext cx="8605070" cy="2151275"/>
-          </a:xfrm>
-          <a:prstGeom prst="rect">
-            <a:avLst/>
-          </a:prstGeom>
-          <a:noFill/>
-          <a:ln>
-            <a:noFill/>
-          </a:ln>
-        </p:spPr>
-      </p:pic>
     </p:spTree>
   </p:cSld>
   <p:clrMapOvr>
@@ -12691,7 +15022,7 @@
   <p:cSld>
     <p:spTree>
       <p:nvGrpSpPr>
-        <p:cNvPr id="181" name="Shape 181"/>
+        <p:cNvPr id="183" name="Shape 183"/>
         <p:cNvGrpSpPr/>
         <p:nvPr/>
       </p:nvGrpSpPr>
@@ -12705,7 +15036,62 @@
       </p:grpSpPr>
       <p:sp>
         <p:nvSpPr>
-          <p:cNvPr id="182" name="Google Shape;182;p21"/>
+          <p:cNvPr id="184" name="Google Shape;184;p21"/>
+          <p:cNvSpPr txBox="1"/>
+          <p:nvPr>
+            <p:ph type="title"/>
+          </p:nvPr>
+        </p:nvSpPr>
+        <p:spPr>
+          <a:xfrm>
+            <a:off x="819150" y="638950"/>
+            <a:ext cx="7505700" cy="556200"/>
+          </a:xfrm>
+          <a:prstGeom prst="rect">
+            <a:avLst/>
+          </a:prstGeom>
+        </p:spPr>
+        <p:txBody>
+          <a:bodyPr anchorCtr="0" anchor="t" bIns="91425" lIns="91425" spcFirstLastPara="1" rIns="91425" wrap="square" tIns="91425">
+            <a:noAutofit/>
+          </a:bodyPr>
+          <a:lstStyle/>
+          <a:p>
+            <a:pPr indent="0" lvl="0" marL="0" rtl="0" algn="l">
+              <a:spcBef>
+                <a:spcPts val="0"/>
+              </a:spcBef>
+              <a:spcAft>
+                <a:spcPts val="0"/>
+              </a:spcAft>
+              <a:buNone/>
+            </a:pPr>
+            <a:r>
+              <a:rPr lang="en" sz="2500"/>
+              <a:t>Solution Statement</a:t>
+            </a:r>
+            <a:endParaRPr sz="2500"/>
+          </a:p>
+          <a:p>
+            <a:pPr indent="0" lvl="0" marL="0" rtl="0" algn="l">
+              <a:spcBef>
+                <a:spcPts val="0"/>
+              </a:spcBef>
+              <a:spcAft>
+                <a:spcPts val="0"/>
+              </a:spcAft>
+              <a:buNone/>
+            </a:pPr>
+            <a:r>
+              <a:t/>
+            </a:r>
+            <a:endParaRPr sz="2500"/>
+          </a:p>
+        </p:txBody>
+      </p:sp>
+      <p:sp>
+        <p:nvSpPr>
+          <p:cNvPr id="185" name="Google Shape;185;p21"/>
           <p:cNvSpPr txBox="1"/>
           <p:nvPr>
             <p:ph idx="1" type="body"/>
@@ -12713,8 +15099,8 @@
         </p:nvSpPr>
         <p:spPr>
           <a:xfrm>
-            <a:off x="4572000" y="511875"/>
-            <a:ext cx="4198800" cy="1770600"/>
+            <a:off x="819150" y="1195150"/>
+            <a:ext cx="5710200" cy="786600"/>
           </a:xfrm>
           <a:prstGeom prst="rect">
             <a:avLst/>
@@ -12727,84 +15113,63 @@
           <a:lstStyle/>
           <a:p>
             <a:pPr indent="0" lvl="0" marL="0" rtl="0" algn="l">
-              <a:spcBef>
-                <a:spcPts val="0"/>
-              </a:spcBef>
-              <a:spcAft>
-                <a:spcPts val="0"/>
-              </a:spcAft>
-              <a:buNone/>
-            </a:pPr>
-            <a:r>
-              <a:rPr lang="en"/>
-              <a:t>Frustrations</a:t>
-            </a:r>
-            <a:endParaRPr/>
-          </a:p>
-          <a:p>
-            <a:pPr indent="-311150" lvl="0" marL="457200" rtl="0" algn="l">
-              <a:spcBef>
+              <a:lnSpc>
+                <a:spcPct val="100000"/>
+              </a:lnSpc>
+              <a:spcBef>
+                <a:spcPts val="0"/>
+              </a:spcBef>
+              <a:spcAft>
+                <a:spcPts val="0"/>
+              </a:spcAft>
+              <a:buNone/>
+            </a:pPr>
+            <a:r>
+              <a:rPr b="1" lang="en">
+                <a:solidFill>
+                  <a:srgbClr val="000000"/>
+                </a:solidFill>
+              </a:rPr>
+              <a:t>Challenge.ME </a:t>
+            </a:r>
+            <a:r>
+              <a:rPr lang="en">
+                <a:solidFill>
+                  <a:srgbClr val="000000"/>
+                </a:solidFill>
+              </a:rPr>
+              <a:t>connects bartenders with contests that allow them to practice or test their unique skills against others.</a:t>
+            </a:r>
+            <a:endParaRPr>
+              <a:solidFill>
+                <a:srgbClr val="000000"/>
+              </a:solidFill>
+            </a:endParaRPr>
+          </a:p>
+          <a:p>
+            <a:pPr indent="0" lvl="0" marL="0" rtl="0" algn="l">
+              <a:spcBef>
+                <a:spcPts val="0"/>
+              </a:spcBef>
+              <a:spcAft>
                 <a:spcPts val="1600"/>
-              </a:spcBef>
-              <a:spcAft>
-                <a:spcPts val="0"/>
-              </a:spcAft>
-              <a:buSzPts val="1300"/>
-              <a:buChar char="●"/>
-            </a:pPr>
-            <a:r>
-              <a:rPr lang="en"/>
-              <a:t>Bar he worked at is closed due to Covid-19 and he has been </a:t>
-            </a:r>
-            <a:r>
-              <a:rPr lang="en"/>
-              <a:t>laid</a:t>
-            </a:r>
-            <a:r>
-              <a:rPr lang="en"/>
-              <a:t> off</a:t>
-            </a:r>
-            <a:endParaRPr/>
-          </a:p>
-          <a:p>
-            <a:pPr indent="-311150" lvl="0" marL="457200" rtl="0" algn="l">
-              <a:spcBef>
-                <a:spcPts val="0"/>
-              </a:spcBef>
-              <a:spcAft>
-                <a:spcPts val="0"/>
-              </a:spcAft>
-              <a:buSzPts val="1300"/>
-              <a:buChar char="●"/>
-            </a:pPr>
-            <a:r>
-              <a:rPr lang="en"/>
-              <a:t>Feels depressed because he doesn’t see his customers everyday</a:t>
-            </a:r>
-            <a:endParaRPr/>
-          </a:p>
-          <a:p>
-            <a:pPr indent="-311150" lvl="0" marL="457200" rtl="0" algn="l">
-              <a:spcBef>
-                <a:spcPts val="0"/>
-              </a:spcBef>
-              <a:spcAft>
-                <a:spcPts val="0"/>
-              </a:spcAft>
-              <a:buSzPts val="1300"/>
-              <a:buChar char="●"/>
-            </a:pPr>
-            <a:r>
-              <a:rPr lang="en"/>
-              <a:t>Feels anxious and  uninspired to do anything because he is unsure of the future</a:t>
-            </a:r>
-            <a:endParaRPr/>
+              </a:spcAft>
+              <a:buNone/>
+            </a:pPr>
+            <a:r>
+              <a:t/>
+            </a:r>
+            <a:endParaRPr>
+              <a:solidFill>
+                <a:srgbClr val="000000"/>
+              </a:solidFill>
+            </a:endParaRPr>
           </a:p>
         </p:txBody>
       </p:sp>
       <p:sp>
         <p:nvSpPr>
-          <p:cNvPr id="183" name="Google Shape;183;p21"/>
+          <p:cNvPr id="186" name="Google Shape;186;p21"/>
           <p:cNvSpPr txBox="1"/>
           <p:nvPr>
             <p:ph idx="1" type="body"/>
@@ -12812,8 +15177,8 @@
         </p:nvSpPr>
         <p:spPr>
           <a:xfrm>
-            <a:off x="4572000" y="2469050"/>
-            <a:ext cx="3684900" cy="2039400"/>
+            <a:off x="1889250" y="2050725"/>
+            <a:ext cx="6469500" cy="2544000"/>
           </a:xfrm>
           <a:prstGeom prst="rect">
             <a:avLst/>
@@ -12826,90 +15191,250 @@
           <a:lstStyle/>
           <a:p>
             <a:pPr indent="0" lvl="0" marL="0" rtl="0" algn="l">
-              <a:spcBef>
-                <a:spcPts val="0"/>
-              </a:spcBef>
-              <a:spcAft>
-                <a:spcPts val="0"/>
-              </a:spcAft>
-              <a:buNone/>
-            </a:pPr>
-            <a:r>
-              <a:rPr lang="en"/>
-              <a:t>Goals</a:t>
-            </a:r>
-            <a:endParaRPr/>
+              <a:lnSpc>
+                <a:spcPct val="100000"/>
+              </a:lnSpc>
+              <a:spcBef>
+                <a:spcPts val="0"/>
+              </a:spcBef>
+              <a:spcAft>
+                <a:spcPts val="0"/>
+              </a:spcAft>
+              <a:buNone/>
+            </a:pPr>
+            <a:r>
+              <a:rPr b="1" lang="en" sz="1500">
+                <a:solidFill>
+                  <a:srgbClr val="000000"/>
+                </a:solidFill>
+              </a:rPr>
+              <a:t>Challenge.ME Features</a:t>
+            </a:r>
+            <a:endParaRPr b="1" sz="1500">
+              <a:solidFill>
+                <a:srgbClr val="000000"/>
+              </a:solidFill>
+            </a:endParaRPr>
+          </a:p>
+          <a:p>
+            <a:pPr indent="0" lvl="0" marL="0" rtl="0" algn="l">
+              <a:lnSpc>
+                <a:spcPct val="100000"/>
+              </a:lnSpc>
+              <a:spcBef>
+                <a:spcPts val="0"/>
+              </a:spcBef>
+              <a:spcAft>
+                <a:spcPts val="0"/>
+              </a:spcAft>
+              <a:buNone/>
+            </a:pPr>
+            <a:r>
+              <a:t/>
+            </a:r>
+            <a:endParaRPr>
+              <a:solidFill>
+                <a:srgbClr val="000000"/>
+              </a:solidFill>
+            </a:endParaRPr>
           </a:p>
           <a:p>
             <a:pPr indent="-311150" lvl="0" marL="457200" rtl="0" algn="l">
-              <a:spcBef>
-                <a:spcPts val="1600"/>
-              </a:spcBef>
-              <a:spcAft>
-                <a:spcPts val="0"/>
-              </a:spcAft>
+              <a:lnSpc>
+                <a:spcPct val="100000"/>
+              </a:lnSpc>
+              <a:spcBef>
+                <a:spcPts val="0"/>
+              </a:spcBef>
+              <a:spcAft>
+                <a:spcPts val="0"/>
+              </a:spcAft>
+              <a:buClr>
+                <a:srgbClr val="000000"/>
+              </a:buClr>
               <a:buSzPts val="1300"/>
               <a:buChar char="●"/>
             </a:pPr>
             <a:r>
-              <a:rPr lang="en"/>
-              <a:t> He wants to connect with people again and share his love for cocktails with others</a:t>
-            </a:r>
-            <a:endParaRPr/>
+              <a:rPr b="1" lang="en">
+                <a:solidFill>
+                  <a:srgbClr val="000000"/>
+                </a:solidFill>
+              </a:rPr>
+              <a:t>Communicate: </a:t>
+            </a:r>
+            <a:r>
+              <a:rPr lang="en">
+                <a:solidFill>
+                  <a:srgbClr val="000000"/>
+                </a:solidFill>
+              </a:rPr>
+              <a:t>Promotes Remote Togetherness by allowing you to chat with other Bartenders in each contest page</a:t>
+            </a:r>
+            <a:endParaRPr>
+              <a:solidFill>
+                <a:srgbClr val="000000"/>
+              </a:solidFill>
+            </a:endParaRPr>
+          </a:p>
+          <a:p>
+            <a:pPr indent="0" lvl="0" marL="457200" rtl="0" algn="l">
+              <a:lnSpc>
+                <a:spcPct val="100000"/>
+              </a:lnSpc>
+              <a:spcBef>
+                <a:spcPts val="0"/>
+              </a:spcBef>
+              <a:spcAft>
+                <a:spcPts val="0"/>
+              </a:spcAft>
+              <a:buNone/>
+            </a:pPr>
+            <a:r>
+              <a:t/>
+            </a:r>
+            <a:endParaRPr>
+              <a:solidFill>
+                <a:srgbClr val="000000"/>
+              </a:solidFill>
+            </a:endParaRPr>
           </a:p>
           <a:p>
             <a:pPr indent="-311150" lvl="0" marL="457200" rtl="0" algn="l">
-              <a:spcBef>
-                <a:spcPts val="0"/>
-              </a:spcBef>
-              <a:spcAft>
-                <a:spcPts val="0"/>
-              </a:spcAft>
+              <a:lnSpc>
+                <a:spcPct val="100000"/>
+              </a:lnSpc>
+              <a:spcBef>
+                <a:spcPts val="0"/>
+              </a:spcBef>
+              <a:spcAft>
+                <a:spcPts val="0"/>
+              </a:spcAft>
+              <a:buClr>
+                <a:srgbClr val="000000"/>
+              </a:buClr>
               <a:buSzPts val="1300"/>
               <a:buChar char="●"/>
             </a:pPr>
             <a:r>
-              <a:rPr lang="en"/>
-              <a:t>Wants to keep his bartending skills sharp for when he can return to work</a:t>
-            </a:r>
-            <a:endParaRPr/>
+              <a:rPr b="1" lang="en">
+                <a:solidFill>
+                  <a:srgbClr val="000000"/>
+                </a:solidFill>
+              </a:rPr>
+              <a:t>Create: </a:t>
+            </a:r>
+            <a:r>
+              <a:rPr lang="en">
+                <a:solidFill>
+                  <a:srgbClr val="000000"/>
+                </a:solidFill>
+              </a:rPr>
+              <a:t>Upskill your craft by competing in drink-related challenges</a:t>
+            </a:r>
+            <a:endParaRPr>
+              <a:solidFill>
+                <a:srgbClr val="000000"/>
+              </a:solidFill>
+            </a:endParaRPr>
+          </a:p>
+          <a:p>
+            <a:pPr indent="0" lvl="0" marL="457200" rtl="0" algn="l">
+              <a:lnSpc>
+                <a:spcPct val="100000"/>
+              </a:lnSpc>
+              <a:spcBef>
+                <a:spcPts val="0"/>
+              </a:spcBef>
+              <a:spcAft>
+                <a:spcPts val="0"/>
+              </a:spcAft>
+              <a:buNone/>
+            </a:pPr>
+            <a:r>
+              <a:t/>
+            </a:r>
+            <a:endParaRPr>
+              <a:solidFill>
+                <a:srgbClr val="000000"/>
+              </a:solidFill>
+            </a:endParaRPr>
           </a:p>
           <a:p>
             <a:pPr indent="-311150" lvl="0" marL="457200" rtl="0" algn="l">
-              <a:spcBef>
-                <a:spcPts val="0"/>
-              </a:spcBef>
-              <a:spcAft>
-                <a:spcPts val="0"/>
-              </a:spcAft>
+              <a:lnSpc>
+                <a:spcPct val="100000"/>
+              </a:lnSpc>
+              <a:spcBef>
+                <a:spcPts val="0"/>
+              </a:spcBef>
+              <a:spcAft>
+                <a:spcPts val="0"/>
+              </a:spcAft>
+              <a:buClr>
+                <a:srgbClr val="000000"/>
+              </a:buClr>
               <a:buSzPts val="1300"/>
               <a:buChar char="●"/>
             </a:pPr>
             <a:r>
-              <a:rPr lang="en"/>
-              <a:t> Wants to do something productive with his time instead of binge watching shows</a:t>
-            </a:r>
-            <a:endParaRPr/>
+              <a:rPr b="1" lang="en">
+                <a:solidFill>
+                  <a:srgbClr val="000000"/>
+                </a:solidFill>
+              </a:rPr>
+              <a:t>Compete:</a:t>
+            </a:r>
+            <a:r>
+              <a:rPr lang="en">
+                <a:solidFill>
+                  <a:srgbClr val="000000"/>
+                </a:solidFill>
+              </a:rPr>
+              <a:t> A little </a:t>
+            </a:r>
+            <a:r>
+              <a:rPr lang="en">
+                <a:solidFill>
+                  <a:srgbClr val="000000"/>
+                </a:solidFill>
+              </a:rPr>
+              <a:t>competition</a:t>
+            </a:r>
+            <a:r>
+              <a:rPr lang="en">
+                <a:solidFill>
+                  <a:srgbClr val="000000"/>
+                </a:solidFill>
+              </a:rPr>
+              <a:t> to get the blood flowing! The more people you beat in a competition you move up in our Challenge.ME Leaderboard!  </a:t>
+            </a:r>
+            <a:endParaRPr>
+              <a:solidFill>
+                <a:srgbClr val="000000"/>
+              </a:solidFill>
+            </a:endParaRPr>
           </a:p>
         </p:txBody>
       </p:sp>
       <p:pic>
         <p:nvPicPr>
-          <p:cNvPr id="184" name="Google Shape;184;p21"/>
+          <p:cNvPr id="187" name="Google Shape;187;p21"/>
           <p:cNvPicPr preferRelativeResize="0"/>
           <p:nvPr/>
         </p:nvPicPr>
-        <p:blipFill rotWithShape="1">
+        <p:blipFill>
           <a:blip r:embed="rId3">
             <a:alphaModFix/>
           </a:blip>
-          <a:srcRect b="0" l="32580" r="-6" t="0"/>
-          <a:stretch/>
+          <a:stretch>
+            <a:fillRect/>
+          </a:stretch>
         </p:blipFill>
         <p:spPr>
           <a:xfrm>
-            <a:off x="283550" y="363025"/>
-            <a:ext cx="4140279" cy="4094650"/>
+            <a:off x="726138" y="2543100"/>
+            <a:ext cx="967300" cy="369950"/>
           </a:xfrm>
           <a:prstGeom prst="rect">
             <a:avLst/>
@@ -12920,49 +15445,62 @@
           </a:ln>
         </p:spPr>
       </p:pic>
-      <p:sp>
-        <p:nvSpPr>
-          <p:cNvPr id="185" name="Google Shape;185;p21"/>
-          <p:cNvSpPr txBox="1"/>
-          <p:nvPr>
-            <p:ph type="title"/>
-          </p:nvPr>
-        </p:nvSpPr>
-        <p:spPr>
-          <a:xfrm>
-            <a:off x="511225" y="4009600"/>
-            <a:ext cx="3684900" cy="630900"/>
+      <p:pic>
+        <p:nvPicPr>
+          <p:cNvPr id="188" name="Google Shape;188;p21"/>
+          <p:cNvPicPr preferRelativeResize="0"/>
+          <p:nvPr/>
+        </p:nvPicPr>
+        <p:blipFill>
+          <a:blip r:embed="rId4">
+            <a:alphaModFix/>
+          </a:blip>
+          <a:stretch>
+            <a:fillRect/>
+          </a:stretch>
+        </p:blipFill>
+        <p:spPr>
+          <a:xfrm>
+            <a:off x="1031575" y="2913051"/>
+            <a:ext cx="539674" cy="556200"/>
           </a:xfrm>
           <a:prstGeom prst="rect">
             <a:avLst/>
           </a:prstGeom>
-          <a:solidFill>
-            <a:srgbClr val="FFFFFF"/>
-          </a:solidFill>
-        </p:spPr>
-        <p:txBody>
-          <a:bodyPr anchorCtr="0" anchor="t" bIns="91425" lIns="91425" spcFirstLastPara="1" rIns="91425" wrap="square" tIns="91425">
-            <a:noAutofit/>
-          </a:bodyPr>
-          <a:lstStyle/>
-          <a:p>
-            <a:pPr indent="0" lvl="0" marL="0" rtl="0" algn="l">
-              <a:spcBef>
-                <a:spcPts val="0"/>
-              </a:spcBef>
-              <a:spcAft>
-                <a:spcPts val="0"/>
-              </a:spcAft>
-              <a:buNone/>
-            </a:pPr>
-            <a:r>
-              <a:rPr lang="en"/>
-              <a:t>Competitor Charles</a:t>
-            </a:r>
-            <a:endParaRPr/>
-          </a:p>
-        </p:txBody>
-      </p:sp>
+          <a:noFill/>
+          <a:ln>
+            <a:noFill/>
+          </a:ln>
+        </p:spPr>
+      </p:pic>
+      <p:pic>
+        <p:nvPicPr>
+          <p:cNvPr id="189" name="Google Shape;189;p21"/>
+          <p:cNvPicPr preferRelativeResize="0"/>
+          <p:nvPr/>
+        </p:nvPicPr>
+        <p:blipFill>
+          <a:blip r:embed="rId5">
+            <a:alphaModFix/>
+          </a:blip>
+          <a:stretch>
+            <a:fillRect/>
+          </a:stretch>
+        </p:blipFill>
+        <p:spPr>
+          <a:xfrm>
+            <a:off x="1031566" y="3474395"/>
+            <a:ext cx="539675" cy="547206"/>
+          </a:xfrm>
+          <a:prstGeom prst="rect">
+            <a:avLst/>
+          </a:prstGeom>
+          <a:noFill/>
+          <a:ln>
+            <a:noFill/>
+          </a:ln>
+        </p:spPr>
+      </p:pic>
     </p:spTree>
   </p:cSld>
   <p:clrMapOvr>
